--- a/Courses/Software-Sciences/Module-1-OOP/09.1-Inheritance-Basics/09.1-Inheritance-Basics.pptx
+++ b/Courses/Software-Sciences/Module-1-OOP/09.1-Inheritance-Basics/09.1-Inheritance-Basics.pptx
@@ -5,10 +5,10 @@
     <p:sldMasterId id="2147483675" r:id="rId1"/>
   </p:sldMasterIdLst>
   <p:notesMasterIdLst>
-    <p:notesMasterId r:id="rId28"/>
+    <p:notesMasterId r:id="rId27"/>
   </p:notesMasterIdLst>
   <p:handoutMasterIdLst>
-    <p:handoutMasterId r:id="rId29"/>
+    <p:handoutMasterId r:id="rId28"/>
   </p:handoutMasterIdLst>
   <p:sldIdLst>
     <p:sldId id="291" r:id="rId2"/>
@@ -33,10 +33,9 @@
     <p:sldId id="494" r:id="rId21"/>
     <p:sldId id="312" r:id="rId22"/>
     <p:sldId id="315" r:id="rId23"/>
-    <p:sldId id="498" r:id="rId24"/>
-    <p:sldId id="326" r:id="rId25"/>
-    <p:sldId id="401" r:id="rId26"/>
-    <p:sldId id="493" r:id="rId27"/>
+    <p:sldId id="326" r:id="rId24"/>
+    <p:sldId id="401" r:id="rId25"/>
+    <p:sldId id="493" r:id="rId26"/>
   </p:sldIdLst>
   <p:sldSz cx="12192000" cy="6858000"/>
   <p:notesSz cx="6858000" cy="9144000"/>
@@ -138,7 +137,7 @@
   <p:extLst>
     <p:ext uri="{521415D9-36F7-43E2-AB2F-B90AF26B5E84}">
       <p14:sectionLst xmlns:p14="http://schemas.microsoft.com/office/powerpoint/2010/main">
-        <p14:section name="Intro" id="{37FF3DA2-98E3-4B11-9622-15A7DDF55582}">
+        <p14:section name="Въведение" id="{37FF3DA2-98E3-4B11-9622-15A7DDF55582}">
           <p14:sldIdLst>
             <p14:sldId id="291"/>
             <p14:sldId id="292"/>
@@ -178,7 +177,6 @@
             <p14:sldId id="494"/>
             <p14:sldId id="312"/>
             <p14:sldId id="315"/>
-            <p14:sldId id="498"/>
           </p14:sldIdLst>
         </p14:section>
         <p14:section name="Обобщение" id="{93303A64-A802-4F3D-9932-56EA437A8A52}">
@@ -266,7 +264,7 @@
             </a:lvl1pPr>
           </a:lstStyle>
           <a:p>
-            <a:endParaRPr lang="bg-BG"/>
+            <a:endParaRPr lang="bg-BG" dirty="0"/>
           </a:p>
         </p:txBody>
       </p:sp>
@@ -305,9 +303,9 @@
           <a:p>
             <a:fld id="{4E087215-0C8F-4762-A664-737A353EC9A4}" type="datetimeFigureOut">
               <a:rPr lang="bg-BG" smtClean="0"/>
-              <a:t>21.01.23 г.</a:t>
+              <a:t>17.05.23 г.</a:t>
             </a:fld>
-            <a:endParaRPr lang="bg-BG"/>
+            <a:endParaRPr lang="bg-BG" dirty="0"/>
           </a:p>
         </p:txBody>
       </p:sp>
@@ -463,7 +461,7 @@
             </a:lvl1pPr>
           </a:lstStyle>
           <a:p>
-            <a:endParaRPr lang="en-US"/>
+            <a:endParaRPr lang="en-US" dirty="0"/>
           </a:p>
         </p:txBody>
       </p:sp>
@@ -496,9 +494,9 @@
           <a:p>
             <a:fld id="{72D84649-876A-46C9-8472-14CB09C070D8}" type="datetimeFigureOut">
               <a:rPr lang="en-US" smtClean="0"/>
-              <a:t>1/21/23</a:t>
+              <a:t>5/17/23</a:t>
             </a:fld>
-            <a:endParaRPr lang="en-US"/>
+            <a:endParaRPr lang="en-US" dirty="0"/>
           </a:p>
         </p:txBody>
       </p:sp>
@@ -531,7 +529,7 @@
           <a:bodyPr vert="horz" lIns="91440" tIns="45720" rIns="91440" bIns="45720" rtlCol="0" anchor="ctr"/>
           <a:lstStyle/>
           <a:p>
-            <a:endParaRPr lang="en-US"/>
+            <a:endParaRPr lang="en-US" dirty="0"/>
           </a:p>
         </p:txBody>
       </p:sp>
@@ -2447,7 +2445,7 @@
           <a:bodyPr/>
           <a:lstStyle/>
           <a:p>
-            <a:endParaRPr lang="en-US"/>
+            <a:endParaRPr lang="en-US" dirty="0"/>
           </a:p>
         </p:txBody>
       </p:sp>
@@ -2469,7 +2467,7 @@
             <a:fld id="{3EBA5BD7-F043-4D1B-AA17-CD412FC534DE}" type="slidenum">
               <a:rPr lang="en-US" smtClean="0"/>
               <a:pPr/>
-              <a:t>24</a:t>
+              <a:t>23</a:t>
             </a:fld>
             <a:endParaRPr lang="en-US" dirty="0"/>
           </a:p>
@@ -2582,7 +2580,7 @@
           <a:bodyPr/>
           <a:lstStyle/>
           <a:p>
-            <a:endParaRPr lang="en-US"/>
+            <a:endParaRPr lang="en-US" dirty="0"/>
           </a:p>
         </p:txBody>
       </p:sp>
@@ -2710,7 +2708,7 @@
             <a:fld id="{3EBA5BD7-F043-4D1B-AA17-CD412FC534DE}" type="slidenum">
               <a:rPr lang="en-US" smtClean="0"/>
               <a:pPr/>
-              <a:t>25</a:t>
+              <a:t>24</a:t>
             </a:fld>
             <a:endParaRPr lang="en-US" dirty="0"/>
           </a:p>
@@ -2951,7 +2949,7 @@
             <a:fld id="{3EBA5BD7-F043-4D1B-AA17-CD412FC534DE}" type="slidenum">
               <a:rPr lang="en-US" smtClean="0"/>
               <a:pPr/>
-              <a:t>26</a:t>
+              <a:t>25</a:t>
             </a:fld>
             <a:endParaRPr lang="en-US" dirty="0"/>
           </a:p>
@@ -4732,7 +4730,7 @@
               <a:tabLst/>
               <a:defRPr/>
             </a:pPr>
-            <a:endParaRPr kumimoji="0" lang="en-US" altLang="ko-KR" sz="2398" b="0" i="0" u="none" strike="noStrike" kern="1200" cap="none" spc="0" normalizeH="0" baseline="0" noProof="0">
+            <a:endParaRPr kumimoji="0" lang="en-US" altLang="ko-KR" sz="2398" b="0" i="0" u="none" strike="noStrike" kern="1200" cap="none" spc="0" normalizeH="0" baseline="0" noProof="0" dirty="0">
               <a:ln>
                 <a:noFill/>
               </a:ln>
@@ -5361,7 +5359,7 @@
               <a:tabLst/>
               <a:defRPr/>
             </a:pPr>
-            <a:endParaRPr kumimoji="0" lang="en-US" altLang="ko-KR" sz="2398" b="0" i="0" u="none" strike="noStrike" kern="1200" cap="none" spc="0" normalizeH="0" baseline="0" noProof="0">
+            <a:endParaRPr kumimoji="0" lang="en-US" altLang="ko-KR" sz="2398" b="0" i="0" u="none" strike="noStrike" kern="1200" cap="none" spc="0" normalizeH="0" baseline="0" noProof="0" dirty="0">
               <a:ln>
                 <a:noFill/>
               </a:ln>
@@ -5484,7 +5482,7 @@
               <a:tabLst/>
               <a:defRPr/>
             </a:pPr>
-            <a:endParaRPr kumimoji="0" lang="en-US" altLang="ko-KR" sz="2398" b="0" i="0" u="none" strike="noStrike" kern="1200" cap="none" spc="0" normalizeH="0" baseline="0" noProof="0">
+            <a:endParaRPr kumimoji="0" lang="en-US" altLang="ko-KR" sz="2398" b="0" i="0" u="none" strike="noStrike" kern="1200" cap="none" spc="0" normalizeH="0" baseline="0" noProof="0" dirty="0">
               <a:ln>
                 <a:noFill/>
               </a:ln>
@@ -5757,7 +5755,7 @@
               <a:tabLst/>
               <a:defRPr/>
             </a:pPr>
-            <a:endParaRPr kumimoji="0" lang="en-US" altLang="ko-KR" sz="2398" b="0" i="0" u="none" strike="noStrike" kern="1200" cap="none" spc="0" normalizeH="0" baseline="0" noProof="0">
+            <a:endParaRPr kumimoji="0" lang="en-US" altLang="ko-KR" sz="2398" b="0" i="0" u="none" strike="noStrike" kern="1200" cap="none" spc="0" normalizeH="0" baseline="0" noProof="0" dirty="0">
               <a:ln>
                 <a:noFill/>
               </a:ln>
@@ -5943,7 +5941,7 @@
               <a:pPr/>
               <a:t>‹#›</a:t>
             </a:fld>
-            <a:endParaRPr lang="en-US" noProof="0"/>
+            <a:endParaRPr lang="en-US" noProof="0" dirty="0"/>
           </a:p>
         </p:txBody>
       </p:sp>
@@ -6097,7 +6095,7 @@
           </a:lstStyle>
           <a:p>
             <a:r>
-              <a:rPr lang="en-US" altLang="ko-KR" noProof="0"/>
+              <a:rPr lang="en-US" altLang="ko-KR" noProof="0" dirty="0"/>
               <a:t>Your Picture Here</a:t>
             </a:r>
           </a:p>
@@ -6161,7 +6159,7 @@
               <a:tabLst/>
               <a:defRPr/>
             </a:pPr>
-            <a:endParaRPr kumimoji="0" lang="en-US" altLang="ko-KR" sz="2398" b="0" i="0" u="none" strike="noStrike" kern="1200" cap="none" spc="0" normalizeH="0" baseline="0" noProof="0">
+            <a:endParaRPr kumimoji="0" lang="en-US" altLang="ko-KR" sz="2398" b="0" i="0" u="none" strike="noStrike" kern="1200" cap="none" spc="0" normalizeH="0" baseline="0" noProof="0" dirty="0">
               <a:ln>
                 <a:noFill/>
               </a:ln>
@@ -6236,7 +6234,7 @@
               <a:tabLst/>
               <a:defRPr/>
             </a:pPr>
-            <a:endParaRPr kumimoji="0" lang="en-US" altLang="ko-KR" sz="2398" b="0" i="0" u="none" strike="noStrike" kern="1200" cap="none" spc="0" normalizeH="0" baseline="0" noProof="0">
+            <a:endParaRPr kumimoji="0" lang="en-US" altLang="ko-KR" sz="2398" b="0" i="0" u="none" strike="noStrike" kern="1200" cap="none" spc="0" normalizeH="0" baseline="0" noProof="0" dirty="0">
               <a:ln>
                 <a:noFill/>
               </a:ln>
@@ -6317,7 +6315,7 @@
               <a:tabLst/>
               <a:defRPr/>
             </a:pPr>
-            <a:endParaRPr kumimoji="0" lang="en-US" altLang="ko-KR" sz="2398" b="0" i="0" u="none" strike="noStrike" kern="1200" cap="none" spc="0" normalizeH="0" baseline="0" noProof="0">
+            <a:endParaRPr kumimoji="0" lang="en-US" altLang="ko-KR" sz="2398" b="0" i="0" u="none" strike="noStrike" kern="1200" cap="none" spc="0" normalizeH="0" baseline="0" noProof="0" dirty="0">
               <a:ln>
                 <a:noFill/>
               </a:ln>
@@ -6398,7 +6396,7 @@
               <a:tabLst/>
               <a:defRPr/>
             </a:pPr>
-            <a:endParaRPr kumimoji="0" lang="en-US" altLang="ko-KR" sz="2398" b="0" i="0" u="none" strike="noStrike" kern="1200" cap="none" spc="0" normalizeH="0" baseline="0" noProof="0">
+            <a:endParaRPr kumimoji="0" lang="en-US" altLang="ko-KR" sz="2398" b="0" i="0" u="none" strike="noStrike" kern="1200" cap="none" spc="0" normalizeH="0" baseline="0" noProof="0" dirty="0">
               <a:ln>
                 <a:noFill/>
               </a:ln>
@@ -6602,7 +6600,7 @@
               <a:tabLst/>
               <a:defRPr/>
             </a:pPr>
-            <a:endParaRPr kumimoji="0" lang="en-US" altLang="ko-KR" sz="2398" b="0" i="0" u="none" strike="noStrike" kern="1200" cap="none" spc="0" normalizeH="0" baseline="0" noProof="0">
+            <a:endParaRPr kumimoji="0" lang="en-US" altLang="ko-KR" sz="2398" b="0" i="0" u="none" strike="noStrike" kern="1200" cap="none" spc="0" normalizeH="0" baseline="0" noProof="0" dirty="0">
               <a:ln>
                 <a:noFill/>
               </a:ln>
@@ -8108,7 +8106,7 @@
               <a:tabLst/>
               <a:defRPr/>
             </a:pPr>
-            <a:endParaRPr kumimoji="0" lang="en-US" altLang="ko-KR" sz="2398" b="0" i="0" u="none" strike="noStrike" kern="1200" cap="none" spc="0" normalizeH="0" baseline="0" noProof="0">
+            <a:endParaRPr kumimoji="0" lang="en-US" altLang="ko-KR" sz="2398" b="0" i="0" u="none" strike="noStrike" kern="1200" cap="none" spc="0" normalizeH="0" baseline="0" noProof="0" dirty="0">
               <a:ln>
                 <a:noFill/>
               </a:ln>
@@ -8436,7 +8434,7 @@
               <a:tabLst/>
               <a:defRPr/>
             </a:pPr>
-            <a:endParaRPr kumimoji="0" lang="en-US" altLang="ko-KR" sz="2398" b="0" i="0" u="none" strike="noStrike" kern="1200" cap="none" spc="0" normalizeH="0" baseline="0" noProof="0">
+            <a:endParaRPr kumimoji="0" lang="en-US" altLang="ko-KR" sz="2398" b="0" i="0" u="none" strike="noStrike" kern="1200" cap="none" spc="0" normalizeH="0" baseline="0" noProof="0" dirty="0">
               <a:ln>
                 <a:noFill/>
               </a:ln>
@@ -8606,7 +8604,7 @@
               <a:pPr/>
               <a:t>‹#›</a:t>
             </a:fld>
-            <a:endParaRPr lang="en-US" noProof="0"/>
+            <a:endParaRPr lang="en-US" noProof="0" dirty="0"/>
           </a:p>
         </p:txBody>
       </p:sp>
@@ -8801,7 +8799,7 @@
               <a:tabLst/>
               <a:defRPr/>
             </a:pPr>
-            <a:endParaRPr kumimoji="0" lang="en-US" altLang="ko-KR" sz="2398" b="0" i="0" u="none" strike="noStrike" kern="1200" cap="none" spc="0" normalizeH="0" baseline="0" noProof="0">
+            <a:endParaRPr kumimoji="0" lang="en-US" altLang="ko-KR" sz="2398" b="0" i="0" u="none" strike="noStrike" kern="1200" cap="none" spc="0" normalizeH="0" baseline="0" noProof="0" dirty="0">
               <a:ln>
                 <a:noFill/>
               </a:ln>
@@ -10062,7 +10060,7 @@
               <a:pPr/>
               <a:t>‹#›</a:t>
             </a:fld>
-            <a:endParaRPr lang="en-US" noProof="0"/>
+            <a:endParaRPr lang="en-US" noProof="0" dirty="0"/>
           </a:p>
         </p:txBody>
       </p:sp>
@@ -10130,7 +10128,7 @@
               <a:tabLst/>
               <a:defRPr/>
             </a:pPr>
-            <a:endParaRPr kumimoji="0" lang="en-US" altLang="ko-KR" sz="2398" b="0" i="0" u="none" strike="noStrike" kern="1200" cap="none" spc="0" normalizeH="0" baseline="0" noProof="0">
+            <a:endParaRPr kumimoji="0" lang="en-US" altLang="ko-KR" sz="2398" b="0" i="0" u="none" strike="noStrike" kern="1200" cap="none" spc="0" normalizeH="0" baseline="0" noProof="0" dirty="0">
               <a:ln>
                 <a:noFill/>
               </a:ln>
@@ -10498,7 +10496,7 @@
               <a:tabLst/>
               <a:defRPr/>
             </a:pPr>
-            <a:endParaRPr kumimoji="0" lang="en-US" altLang="ko-KR" sz="2398" b="0" i="0" u="none" strike="noStrike" kern="1200" cap="none" spc="0" normalizeH="0" baseline="0" noProof="0">
+            <a:endParaRPr kumimoji="0" lang="en-US" altLang="ko-KR" sz="2398" b="0" i="0" u="none" strike="noStrike" kern="1200" cap="none" spc="0" normalizeH="0" baseline="0" noProof="0" dirty="0">
               <a:ln>
                 <a:noFill/>
               </a:ln>
@@ -12317,7 +12315,7 @@
               <a:t>Могат да се </a:t>
             </a:r>
             <a:r>
-              <a:rPr lang="bg-BG" b="1" dirty="0" err="1">
+              <a:rPr lang="bg-BG" b="1" dirty="0">
                 <a:solidFill>
                   <a:schemeClr val="bg1"/>
                 </a:solidFill>
@@ -17050,7 +17048,7 @@
               <a:rPr lang="en-US" dirty="0">
                 <a:hlinkClick r:id="rId3"/>
               </a:rPr>
-              <a:t>https://judge.softuni.bg/Contests/Practice/Index/3164#0</a:t>
+              <a:t>https://judge.softuni.org/Contests/Practice/Index/4064#0</a:t>
             </a:r>
             <a:endParaRPr lang="en-US" dirty="0"/>
           </a:p>
@@ -17860,7 +17858,7 @@
               <a:rPr lang="en-US" dirty="0">
                 <a:hlinkClick r:id="rId2"/>
               </a:rPr>
-              <a:t>https://judge.softuni.bg/Contests/Practice/Index/3164#1</a:t>
+              <a:t>https://judge.softuni.org/Contests/Practice/Index/4064#1</a:t>
             </a:r>
             <a:endParaRPr lang="en-US" dirty="0"/>
           </a:p>
@@ -19754,7 +19752,7 @@
               <a:rPr lang="en-US" dirty="0">
                 <a:hlinkClick r:id="rId2"/>
               </a:rPr>
-              <a:t>https://judge.softuni.bg/Contests/Practice/Index/3164#2</a:t>
+              <a:t>https://judge.softuni.org/Contests/Practice/Index/4064#2</a:t>
             </a:r>
             <a:endParaRPr lang="en-US" dirty="0"/>
           </a:p>
@@ -21847,127 +21845,6 @@
       </p:grpSpPr>
       <p:sp>
         <p:nvSpPr>
-          <p:cNvPr id="2" name="Slide Number Placeholder 1">
-            <a:extLst>
-              <a:ext uri="{FF2B5EF4-FFF2-40B4-BE49-F238E27FC236}">
-                <a16:creationId xmlns:a16="http://schemas.microsoft.com/office/drawing/2014/main" id="{0E789651-033F-7240-AB33-AE4CEE1FF1B9}"/>
-              </a:ext>
-            </a:extLst>
-          </p:cNvPr>
-          <p:cNvSpPr>
-            <a:spLocks noGrp="1"/>
-          </p:cNvSpPr>
-          <p:nvPr>
-            <p:ph type="sldNum" sz="quarter" idx="5"/>
-          </p:nvPr>
-        </p:nvSpPr>
-        <p:spPr/>
-        <p:txBody>
-          <a:bodyPr/>
-          <a:lstStyle/>
-          <a:p>
-            <a:fld id="{2BF067CD-8E6B-4360-9AA8-C5DF2A48A6D1}" type="slidenum">
-              <a:rPr lang="en-US" noProof="0" smtClean="0"/>
-              <a:pPr/>
-              <a:t>23</a:t>
-            </a:fld>
-            <a:endParaRPr lang="en-US" noProof="0" dirty="0"/>
-          </a:p>
-        </p:txBody>
-      </p:sp>
-      <p:sp>
-        <p:nvSpPr>
-          <p:cNvPr id="3" name="Text Placeholder 2">
-            <a:extLst>
-              <a:ext uri="{FF2B5EF4-FFF2-40B4-BE49-F238E27FC236}">
-                <a16:creationId xmlns:a16="http://schemas.microsoft.com/office/drawing/2014/main" id="{10B732BC-8D18-D55C-FC1D-7C418F70C7EE}"/>
-              </a:ext>
-            </a:extLst>
-          </p:cNvPr>
-          <p:cNvSpPr>
-            <a:spLocks noGrp="1"/>
-          </p:cNvSpPr>
-          <p:nvPr>
-            <p:ph type="body" sz="quarter" idx="10"/>
-          </p:nvPr>
-        </p:nvSpPr>
-        <p:spPr/>
-        <p:txBody>
-          <a:bodyPr/>
-          <a:lstStyle/>
-          <a:p>
-            <a:r>
-              <a:rPr lang="en-BG" dirty="0"/>
-              <a:t>TODO: Add a problem with private/protected members &amp; virtual methods</a:t>
-            </a:r>
-          </a:p>
-        </p:txBody>
-      </p:sp>
-      <p:sp>
-        <p:nvSpPr>
-          <p:cNvPr id="4" name="Title 3">
-            <a:extLst>
-              <a:ext uri="{FF2B5EF4-FFF2-40B4-BE49-F238E27FC236}">
-                <a16:creationId xmlns:a16="http://schemas.microsoft.com/office/drawing/2014/main" id="{3CDD16A2-781D-494A-0349-E1046F437410}"/>
-              </a:ext>
-            </a:extLst>
-          </p:cNvPr>
-          <p:cNvSpPr>
-            <a:spLocks noGrp="1"/>
-          </p:cNvSpPr>
-          <p:nvPr>
-            <p:ph type="title"/>
-          </p:nvPr>
-        </p:nvSpPr>
-        <p:spPr/>
-        <p:txBody>
-          <a:bodyPr/>
-          <a:lstStyle/>
-          <a:p>
-            <a:endParaRPr lang="en-BG" dirty="0"/>
-          </a:p>
-        </p:txBody>
-      </p:sp>
-    </p:spTree>
-    <p:extLst>
-      <p:ext uri="{BB962C8B-B14F-4D97-AF65-F5344CB8AC3E}">
-        <p14:creationId xmlns:p14="http://schemas.microsoft.com/office/powerpoint/2010/main" val="2419709676"/>
-      </p:ext>
-    </p:extLst>
-  </p:cSld>
-  <p:clrMapOvr>
-    <a:masterClrMapping/>
-  </p:clrMapOvr>
-  <mc:AlternateContent xmlns:mc="http://schemas.openxmlformats.org/markup-compatibility/2006" xmlns:p14="http://schemas.microsoft.com/office/powerpoint/2010/main">
-    <mc:Choice Requires="p14">
-      <p:transition spd="slow" p14:dur="2000" advClick="0" advTm="5000"/>
-    </mc:Choice>
-    <mc:Fallback xmlns="">
-      <p:transition spd="slow" advClick="0" advTm="5000"/>
-    </mc:Fallback>
-  </mc:AlternateContent>
-</p:sld>
-</file>
-
-<file path=ppt/slides/slide24.xml><?xml version="1.0" encoding="utf-8"?>
-<p:sld xmlns:a="http://schemas.openxmlformats.org/drawingml/2006/main" xmlns:r="http://schemas.openxmlformats.org/officeDocument/2006/relationships" xmlns:p="http://schemas.openxmlformats.org/presentationml/2006/main">
-  <p:cSld>
-    <p:spTree>
-      <p:nvGrpSpPr>
-        <p:cNvPr id="1" name=""/>
-        <p:cNvGrpSpPr/>
-        <p:nvPr/>
-      </p:nvGrpSpPr>
-      <p:grpSpPr>
-        <a:xfrm>
-          <a:off x="0" y="0"/>
-          <a:ext cx="0" cy="0"/>
-          <a:chOff x="0" y="0"/>
-          <a:chExt cx="0" cy="0"/>
-        </a:xfrm>
-      </p:grpSpPr>
-      <p:sp>
-        <p:nvSpPr>
           <p:cNvPr id="14" name="Text Placeholder 4">
             <a:extLst>
               <a:ext uri="{FF2B5EF4-FFF2-40B4-BE49-F238E27FC236}">
@@ -22217,7 +22094,7 @@
             <a:lstStyle/>
             <a:p>
               <a:pPr algn="ctr"/>
-              <a:endParaRPr lang="ko-KR" altLang="en-US" sz="2399">
+              <a:endParaRPr lang="ko-KR" altLang="en-US" sz="2399" dirty="0">
                 <a:solidFill>
                   <a:schemeClr val="bg1"/>
                 </a:solidFill>
@@ -22278,7 +22155,7 @@
             <a:lstStyle/>
             <a:p>
               <a:pPr algn="ctr"/>
-              <a:endParaRPr lang="ko-KR" altLang="en-US" sz="2399">
+              <a:endParaRPr lang="ko-KR" altLang="en-US" sz="2399" dirty="0">
                 <a:solidFill>
                   <a:schemeClr val="tx1"/>
                 </a:solidFill>
@@ -22538,17 +22415,6 @@
               </a:rPr>
             </a:br>
             <a:r>
-              <a:rPr lang="bg-BG" sz="3600" b="1" dirty="0" err="1">
-                <a:solidFill>
-                  <a:schemeClr val="bg1">
-                    <a:lumMod val="60000"/>
-                    <a:lumOff val="40000"/>
-                  </a:schemeClr>
-                </a:solidFill>
-              </a:rPr>
-              <a:t>преизползваме</a:t>
-            </a:r>
-            <a:r>
               <a:rPr lang="bg-BG" sz="3600" b="1" dirty="0">
                 <a:solidFill>
                   <a:schemeClr val="bg1">
@@ -22557,7 +22423,7 @@
                   </a:schemeClr>
                 </a:solidFill>
               </a:rPr>
-              <a:t> код</a:t>
+              <a:t>преизползваме код</a:t>
             </a:r>
             <a:endParaRPr lang="en-US" sz="3600" b="1" dirty="0">
               <a:solidFill>
@@ -22764,7 +22630,7 @@
             <a:fld id="{2BF067CD-8E6B-4360-9AA8-C5DF2A48A6D1}" type="slidenum">
               <a:rPr lang="en-US" noProof="0" smtClean="0"/>
               <a:pPr/>
-              <a:t>24</a:t>
+              <a:t>23</a:t>
             </a:fld>
             <a:endParaRPr lang="en-US" noProof="0" dirty="0"/>
           </a:p>
@@ -22919,7 +22785,7 @@
 </p:sld>
 </file>
 
-<file path=ppt/slides/slide25.xml><?xml version="1.0" encoding="utf-8"?>
+<file path=ppt/slides/slide24.xml><?xml version="1.0" encoding="utf-8"?>
 <p:sld xmlns:a="http://schemas.openxmlformats.org/drawingml/2006/main" xmlns:r="http://schemas.openxmlformats.org/officeDocument/2006/relationships" xmlns:p="http://schemas.openxmlformats.org/presentationml/2006/main">
   <p:cSld>
     <p:spTree>
@@ -22998,7 +22864,7 @@
 </p:sld>
 </file>
 
-<file path=ppt/slides/slide26.xml><?xml version="1.0" encoding="utf-8"?>
+<file path=ppt/slides/slide25.xml><?xml version="1.0" encoding="utf-8"?>
 <p:sld xmlns:a="http://schemas.openxmlformats.org/drawingml/2006/main" xmlns:r="http://schemas.openxmlformats.org/officeDocument/2006/relationships" xmlns:p="http://schemas.openxmlformats.org/presentationml/2006/main">
   <p:cSld>
     <p:spTree>
@@ -23106,7 +22972,7 @@
               <a:t>© </a:t>
             </a:r>
             <a:r>
-              <a:rPr lang="bg-BG" dirty="0" err="1"/>
+              <a:rPr lang="bg-BG" dirty="0"/>
               <a:t>СофтУни</a:t>
             </a:r>
             <a:r>
@@ -23271,7 +23137,7 @@
             <a:fld id="{2BF067CD-8E6B-4360-9AA8-C5DF2A48A6D1}" type="slidenum">
               <a:rPr lang="en-US" noProof="0" smtClean="0"/>
               <a:pPr/>
-              <a:t>26</a:t>
+              <a:t>25</a:t>
             </a:fld>
             <a:endParaRPr lang="en-US" noProof="0" dirty="0"/>
           </a:p>

--- a/Courses/Software-Sciences/Module-1-OOP/09.1-Inheritance-Basics/09.1-Inheritance-Basics.pptx
+++ b/Courses/Software-Sciences/Module-1-OOP/09.1-Inheritance-Basics/09.1-Inheritance-Basics.pptx
@@ -303,7 +303,7 @@
           <a:p>
             <a:fld id="{4E087215-0C8F-4762-A664-737A353EC9A4}" type="datetimeFigureOut">
               <a:rPr lang="bg-BG" smtClean="0"/>
-              <a:t>17.05.23 г.</a:t>
+              <a:t>2.7.2023 г.</a:t>
             </a:fld>
             <a:endParaRPr lang="bg-BG" dirty="0"/>
           </a:p>
@@ -494,7 +494,7 @@
           <a:p>
             <a:fld id="{72D84649-876A-46C9-8472-14CB09C070D8}" type="datetimeFigureOut">
               <a:rPr lang="en-US" smtClean="0"/>
-              <a:t>5/17/23</a:t>
+              <a:t>2-Jul-23</a:t>
             </a:fld>
             <a:endParaRPr lang="en-US" dirty="0"/>
           </a:p>
@@ -11247,7 +11247,7 @@
           <a:p>
             <a:r>
               <a:rPr lang="bg-BG" dirty="0"/>
-              <a:t>Йерархия на класовете</a:t>
+              <a:t>Базов клас, клас-наследник, йерархия от класове, достъп до базовия клас, преизползване на код</a:t>
             </a:r>
             <a:endParaRPr lang="en-US" dirty="0"/>
           </a:p>
@@ -11272,7 +11272,7 @@
           <a:p>
             <a:r>
               <a:rPr lang="bg-BG" dirty="0"/>
-              <a:t>Наследяване</a:t>
+              <a:t>Наследяване на класове</a:t>
             </a:r>
             <a:endParaRPr lang="en-US" dirty="0"/>
           </a:p>
@@ -11311,8 +11311,8 @@
         </p:blipFill>
         <p:spPr bwMode="auto">
           <a:xfrm>
-            <a:off x="4161000" y="1823105"/>
-            <a:ext cx="3483131" cy="3483131"/>
+            <a:off x="4746000" y="2700783"/>
+            <a:ext cx="2379025" cy="2379025"/>
           </a:xfrm>
           <a:prstGeom prst="rect">
             <a:avLst/>
@@ -15690,6 +15690,35 @@
       </p:pic>
       <p:sp>
         <p:nvSpPr>
+          <p:cNvPr id="3" name="Subtitle 2">
+            <a:extLst>
+              <a:ext uri="{FF2B5EF4-FFF2-40B4-BE49-F238E27FC236}">
+                <a16:creationId xmlns:a16="http://schemas.microsoft.com/office/drawing/2014/main" id="{D2226446-E18E-0FA0-958A-9988500AFD5A}"/>
+              </a:ext>
+            </a:extLst>
+          </p:cNvPr>
+          <p:cNvSpPr>
+            <a:spLocks noGrp="1"/>
+          </p:cNvSpPr>
+          <p:nvPr>
+            <p:ph type="subTitle" sz="quarter" idx="11"/>
+          </p:nvPr>
+        </p:nvSpPr>
+        <p:spPr/>
+        <p:txBody>
+          <a:bodyPr/>
+          <a:lstStyle/>
+          <a:p>
+            <a:r>
+              <a:rPr lang="bg-BG" dirty="0"/>
+              <a:t>Достъп до членовете на родителския клас</a:t>
+            </a:r>
+            <a:endParaRPr lang="en-US" dirty="0"/>
+          </a:p>
+        </p:txBody>
+      </p:sp>
+      <p:sp>
+        <p:nvSpPr>
           <p:cNvPr id="4" name="Title 3">
             <a:extLst>
               <a:ext uri="{FF2B5EF4-FFF2-40B4-BE49-F238E27FC236}">
@@ -15704,7 +15733,12 @@
             <p:ph type="title" sz="quarter" idx="10"/>
           </p:nvPr>
         </p:nvSpPr>
-        <p:spPr/>
+        <p:spPr>
+          <a:xfrm>
+            <a:off x="615109" y="4704825"/>
+            <a:ext cx="10961783" cy="768084"/>
+          </a:xfrm>
+        </p:spPr>
         <p:txBody>
           <a:bodyPr/>
           <a:lstStyle/>
@@ -19962,65 +19996,140 @@
         </p:nvSpPr>
         <p:spPr>
           <a:xfrm>
-            <a:off x="190406" y="664617"/>
-            <a:ext cx="11818096" cy="5528766"/>
+            <a:off x="190406" y="1250338"/>
+            <a:ext cx="11818096" cy="5445000"/>
           </a:xfrm>
         </p:spPr>
         <p:txBody>
           <a:bodyPr>
-            <a:normAutofit/>
+            <a:normAutofit lnSpcReduction="10000"/>
           </a:bodyPr>
           <a:lstStyle/>
           <a:p>
             <a:pPr marL="514350" indent="-514350">
+              <a:lnSpc>
+                <a:spcPct val="110000"/>
+              </a:lnSpc>
               <a:buFont typeface="+mj-lt"/>
               <a:buAutoNum type="arabicPeriod"/>
             </a:pPr>
+            <a:r>
+              <a:rPr lang="bg-BG" sz="3600" b="1" dirty="0"/>
+              <a:t>Наследяване</a:t>
+            </a:r>
             <a:endParaRPr lang="bg-BG" sz="3600" dirty="0"/>
           </a:p>
           <a:p>
+            <a:pPr lvl="1">
+              <a:lnSpc>
+                <a:spcPct val="110000"/>
+              </a:lnSpc>
+            </a:pPr>
+            <a:r>
+              <a:rPr lang="bg-BG" sz="3400" dirty="0"/>
+              <a:t>Клас-наследник разширява базов клас</a:t>
+            </a:r>
+          </a:p>
+          <a:p>
+            <a:pPr lvl="1">
+              <a:lnSpc>
+                <a:spcPct val="110000"/>
+              </a:lnSpc>
+            </a:pPr>
+            <a:r>
+              <a:rPr lang="bg-BG" sz="3400" dirty="0"/>
+              <a:t>Наследява данни и действия и добавя нови</a:t>
+            </a:r>
+            <a:endParaRPr lang="en-US" sz="3400" dirty="0"/>
+          </a:p>
+          <a:p>
             <a:pPr marL="514350" indent="-514350">
+              <a:lnSpc>
+                <a:spcPct val="110000"/>
+              </a:lnSpc>
               <a:buFont typeface="+mj-lt"/>
               <a:buAutoNum type="arabicPeriod"/>
             </a:pPr>
             <a:r>
-              <a:rPr lang="bg-BG" sz="3600" dirty="0"/>
-              <a:t>Наследяване</a:t>
-            </a:r>
-            <a:endParaRPr lang="en-US" sz="3600" dirty="0"/>
+              <a:rPr lang="bg-BG" sz="3600" b="1" dirty="0"/>
+              <a:t>Йерархия от класове</a:t>
+            </a:r>
+            <a:endParaRPr lang="bg-BG" sz="3600" dirty="0"/>
+          </a:p>
+          <a:p>
+            <a:pPr lvl="1">
+              <a:lnSpc>
+                <a:spcPct val="110000"/>
+              </a:lnSpc>
+            </a:pPr>
+            <a:r>
+              <a:rPr lang="bg-BG" sz="3400" dirty="0"/>
+              <a:t>Дърво от наследявания в ООП</a:t>
+            </a:r>
+            <a:endParaRPr lang="en-US" sz="3400" dirty="0"/>
           </a:p>
           <a:p>
             <a:pPr marL="514350" indent="-514350">
+              <a:lnSpc>
+                <a:spcPct val="110000"/>
+              </a:lnSpc>
               <a:buFont typeface="+mj-lt"/>
               <a:buAutoNum type="arabicPeriod"/>
             </a:pPr>
             <a:r>
               <a:rPr lang="bg-BG" sz="3600" dirty="0"/>
-              <a:t>Йерархия на класовете</a:t>
-            </a:r>
-            <a:endParaRPr lang="en-US" sz="3600" dirty="0"/>
+              <a:t>Достъп до </a:t>
+            </a:r>
+            <a:r>
+              <a:rPr lang="bg-BG" sz="3600" b="1" dirty="0"/>
+              <a:t>базови членове </a:t>
+            </a:r>
+            <a:r>
+              <a:rPr lang="bg-BG" sz="3600" dirty="0"/>
+              <a:t>на класа:</a:t>
+            </a:r>
+            <a:r>
+              <a:rPr lang="en-US" sz="3600" dirty="0"/>
+              <a:t> </a:t>
+            </a:r>
+            <a:r>
+              <a:rPr lang="en-US" sz="3600" b="1" dirty="0"/>
+              <a:t>base</a:t>
+            </a:r>
           </a:p>
           <a:p>
             <a:pPr marL="514350" indent="-514350">
+              <a:lnSpc>
+                <a:spcPct val="110000"/>
+              </a:lnSpc>
               <a:buFont typeface="+mj-lt"/>
               <a:buAutoNum type="arabicPeriod"/>
             </a:pPr>
             <a:r>
+              <a:rPr lang="bg-BG" sz="3600" b="1" dirty="0"/>
+              <a:t>Преизползване на код</a:t>
+            </a:r>
+            <a:r>
               <a:rPr lang="bg-BG" sz="3600" dirty="0"/>
-              <a:t>Достъп до базови членове на класа</a:t>
-            </a:r>
-            <a:endParaRPr lang="en-US" sz="3600" dirty="0"/>
-          </a:p>
-          <a:p>
-            <a:pPr marL="514350" indent="-514350">
-              <a:buFont typeface="+mj-lt"/>
-              <a:buAutoNum type="arabicPeriod"/>
+              <a:t> (</a:t>
+            </a:r>
+            <a:r>
+              <a:rPr lang="en-US" sz="3600" dirty="0"/>
+              <a:t>code reuse)</a:t>
+            </a:r>
+            <a:endParaRPr lang="bg-BG" sz="3600" b="1" dirty="0"/>
+          </a:p>
+          <a:p>
+            <a:pPr lvl="1">
+              <a:lnSpc>
+                <a:spcPct val="110000"/>
+              </a:lnSpc>
             </a:pPr>
             <a:r>
-              <a:rPr lang="bg-BG" sz="3600" dirty="0"/>
-              <a:t>Преизползване на класове</a:t>
-            </a:r>
-            <a:endParaRPr lang="en-US" sz="3600" dirty="0"/>
+              <a:rPr lang="bg-BG" sz="3400" dirty="0"/>
+              <a:t>Общите данни методи отиват в базовия клас</a:t>
+            </a:r>
+            <a:endParaRPr lang="en-US" sz="3400" dirty="0"/>
           </a:p>
         </p:txBody>
       </p:sp>
@@ -20149,7 +20258,38 @@
                                         <p:tgtEl>
                                           <p:spTgt spid="3">
                                             <p:txEl>
-                                              <p:pRg st="2" end="2"/>
+                                              <p:pRg st="3" end="3"/>
+                                            </p:txEl>
+                                          </p:spTgt>
+                                        </p:tgtEl>
+                                        <p:attrNameLst>
+                                          <p:attrName>style.visibility</p:attrName>
+                                        </p:attrNameLst>
+                                      </p:cBhvr>
+                                      <p:to>
+                                        <p:strVal val="visible"/>
+                                      </p:to>
+                                    </p:set>
+                                  </p:childTnLst>
+                                </p:cTn>
+                              </p:par>
+                              <p:par>
+                                <p:cTn id="7" presetID="1" presetClass="entr" presetSubtype="0" fill="hold" nodeType="withEffect">
+                                  <p:stCondLst>
+                                    <p:cond delay="0"/>
+                                  </p:stCondLst>
+                                  <p:childTnLst>
+                                    <p:set>
+                                      <p:cBhvr>
+                                        <p:cTn id="8" dur="1" fill="hold">
+                                          <p:stCondLst>
+                                            <p:cond delay="0"/>
+                                          </p:stCondLst>
+                                        </p:cTn>
+                                        <p:tgtEl>
+                                          <p:spTgt spid="3">
+                                            <p:txEl>
+                                              <p:pRg st="4" end="4"/>
                                             </p:txEl>
                                           </p:spTgt>
                                         </p:tgtEl>
@@ -20171,26 +20311,26 @@
                     </p:cTn>
                   </p:par>
                   <p:par>
-                    <p:cTn id="7" fill="hold">
+                    <p:cTn id="9" fill="hold">
                       <p:stCondLst>
                         <p:cond delay="indefinite"/>
                       </p:stCondLst>
                       <p:childTnLst>
                         <p:par>
-                          <p:cTn id="8" fill="hold">
+                          <p:cTn id="10" fill="hold">
                             <p:stCondLst>
                               <p:cond delay="0"/>
                             </p:stCondLst>
                             <p:childTnLst>
                               <p:par>
-                                <p:cTn id="9" presetID="1" presetClass="entr" presetSubtype="0" fill="hold" nodeType="clickEffect">
+                                <p:cTn id="11" presetID="1" presetClass="entr" presetSubtype="0" fill="hold" nodeType="clickEffect">
                                   <p:stCondLst>
                                     <p:cond delay="0"/>
                                   </p:stCondLst>
                                   <p:childTnLst>
                                     <p:set>
                                       <p:cBhvr>
-                                        <p:cTn id="10" dur="1" fill="hold">
+                                        <p:cTn id="12" dur="1" fill="hold">
                                           <p:stCondLst>
                                             <p:cond delay="0"/>
                                           </p:stCondLst>
@@ -20198,7 +20338,7 @@
                                         <p:tgtEl>
                                           <p:spTgt spid="3">
                                             <p:txEl>
-                                              <p:pRg st="3" end="3"/>
+                                              <p:pRg st="5" end="5"/>
                                             </p:txEl>
                                           </p:spTgt>
                                         </p:tgtEl>
@@ -20220,26 +20360,26 @@
                     </p:cTn>
                   </p:par>
                   <p:par>
-                    <p:cTn id="11" fill="hold">
+                    <p:cTn id="13" fill="hold">
                       <p:stCondLst>
                         <p:cond delay="indefinite"/>
                       </p:stCondLst>
                       <p:childTnLst>
                         <p:par>
-                          <p:cTn id="12" fill="hold">
+                          <p:cTn id="14" fill="hold">
                             <p:stCondLst>
                               <p:cond delay="0"/>
                             </p:stCondLst>
                             <p:childTnLst>
                               <p:par>
-                                <p:cTn id="13" presetID="1" presetClass="entr" presetSubtype="0" fill="hold" nodeType="clickEffect">
+                                <p:cTn id="15" presetID="1" presetClass="entr" presetSubtype="0" fill="hold" nodeType="clickEffect">
                                   <p:stCondLst>
                                     <p:cond delay="0"/>
                                   </p:stCondLst>
                                   <p:childTnLst>
                                     <p:set>
                                       <p:cBhvr>
-                                        <p:cTn id="14" dur="1" fill="hold">
+                                        <p:cTn id="16" dur="1" fill="hold">
                                           <p:stCondLst>
                                             <p:cond delay="0"/>
                                           </p:stCondLst>
@@ -20247,7 +20387,38 @@
                                         <p:tgtEl>
                                           <p:spTgt spid="3">
                                             <p:txEl>
-                                              <p:pRg st="4" end="4"/>
+                                              <p:pRg st="6" end="6"/>
+                                            </p:txEl>
+                                          </p:spTgt>
+                                        </p:tgtEl>
+                                        <p:attrNameLst>
+                                          <p:attrName>style.visibility</p:attrName>
+                                        </p:attrNameLst>
+                                      </p:cBhvr>
+                                      <p:to>
+                                        <p:strVal val="visible"/>
+                                      </p:to>
+                                    </p:set>
+                                  </p:childTnLst>
+                                </p:cTn>
+                              </p:par>
+                              <p:par>
+                                <p:cTn id="17" presetID="1" presetClass="entr" presetSubtype="0" fill="hold" nodeType="withEffect">
+                                  <p:stCondLst>
+                                    <p:cond delay="0"/>
+                                  </p:stCondLst>
+                                  <p:childTnLst>
+                                    <p:set>
+                                      <p:cBhvr>
+                                        <p:cTn id="18" dur="1" fill="hold">
+                                          <p:stCondLst>
+                                            <p:cond delay="0"/>
+                                          </p:stCondLst>
+                                        </p:cTn>
+                                        <p:tgtEl>
+                                          <p:spTgt spid="3">
+                                            <p:txEl>
+                                              <p:pRg st="7" end="7"/>
                                             </p:txEl>
                                           </p:spTgt>
                                         </p:tgtEl>
@@ -20355,6 +20526,35 @@
       </p:pic>
       <p:sp>
         <p:nvSpPr>
+          <p:cNvPr id="4" name="Subtitle 3">
+            <a:extLst>
+              <a:ext uri="{FF2B5EF4-FFF2-40B4-BE49-F238E27FC236}">
+                <a16:creationId xmlns:a16="http://schemas.microsoft.com/office/drawing/2014/main" id="{E56811E3-B414-52AF-DC45-93527DF71351}"/>
+              </a:ext>
+            </a:extLst>
+          </p:cNvPr>
+          <p:cNvSpPr>
+            <a:spLocks noGrp="1"/>
+          </p:cNvSpPr>
+          <p:nvPr>
+            <p:ph type="subTitle" sz="quarter" idx="11"/>
+          </p:nvPr>
+        </p:nvSpPr>
+        <p:spPr/>
+        <p:txBody>
+          <a:bodyPr/>
+          <a:lstStyle/>
+          <a:p>
+            <a:r>
+              <a:rPr lang="bg-BG" dirty="0"/>
+              <a:t>Общи данни и методи се изнасят в базовия клас</a:t>
+            </a:r>
+            <a:endParaRPr lang="en-US" dirty="0"/>
+          </a:p>
+        </p:txBody>
+      </p:sp>
+      <p:sp>
+        <p:nvSpPr>
           <p:cNvPr id="3" name="Title 2">
             <a:extLst>
               <a:ext uri="{FF2B5EF4-FFF2-40B4-BE49-F238E27FC236}">
@@ -20369,7 +20569,12 @@
             <p:ph type="title" sz="quarter" idx="10"/>
           </p:nvPr>
         </p:nvSpPr>
-        <p:spPr/>
+        <p:spPr>
+          <a:xfrm>
+            <a:off x="615109" y="4704825"/>
+            <a:ext cx="10961783" cy="768084"/>
+          </a:xfrm>
+        </p:spPr>
         <p:txBody>
           <a:bodyPr/>
           <a:lstStyle/>
@@ -22215,8 +22420,8 @@
         </p:nvSpPr>
         <p:spPr>
           <a:xfrm>
-            <a:off x="543073" y="1723769"/>
-            <a:ext cx="8281864" cy="4772370"/>
+            <a:off x="716098" y="1789423"/>
+            <a:ext cx="8108838" cy="4706715"/>
           </a:xfrm>
           <a:prstGeom prst="rect">
             <a:avLst/>
@@ -22425,7 +22630,22 @@
               </a:rPr>
               <a:t>преизползваме код</a:t>
             </a:r>
-            <a:endParaRPr lang="en-US" sz="3600" b="1" dirty="0">
+          </a:p>
+          <a:p>
+            <a:pPr lvl="1">
+              <a:lnSpc>
+                <a:spcPct val="100000"/>
+              </a:lnSpc>
+            </a:pPr>
+            <a:r>
+              <a:rPr lang="bg-BG" sz="3200" dirty="0">
+                <a:solidFill>
+                  <a:schemeClr val="bg2"/>
+                </a:solidFill>
+              </a:rPr>
+              <a:t>Общият код отива в базовия клас</a:t>
+            </a:r>
+            <a:endParaRPr lang="en-US" sz="3400" b="1" dirty="0">
               <a:solidFill>
                 <a:schemeClr val="bg1">
                   <a:lumMod val="60000"/>
@@ -22584,7 +22804,7 @@
                   <a:schemeClr val="bg2"/>
                 </a:solidFill>
               </a:rPr>
-              <a:t>методи</a:t>
+              <a:t>(подменя) методи</a:t>
             </a:r>
             <a:endParaRPr lang="en-US" sz="3600" b="1" dirty="0">
               <a:solidFill>
@@ -22690,7 +22910,7 @@
                                         <p:tgtEl>
                                           <p:spTgt spid="15">
                                             <p:txEl>
-                                              <p:pRg st="1" end="1"/>
+                                              <p:pRg st="2" end="2"/>
                                             </p:txEl>
                                           </p:spTgt>
                                         </p:tgtEl>
@@ -22739,7 +22959,7 @@
                                         <p:tgtEl>
                                           <p:spTgt spid="15">
                                             <p:txEl>
-                                              <p:pRg st="2" end="2"/>
+                                              <p:pRg st="3" end="3"/>
                                             </p:txEl>
                                           </p:spTgt>
                                         </p:tgtEl>
@@ -23362,6 +23582,35 @@
       </p:pic>
       <p:sp>
         <p:nvSpPr>
+          <p:cNvPr id="4" name="Subtitle 3">
+            <a:extLst>
+              <a:ext uri="{FF2B5EF4-FFF2-40B4-BE49-F238E27FC236}">
+                <a16:creationId xmlns:a16="http://schemas.microsoft.com/office/drawing/2014/main" id="{2AFE9D1B-9BC8-32BF-D042-ED61932FF417}"/>
+              </a:ext>
+            </a:extLst>
+          </p:cNvPr>
+          <p:cNvSpPr>
+            <a:spLocks noGrp="1"/>
+          </p:cNvSpPr>
+          <p:nvPr>
+            <p:ph type="subTitle" sz="quarter" idx="11"/>
+          </p:nvPr>
+        </p:nvSpPr>
+        <p:spPr/>
+        <p:txBody>
+          <a:bodyPr/>
+          <a:lstStyle/>
+          <a:p>
+            <a:r>
+              <a:rPr lang="bg-BG" dirty="0"/>
+              <a:t>Клас-наследник разширява базов клас</a:t>
+            </a:r>
+            <a:endParaRPr lang="en-US" dirty="0"/>
+          </a:p>
+        </p:txBody>
+      </p:sp>
+      <p:sp>
+        <p:nvSpPr>
           <p:cNvPr id="7" name="Title 6">
             <a:extLst>
               <a:ext uri="{FF2B5EF4-FFF2-40B4-BE49-F238E27FC236}">
@@ -23376,14 +23625,19 @@
             <p:ph type="title" sz="quarter" idx="10"/>
           </p:nvPr>
         </p:nvSpPr>
-        <p:spPr/>
+        <p:spPr>
+          <a:xfrm>
+            <a:off x="615109" y="4704825"/>
+            <a:ext cx="10961783" cy="768084"/>
+          </a:xfrm>
+        </p:spPr>
         <p:txBody>
           <a:bodyPr/>
           <a:lstStyle/>
           <a:p>
             <a:r>
               <a:rPr lang="bg-BG" dirty="0"/>
-              <a:t>Разширяване на класове</a:t>
+              <a:t>Наследяване на класове</a:t>
             </a:r>
             <a:endParaRPr lang="en-US" dirty="0"/>
           </a:p>
@@ -23448,12 +23702,6 @@
               <a:lnSpc>
                 <a:spcPct val="100000"/>
               </a:lnSpc>
-              <a:spcBef>
-                <a:spcPts val="400"/>
-              </a:spcBef>
-              <a:spcAft>
-                <a:spcPts val="400"/>
-              </a:spcAft>
               <a:buClr>
                 <a:schemeClr val="tx1"/>
               </a:buClr>
@@ -23484,7 +23732,7 @@
             </a:r>
             <a:r>
               <a:rPr lang="en-US" sz="3000" dirty="0"/>
-              <a:t>Parent) class, </a:t>
+              <a:t>parent) class, </a:t>
             </a:r>
             <a:r>
               <a:rPr lang="bg-BG" sz="3000" dirty="0"/>
@@ -23492,7 +23740,7 @@
             </a:r>
             <a:r>
               <a:rPr lang="en-US" sz="3000" dirty="0"/>
-              <a:t>Base</a:t>
+              <a:t>base</a:t>
             </a:r>
             <a:r>
               <a:rPr lang="bg-BG" sz="3000" dirty="0"/>
@@ -23500,7 +23748,7 @@
             </a:r>
             <a:r>
               <a:rPr lang="en-US" sz="3000" dirty="0"/>
-              <a:t> Class </a:t>
+              <a:t> class </a:t>
             </a:r>
           </a:p>
           <a:p>
@@ -23508,12 +23756,6 @@
               <a:lnSpc>
                 <a:spcPct val="100000"/>
               </a:lnSpc>
-              <a:spcBef>
-                <a:spcPts val="400"/>
-              </a:spcBef>
-              <a:spcAft>
-                <a:spcPts val="400"/>
-              </a:spcAft>
               <a:buClr>
                 <a:schemeClr val="tx1"/>
               </a:buClr>
@@ -23552,7 +23794,7 @@
                   <a:schemeClr val="bg1"/>
                 </a:solidFill>
               </a:rPr>
-              <a:t>Child)</a:t>
+              <a:t>child)</a:t>
             </a:r>
             <a:endParaRPr lang="bg-BG" sz="3000" b="1" dirty="0">
               <a:solidFill>
@@ -23565,12 +23807,6 @@
               <a:lnSpc>
                 <a:spcPct val="100000"/>
               </a:lnSpc>
-              <a:spcBef>
-                <a:spcPts val="400"/>
-              </a:spcBef>
-              <a:spcAft>
-                <a:spcPts val="400"/>
-              </a:spcAft>
               <a:buClr>
                 <a:schemeClr val="tx1"/>
               </a:buClr>
@@ -23601,7 +23837,7 @@
                   <a:schemeClr val="bg1"/>
                 </a:solidFill>
               </a:rPr>
-              <a:t>Child class (</a:t>
+              <a:t>child class (</a:t>
             </a:r>
             <a:r>
               <a:rPr lang="bg-BG" sz="3000" b="1" dirty="0">
@@ -23637,7 +23873,7 @@
                   <a:schemeClr val="bg1"/>
                 </a:solidFill>
               </a:rPr>
-              <a:t>Derived class</a:t>
+              <a:t>derived class</a:t>
             </a:r>
             <a:r>
               <a:rPr lang="bg-BG" sz="3000" b="1" dirty="0">
@@ -23658,12 +23894,6 @@
               <a:lnSpc>
                 <a:spcPct val="100000"/>
               </a:lnSpc>
-              <a:spcBef>
-                <a:spcPts val="400"/>
-              </a:spcBef>
-              <a:spcAft>
-                <a:spcPts val="400"/>
-              </a:spcAft>
             </a:pPr>
             <a:r>
               <a:rPr lang="bg-BG" sz="3000" dirty="0"/>
@@ -23711,7 +23941,7 @@
         </p:nvSpPr>
         <p:spPr bwMode="auto">
           <a:xfrm>
-            <a:off x="4650085" y="4279436"/>
+            <a:off x="4650085" y="4412354"/>
             <a:ext cx="2559044" cy="646986"/>
           </a:xfrm>
           <a:prstGeom prst="roundRect">
@@ -23798,7 +24028,7 @@
         </p:nvSpPr>
         <p:spPr bwMode="auto">
           <a:xfrm>
-            <a:off x="4650085" y="5664096"/>
+            <a:off x="4650085" y="5797014"/>
             <a:ext cx="2559044" cy="646986"/>
           </a:xfrm>
           <a:prstGeom prst="roundRect">
@@ -23885,7 +24115,7 @@
         </p:nvSpPr>
         <p:spPr bwMode="auto">
           <a:xfrm>
-            <a:off x="2181000" y="5476811"/>
+            <a:off x="2181000" y="5609729"/>
             <a:ext cx="1932073" cy="510778"/>
           </a:xfrm>
           <a:prstGeom prst="wedgeRoundRectCallout">
@@ -23964,8 +24194,8 @@
         </p:nvSpPr>
         <p:spPr bwMode="auto">
           <a:xfrm>
-            <a:off x="7761000" y="3879000"/>
-            <a:ext cx="990000" cy="510778"/>
+            <a:off x="7896000" y="4225069"/>
+            <a:ext cx="1845000" cy="510778"/>
           </a:xfrm>
           <a:prstGeom prst="wedgeRoundRectCallout">
             <a:avLst>
@@ -24028,7 +24258,7 @@
                   </a:outerShdw>
                 </a:effectLst>
               </a:rPr>
-              <a:t>База</a:t>
+              <a:t>Базов клас</a:t>
             </a:r>
           </a:p>
         </p:txBody>
@@ -24041,7 +24271,7 @@
         </p:nvSpPr>
         <p:spPr bwMode="auto">
           <a:xfrm rot="10800000">
-            <a:off x="5682681" y="5054500"/>
+            <a:off x="5682681" y="5187418"/>
             <a:ext cx="493854" cy="481716"/>
           </a:xfrm>
           <a:prstGeom prst="downArrow">
@@ -25686,6 +25916,43 @@
       </p:pic>
       <p:sp>
         <p:nvSpPr>
+          <p:cNvPr id="3" name="Subtitle 2">
+            <a:extLst>
+              <a:ext uri="{FF2B5EF4-FFF2-40B4-BE49-F238E27FC236}">
+                <a16:creationId xmlns:a16="http://schemas.microsoft.com/office/drawing/2014/main" id="{5E6A2E75-0BCF-2A73-5CDD-5756569D28A0}"/>
+              </a:ext>
+            </a:extLst>
+          </p:cNvPr>
+          <p:cNvSpPr>
+            <a:spLocks noGrp="1"/>
+          </p:cNvSpPr>
+          <p:nvPr>
+            <p:ph type="subTitle" sz="quarter" idx="11"/>
+          </p:nvPr>
+        </p:nvSpPr>
+        <p:spPr/>
+        <p:txBody>
+          <a:bodyPr/>
+          <a:lstStyle/>
+          <a:p>
+            <a:r>
+              <a:rPr lang="bg-BG" sz="4000" dirty="0"/>
+              <a:t>Дърво от наследявания</a:t>
+            </a:r>
+            <a:r>
+              <a:rPr lang="en-US" sz="4000" dirty="0"/>
+              <a:t> </a:t>
+            </a:r>
+            <a:r>
+              <a:rPr lang="bg-BG" sz="4000" dirty="0"/>
+              <a:t>в ООП</a:t>
+            </a:r>
+            <a:endParaRPr lang="en-US" dirty="0"/>
+          </a:p>
+        </p:txBody>
+      </p:sp>
+      <p:sp>
+        <p:nvSpPr>
           <p:cNvPr id="4" name="Title 3">
             <a:extLst>
               <a:ext uri="{FF2B5EF4-FFF2-40B4-BE49-F238E27FC236}">
@@ -25700,16 +25967,21 @@
             <p:ph type="title" sz="quarter" idx="10"/>
           </p:nvPr>
         </p:nvSpPr>
-        <p:spPr/>
+        <p:spPr>
+          <a:xfrm>
+            <a:off x="615109" y="4704825"/>
+            <a:ext cx="10961783" cy="768084"/>
+          </a:xfrm>
+        </p:spPr>
         <p:txBody>
           <a:bodyPr/>
           <a:lstStyle/>
           <a:p>
             <a:r>
-              <a:rPr lang="bg-BG" sz="4800" dirty="0"/>
+              <a:rPr lang="bg-BG" dirty="0"/>
               <a:t>Наследяването създава йерархия</a:t>
             </a:r>
-            <a:endParaRPr lang="en-US" sz="4800" dirty="0"/>
+            <a:endParaRPr lang="en-US" dirty="0"/>
           </a:p>
         </p:txBody>
       </p:sp>

--- a/Courses/Software-Sciences/Module-1-OOP/09.1-Inheritance-Basics/09.1-Inheritance-Basics.pptx
+++ b/Courses/Software-Sciences/Module-1-OOP/09.1-Inheritance-Basics/09.1-Inheritance-Basics.pptx
@@ -11,7 +11,7 @@
     <p:handoutMasterId r:id="rId28"/>
   </p:handoutMasterIdLst>
   <p:sldIdLst>
-    <p:sldId id="291" r:id="rId2"/>
+    <p:sldId id="627" r:id="rId2"/>
     <p:sldId id="292" r:id="rId3"/>
     <p:sldId id="294" r:id="rId4"/>
     <p:sldId id="295" r:id="rId5"/>
@@ -34,8 +34,8 @@
     <p:sldId id="312" r:id="rId22"/>
     <p:sldId id="315" r:id="rId23"/>
     <p:sldId id="326" r:id="rId24"/>
-    <p:sldId id="401" r:id="rId25"/>
-    <p:sldId id="493" r:id="rId26"/>
+    <p:sldId id="504" r:id="rId25"/>
+    <p:sldId id="505" r:id="rId26"/>
   </p:sldIdLst>
   <p:sldSz cx="12192000" cy="6858000"/>
   <p:notesSz cx="6858000" cy="9144000"/>
@@ -137,20 +137,20 @@
   <p:extLst>
     <p:ext uri="{521415D9-36F7-43E2-AB2F-B90AF26B5E84}">
       <p14:sectionLst xmlns:p14="http://schemas.microsoft.com/office/powerpoint/2010/main">
-        <p14:section name="Въведение" id="{37FF3DA2-98E3-4B11-9622-15A7DDF55582}">
+        <p14:section name="Въведение" id="{D3F43DBE-7BD6-4DB7-8936-7BAFFEF8AAC2}">
           <p14:sldIdLst>
-            <p14:sldId id="291"/>
+            <p14:sldId id="627"/>
             <p14:sldId id="292"/>
           </p14:sldIdLst>
         </p14:section>
-        <p14:section name="Наследяване" id="{F44D6386-3D98-4CCF-9D0D-94ECF2D18652}">
+        <p14:section name="Наследяване" id="{30F7CC53-ED1D-41C4-98DA-BCBF04CD5079}">
           <p14:sldIdLst>
             <p14:sldId id="294"/>
             <p14:sldId id="295"/>
             <p14:sldId id="296"/>
           </p14:sldIdLst>
         </p14:section>
-        <p14:section name="Класови йерархии" id="{2A697F70-0505-4FE1-93D9-D77E942D5A88}">
+        <p14:section name="Класови йерархии" id="{24A19106-BAF2-4D92-A29C-BB3D45B59737}">
           <p14:sldIdLst>
             <p14:sldId id="297"/>
             <p14:sldId id="298"/>
@@ -163,7 +163,7 @@
             <p14:sldId id="305"/>
           </p14:sldIdLst>
         </p14:section>
-        <p14:section name="Достъп до членовете на базовия клас" id="{BD5615CF-CBDC-41FA-8D00-C71D5AE61602}">
+        <p14:section name="Достъп до членовете на базовия клас" id="{BF85563F-71D2-484B-9E00-FBBF3F1F281A}">
           <p14:sldIdLst>
             <p14:sldId id="306"/>
             <p14:sldId id="307"/>
@@ -172,18 +172,18 @@
             <p14:sldId id="497"/>
           </p14:sldIdLst>
         </p14:section>
-        <p14:section name="Преизползване на класове" id="{1C407849-8E33-435E-8104-A18B9001A377}">
+        <p14:section name="Преизползване на класове" id="{7B7E2104-5DBE-428A-985B-7C2E584C4012}">
           <p14:sldIdLst>
             <p14:sldId id="494"/>
             <p14:sldId id="312"/>
             <p14:sldId id="315"/>
           </p14:sldIdLst>
         </p14:section>
-        <p14:section name="Обобщение" id="{93303A64-A802-4F3D-9932-56EA437A8A52}">
+        <p14:section name="Обобщение" id="{C4493D9F-7CFB-429F-AC24-FCC3CFEDF9DC}">
           <p14:sldIdLst>
             <p14:sldId id="326"/>
-            <p14:sldId id="401"/>
-            <p14:sldId id="493"/>
+            <p14:sldId id="504"/>
+            <p14:sldId id="505"/>
           </p14:sldIdLst>
         </p14:section>
       </p14:sectionLst>
@@ -264,7 +264,7 @@
             </a:lvl1pPr>
           </a:lstStyle>
           <a:p>
-            <a:endParaRPr lang="bg-BG" dirty="0"/>
+            <a:endParaRPr lang="bg-BG"/>
           </a:p>
         </p:txBody>
       </p:sp>
@@ -303,9 +303,9 @@
           <a:p>
             <a:fld id="{4E087215-0C8F-4762-A664-737A353EC9A4}" type="datetimeFigureOut">
               <a:rPr lang="bg-BG" smtClean="0"/>
-              <a:t>2.7.2023 г.</a:t>
+              <a:t>3.10.23 г.</a:t>
             </a:fld>
-            <a:endParaRPr lang="bg-BG" dirty="0"/>
+            <a:endParaRPr lang="bg-BG"/>
           </a:p>
         </p:txBody>
       </p:sp>
@@ -327,8 +327,8 @@
         </p:nvSpPr>
         <p:spPr>
           <a:xfrm>
-            <a:off x="-1" y="8847000"/>
-            <a:ext cx="6443999" cy="297000"/>
+            <a:off x="-1" y="8892000"/>
+            <a:ext cx="6443999" cy="252000"/>
           </a:xfrm>
           <a:prstGeom prst="rect">
             <a:avLst/>
@@ -343,19 +343,24 @@
           </a:lstStyle>
           <a:p>
             <a:r>
-              <a:rPr lang="en-US" sz="1100" dirty="0"/>
-              <a:t>© SoftUni – </a:t>
-            </a:r>
-            <a:r>
-              <a:rPr lang="en-US" sz="1100" u="sng" dirty="0">
+              <a:rPr lang="bg-BG" sz="1100" dirty="0"/>
+              <a:t>Работна група </a:t>
+            </a:r>
+            <a:r>
+              <a:rPr lang="ru-RU" sz="1100" dirty="0"/>
+              <a:t>"Образование по програмиране и ИТ</a:t>
+            </a:r>
+            <a:r>
+              <a:rPr lang="bg-BG" sz="1100" dirty="0"/>
+              <a:t>", с подкрепата на </a:t>
+            </a:r>
+            <a:r>
+              <a:rPr lang="en-US" sz="1100" dirty="0">
                 <a:hlinkClick r:id="rId2"/>
               </a:rPr>
-              <a:t>https://softuni.org</a:t>
-            </a:r>
-            <a:r>
-              <a:rPr lang="en-US" sz="1100" dirty="0"/>
-              <a:t>. Copyrighted document. Unauthorized copy or reproduction is not permitted.</a:t>
-            </a:r>
+              <a:t>SoftUni</a:t>
+            </a:r>
+            <a:endParaRPr lang="en-US" sz="1100" dirty="0"/>
           </a:p>
         </p:txBody>
       </p:sp>
@@ -377,8 +382,8 @@
         </p:nvSpPr>
         <p:spPr>
           <a:xfrm>
-            <a:off x="6443999" y="8847000"/>
-            <a:ext cx="412413" cy="297000"/>
+            <a:off x="6443999" y="8892000"/>
+            <a:ext cx="412413" cy="252000"/>
           </a:xfrm>
           <a:prstGeom prst="rect">
             <a:avLst/>
@@ -461,7 +466,7 @@
             </a:lvl1pPr>
           </a:lstStyle>
           <a:p>
-            <a:endParaRPr lang="en-US" dirty="0"/>
+            <a:endParaRPr lang="en-US"/>
           </a:p>
         </p:txBody>
       </p:sp>
@@ -494,9 +499,9 @@
           <a:p>
             <a:fld id="{72D84649-876A-46C9-8472-14CB09C070D8}" type="datetimeFigureOut">
               <a:rPr lang="en-US" smtClean="0"/>
-              <a:t>2-Jul-23</a:t>
+              <a:t>10/3/23</a:t>
             </a:fld>
-            <a:endParaRPr lang="en-US" dirty="0"/>
+            <a:endParaRPr lang="en-US"/>
           </a:p>
         </p:txBody>
       </p:sp>
@@ -529,7 +534,7 @@
           <a:bodyPr vert="horz" lIns="91440" tIns="45720" rIns="91440" bIns="45720" rtlCol="0" anchor="ctr"/>
           <a:lstStyle/>
           <a:p>
-            <a:endParaRPr lang="en-US" dirty="0"/>
+            <a:endParaRPr lang="en-US"/>
           </a:p>
         </p:txBody>
       </p:sp>
@@ -604,8 +609,8 @@
         </p:nvSpPr>
         <p:spPr>
           <a:xfrm>
-            <a:off x="6488999" y="8847000"/>
-            <a:ext cx="367414" cy="297000"/>
+            <a:off x="6488999" y="8892000"/>
+            <a:ext cx="367414" cy="252000"/>
           </a:xfrm>
           <a:prstGeom prst="rect">
             <a:avLst/>
@@ -645,8 +650,8 @@
         </p:nvSpPr>
         <p:spPr>
           <a:xfrm>
-            <a:off x="-1" y="8847000"/>
-            <a:ext cx="6488999" cy="297000"/>
+            <a:off x="-1" y="8892000"/>
+            <a:ext cx="6488999" cy="252000"/>
           </a:xfrm>
           <a:prstGeom prst="rect">
             <a:avLst/>
@@ -661,19 +666,24 @@
           </a:lstStyle>
           <a:p>
             <a:r>
-              <a:rPr lang="en-US" dirty="0"/>
-              <a:t>© SoftUni – </a:t>
-            </a:r>
-            <a:r>
-              <a:rPr lang="en-US" u="sng" dirty="0">
+              <a:rPr lang="bg-BG" sz="1100" dirty="0"/>
+              <a:t>Работна група </a:t>
+            </a:r>
+            <a:r>
+              <a:rPr lang="bg-BG" dirty="0"/>
+              <a:t>"Образование по програмиране и ИТ"</a:t>
+            </a:r>
+            <a:r>
+              <a:rPr lang="bg-BG" sz="1100" dirty="0"/>
+              <a:t>, с подкрепата на </a:t>
+            </a:r>
+            <a:r>
+              <a:rPr lang="en-US" sz="1100" dirty="0">
                 <a:hlinkClick r:id="rId2"/>
               </a:rPr>
-              <a:t>https://softuni.org</a:t>
-            </a:r>
-            <a:r>
-              <a:rPr lang="en-US" dirty="0"/>
-              <a:t>. Copyrighted document. Unauthorized copy or reproduction is not permitted.</a:t>
-            </a:r>
+              <a:t>SoftUni</a:t>
+            </a:r>
+            <a:endParaRPr lang="en-US" sz="1100" dirty="0"/>
           </a:p>
         </p:txBody>
       </p:sp>
@@ -855,10 +865,10 @@
       </p:sp>
       <p:sp>
         <p:nvSpPr>
-          <p:cNvPr id="7" name="Footer Placeholder 7">
+          <p:cNvPr id="4" name="Footer Placeholder 7">
             <a:extLst>
               <a:ext uri="{FF2B5EF4-FFF2-40B4-BE49-F238E27FC236}">
-                <a16:creationId xmlns:a16="http://schemas.microsoft.com/office/drawing/2014/main" id="{F4754961-7B93-4D7A-B75A-9D109809546E}"/>
+                <a16:creationId xmlns:a16="http://schemas.microsoft.com/office/drawing/2014/main" id="{C2D5B3F4-646B-5DA4-F973-7515905E5005}"/>
               </a:ext>
             </a:extLst>
           </p:cNvPr>
@@ -871,8 +881,8 @@
         </p:nvSpPr>
         <p:spPr>
           <a:xfrm>
-            <a:off x="-1" y="8847000"/>
-            <a:ext cx="6488999" cy="297000"/>
+            <a:off x="-1" y="8892000"/>
+            <a:ext cx="6488999" cy="252000"/>
           </a:xfrm>
           <a:prstGeom prst="rect">
             <a:avLst/>
@@ -887,26 +897,31 @@
           </a:lstStyle>
           <a:p>
             <a:r>
-              <a:rPr lang="en-US" dirty="0"/>
-              <a:t>© SoftUni – </a:t>
-            </a:r>
-            <a:r>
-              <a:rPr lang="en-US" u="sng" dirty="0">
+              <a:rPr lang="bg-BG" sz="1100" dirty="0"/>
+              <a:t>Работна група </a:t>
+            </a:r>
+            <a:r>
+              <a:rPr lang="bg-BG" dirty="0"/>
+              <a:t>"Образование по програмиране и ИТ"</a:t>
+            </a:r>
+            <a:r>
+              <a:rPr lang="bg-BG" sz="1100" dirty="0"/>
+              <a:t>, с подкрепата на </a:t>
+            </a:r>
+            <a:r>
+              <a:rPr lang="en-US" sz="1100" dirty="0">
                 <a:hlinkClick r:id="rId3"/>
               </a:rPr>
-              <a:t>https://softuni.org</a:t>
-            </a:r>
-            <a:r>
-              <a:rPr lang="en-US" dirty="0"/>
-              <a:t>. Copyrighted document. Unauthorized copy or reproduction is not permitted.</a:t>
-            </a:r>
+              <a:t>SoftUni</a:t>
+            </a:r>
+            <a:endParaRPr lang="en-US" sz="1100" dirty="0"/>
           </a:p>
         </p:txBody>
       </p:sp>
     </p:spTree>
     <p:extLst>
       <p:ext uri="{BB962C8B-B14F-4D97-AF65-F5344CB8AC3E}">
-        <p14:creationId xmlns:p14="http://schemas.microsoft.com/office/powerpoint/2010/main" val="910915813"/>
+        <p14:creationId xmlns:p14="http://schemas.microsoft.com/office/powerpoint/2010/main" val="3855554386"/>
       </p:ext>
     </p:extLst>
   </p:cSld>
@@ -1125,10 +1140,10 @@
       </p:sp>
       <p:sp>
         <p:nvSpPr>
-          <p:cNvPr id="10" name="Footer Placeholder 7">
+          <p:cNvPr id="2" name="Footer Placeholder 7">
             <a:extLst>
               <a:ext uri="{FF2B5EF4-FFF2-40B4-BE49-F238E27FC236}">
-                <a16:creationId xmlns:a16="http://schemas.microsoft.com/office/drawing/2014/main" id="{BA22CA4A-440A-4AEA-8282-A62259B5EBE6}"/>
+                <a16:creationId xmlns:a16="http://schemas.microsoft.com/office/drawing/2014/main" id="{E5065332-8174-6151-AA2A-D3AE56517750}"/>
               </a:ext>
             </a:extLst>
           </p:cNvPr>
@@ -1141,8 +1156,8 @@
         </p:nvSpPr>
         <p:spPr>
           <a:xfrm>
-            <a:off x="-1" y="8847000"/>
-            <a:ext cx="6488999" cy="297000"/>
+            <a:off x="-1" y="8892000"/>
+            <a:ext cx="6488999" cy="252000"/>
           </a:xfrm>
           <a:prstGeom prst="rect">
             <a:avLst/>
@@ -1157,26 +1172,31 @@
           </a:lstStyle>
           <a:p>
             <a:r>
-              <a:rPr lang="en-US" dirty="0"/>
-              <a:t>© SoftUni – </a:t>
-            </a:r>
-            <a:r>
-              <a:rPr lang="en-US" u="sng" dirty="0">
+              <a:rPr lang="bg-BG" sz="1100" dirty="0"/>
+              <a:t>Работна група </a:t>
+            </a:r>
+            <a:r>
+              <a:rPr lang="bg-BG" dirty="0"/>
+              <a:t>"Образование по програмиране и ИТ"</a:t>
+            </a:r>
+            <a:r>
+              <a:rPr lang="bg-BG" sz="1100" dirty="0"/>
+              <a:t>, с подкрепата на </a:t>
+            </a:r>
+            <a:r>
+              <a:rPr lang="en-US" sz="1100" dirty="0">
                 <a:hlinkClick r:id="rId3"/>
               </a:rPr>
-              <a:t>https://softuni.org</a:t>
-            </a:r>
-            <a:r>
-              <a:rPr lang="en-US" dirty="0"/>
-              <a:t>. Copyrighted document. Unauthorized copy or reproduction is not permitted.</a:t>
-            </a:r>
+              <a:t>SoftUni</a:t>
+            </a:r>
+            <a:endParaRPr lang="en-US" sz="1100" dirty="0"/>
           </a:p>
         </p:txBody>
       </p:sp>
     </p:spTree>
     <p:extLst>
       <p:ext uri="{BB962C8B-B14F-4D97-AF65-F5344CB8AC3E}">
-        <p14:creationId xmlns:p14="http://schemas.microsoft.com/office/powerpoint/2010/main" val="1110644944"/>
+        <p14:creationId xmlns:p14="http://schemas.microsoft.com/office/powerpoint/2010/main" val="404984466"/>
       </p:ext>
     </p:extLst>
   </p:cSld>
@@ -1260,10 +1280,10 @@
       </p:sp>
       <p:sp>
         <p:nvSpPr>
-          <p:cNvPr id="6" name="Footer Placeholder 7">
+          <p:cNvPr id="4" name="Footer Placeholder 7">
             <a:extLst>
               <a:ext uri="{FF2B5EF4-FFF2-40B4-BE49-F238E27FC236}">
-                <a16:creationId xmlns:a16="http://schemas.microsoft.com/office/drawing/2014/main" id="{7084F834-9B81-4D06-A239-973E0F0AA4C0}"/>
+                <a16:creationId xmlns:a16="http://schemas.microsoft.com/office/drawing/2014/main" id="{43E15926-D393-02F0-0FF0-C9A9A68ED2C6}"/>
               </a:ext>
             </a:extLst>
           </p:cNvPr>
@@ -1276,8 +1296,8 @@
         </p:nvSpPr>
         <p:spPr>
           <a:xfrm>
-            <a:off x="-1" y="8847000"/>
-            <a:ext cx="6488999" cy="297000"/>
+            <a:off x="-1" y="8892000"/>
+            <a:ext cx="6488999" cy="252000"/>
           </a:xfrm>
           <a:prstGeom prst="rect">
             <a:avLst/>
@@ -1292,26 +1312,31 @@
           </a:lstStyle>
           <a:p>
             <a:r>
-              <a:rPr lang="en-US" dirty="0"/>
-              <a:t>© SoftUni – </a:t>
-            </a:r>
-            <a:r>
-              <a:rPr lang="en-US" u="sng" dirty="0">
+              <a:rPr lang="bg-BG" sz="1100" dirty="0"/>
+              <a:t>Работна група </a:t>
+            </a:r>
+            <a:r>
+              <a:rPr lang="bg-BG" dirty="0"/>
+              <a:t>"Образование по програмиране и ИТ"</a:t>
+            </a:r>
+            <a:r>
+              <a:rPr lang="bg-BG" sz="1100" dirty="0"/>
+              <a:t>, с подкрепата на </a:t>
+            </a:r>
+            <a:r>
+              <a:rPr lang="en-US" sz="1100" dirty="0">
                 <a:hlinkClick r:id="rId3"/>
               </a:rPr>
-              <a:t>https://softuni.org</a:t>
-            </a:r>
-            <a:r>
-              <a:rPr lang="en-US" dirty="0"/>
-              <a:t>. Copyrighted document. Unauthorized copy or reproduction is not permitted.</a:t>
-            </a:r>
+              <a:t>SoftUni</a:t>
+            </a:r>
+            <a:endParaRPr lang="en-US" sz="1100" dirty="0"/>
           </a:p>
         </p:txBody>
       </p:sp>
     </p:spTree>
     <p:extLst>
       <p:ext uri="{BB962C8B-B14F-4D97-AF65-F5344CB8AC3E}">
-        <p14:creationId xmlns:p14="http://schemas.microsoft.com/office/powerpoint/2010/main" val="1844674536"/>
+        <p14:creationId xmlns:p14="http://schemas.microsoft.com/office/powerpoint/2010/main" val="3557336047"/>
       </p:ext>
     </p:extLst>
   </p:cSld>
@@ -1530,10 +1555,10 @@
       </p:sp>
       <p:sp>
         <p:nvSpPr>
-          <p:cNvPr id="10" name="Footer Placeholder 7">
+          <p:cNvPr id="2" name="Footer Placeholder 7">
             <a:extLst>
               <a:ext uri="{FF2B5EF4-FFF2-40B4-BE49-F238E27FC236}">
-                <a16:creationId xmlns:a16="http://schemas.microsoft.com/office/drawing/2014/main" id="{75DE4692-A163-438D-8CE0-54AC192C957D}"/>
+                <a16:creationId xmlns:a16="http://schemas.microsoft.com/office/drawing/2014/main" id="{1A8237FC-6D4F-5A29-1DAB-019FAB15D73C}"/>
               </a:ext>
             </a:extLst>
           </p:cNvPr>
@@ -1546,8 +1571,8 @@
         </p:nvSpPr>
         <p:spPr>
           <a:xfrm>
-            <a:off x="-1" y="8847000"/>
-            <a:ext cx="6488999" cy="297000"/>
+            <a:off x="-1" y="8892000"/>
+            <a:ext cx="6488999" cy="252000"/>
           </a:xfrm>
           <a:prstGeom prst="rect">
             <a:avLst/>
@@ -1562,26 +1587,31 @@
           </a:lstStyle>
           <a:p>
             <a:r>
-              <a:rPr lang="en-US" dirty="0"/>
-              <a:t>© SoftUni – </a:t>
-            </a:r>
-            <a:r>
-              <a:rPr lang="en-US" u="sng" dirty="0">
+              <a:rPr lang="bg-BG" sz="1100" dirty="0"/>
+              <a:t>Работна група </a:t>
+            </a:r>
+            <a:r>
+              <a:rPr lang="bg-BG" dirty="0"/>
+              <a:t>"Образование по програмиране и ИТ"</a:t>
+            </a:r>
+            <a:r>
+              <a:rPr lang="bg-BG" sz="1100" dirty="0"/>
+              <a:t>, с подкрепата на </a:t>
+            </a:r>
+            <a:r>
+              <a:rPr lang="en-US" sz="1100" dirty="0">
                 <a:hlinkClick r:id="rId3"/>
               </a:rPr>
-              <a:t>https://softuni.org</a:t>
-            </a:r>
-            <a:r>
-              <a:rPr lang="en-US" dirty="0"/>
-              <a:t>. Copyrighted document. Unauthorized copy or reproduction is not permitted.</a:t>
-            </a:r>
+              <a:t>SoftUni</a:t>
+            </a:r>
+            <a:endParaRPr lang="en-US" sz="1100" dirty="0"/>
           </a:p>
         </p:txBody>
       </p:sp>
     </p:spTree>
     <p:extLst>
       <p:ext uri="{BB962C8B-B14F-4D97-AF65-F5344CB8AC3E}">
-        <p14:creationId xmlns:p14="http://schemas.microsoft.com/office/powerpoint/2010/main" val="896461879"/>
+        <p14:creationId xmlns:p14="http://schemas.microsoft.com/office/powerpoint/2010/main" val="2287987809"/>
       </p:ext>
     </p:extLst>
   </p:cSld>
@@ -1800,10 +1830,10 @@
       </p:sp>
       <p:sp>
         <p:nvSpPr>
-          <p:cNvPr id="10" name="Footer Placeholder 7">
+          <p:cNvPr id="2" name="Footer Placeholder 7">
             <a:extLst>
               <a:ext uri="{FF2B5EF4-FFF2-40B4-BE49-F238E27FC236}">
-                <a16:creationId xmlns:a16="http://schemas.microsoft.com/office/drawing/2014/main" id="{E9417983-7636-47A7-88DA-B7E4A4860817}"/>
+                <a16:creationId xmlns:a16="http://schemas.microsoft.com/office/drawing/2014/main" id="{4330A954-84C5-A8A4-5A8B-DC9D0B83FBA8}"/>
               </a:ext>
             </a:extLst>
           </p:cNvPr>
@@ -1816,8 +1846,8 @@
         </p:nvSpPr>
         <p:spPr>
           <a:xfrm>
-            <a:off x="-1" y="8847000"/>
-            <a:ext cx="6488999" cy="297000"/>
+            <a:off x="-1" y="8892000"/>
+            <a:ext cx="6488999" cy="252000"/>
           </a:xfrm>
           <a:prstGeom prst="rect">
             <a:avLst/>
@@ -1832,26 +1862,31 @@
           </a:lstStyle>
           <a:p>
             <a:r>
-              <a:rPr lang="en-US" dirty="0"/>
-              <a:t>© SoftUni – </a:t>
-            </a:r>
-            <a:r>
-              <a:rPr lang="en-US" u="sng" dirty="0">
+              <a:rPr lang="bg-BG" sz="1100" dirty="0"/>
+              <a:t>Работна група </a:t>
+            </a:r>
+            <a:r>
+              <a:rPr lang="bg-BG" dirty="0"/>
+              <a:t>"Образование по програмиране и ИТ"</a:t>
+            </a:r>
+            <a:r>
+              <a:rPr lang="bg-BG" sz="1100" dirty="0"/>
+              <a:t>, с подкрепата на </a:t>
+            </a:r>
+            <a:r>
+              <a:rPr lang="en-US" sz="1100" dirty="0">
                 <a:hlinkClick r:id="rId3"/>
               </a:rPr>
-              <a:t>https://softuni.org</a:t>
-            </a:r>
-            <a:r>
-              <a:rPr lang="en-US" dirty="0"/>
-              <a:t>. Copyrighted document. Unauthorized copy or reproduction is not permitted.</a:t>
-            </a:r>
+              <a:t>SoftUni</a:t>
+            </a:r>
+            <a:endParaRPr lang="en-US" sz="1100" dirty="0"/>
           </a:p>
         </p:txBody>
       </p:sp>
     </p:spTree>
     <p:extLst>
       <p:ext uri="{BB962C8B-B14F-4D97-AF65-F5344CB8AC3E}">
-        <p14:creationId xmlns:p14="http://schemas.microsoft.com/office/powerpoint/2010/main" val="4039388742"/>
+        <p14:creationId xmlns:p14="http://schemas.microsoft.com/office/powerpoint/2010/main" val="637095286"/>
       </p:ext>
     </p:extLst>
   </p:cSld>
@@ -2070,10 +2105,10 @@
       </p:sp>
       <p:sp>
         <p:nvSpPr>
-          <p:cNvPr id="10" name="Footer Placeholder 7">
+          <p:cNvPr id="2" name="Footer Placeholder 7">
             <a:extLst>
               <a:ext uri="{FF2B5EF4-FFF2-40B4-BE49-F238E27FC236}">
-                <a16:creationId xmlns:a16="http://schemas.microsoft.com/office/drawing/2014/main" id="{0A2AD7D5-0E28-4419-B39A-865C1597B9E5}"/>
+                <a16:creationId xmlns:a16="http://schemas.microsoft.com/office/drawing/2014/main" id="{59102126-0499-A589-7865-F0C266A90139}"/>
               </a:ext>
             </a:extLst>
           </p:cNvPr>
@@ -2086,8 +2121,8 @@
         </p:nvSpPr>
         <p:spPr>
           <a:xfrm>
-            <a:off x="-1" y="8847000"/>
-            <a:ext cx="6488999" cy="297000"/>
+            <a:off x="-1" y="8892000"/>
+            <a:ext cx="6488999" cy="252000"/>
           </a:xfrm>
           <a:prstGeom prst="rect">
             <a:avLst/>
@@ -2102,26 +2137,31 @@
           </a:lstStyle>
           <a:p>
             <a:r>
-              <a:rPr lang="en-US" dirty="0"/>
-              <a:t>© SoftUni – </a:t>
-            </a:r>
-            <a:r>
-              <a:rPr lang="en-US" u="sng" dirty="0">
+              <a:rPr lang="bg-BG" sz="1100" dirty="0"/>
+              <a:t>Работна група </a:t>
+            </a:r>
+            <a:r>
+              <a:rPr lang="bg-BG" dirty="0"/>
+              <a:t>"Образование по програмиране и ИТ"</a:t>
+            </a:r>
+            <a:r>
+              <a:rPr lang="bg-BG" sz="1100" dirty="0"/>
+              <a:t>, с подкрепата на </a:t>
+            </a:r>
+            <a:r>
+              <a:rPr lang="en-US" sz="1100" dirty="0">
                 <a:hlinkClick r:id="rId3"/>
               </a:rPr>
-              <a:t>https://softuni.org</a:t>
-            </a:r>
-            <a:r>
-              <a:rPr lang="en-US" dirty="0"/>
-              <a:t>. Copyrighted document. Unauthorized copy or reproduction is not permitted.</a:t>
-            </a:r>
+              <a:t>SoftUni</a:t>
+            </a:r>
+            <a:endParaRPr lang="en-US" sz="1100" dirty="0"/>
           </a:p>
         </p:txBody>
       </p:sp>
     </p:spTree>
     <p:extLst>
       <p:ext uri="{BB962C8B-B14F-4D97-AF65-F5344CB8AC3E}">
-        <p14:creationId xmlns:p14="http://schemas.microsoft.com/office/powerpoint/2010/main" val="3725313054"/>
+        <p14:creationId xmlns:p14="http://schemas.microsoft.com/office/powerpoint/2010/main" val="2999808302"/>
       </p:ext>
     </p:extLst>
   </p:cSld>
@@ -2340,10 +2380,10 @@
       </p:sp>
       <p:sp>
         <p:nvSpPr>
-          <p:cNvPr id="10" name="Footer Placeholder 7">
+          <p:cNvPr id="2" name="Footer Placeholder 7">
             <a:extLst>
               <a:ext uri="{FF2B5EF4-FFF2-40B4-BE49-F238E27FC236}">
-                <a16:creationId xmlns:a16="http://schemas.microsoft.com/office/drawing/2014/main" id="{432413C6-059A-43A5-B08B-DE2E53E95F38}"/>
+                <a16:creationId xmlns:a16="http://schemas.microsoft.com/office/drawing/2014/main" id="{8CE3AB84-1A1B-34E2-8D06-5C08B53A984A}"/>
               </a:ext>
             </a:extLst>
           </p:cNvPr>
@@ -2356,8 +2396,8 @@
         </p:nvSpPr>
         <p:spPr>
           <a:xfrm>
-            <a:off x="-1" y="8847000"/>
-            <a:ext cx="6488999" cy="297000"/>
+            <a:off x="-1" y="8892000"/>
+            <a:ext cx="6488999" cy="252000"/>
           </a:xfrm>
           <a:prstGeom prst="rect">
             <a:avLst/>
@@ -2372,26 +2412,31 @@
           </a:lstStyle>
           <a:p>
             <a:r>
-              <a:rPr lang="en-US" dirty="0"/>
-              <a:t>© SoftUni – </a:t>
-            </a:r>
-            <a:r>
-              <a:rPr lang="en-US" u="sng" dirty="0">
+              <a:rPr lang="bg-BG" sz="1100" dirty="0"/>
+              <a:t>Работна група </a:t>
+            </a:r>
+            <a:r>
+              <a:rPr lang="bg-BG" dirty="0"/>
+              <a:t>"Образование по програмиране и ИТ"</a:t>
+            </a:r>
+            <a:r>
+              <a:rPr lang="bg-BG" sz="1100" dirty="0"/>
+              <a:t>, с подкрепата на </a:t>
+            </a:r>
+            <a:r>
+              <a:rPr lang="en-US" sz="1100" dirty="0">
                 <a:hlinkClick r:id="rId3"/>
               </a:rPr>
-              <a:t>https://softuni.org</a:t>
-            </a:r>
-            <a:r>
-              <a:rPr lang="en-US" dirty="0"/>
-              <a:t>. Copyrighted document. Unauthorized copy or reproduction is not permitted.</a:t>
-            </a:r>
+              <a:t>SoftUni</a:t>
+            </a:r>
+            <a:endParaRPr lang="en-US" sz="1100" dirty="0"/>
           </a:p>
         </p:txBody>
       </p:sp>
     </p:spTree>
     <p:extLst>
       <p:ext uri="{BB962C8B-B14F-4D97-AF65-F5344CB8AC3E}">
-        <p14:creationId xmlns:p14="http://schemas.microsoft.com/office/powerpoint/2010/main" val="4070100513"/>
+        <p14:creationId xmlns:p14="http://schemas.microsoft.com/office/powerpoint/2010/main" val="2008463047"/>
       </p:ext>
     </p:extLst>
   </p:cSld>
@@ -2475,10 +2520,10 @@
       </p:sp>
       <p:sp>
         <p:nvSpPr>
-          <p:cNvPr id="6" name="Footer Placeholder 7">
+          <p:cNvPr id="4" name="Footer Placeholder 7">
             <a:extLst>
               <a:ext uri="{FF2B5EF4-FFF2-40B4-BE49-F238E27FC236}">
-                <a16:creationId xmlns:a16="http://schemas.microsoft.com/office/drawing/2014/main" id="{9B06890D-5EEB-420A-9FC0-F14D0F047CF7}"/>
+                <a16:creationId xmlns:a16="http://schemas.microsoft.com/office/drawing/2014/main" id="{CA36C807-4BE8-99A3-A811-2F964B927C3D}"/>
               </a:ext>
             </a:extLst>
           </p:cNvPr>
@@ -2491,8 +2536,8 @@
         </p:nvSpPr>
         <p:spPr>
           <a:xfrm>
-            <a:off x="-1" y="8847000"/>
-            <a:ext cx="6488999" cy="297000"/>
+            <a:off x="-1" y="8892000"/>
+            <a:ext cx="6488999" cy="252000"/>
           </a:xfrm>
           <a:prstGeom prst="rect">
             <a:avLst/>
@@ -2507,26 +2552,31 @@
           </a:lstStyle>
           <a:p>
             <a:r>
-              <a:rPr lang="en-US" dirty="0"/>
-              <a:t>© SoftUni – </a:t>
-            </a:r>
-            <a:r>
-              <a:rPr lang="en-US" u="sng" dirty="0">
+              <a:rPr lang="bg-BG" sz="1100" dirty="0"/>
+              <a:t>Работна група </a:t>
+            </a:r>
+            <a:r>
+              <a:rPr lang="bg-BG" dirty="0"/>
+              <a:t>"Образование по програмиране и ИТ"</a:t>
+            </a:r>
+            <a:r>
+              <a:rPr lang="bg-BG" sz="1100" dirty="0"/>
+              <a:t>, с подкрепата на </a:t>
+            </a:r>
+            <a:r>
+              <a:rPr lang="en-US" sz="1100" dirty="0">
                 <a:hlinkClick r:id="rId3"/>
               </a:rPr>
-              <a:t>https://softuni.org</a:t>
-            </a:r>
-            <a:r>
-              <a:rPr lang="en-US" dirty="0"/>
-              <a:t>. Copyrighted document. Unauthorized copy or reproduction is not permitted.</a:t>
-            </a:r>
+              <a:t>SoftUni</a:t>
+            </a:r>
+            <a:endParaRPr lang="en-US" sz="1100" dirty="0"/>
           </a:p>
         </p:txBody>
       </p:sp>
     </p:spTree>
     <p:extLst>
       <p:ext uri="{BB962C8B-B14F-4D97-AF65-F5344CB8AC3E}">
-        <p14:creationId xmlns:p14="http://schemas.microsoft.com/office/powerpoint/2010/main" val="1165365046"/>
+        <p14:creationId xmlns:p14="http://schemas.microsoft.com/office/powerpoint/2010/main" val="3997204046"/>
       </p:ext>
     </p:extLst>
   </p:cSld>
@@ -2716,10 +2766,10 @@
       </p:sp>
       <p:sp>
         <p:nvSpPr>
-          <p:cNvPr id="6" name="Footer Placeholder 7">
+          <p:cNvPr id="5" name="Footer Placeholder 7">
             <a:extLst>
               <a:ext uri="{FF2B5EF4-FFF2-40B4-BE49-F238E27FC236}">
-                <a16:creationId xmlns:a16="http://schemas.microsoft.com/office/drawing/2014/main" id="{329A585D-1ED9-4D71-AE3D-6A64A993D6E2}"/>
+                <a16:creationId xmlns:a16="http://schemas.microsoft.com/office/drawing/2014/main" id="{044C4BF0-867B-65D2-B54A-C11727306007}"/>
               </a:ext>
             </a:extLst>
           </p:cNvPr>
@@ -2732,8 +2782,8 @@
         </p:nvSpPr>
         <p:spPr>
           <a:xfrm>
-            <a:off x="-1" y="8847000"/>
-            <a:ext cx="6488999" cy="297000"/>
+            <a:off x="-1" y="8892000"/>
+            <a:ext cx="6488999" cy="252000"/>
           </a:xfrm>
           <a:prstGeom prst="rect">
             <a:avLst/>
@@ -2748,26 +2798,31 @@
           </a:lstStyle>
           <a:p>
             <a:r>
-              <a:rPr lang="en-US" dirty="0"/>
-              <a:t>© SoftUni – </a:t>
-            </a:r>
-            <a:r>
-              <a:rPr lang="en-US" u="sng" dirty="0">
+              <a:rPr lang="bg-BG" sz="1100" dirty="0"/>
+              <a:t>Работна група </a:t>
+            </a:r>
+            <a:r>
+              <a:rPr lang="bg-BG" dirty="0"/>
+              <a:t>"Образование по програмиране и ИТ"</a:t>
+            </a:r>
+            <a:r>
+              <a:rPr lang="bg-BG" sz="1100" dirty="0"/>
+              <a:t>, с подкрепата на </a:t>
+            </a:r>
+            <a:r>
+              <a:rPr lang="en-US" sz="1100" dirty="0">
                 <a:hlinkClick r:id="rId3"/>
               </a:rPr>
-              <a:t>https://softuni.org</a:t>
-            </a:r>
-            <a:r>
-              <a:rPr lang="en-US" dirty="0"/>
-              <a:t>. Copyrighted document. Unauthorized copy or reproduction is not permitted.</a:t>
-            </a:r>
+              <a:t>SoftUni</a:t>
+            </a:r>
+            <a:endParaRPr lang="en-US" sz="1100" dirty="0"/>
           </a:p>
         </p:txBody>
       </p:sp>
     </p:spTree>
     <p:extLst>
       <p:ext uri="{BB962C8B-B14F-4D97-AF65-F5344CB8AC3E}">
-        <p14:creationId xmlns:p14="http://schemas.microsoft.com/office/powerpoint/2010/main" val="2111079765"/>
+        <p14:creationId xmlns:p14="http://schemas.microsoft.com/office/powerpoint/2010/main" val="3358586686"/>
       </p:ext>
     </p:extLst>
   </p:cSld>
@@ -2821,7 +2876,7 @@
           <a:bodyPr/>
           <a:lstStyle/>
           <a:p>
-            <a:endParaRPr lang="en-US" dirty="0"/>
+            <a:endParaRPr lang="en-US"/>
           </a:p>
         </p:txBody>
       </p:sp>
@@ -2957,10 +3012,10 @@
       </p:sp>
       <p:sp>
         <p:nvSpPr>
-          <p:cNvPr id="7" name="Footer Placeholder 7">
+          <p:cNvPr id="5" name="Footer Placeholder 7">
             <a:extLst>
               <a:ext uri="{FF2B5EF4-FFF2-40B4-BE49-F238E27FC236}">
-                <a16:creationId xmlns:a16="http://schemas.microsoft.com/office/drawing/2014/main" id="{8D188ED5-F516-4C31-A1EA-BA7D59B32B5D}"/>
+                <a16:creationId xmlns:a16="http://schemas.microsoft.com/office/drawing/2014/main" id="{CEF45944-6D4C-D29A-BC39-6CD65CEC5821}"/>
               </a:ext>
             </a:extLst>
           </p:cNvPr>
@@ -2973,8 +3028,8 @@
         </p:nvSpPr>
         <p:spPr>
           <a:xfrm>
-            <a:off x="-1" y="8847000"/>
-            <a:ext cx="6488999" cy="297000"/>
+            <a:off x="-1" y="8892000"/>
+            <a:ext cx="6488999" cy="252000"/>
           </a:xfrm>
           <a:prstGeom prst="rect">
             <a:avLst/>
@@ -2989,26 +3044,31 @@
           </a:lstStyle>
           <a:p>
             <a:r>
-              <a:rPr lang="en-US" dirty="0"/>
-              <a:t>© SoftUni – </a:t>
-            </a:r>
-            <a:r>
-              <a:rPr lang="en-US" u="sng" dirty="0">
+              <a:rPr lang="bg-BG" sz="1100" dirty="0"/>
+              <a:t>Работна група </a:t>
+            </a:r>
+            <a:r>
+              <a:rPr lang="bg-BG" dirty="0"/>
+              <a:t>"Образование по програмиране и ИТ"</a:t>
+            </a:r>
+            <a:r>
+              <a:rPr lang="bg-BG" sz="1100" dirty="0"/>
+              <a:t>, с подкрепата на </a:t>
+            </a:r>
+            <a:r>
+              <a:rPr lang="en-US" sz="1100" dirty="0">
                 <a:hlinkClick r:id="rId3"/>
               </a:rPr>
-              <a:t>https://softuni.org</a:t>
-            </a:r>
-            <a:r>
-              <a:rPr lang="en-US" dirty="0"/>
-              <a:t>. Copyrighted document. Unauthorized copy or reproduction is not permitted.</a:t>
-            </a:r>
+              <a:t>SoftUni</a:t>
+            </a:r>
+            <a:endParaRPr lang="en-US" sz="1100" dirty="0"/>
           </a:p>
         </p:txBody>
       </p:sp>
     </p:spTree>
     <p:extLst>
       <p:ext uri="{BB962C8B-B14F-4D97-AF65-F5344CB8AC3E}">
-        <p14:creationId xmlns:p14="http://schemas.microsoft.com/office/powerpoint/2010/main" val="792321493"/>
+        <p14:creationId xmlns:p14="http://schemas.microsoft.com/office/powerpoint/2010/main" val="1657130332"/>
       </p:ext>
     </p:extLst>
   </p:cSld>
@@ -3092,10 +3152,10 @@
       </p:sp>
       <p:sp>
         <p:nvSpPr>
-          <p:cNvPr id="6" name="Footer Placeholder 7">
+          <p:cNvPr id="5" name="Footer Placeholder 7">
             <a:extLst>
               <a:ext uri="{FF2B5EF4-FFF2-40B4-BE49-F238E27FC236}">
-                <a16:creationId xmlns:a16="http://schemas.microsoft.com/office/drawing/2014/main" id="{B845F504-A163-40FB-8938-C18B867D0441}"/>
+                <a16:creationId xmlns:a16="http://schemas.microsoft.com/office/drawing/2014/main" id="{EFED89F9-DBFB-B94C-F280-23F52CB2F0FB}"/>
               </a:ext>
             </a:extLst>
           </p:cNvPr>
@@ -3108,8 +3168,8 @@
         </p:nvSpPr>
         <p:spPr>
           <a:xfrm>
-            <a:off x="-1" y="8847000"/>
-            <a:ext cx="6488999" cy="297000"/>
+            <a:off x="-1" y="8892000"/>
+            <a:ext cx="6488999" cy="252000"/>
           </a:xfrm>
           <a:prstGeom prst="rect">
             <a:avLst/>
@@ -3124,26 +3184,31 @@
           </a:lstStyle>
           <a:p>
             <a:r>
-              <a:rPr lang="en-US" dirty="0"/>
-              <a:t>© SoftUni – </a:t>
-            </a:r>
-            <a:r>
-              <a:rPr lang="en-US" u="sng" dirty="0">
+              <a:rPr lang="bg-BG" sz="1100" dirty="0"/>
+              <a:t>Работна група </a:t>
+            </a:r>
+            <a:r>
+              <a:rPr lang="bg-BG" dirty="0"/>
+              <a:t>"Образование по програмиране и ИТ"</a:t>
+            </a:r>
+            <a:r>
+              <a:rPr lang="bg-BG" sz="1100" dirty="0"/>
+              <a:t>, с подкрепата на </a:t>
+            </a:r>
+            <a:r>
+              <a:rPr lang="en-US" sz="1100" dirty="0">
                 <a:hlinkClick r:id="rId3"/>
               </a:rPr>
-              <a:t>https://softuni.org</a:t>
-            </a:r>
-            <a:r>
-              <a:rPr lang="en-US" dirty="0"/>
-              <a:t>. Copyrighted document. Unauthorized copy or reproduction is not permitted.</a:t>
-            </a:r>
+              <a:t>SoftUni</a:t>
+            </a:r>
+            <a:endParaRPr lang="en-US" sz="1100" dirty="0"/>
           </a:p>
         </p:txBody>
       </p:sp>
     </p:spTree>
     <p:extLst>
       <p:ext uri="{BB962C8B-B14F-4D97-AF65-F5344CB8AC3E}">
-        <p14:creationId xmlns:p14="http://schemas.microsoft.com/office/powerpoint/2010/main" val="332173795"/>
+        <p14:creationId xmlns:p14="http://schemas.microsoft.com/office/powerpoint/2010/main" val="603267751"/>
       </p:ext>
     </p:extLst>
   </p:cSld>
@@ -3238,10 +3303,10 @@
       </p:sp>
       <p:sp>
         <p:nvSpPr>
-          <p:cNvPr id="6" name="Footer Placeholder 7">
+          <p:cNvPr id="2" name="Footer Placeholder 7">
             <a:extLst>
               <a:ext uri="{FF2B5EF4-FFF2-40B4-BE49-F238E27FC236}">
-                <a16:creationId xmlns:a16="http://schemas.microsoft.com/office/drawing/2014/main" id="{5E327D25-3ADF-4E26-B33F-EC06EC2086B7}"/>
+                <a16:creationId xmlns:a16="http://schemas.microsoft.com/office/drawing/2014/main" id="{440CBA51-1E00-8A8C-3C34-329F14782923}"/>
               </a:ext>
             </a:extLst>
           </p:cNvPr>
@@ -3254,8 +3319,8 @@
         </p:nvSpPr>
         <p:spPr>
           <a:xfrm>
-            <a:off x="-1" y="8847000"/>
-            <a:ext cx="6488999" cy="297000"/>
+            <a:off x="-1" y="8892000"/>
+            <a:ext cx="6488999" cy="252000"/>
           </a:xfrm>
           <a:prstGeom prst="rect">
             <a:avLst/>
@@ -3270,26 +3335,31 @@
           </a:lstStyle>
           <a:p>
             <a:r>
-              <a:rPr lang="en-US" dirty="0"/>
-              <a:t>© SoftUni – </a:t>
-            </a:r>
-            <a:r>
-              <a:rPr lang="en-US" u="sng" dirty="0">
+              <a:rPr lang="bg-BG" sz="1100" dirty="0"/>
+              <a:t>Работна група </a:t>
+            </a:r>
+            <a:r>
+              <a:rPr lang="bg-BG" dirty="0"/>
+              <a:t>"Образование по програмиране и ИТ"</a:t>
+            </a:r>
+            <a:r>
+              <a:rPr lang="bg-BG" sz="1100" dirty="0"/>
+              <a:t>, с подкрепата на </a:t>
+            </a:r>
+            <a:r>
+              <a:rPr lang="en-US" sz="1100" dirty="0">
                 <a:hlinkClick r:id="rId3"/>
               </a:rPr>
-              <a:t>https://softuni.org</a:t>
-            </a:r>
-            <a:r>
-              <a:rPr lang="en-US" dirty="0"/>
-              <a:t>. Copyrighted document. Unauthorized copy or reproduction is not permitted.</a:t>
-            </a:r>
+              <a:t>SoftUni</a:t>
+            </a:r>
+            <a:endParaRPr lang="en-US" sz="1100" dirty="0"/>
           </a:p>
         </p:txBody>
       </p:sp>
     </p:spTree>
     <p:extLst>
       <p:ext uri="{BB962C8B-B14F-4D97-AF65-F5344CB8AC3E}">
-        <p14:creationId xmlns:p14="http://schemas.microsoft.com/office/powerpoint/2010/main" val="1709761961"/>
+        <p14:creationId xmlns:p14="http://schemas.microsoft.com/office/powerpoint/2010/main" val="4216243805"/>
       </p:ext>
     </p:extLst>
   </p:cSld>
@@ -3508,10 +3578,10 @@
       </p:sp>
       <p:sp>
         <p:nvSpPr>
-          <p:cNvPr id="10" name="Footer Placeholder 7">
+          <p:cNvPr id="2" name="Footer Placeholder 7">
             <a:extLst>
               <a:ext uri="{FF2B5EF4-FFF2-40B4-BE49-F238E27FC236}">
-                <a16:creationId xmlns:a16="http://schemas.microsoft.com/office/drawing/2014/main" id="{660FC789-3C8B-4D48-932D-A6828EDABC54}"/>
+                <a16:creationId xmlns:a16="http://schemas.microsoft.com/office/drawing/2014/main" id="{67AA7CFD-ED18-C9D4-49E8-8AFC3B827D25}"/>
               </a:ext>
             </a:extLst>
           </p:cNvPr>
@@ -3524,8 +3594,8 @@
         </p:nvSpPr>
         <p:spPr>
           <a:xfrm>
-            <a:off x="-1" y="8847000"/>
-            <a:ext cx="6488999" cy="297000"/>
+            <a:off x="-1" y="8892000"/>
+            <a:ext cx="6488999" cy="252000"/>
           </a:xfrm>
           <a:prstGeom prst="rect">
             <a:avLst/>
@@ -3540,26 +3610,31 @@
           </a:lstStyle>
           <a:p>
             <a:r>
-              <a:rPr lang="en-US" dirty="0"/>
-              <a:t>© SoftUni – </a:t>
-            </a:r>
-            <a:r>
-              <a:rPr lang="en-US" u="sng" dirty="0">
+              <a:rPr lang="bg-BG" sz="1100" dirty="0"/>
+              <a:t>Работна група </a:t>
+            </a:r>
+            <a:r>
+              <a:rPr lang="bg-BG" dirty="0"/>
+              <a:t>"Образование по програмиране и ИТ"</a:t>
+            </a:r>
+            <a:r>
+              <a:rPr lang="bg-BG" sz="1100" dirty="0"/>
+              <a:t>, с подкрепата на </a:t>
+            </a:r>
+            <a:r>
+              <a:rPr lang="en-US" sz="1100" dirty="0">
                 <a:hlinkClick r:id="rId3"/>
               </a:rPr>
-              <a:t>https://softuni.org</a:t>
-            </a:r>
-            <a:r>
-              <a:rPr lang="en-US" dirty="0"/>
-              <a:t>. Copyrighted document. Unauthorized copy or reproduction is not permitted.</a:t>
-            </a:r>
+              <a:t>SoftUni</a:t>
+            </a:r>
+            <a:endParaRPr lang="en-US" sz="1100" dirty="0"/>
           </a:p>
         </p:txBody>
       </p:sp>
     </p:spTree>
     <p:extLst>
       <p:ext uri="{BB962C8B-B14F-4D97-AF65-F5344CB8AC3E}">
-        <p14:creationId xmlns:p14="http://schemas.microsoft.com/office/powerpoint/2010/main" val="1122351513"/>
+        <p14:creationId xmlns:p14="http://schemas.microsoft.com/office/powerpoint/2010/main" val="3954291345"/>
       </p:ext>
     </p:extLst>
   </p:cSld>
@@ -3643,10 +3718,10 @@
       </p:sp>
       <p:sp>
         <p:nvSpPr>
-          <p:cNvPr id="6" name="Footer Placeholder 7">
+          <p:cNvPr id="4" name="Footer Placeholder 7">
             <a:extLst>
               <a:ext uri="{FF2B5EF4-FFF2-40B4-BE49-F238E27FC236}">
-                <a16:creationId xmlns:a16="http://schemas.microsoft.com/office/drawing/2014/main" id="{6A813BCD-E5FA-429E-99A5-7D99318A532A}"/>
+                <a16:creationId xmlns:a16="http://schemas.microsoft.com/office/drawing/2014/main" id="{C1A06FF0-1CD8-3245-B81A-99031DA464B3}"/>
               </a:ext>
             </a:extLst>
           </p:cNvPr>
@@ -3659,8 +3734,8 @@
         </p:nvSpPr>
         <p:spPr>
           <a:xfrm>
-            <a:off x="-1" y="8847000"/>
-            <a:ext cx="6488999" cy="297000"/>
+            <a:off x="-1" y="8892000"/>
+            <a:ext cx="6488999" cy="252000"/>
           </a:xfrm>
           <a:prstGeom prst="rect">
             <a:avLst/>
@@ -3675,26 +3750,31 @@
           </a:lstStyle>
           <a:p>
             <a:r>
-              <a:rPr lang="en-US" dirty="0"/>
-              <a:t>© SoftUni – </a:t>
-            </a:r>
-            <a:r>
-              <a:rPr lang="en-US" u="sng" dirty="0">
+              <a:rPr lang="bg-BG" sz="1100" dirty="0"/>
+              <a:t>Работна група </a:t>
+            </a:r>
+            <a:r>
+              <a:rPr lang="bg-BG" dirty="0"/>
+              <a:t>"Образование по програмиране и ИТ"</a:t>
+            </a:r>
+            <a:r>
+              <a:rPr lang="bg-BG" sz="1100" dirty="0"/>
+              <a:t>, с подкрепата на </a:t>
+            </a:r>
+            <a:r>
+              <a:rPr lang="en-US" sz="1100" dirty="0">
                 <a:hlinkClick r:id="rId3"/>
               </a:rPr>
-              <a:t>https://softuni.org</a:t>
-            </a:r>
-            <a:r>
-              <a:rPr lang="en-US" dirty="0"/>
-              <a:t>. Copyrighted document. Unauthorized copy or reproduction is not permitted.</a:t>
-            </a:r>
+              <a:t>SoftUni</a:t>
+            </a:r>
+            <a:endParaRPr lang="en-US" sz="1100" dirty="0"/>
           </a:p>
         </p:txBody>
       </p:sp>
     </p:spTree>
     <p:extLst>
       <p:ext uri="{BB962C8B-B14F-4D97-AF65-F5344CB8AC3E}">
-        <p14:creationId xmlns:p14="http://schemas.microsoft.com/office/powerpoint/2010/main" val="1578250686"/>
+        <p14:creationId xmlns:p14="http://schemas.microsoft.com/office/powerpoint/2010/main" val="581011565"/>
       </p:ext>
     </p:extLst>
   </p:cSld>
@@ -3913,10 +3993,10 @@
       </p:sp>
       <p:sp>
         <p:nvSpPr>
-          <p:cNvPr id="10" name="Footer Placeholder 7">
+          <p:cNvPr id="2" name="Footer Placeholder 7">
             <a:extLst>
               <a:ext uri="{FF2B5EF4-FFF2-40B4-BE49-F238E27FC236}">
-                <a16:creationId xmlns:a16="http://schemas.microsoft.com/office/drawing/2014/main" id="{A7E3FBEF-0C61-41A9-8B5E-84367CF2A186}"/>
+                <a16:creationId xmlns:a16="http://schemas.microsoft.com/office/drawing/2014/main" id="{967350D8-A4F8-A714-FE3F-4A54A3D7ADE9}"/>
               </a:ext>
             </a:extLst>
           </p:cNvPr>
@@ -3929,8 +4009,8 @@
         </p:nvSpPr>
         <p:spPr>
           <a:xfrm>
-            <a:off x="-1" y="8847000"/>
-            <a:ext cx="6488999" cy="297000"/>
+            <a:off x="-1" y="8892000"/>
+            <a:ext cx="6488999" cy="252000"/>
           </a:xfrm>
           <a:prstGeom prst="rect">
             <a:avLst/>
@@ -3945,26 +4025,31 @@
           </a:lstStyle>
           <a:p>
             <a:r>
-              <a:rPr lang="en-US" dirty="0"/>
-              <a:t>© SoftUni – </a:t>
-            </a:r>
-            <a:r>
-              <a:rPr lang="en-US" u="sng" dirty="0">
+              <a:rPr lang="bg-BG" sz="1100" dirty="0"/>
+              <a:t>Работна група </a:t>
+            </a:r>
+            <a:r>
+              <a:rPr lang="bg-BG" dirty="0"/>
+              <a:t>"Образование по програмиране и ИТ"</a:t>
+            </a:r>
+            <a:r>
+              <a:rPr lang="bg-BG" sz="1100" dirty="0"/>
+              <a:t>, с подкрепата на </a:t>
+            </a:r>
+            <a:r>
+              <a:rPr lang="en-US" sz="1100" dirty="0">
                 <a:hlinkClick r:id="rId3"/>
               </a:rPr>
-              <a:t>https://softuni.org</a:t>
-            </a:r>
-            <a:r>
-              <a:rPr lang="en-US" dirty="0"/>
-              <a:t>. Copyrighted document. Unauthorized copy or reproduction is not permitted.</a:t>
-            </a:r>
+              <a:t>SoftUni</a:t>
+            </a:r>
+            <a:endParaRPr lang="en-US" sz="1100" dirty="0"/>
           </a:p>
         </p:txBody>
       </p:sp>
     </p:spTree>
     <p:extLst>
       <p:ext uri="{BB962C8B-B14F-4D97-AF65-F5344CB8AC3E}">
-        <p14:creationId xmlns:p14="http://schemas.microsoft.com/office/powerpoint/2010/main" val="956663373"/>
+        <p14:creationId xmlns:p14="http://schemas.microsoft.com/office/powerpoint/2010/main" val="4064823662"/>
       </p:ext>
     </p:extLst>
   </p:cSld>
@@ -4183,10 +4268,10 @@
       </p:sp>
       <p:sp>
         <p:nvSpPr>
-          <p:cNvPr id="10" name="Footer Placeholder 7">
+          <p:cNvPr id="2" name="Footer Placeholder 7">
             <a:extLst>
               <a:ext uri="{FF2B5EF4-FFF2-40B4-BE49-F238E27FC236}">
-                <a16:creationId xmlns:a16="http://schemas.microsoft.com/office/drawing/2014/main" id="{BFFFCCD7-AAAF-423D-A724-20F3A24F784D}"/>
+                <a16:creationId xmlns:a16="http://schemas.microsoft.com/office/drawing/2014/main" id="{39724A7F-F438-D903-C31B-EC3D2DED62C7}"/>
               </a:ext>
             </a:extLst>
           </p:cNvPr>
@@ -4199,8 +4284,8 @@
         </p:nvSpPr>
         <p:spPr>
           <a:xfrm>
-            <a:off x="-1" y="8847000"/>
-            <a:ext cx="6488999" cy="297000"/>
+            <a:off x="-1" y="8892000"/>
+            <a:ext cx="6488999" cy="252000"/>
           </a:xfrm>
           <a:prstGeom prst="rect">
             <a:avLst/>
@@ -4215,26 +4300,31 @@
           </a:lstStyle>
           <a:p>
             <a:r>
-              <a:rPr lang="en-US" dirty="0"/>
-              <a:t>© SoftUni – </a:t>
-            </a:r>
-            <a:r>
-              <a:rPr lang="en-US" u="sng" dirty="0">
+              <a:rPr lang="bg-BG" sz="1100" dirty="0"/>
+              <a:t>Работна група </a:t>
+            </a:r>
+            <a:r>
+              <a:rPr lang="bg-BG" dirty="0"/>
+              <a:t>"Образование по програмиране и ИТ"</a:t>
+            </a:r>
+            <a:r>
+              <a:rPr lang="bg-BG" sz="1100" dirty="0"/>
+              <a:t>, с подкрепата на </a:t>
+            </a:r>
+            <a:r>
+              <a:rPr lang="en-US" sz="1100" dirty="0">
                 <a:hlinkClick r:id="rId3"/>
               </a:rPr>
-              <a:t>https://softuni.org</a:t>
-            </a:r>
-            <a:r>
-              <a:rPr lang="en-US" dirty="0"/>
-              <a:t>. Copyrighted document. Unauthorized copy or reproduction is not permitted.</a:t>
-            </a:r>
+              <a:t>SoftUni</a:t>
+            </a:r>
+            <a:endParaRPr lang="en-US" sz="1100" dirty="0"/>
           </a:p>
         </p:txBody>
       </p:sp>
     </p:spTree>
     <p:extLst>
       <p:ext uri="{BB962C8B-B14F-4D97-AF65-F5344CB8AC3E}">
-        <p14:creationId xmlns:p14="http://schemas.microsoft.com/office/powerpoint/2010/main" val="2499209124"/>
+        <p14:creationId xmlns:p14="http://schemas.microsoft.com/office/powerpoint/2010/main" val="1090882516"/>
       </p:ext>
     </p:extLst>
   </p:cSld>
@@ -4318,10 +4408,10 @@
       </p:sp>
       <p:sp>
         <p:nvSpPr>
-          <p:cNvPr id="6" name="Footer Placeholder 7">
+          <p:cNvPr id="4" name="Footer Placeholder 7">
             <a:extLst>
               <a:ext uri="{FF2B5EF4-FFF2-40B4-BE49-F238E27FC236}">
-                <a16:creationId xmlns:a16="http://schemas.microsoft.com/office/drawing/2014/main" id="{2A6A4A10-41E0-488E-9D57-4F78BE35B106}"/>
+                <a16:creationId xmlns:a16="http://schemas.microsoft.com/office/drawing/2014/main" id="{9230C0D9-1E88-CE9C-8A1F-0A9348CF0339}"/>
               </a:ext>
             </a:extLst>
           </p:cNvPr>
@@ -4334,8 +4424,8 @@
         </p:nvSpPr>
         <p:spPr>
           <a:xfrm>
-            <a:off x="-1" y="8847000"/>
-            <a:ext cx="6488999" cy="297000"/>
+            <a:off x="-1" y="8892000"/>
+            <a:ext cx="6488999" cy="252000"/>
           </a:xfrm>
           <a:prstGeom prst="rect">
             <a:avLst/>
@@ -4350,26 +4440,31 @@
           </a:lstStyle>
           <a:p>
             <a:r>
-              <a:rPr lang="en-US" dirty="0"/>
-              <a:t>© SoftUni – </a:t>
-            </a:r>
-            <a:r>
-              <a:rPr lang="en-US" u="sng" dirty="0">
+              <a:rPr lang="bg-BG" sz="1100" dirty="0"/>
+              <a:t>Работна група </a:t>
+            </a:r>
+            <a:r>
+              <a:rPr lang="bg-BG" dirty="0"/>
+              <a:t>"Образование по програмиране и ИТ"</a:t>
+            </a:r>
+            <a:r>
+              <a:rPr lang="bg-BG" sz="1100" dirty="0"/>
+              <a:t>, с подкрепата на </a:t>
+            </a:r>
+            <a:r>
+              <a:rPr lang="en-US" sz="1100" dirty="0">
                 <a:hlinkClick r:id="rId3"/>
               </a:rPr>
-              <a:t>https://softuni.org</a:t>
-            </a:r>
-            <a:r>
-              <a:rPr lang="en-US" dirty="0"/>
-              <a:t>. Copyrighted document. Unauthorized copy or reproduction is not permitted.</a:t>
-            </a:r>
+              <a:t>SoftUni</a:t>
+            </a:r>
+            <a:endParaRPr lang="en-US" sz="1100" dirty="0"/>
           </a:p>
         </p:txBody>
       </p:sp>
     </p:spTree>
     <p:extLst>
       <p:ext uri="{BB962C8B-B14F-4D97-AF65-F5344CB8AC3E}">
-        <p14:creationId xmlns:p14="http://schemas.microsoft.com/office/powerpoint/2010/main" val="456942621"/>
+        <p14:creationId xmlns:p14="http://schemas.microsoft.com/office/powerpoint/2010/main" val="493733343"/>
       </p:ext>
     </p:extLst>
   </p:cSld>
@@ -4588,10 +4683,10 @@
       </p:sp>
       <p:sp>
         <p:nvSpPr>
-          <p:cNvPr id="10" name="Footer Placeholder 7">
+          <p:cNvPr id="2" name="Footer Placeholder 7">
             <a:extLst>
               <a:ext uri="{FF2B5EF4-FFF2-40B4-BE49-F238E27FC236}">
-                <a16:creationId xmlns:a16="http://schemas.microsoft.com/office/drawing/2014/main" id="{1101052F-19CA-4750-9790-919521C4902F}"/>
+                <a16:creationId xmlns:a16="http://schemas.microsoft.com/office/drawing/2014/main" id="{A6C248D4-3D9D-E533-BEFE-B1B60C5C0C06}"/>
               </a:ext>
             </a:extLst>
           </p:cNvPr>
@@ -4604,8 +4699,8 @@
         </p:nvSpPr>
         <p:spPr>
           <a:xfrm>
-            <a:off x="-1" y="8847000"/>
-            <a:ext cx="6488999" cy="297000"/>
+            <a:off x="-1" y="8892000"/>
+            <a:ext cx="6488999" cy="252000"/>
           </a:xfrm>
           <a:prstGeom prst="rect">
             <a:avLst/>
@@ -4620,26 +4715,31 @@
           </a:lstStyle>
           <a:p>
             <a:r>
-              <a:rPr lang="en-US" dirty="0"/>
-              <a:t>© SoftUni – </a:t>
-            </a:r>
-            <a:r>
-              <a:rPr lang="en-US" u="sng" dirty="0">
+              <a:rPr lang="bg-BG" sz="1100" dirty="0"/>
+              <a:t>Работна група </a:t>
+            </a:r>
+            <a:r>
+              <a:rPr lang="bg-BG" dirty="0"/>
+              <a:t>"Образование по програмиране и ИТ"</a:t>
+            </a:r>
+            <a:r>
+              <a:rPr lang="bg-BG" sz="1100" dirty="0"/>
+              <a:t>, с подкрепата на </a:t>
+            </a:r>
+            <a:r>
+              <a:rPr lang="en-US" sz="1100" dirty="0">
                 <a:hlinkClick r:id="rId3"/>
               </a:rPr>
-              <a:t>https://softuni.org</a:t>
-            </a:r>
-            <a:r>
-              <a:rPr lang="en-US" dirty="0"/>
-              <a:t>. Copyrighted document. Unauthorized copy or reproduction is not permitted.</a:t>
-            </a:r>
+              <a:t>SoftUni</a:t>
+            </a:r>
+            <a:endParaRPr lang="en-US" sz="1100" dirty="0"/>
           </a:p>
         </p:txBody>
       </p:sp>
     </p:spTree>
     <p:extLst>
       <p:ext uri="{BB962C8B-B14F-4D97-AF65-F5344CB8AC3E}">
-        <p14:creationId xmlns:p14="http://schemas.microsoft.com/office/powerpoint/2010/main" val="206397777"/>
+        <p14:creationId xmlns:p14="http://schemas.microsoft.com/office/powerpoint/2010/main" val="3252969106"/>
       </p:ext>
     </p:extLst>
   </p:cSld>
@@ -4650,7 +4750,7 @@
 </file>
 
 <file path=ppt/slideLayouts/slideLayout1.xml><?xml version="1.0" encoding="utf-8"?>
-<p:sldLayout xmlns:a="http://schemas.openxmlformats.org/drawingml/2006/main" xmlns:r="http://schemas.openxmlformats.org/officeDocument/2006/relationships" xmlns:p="http://schemas.openxmlformats.org/presentationml/2006/main" preserve="1">
+<p:sldLayout xmlns:a="http://schemas.openxmlformats.org/drawingml/2006/main" xmlns:r="http://schemas.openxmlformats.org/officeDocument/2006/relationships" xmlns:p="http://schemas.openxmlformats.org/presentationml/2006/main" preserve="1" userDrawn="1">
   <p:cSld name="Presentation Title Slide">
     <p:spTree>
       <p:nvGrpSpPr>
@@ -4676,7 +4776,7 @@
             </a:extLst>
           </p:cNvPr>
           <p:cNvSpPr/>
-          <p:nvPr/>
+          <p:nvPr userDrawn="1"/>
         </p:nvSpPr>
         <p:spPr>
           <a:xfrm>
@@ -4730,7 +4830,7 @@
               <a:tabLst/>
               <a:defRPr/>
             </a:pPr>
-            <a:endParaRPr kumimoji="0" lang="en-US" altLang="ko-KR" sz="2398" b="0" i="0" u="none" strike="noStrike" kern="1200" cap="none" spc="0" normalizeH="0" baseline="0" noProof="0" dirty="0">
+            <a:endParaRPr kumimoji="0" lang="en-US" altLang="ko-KR" sz="2398" b="0" i="0" u="none" strike="noStrike" kern="1200" cap="none" spc="0" normalizeH="0" baseline="0" noProof="0">
               <a:ln>
                 <a:noFill/>
               </a:ln>
@@ -4747,378 +4847,6 @@
           </a:p>
         </p:txBody>
       </p:sp>
-      <p:pic>
-        <p:nvPicPr>
-          <p:cNvPr id="14" name="Picture Logo SoftUni" descr="SoftUni logo">
-            <a:extLst>
-              <a:ext uri="{FF2B5EF4-FFF2-40B4-BE49-F238E27FC236}">
-                <a16:creationId xmlns:a16="http://schemas.microsoft.com/office/drawing/2014/main" id="{C4D6B2A2-DFF0-4712-BFEC-6676BEC99FEC}"/>
-              </a:ext>
-            </a:extLst>
-          </p:cNvPr>
-          <p:cNvPicPr>
-            <a:picLocks noChangeAspect="1"/>
-          </p:cNvPicPr>
-          <p:nvPr userDrawn="1"/>
-        </p:nvPicPr>
-        <p:blipFill>
-          <a:blip r:embed="rId2">
-            <a:clrChange>
-              <a:clrFrom>
-                <a:srgbClr val="FFFFFF"/>
-              </a:clrFrom>
-              <a:clrTo>
-                <a:srgbClr val="FFFFFF">
-                  <a:alpha val="0"/>
-                </a:srgbClr>
-              </a:clrTo>
-            </a:clrChange>
-            <a:extLst>
-              <a:ext uri="{28A0092B-C50C-407E-A947-70E740481C1C}">
-                <a14:useLocalDpi xmlns:a14="http://schemas.microsoft.com/office/drawing/2010/main" val="0"/>
-              </a:ext>
-            </a:extLst>
-          </a:blip>
-          <a:stretch>
-            <a:fillRect/>
-          </a:stretch>
-        </p:blipFill>
-        <p:spPr>
-          <a:xfrm>
-            <a:off x="4324460" y="5184000"/>
-            <a:ext cx="3751540" cy="1297655"/>
-          </a:xfrm>
-          <a:prstGeom prst="rect">
-            <a:avLst/>
-          </a:prstGeom>
-        </p:spPr>
-      </p:pic>
-      <p:sp>
-        <p:nvSpPr>
-          <p:cNvPr id="31" name="Text Placeholder Company Site">
-            <a:extLst>
-              <a:ext uri="{FF2B5EF4-FFF2-40B4-BE49-F238E27FC236}">
-                <a16:creationId xmlns:a16="http://schemas.microsoft.com/office/drawing/2014/main" id="{3E6B87B7-9D33-4EBB-BD4F-C0436BA3FD72}"/>
-              </a:ext>
-            </a:extLst>
-          </p:cNvPr>
-          <p:cNvSpPr>
-            <a:spLocks noGrp="1"/>
-          </p:cNvSpPr>
-          <p:nvPr>
-            <p:ph type="body" sz="quarter" idx="18" hasCustomPrompt="1"/>
-          </p:nvPr>
-        </p:nvSpPr>
-        <p:spPr bwMode="auto">
-          <a:xfrm>
-            <a:off x="8708505" y="6130863"/>
-            <a:ext cx="2951518" cy="341556"/>
-          </a:xfrm>
-          <a:prstGeom prst="rect">
-            <a:avLst/>
-          </a:prstGeom>
-          <a:noFill/>
-          <a:effectLst/>
-        </p:spPr>
-        <p:txBody>
-          <a:bodyPr wrap="square" lIns="36000" tIns="36000" rIns="36000" bIns="36000" rtlCol="0" anchor="ctr" anchorCtr="0">
-            <a:noAutofit/>
-          </a:bodyPr>
-          <a:lstStyle>
-            <a:lvl1pPr marL="0" indent="0" algn="r" rtl="0" fontAlgn="base" latinLnBrk="0">
-              <a:spcBef>
-                <a:spcPct val="0"/>
-              </a:spcBef>
-              <a:spcAft>
-                <a:spcPct val="0"/>
-              </a:spcAft>
-              <a:buNone/>
-              <a:defRPr lang="en-US" sz="1798" b="1" kern="1200" dirty="0" smtClean="0">
-                <a:solidFill>
-                  <a:schemeClr val="tx1">
-                    <a:lumMod val="75000"/>
-                  </a:schemeClr>
-                </a:solidFill>
-                <a:effectLst/>
-                <a:latin typeface="+mn-lt"/>
-                <a:ea typeface="+mn-ea"/>
-                <a:cs typeface="+mn-cs"/>
-              </a:defRPr>
-            </a:lvl1pPr>
-          </a:lstStyle>
-          <a:p>
-            <a:pPr lvl="0"/>
-            <a:r>
-              <a:rPr lang="en-US" noProof="0" dirty="0"/>
-              <a:t>Company Web Site</a:t>
-            </a:r>
-          </a:p>
-        </p:txBody>
-      </p:sp>
-      <p:sp>
-        <p:nvSpPr>
-          <p:cNvPr id="30" name="Text Placeholder Company Name">
-            <a:extLst>
-              <a:ext uri="{FF2B5EF4-FFF2-40B4-BE49-F238E27FC236}">
-                <a16:creationId xmlns:a16="http://schemas.microsoft.com/office/drawing/2014/main" id="{2EA92DCA-4DB5-4D03-ACD3-A6A296592D0C}"/>
-              </a:ext>
-            </a:extLst>
-          </p:cNvPr>
-          <p:cNvSpPr>
-            <a:spLocks noGrp="1"/>
-          </p:cNvSpPr>
-          <p:nvPr>
-            <p:ph type="body" sz="quarter" idx="17" hasCustomPrompt="1"/>
-          </p:nvPr>
-        </p:nvSpPr>
-        <p:spPr bwMode="auto">
-          <a:xfrm>
-            <a:off x="8708505" y="5756628"/>
-            <a:ext cx="2951518" cy="367080"/>
-          </a:xfrm>
-          <a:prstGeom prst="rect">
-            <a:avLst/>
-          </a:prstGeom>
-          <a:noFill/>
-          <a:effectLst/>
-        </p:spPr>
-        <p:txBody>
-          <a:bodyPr wrap="square" lIns="36000" tIns="36000" rIns="36000" bIns="36000" rtlCol="0" anchor="ctr" anchorCtr="0">
-            <a:noAutofit/>
-          </a:bodyPr>
-          <a:lstStyle>
-            <a:lvl1pPr marL="0" indent="0" algn="r" rtl="0" fontAlgn="base" latinLnBrk="0">
-              <a:spcBef>
-                <a:spcPct val="0"/>
-              </a:spcBef>
-              <a:spcAft>
-                <a:spcPct val="0"/>
-              </a:spcAft>
-              <a:buNone/>
-              <a:defRPr lang="en-US" sz="1998" b="1" kern="1200" dirty="0" smtClean="0">
-                <a:solidFill>
-                  <a:schemeClr val="tx1">
-                    <a:lumMod val="75000"/>
-                  </a:schemeClr>
-                </a:solidFill>
-                <a:effectLst/>
-                <a:latin typeface="+mn-lt"/>
-                <a:ea typeface="+mn-ea"/>
-                <a:cs typeface="+mn-cs"/>
-              </a:defRPr>
-            </a:lvl1pPr>
-          </a:lstStyle>
-          <a:p>
-            <a:pPr lvl="0"/>
-            <a:r>
-              <a:rPr lang="en-US" noProof="0" dirty="0"/>
-              <a:t>Company Name</a:t>
-            </a:r>
-          </a:p>
-        </p:txBody>
-      </p:sp>
-      <p:pic>
-        <p:nvPicPr>
-          <p:cNvPr id="35" name="Picture SoftUni Mascot" descr="SoftUni mascot">
-            <a:extLst>
-              <a:ext uri="{FF2B5EF4-FFF2-40B4-BE49-F238E27FC236}">
-                <a16:creationId xmlns:a16="http://schemas.microsoft.com/office/drawing/2014/main" id="{951E7DA9-C5F0-43D9-B013-3BDF9EEF029D}"/>
-              </a:ext>
-            </a:extLst>
-          </p:cNvPr>
-          <p:cNvPicPr>
-            <a:picLocks noChangeAspect="1"/>
-          </p:cNvPicPr>
-          <p:nvPr/>
-        </p:nvPicPr>
-        <p:blipFill rotWithShape="1">
-          <a:blip r:embed="rId3" cstate="print">
-            <a:extLst>
-              <a:ext uri="{28A0092B-C50C-407E-A947-70E740481C1C}">
-                <a14:useLocalDpi xmlns:a14="http://schemas.microsoft.com/office/drawing/2010/main" val="0"/>
-              </a:ext>
-            </a:extLst>
-          </a:blip>
-          <a:srcRect/>
-          <a:stretch/>
-        </p:blipFill>
-        <p:spPr>
-          <a:xfrm flipH="1">
-            <a:off x="8848924" y="2609644"/>
-            <a:ext cx="2788893" cy="3018284"/>
-          </a:xfrm>
-          <a:prstGeom prst="rect">
-            <a:avLst/>
-          </a:prstGeom>
-        </p:spPr>
-      </p:pic>
-      <p:pic>
-        <p:nvPicPr>
-          <p:cNvPr id="22" name="Picture Logo Software University" descr="Software University logo">
-            <a:hlinkClick r:id="rId4"/>
-            <a:extLst>
-              <a:ext uri="{FF2B5EF4-FFF2-40B4-BE49-F238E27FC236}">
-                <a16:creationId xmlns:a16="http://schemas.microsoft.com/office/drawing/2014/main" id="{F2315EB3-3FE4-4D3B-921E-5F209CEC13CB}"/>
-              </a:ext>
-            </a:extLst>
-          </p:cNvPr>
-          <p:cNvPicPr>
-            <a:picLocks noChangeAspect="1"/>
-          </p:cNvPicPr>
-          <p:nvPr userDrawn="1"/>
-        </p:nvPicPr>
-        <p:blipFill>
-          <a:blip r:embed="rId5">
-            <a:clrChange>
-              <a:clrFrom>
-                <a:srgbClr val="FFFFFF"/>
-              </a:clrFrom>
-              <a:clrTo>
-                <a:srgbClr val="FFFFFF">
-                  <a:alpha val="0"/>
-                </a:srgbClr>
-              </a:clrTo>
-            </a:clrChange>
-            <a:extLst>
-              <a:ext uri="{28A0092B-C50C-407E-A947-70E740481C1C}">
-                <a14:useLocalDpi xmlns:a14="http://schemas.microsoft.com/office/drawing/2010/main" val="0"/>
-              </a:ext>
-            </a:extLst>
-          </a:blip>
-          <a:stretch>
-            <a:fillRect/>
-          </a:stretch>
-        </p:blipFill>
-        <p:spPr>
-          <a:xfrm>
-            <a:off x="507944" y="5918567"/>
-            <a:ext cx="1830305" cy="628159"/>
-          </a:xfrm>
-          <a:prstGeom prst="rect">
-            <a:avLst/>
-          </a:prstGeom>
-        </p:spPr>
-      </p:pic>
-      <p:sp>
-        <p:nvSpPr>
-          <p:cNvPr id="40" name="Text Placeholder Author Position">
-            <a:extLst>
-              <a:ext uri="{FF2B5EF4-FFF2-40B4-BE49-F238E27FC236}">
-                <a16:creationId xmlns:a16="http://schemas.microsoft.com/office/drawing/2014/main" id="{CD940256-851E-46C8-8BFB-A5ECA6C7DA07}"/>
-              </a:ext>
-            </a:extLst>
-          </p:cNvPr>
-          <p:cNvSpPr>
-            <a:spLocks noGrp="1"/>
-          </p:cNvSpPr>
-          <p:nvPr>
-            <p:ph type="body" sz="quarter" idx="20" hasCustomPrompt="1"/>
-          </p:nvPr>
-        </p:nvSpPr>
-        <p:spPr bwMode="auto">
-          <a:xfrm>
-            <a:off x="553082" y="5344180"/>
-            <a:ext cx="2980696" cy="444793"/>
-          </a:xfrm>
-          <a:prstGeom prst="rect">
-            <a:avLst/>
-          </a:prstGeom>
-          <a:noFill/>
-          <a:effectLst/>
-        </p:spPr>
-        <p:txBody>
-          <a:bodyPr wrap="square" lIns="36000" tIns="36000" rIns="36000" bIns="36000" rtlCol="0" anchor="ctr" anchorCtr="0">
-            <a:spAutoFit/>
-          </a:bodyPr>
-          <a:lstStyle>
-            <a:lvl1pPr marL="0" indent="0" algn="l" rtl="0" fontAlgn="base" latinLnBrk="0">
-              <a:spcBef>
-                <a:spcPct val="0"/>
-              </a:spcBef>
-              <a:spcAft>
-                <a:spcPct val="0"/>
-              </a:spcAft>
-              <a:buNone/>
-              <a:defRPr lang="en-US" sz="2398" b="1" kern="1200" dirty="0" smtClean="0">
-                <a:solidFill>
-                  <a:schemeClr val="tx1"/>
-                </a:solidFill>
-                <a:effectLst/>
-                <a:latin typeface="+mn-lt"/>
-                <a:ea typeface="+mn-ea"/>
-                <a:cs typeface="+mn-cs"/>
-              </a:defRPr>
-            </a:lvl1pPr>
-          </a:lstStyle>
-          <a:p>
-            <a:pPr lvl="0"/>
-            <a:r>
-              <a:rPr lang="en-US" noProof="0" dirty="0"/>
-              <a:t>Position</a:t>
-            </a:r>
-          </a:p>
-        </p:txBody>
-      </p:sp>
-      <p:sp>
-        <p:nvSpPr>
-          <p:cNvPr id="36" name="Text Placeholder Author Name">
-            <a:extLst>
-              <a:ext uri="{FF2B5EF4-FFF2-40B4-BE49-F238E27FC236}">
-                <a16:creationId xmlns:a16="http://schemas.microsoft.com/office/drawing/2014/main" id="{3B21F47B-DE1F-442D-A2B7-6866F8786704}"/>
-              </a:ext>
-            </a:extLst>
-          </p:cNvPr>
-          <p:cNvSpPr>
-            <a:spLocks noGrp="1"/>
-          </p:cNvSpPr>
-          <p:nvPr>
-            <p:ph type="body" sz="quarter" idx="19" hasCustomPrompt="1"/>
-          </p:nvPr>
-        </p:nvSpPr>
-        <p:spPr bwMode="auto">
-          <a:xfrm>
-            <a:off x="553082" y="4851838"/>
-            <a:ext cx="2980696" cy="454398"/>
-          </a:xfrm>
-          <a:prstGeom prst="rect">
-            <a:avLst/>
-          </a:prstGeom>
-          <a:noFill/>
-          <a:effectLst/>
-        </p:spPr>
-        <p:txBody>
-          <a:bodyPr wrap="square" lIns="36000" tIns="36000" rIns="36000" bIns="36000" rtlCol="0" anchor="ctr" anchorCtr="0">
-            <a:noAutofit/>
-          </a:bodyPr>
-          <a:lstStyle>
-            <a:lvl1pPr marL="0" indent="0" algn="l" rtl="0" fontAlgn="base" latinLnBrk="0">
-              <a:spcBef>
-                <a:spcPct val="0"/>
-              </a:spcBef>
-              <a:spcAft>
-                <a:spcPct val="0"/>
-              </a:spcAft>
-              <a:buNone/>
-              <a:defRPr lang="en-US" sz="2798" b="1" kern="1200" dirty="0" smtClean="0">
-                <a:solidFill>
-                  <a:schemeClr val="tx1"/>
-                </a:solidFill>
-                <a:effectLst/>
-                <a:latin typeface="+mn-lt"/>
-                <a:ea typeface="+mn-ea"/>
-                <a:cs typeface="+mn-cs"/>
-              </a:defRPr>
-            </a:lvl1pPr>
-          </a:lstStyle>
-          <a:p>
-            <a:pPr lvl="0"/>
-            <a:r>
-              <a:rPr lang="en-US" noProof="0" dirty="0"/>
-              <a:t>Author Name</a:t>
-            </a:r>
-          </a:p>
-        </p:txBody>
-      </p:sp>
       <p:sp>
         <p:nvSpPr>
           <p:cNvPr id="33" name="Picture Placeholder Title Image">
@@ -5137,8 +4865,8 @@
         </p:nvSpPr>
         <p:spPr>
           <a:xfrm>
-            <a:off x="553082" y="2740913"/>
-            <a:ext cx="4642919" cy="1936503"/>
+            <a:off x="6390123" y="3400017"/>
+            <a:ext cx="5248260" cy="2188983"/>
           </a:xfrm>
         </p:spPr>
         <p:txBody>
@@ -5157,6 +4885,218 @@
             <a:r>
               <a:rPr lang="en-US" noProof="0" dirty="0"/>
               <a:t>Click icon to add picture</a:t>
+            </a:r>
+          </a:p>
+        </p:txBody>
+      </p:sp>
+      <p:sp>
+        <p:nvSpPr>
+          <p:cNvPr id="10" name="Company Web Site">
+            <a:extLst>
+              <a:ext uri="{FF2B5EF4-FFF2-40B4-BE49-F238E27FC236}">
+                <a16:creationId xmlns:a16="http://schemas.microsoft.com/office/drawing/2014/main" id="{0B99B1EE-62FA-4AA4-920C-D444D6C0B778}"/>
+              </a:ext>
+            </a:extLst>
+          </p:cNvPr>
+          <p:cNvSpPr>
+            <a:spLocks noGrp="1"/>
+          </p:cNvSpPr>
+          <p:nvPr>
+            <p:ph type="body" sz="quarter" idx="22" hasCustomPrompt="1"/>
+          </p:nvPr>
+        </p:nvSpPr>
+        <p:spPr>
+          <a:xfrm>
+            <a:off x="6390120" y="6086106"/>
+            <a:ext cx="5248260" cy="341313"/>
+          </a:xfrm>
+        </p:spPr>
+        <p:txBody>
+          <a:bodyPr lIns="36000" rIns="36000" anchor="ctr" anchorCtr="0">
+            <a:noAutofit/>
+          </a:bodyPr>
+          <a:lstStyle>
+            <a:lvl1pPr marL="0" indent="0" algn="r">
+              <a:buNone/>
+              <a:defRPr sz="1800"/>
+            </a:lvl1pPr>
+          </a:lstStyle>
+          <a:p>
+            <a:pPr lvl="0"/>
+            <a:r>
+              <a:rPr lang="en-US" dirty="0"/>
+              <a:t>https://softuni.foundation  </a:t>
+            </a:r>
+          </a:p>
+        </p:txBody>
+      </p:sp>
+      <p:sp>
+        <p:nvSpPr>
+          <p:cNvPr id="6" name="Company Name">
+            <a:extLst>
+              <a:ext uri="{FF2B5EF4-FFF2-40B4-BE49-F238E27FC236}">
+                <a16:creationId xmlns:a16="http://schemas.microsoft.com/office/drawing/2014/main" id="{2A76510A-0BAE-A827-E77C-BE88E38F52AA}"/>
+              </a:ext>
+            </a:extLst>
+          </p:cNvPr>
+          <p:cNvSpPr>
+            <a:spLocks noGrp="1"/>
+          </p:cNvSpPr>
+          <p:nvPr>
+            <p:ph type="body" sz="quarter" idx="21" hasCustomPrompt="1"/>
+          </p:nvPr>
+        </p:nvSpPr>
+        <p:spPr>
+          <a:xfrm>
+            <a:off x="6390122" y="5698189"/>
+            <a:ext cx="5248260" cy="374236"/>
+          </a:xfrm>
+        </p:spPr>
+        <p:txBody>
+          <a:bodyPr lIns="36000" rIns="36000" anchor="ctr" anchorCtr="0">
+            <a:normAutofit/>
+          </a:bodyPr>
+          <a:lstStyle>
+            <a:lvl1pPr marL="0" indent="0" algn="r">
+              <a:buNone/>
+              <a:defRPr sz="2000" b="1">
+                <a:solidFill>
+                  <a:schemeClr val="tx1">
+                    <a:lumMod val="75000"/>
+                  </a:schemeClr>
+                </a:solidFill>
+              </a:defRPr>
+            </a:lvl1pPr>
+          </a:lstStyle>
+          <a:p>
+            <a:pPr lvl="0"/>
+            <a:r>
+              <a:rPr lang="en-US" dirty="0"/>
+              <a:t>SoftUni Foundation</a:t>
+            </a:r>
+          </a:p>
+        </p:txBody>
+      </p:sp>
+      <p:sp>
+        <p:nvSpPr>
+          <p:cNvPr id="31" name="Author Position">
+            <a:extLst>
+              <a:ext uri="{FF2B5EF4-FFF2-40B4-BE49-F238E27FC236}">
+                <a16:creationId xmlns:a16="http://schemas.microsoft.com/office/drawing/2014/main" id="{3E6B87B7-9D33-4EBB-BD4F-C0436BA3FD72}"/>
+              </a:ext>
+            </a:extLst>
+          </p:cNvPr>
+          <p:cNvSpPr>
+            <a:spLocks noGrp="1"/>
+          </p:cNvSpPr>
+          <p:nvPr>
+            <p:ph type="body" sz="quarter" idx="18" hasCustomPrompt="1"/>
+          </p:nvPr>
+        </p:nvSpPr>
+        <p:spPr bwMode="auto">
+          <a:xfrm>
+            <a:off x="534045" y="6085863"/>
+            <a:ext cx="4751953" cy="341556"/>
+          </a:xfrm>
+          <a:prstGeom prst="rect">
+            <a:avLst/>
+          </a:prstGeom>
+          <a:noFill/>
+          <a:effectLst/>
+        </p:spPr>
+        <p:txBody>
+          <a:bodyPr wrap="square" lIns="36000" tIns="36000" rIns="36000" bIns="36000" rtlCol="0" anchor="ctr" anchorCtr="0">
+            <a:noAutofit/>
+          </a:bodyPr>
+          <a:lstStyle>
+            <a:lvl1pPr marL="0" indent="0" algn="l" rtl="0" fontAlgn="base" latinLnBrk="0">
+              <a:spcBef>
+                <a:spcPct val="0"/>
+              </a:spcBef>
+              <a:spcAft>
+                <a:spcPct val="0"/>
+              </a:spcAft>
+              <a:buNone/>
+              <a:defRPr lang="en-US" sz="1800" b="0" kern="1200" dirty="0" smtClean="0">
+                <a:solidFill>
+                  <a:schemeClr val="tx1">
+                    <a:lumMod val="75000"/>
+                  </a:schemeClr>
+                </a:solidFill>
+                <a:effectLst/>
+                <a:latin typeface="+mn-lt"/>
+                <a:ea typeface="+mn-ea"/>
+                <a:cs typeface="+mn-cs"/>
+              </a:defRPr>
+            </a:lvl1pPr>
+          </a:lstStyle>
+          <a:p>
+            <a:pPr lvl="0"/>
+            <a:r>
+              <a:rPr lang="en-US" noProof="0" dirty="0"/>
+              <a:t>URL</a:t>
+            </a:r>
+          </a:p>
+        </p:txBody>
+      </p:sp>
+      <p:sp>
+        <p:nvSpPr>
+          <p:cNvPr id="30" name="Author Name">
+            <a:extLst>
+              <a:ext uri="{FF2B5EF4-FFF2-40B4-BE49-F238E27FC236}">
+                <a16:creationId xmlns:a16="http://schemas.microsoft.com/office/drawing/2014/main" id="{2EA92DCA-4DB5-4D03-ACD3-A6A296592D0C}"/>
+              </a:ext>
+            </a:extLst>
+          </p:cNvPr>
+          <p:cNvSpPr>
+            <a:spLocks noGrp="1"/>
+          </p:cNvSpPr>
+          <p:nvPr>
+            <p:ph type="body" sz="quarter" idx="17" hasCustomPrompt="1"/>
+          </p:nvPr>
+        </p:nvSpPr>
+        <p:spPr bwMode="auto">
+          <a:xfrm>
+            <a:off x="534046" y="5251106"/>
+            <a:ext cx="4751954" cy="724904"/>
+          </a:xfrm>
+          <a:prstGeom prst="rect">
+            <a:avLst/>
+          </a:prstGeom>
+          <a:noFill/>
+          <a:effectLst/>
+        </p:spPr>
+        <p:txBody>
+          <a:bodyPr wrap="square" lIns="36000" tIns="36000" rIns="36000" bIns="36000" rtlCol="0" anchor="ctr" anchorCtr="0">
+            <a:noAutofit/>
+          </a:bodyPr>
+          <a:lstStyle>
+            <a:lvl1pPr marL="0" indent="0" algn="l" rtl="0" fontAlgn="base" latinLnBrk="0">
+              <a:spcBef>
+                <a:spcPct val="0"/>
+              </a:spcBef>
+              <a:spcAft>
+                <a:spcPct val="0"/>
+              </a:spcAft>
+              <a:buNone/>
+              <a:defRPr lang="en-US" sz="2000" b="1" kern="1200" dirty="0" smtClean="0">
+                <a:solidFill>
+                  <a:schemeClr val="tx1">
+                    <a:lumMod val="75000"/>
+                  </a:schemeClr>
+                </a:solidFill>
+                <a:effectLst/>
+                <a:latin typeface="+mn-lt"/>
+                <a:ea typeface="+mn-ea"/>
+                <a:cs typeface="+mn-cs"/>
+              </a:defRPr>
+            </a:lvl1pPr>
+          </a:lstStyle>
+          <a:p>
+            <a:pPr lvl="0"/>
+            <a:r>
+              <a:rPr lang="en-US" noProof="0" dirty="0"/>
+              <a:t>Authors</a:t>
             </a:r>
           </a:p>
         </p:txBody>
@@ -5179,8 +5119,8 @@
         </p:nvSpPr>
         <p:spPr>
           <a:xfrm>
-            <a:off x="554182" y="1258272"/>
-            <a:ext cx="11083636" cy="1315728"/>
+            <a:off x="554746" y="1402942"/>
+            <a:ext cx="11083636" cy="1306057"/>
           </a:xfrm>
         </p:spPr>
         <p:txBody>
@@ -5190,7 +5130,7 @@
           <a:lstStyle>
             <a:lvl1pPr marL="0" indent="0" algn="ctr" latinLnBrk="0">
               <a:buNone/>
-              <a:defRPr sz="3598">
+              <a:defRPr sz="3600">
                 <a:solidFill>
                   <a:schemeClr val="tx1"/>
                 </a:solidFill>
@@ -5223,15 +5163,17 @@
         </p:nvSpPr>
         <p:spPr>
           <a:xfrm>
-            <a:off x="554182" y="321502"/>
-            <a:ext cx="11083636" cy="882654"/>
+            <a:off x="554746" y="321501"/>
+            <a:ext cx="11083636" cy="971589"/>
           </a:xfrm>
         </p:spPr>
         <p:txBody>
-          <a:bodyPr/>
+          <a:bodyPr>
+            <a:normAutofit/>
+          </a:bodyPr>
           <a:lstStyle>
             <a:lvl1pPr algn="ctr" latinLnBrk="0">
-              <a:defRPr sz="4798"/>
+              <a:defRPr sz="5400"/>
             </a:lvl1pPr>
           </a:lstStyle>
           <a:p>
@@ -5242,10 +5184,94 @@
           </a:p>
         </p:txBody>
       </p:sp>
+      <p:pic>
+        <p:nvPicPr>
+          <p:cNvPr id="4" name="Picture 3">
+            <a:extLst>
+              <a:ext uri="{FF2B5EF4-FFF2-40B4-BE49-F238E27FC236}">
+                <a16:creationId xmlns:a16="http://schemas.microsoft.com/office/drawing/2014/main" id="{324D0DB3-F60A-469B-7831-209CB666CCE4}"/>
+              </a:ext>
+            </a:extLst>
+          </p:cNvPr>
+          <p:cNvPicPr>
+            <a:picLocks noChangeAspect="1"/>
+          </p:cNvPicPr>
+          <p:nvPr userDrawn="1"/>
+        </p:nvPicPr>
+        <p:blipFill>
+          <a:blip r:embed="rId2" cstate="print">
+            <a:extLst>
+              <a:ext uri="{28A0092B-C50C-407E-A947-70E740481C1C}">
+                <a14:useLocalDpi xmlns:a14="http://schemas.microsoft.com/office/drawing/2010/main" val="0"/>
+              </a:ext>
+            </a:extLst>
+          </a:blip>
+          <a:stretch>
+            <a:fillRect/>
+          </a:stretch>
+        </p:blipFill>
+        <p:spPr>
+          <a:xfrm>
+            <a:off x="536549" y="4325954"/>
+            <a:ext cx="2538082" cy="633046"/>
+          </a:xfrm>
+          <a:prstGeom prst="rect">
+            <a:avLst/>
+          </a:prstGeom>
+        </p:spPr>
+      </p:pic>
+      <p:pic>
+        <p:nvPicPr>
+          <p:cNvPr id="5" name="Picture 4" title="CC-BY-NC-SA License">
+            <a:hlinkClick r:id="rId3" tooltip="This work is licensed under the &quot;Creative Commons Attribution-NonCommercial-ShareAlike 4.0 International&quot; license"/>
+            <a:extLst>
+              <a:ext uri="{FF2B5EF4-FFF2-40B4-BE49-F238E27FC236}">
+                <a16:creationId xmlns:a16="http://schemas.microsoft.com/office/drawing/2014/main" id="{2D40731C-0303-A69D-63FD-E048A73CA59F}"/>
+              </a:ext>
+            </a:extLst>
+          </p:cNvPr>
+          <p:cNvPicPr>
+            <a:picLocks noChangeAspect="1" noChangeArrowheads="1"/>
+          </p:cNvPicPr>
+          <p:nvPr userDrawn="1"/>
+        </p:nvPicPr>
+        <p:blipFill>
+          <a:blip r:embed="rId4">
+            <a:extLst>
+              <a:ext uri="{28A0092B-C50C-407E-A947-70E740481C1C}">
+                <a14:useLocalDpi xmlns:a14="http://schemas.microsoft.com/office/drawing/2010/main"/>
+              </a:ext>
+            </a:extLst>
+          </a:blip>
+          <a:srcRect/>
+          <a:stretch>
+            <a:fillRect/>
+          </a:stretch>
+        </p:blipFill>
+        <p:spPr bwMode="auto">
+          <a:xfrm>
+            <a:off x="3402682" y="4321352"/>
+            <a:ext cx="1809336" cy="633045"/>
+          </a:xfrm>
+          <a:prstGeom prst="roundRect">
+            <a:avLst>
+              <a:gd name="adj" fmla="val 3940"/>
+            </a:avLst>
+          </a:prstGeom>
+          <a:solidFill>
+            <a:srgbClr val="231F20">
+              <a:alpha val="50000"/>
+            </a:srgbClr>
+          </a:solidFill>
+          <a:ln>
+            <a:noFill/>
+          </a:ln>
+        </p:spPr>
+      </p:pic>
     </p:spTree>
     <p:extLst>
       <p:ext uri="{BB962C8B-B14F-4D97-AF65-F5344CB8AC3E}">
-        <p14:creationId xmlns:p14="http://schemas.microsoft.com/office/powerpoint/2010/main" val="970179299"/>
+        <p14:creationId xmlns:p14="http://schemas.microsoft.com/office/powerpoint/2010/main" val="370654144"/>
       </p:ext>
     </p:extLst>
   </p:cSld>
@@ -5359,7 +5385,7 @@
               <a:tabLst/>
               <a:defRPr/>
             </a:pPr>
-            <a:endParaRPr kumimoji="0" lang="en-US" altLang="ko-KR" sz="2398" b="0" i="0" u="none" strike="noStrike" kern="1200" cap="none" spc="0" normalizeH="0" baseline="0" noProof="0" dirty="0">
+            <a:endParaRPr kumimoji="0" lang="en-US" altLang="ko-KR" sz="2398" b="0" i="0" u="none" strike="noStrike" kern="1200" cap="none" spc="0" normalizeH="0" baseline="0" noProof="0">
               <a:ln>
                 <a:noFill/>
               </a:ln>
@@ -5482,7 +5508,7 @@
               <a:tabLst/>
               <a:defRPr/>
             </a:pPr>
-            <a:endParaRPr kumimoji="0" lang="en-US" altLang="ko-KR" sz="2398" b="0" i="0" u="none" strike="noStrike" kern="1200" cap="none" spc="0" normalizeH="0" baseline="0" noProof="0" dirty="0">
+            <a:endParaRPr kumimoji="0" lang="en-US" altLang="ko-KR" sz="2398" b="0" i="0" u="none" strike="noStrike" kern="1200" cap="none" spc="0" normalizeH="0" baseline="0" noProof="0">
               <a:ln>
                 <a:noFill/>
               </a:ln>
@@ -5499,42 +5525,6 @@
           </a:p>
         </p:txBody>
       </p:sp>
-      <p:pic>
-        <p:nvPicPr>
-          <p:cNvPr id="12" name="Logo Software University Down" descr="Software University logo">
-            <a:extLst>
-              <a:ext uri="{FF2B5EF4-FFF2-40B4-BE49-F238E27FC236}">
-                <a16:creationId xmlns:a16="http://schemas.microsoft.com/office/drawing/2014/main" id="{7028D2F0-1E67-414B-A93D-D3F8F131A132}"/>
-              </a:ext>
-            </a:extLst>
-          </p:cNvPr>
-          <p:cNvPicPr>
-            <a:picLocks noChangeAspect="1"/>
-          </p:cNvPicPr>
-          <p:nvPr/>
-        </p:nvPicPr>
-        <p:blipFill>
-          <a:blip r:embed="rId2" cstate="print">
-            <a:extLst>
-              <a:ext uri="{28A0092B-C50C-407E-A947-70E740481C1C}">
-                <a14:useLocalDpi xmlns:a14="http://schemas.microsoft.com/office/drawing/2010/main" val="0"/>
-              </a:ext>
-            </a:extLst>
-          </a:blip>
-          <a:stretch>
-            <a:fillRect/>
-          </a:stretch>
-        </p:blipFill>
-        <p:spPr>
-          <a:xfrm>
-            <a:off x="5616551" y="5206773"/>
-            <a:ext cx="958900" cy="1184869"/>
-          </a:xfrm>
-          <a:prstGeom prst="rect">
-            <a:avLst/>
-          </a:prstGeom>
-        </p:spPr>
-      </p:pic>
       <p:sp>
         <p:nvSpPr>
           <p:cNvPr id="10" name="Text Placeholder Right">
@@ -5755,7 +5745,7 @@
               <a:tabLst/>
               <a:defRPr/>
             </a:pPr>
-            <a:endParaRPr kumimoji="0" lang="en-US" altLang="ko-KR" sz="2398" b="0" i="0" u="none" strike="noStrike" kern="1200" cap="none" spc="0" normalizeH="0" baseline="0" noProof="0" dirty="0">
+            <a:endParaRPr kumimoji="0" lang="en-US" altLang="ko-KR" sz="2398" b="0" i="0" u="none" strike="noStrike" kern="1200" cap="none" spc="0" normalizeH="0" baseline="0" noProof="0">
               <a:ln>
                 <a:noFill/>
               </a:ln>
@@ -5772,42 +5762,6 @@
           </a:p>
         </p:txBody>
       </p:sp>
-      <p:pic>
-        <p:nvPicPr>
-          <p:cNvPr id="14" name="Logo Software University" descr="Software University logo">
-            <a:extLst>
-              <a:ext uri="{FF2B5EF4-FFF2-40B4-BE49-F238E27FC236}">
-                <a16:creationId xmlns:a16="http://schemas.microsoft.com/office/drawing/2014/main" id="{19A67BB9-D880-4EAD-B90E-89C4219BFC0B}"/>
-              </a:ext>
-            </a:extLst>
-          </p:cNvPr>
-          <p:cNvPicPr>
-            <a:picLocks noChangeAspect="1"/>
-          </p:cNvPicPr>
-          <p:nvPr userDrawn="1"/>
-        </p:nvPicPr>
-        <p:blipFill>
-          <a:blip r:embed="rId3">
-            <a:extLst>
-              <a:ext uri="{28A0092B-C50C-407E-A947-70E740481C1C}">
-                <a14:useLocalDpi xmlns:a14="http://schemas.microsoft.com/office/drawing/2010/main" val="0"/>
-              </a:ext>
-            </a:extLst>
-          </a:blip>
-          <a:stretch>
-            <a:fillRect/>
-          </a:stretch>
-        </p:blipFill>
-        <p:spPr>
-          <a:xfrm>
-            <a:off x="10067957" y="253936"/>
-            <a:ext cx="1915704" cy="559235"/>
-          </a:xfrm>
-          <a:prstGeom prst="rect">
-            <a:avLst/>
-          </a:prstGeom>
-        </p:spPr>
-      </p:pic>
       <p:sp>
         <p:nvSpPr>
           <p:cNvPr id="15" name="Slide Title">
@@ -5826,8 +5780,8 @@
         </p:nvSpPr>
         <p:spPr>
           <a:xfrm>
-            <a:off x="190406" y="100750"/>
-            <a:ext cx="9715594" cy="882654"/>
+            <a:off x="190405" y="100750"/>
+            <a:ext cx="10270595" cy="882654"/>
           </a:xfrm>
         </p:spPr>
         <p:txBody>
@@ -5849,6 +5803,72 @@
           </a:p>
         </p:txBody>
       </p:sp>
+      <p:pic>
+        <p:nvPicPr>
+          <p:cNvPr id="8" name="Picture 7">
+            <a:extLst>
+              <a:ext uri="{FF2B5EF4-FFF2-40B4-BE49-F238E27FC236}">
+                <a16:creationId xmlns:a16="http://schemas.microsoft.com/office/drawing/2014/main" id="{2C9792D8-D354-4699-B7D6-B8CB7F77594F}"/>
+              </a:ext>
+            </a:extLst>
+          </p:cNvPr>
+          <p:cNvPicPr>
+            <a:picLocks noChangeAspect="1"/>
+          </p:cNvPicPr>
+          <p:nvPr userDrawn="1"/>
+        </p:nvPicPr>
+        <p:blipFill>
+          <a:blip r:embed="rId2"/>
+          <a:stretch>
+            <a:fillRect/>
+          </a:stretch>
+        </p:blipFill>
+        <p:spPr>
+          <a:xfrm>
+            <a:off x="5398753" y="5340443"/>
+            <a:ext cx="1334859" cy="982867"/>
+          </a:xfrm>
+          <a:prstGeom prst="rect">
+            <a:avLst/>
+          </a:prstGeom>
+        </p:spPr>
+      </p:pic>
+      <p:pic>
+        <p:nvPicPr>
+          <p:cNvPr id="3" name="Picture 2">
+            <a:extLst>
+              <a:ext uri="{FF2B5EF4-FFF2-40B4-BE49-F238E27FC236}">
+                <a16:creationId xmlns:a16="http://schemas.microsoft.com/office/drawing/2014/main" id="{B6351E19-25DA-EAD2-9FBE-358B6135D728}"/>
+              </a:ext>
+            </a:extLst>
+          </p:cNvPr>
+          <p:cNvPicPr>
+            <a:picLocks noChangeAspect="1"/>
+          </p:cNvPicPr>
+          <p:nvPr userDrawn="1"/>
+        </p:nvPicPr>
+        <p:blipFill>
+          <a:blip r:embed="rId3" cstate="print">
+            <a:extLst>
+              <a:ext uri="{28A0092B-C50C-407E-A947-70E740481C1C}">
+                <a14:useLocalDpi xmlns:a14="http://schemas.microsoft.com/office/drawing/2010/main" val="0"/>
+              </a:ext>
+            </a:extLst>
+          </a:blip>
+          <a:stretch>
+            <a:fillRect/>
+          </a:stretch>
+        </p:blipFill>
+        <p:spPr>
+          <a:xfrm>
+            <a:off x="10553573" y="368999"/>
+            <a:ext cx="1443361" cy="360001"/>
+          </a:xfrm>
+          <a:prstGeom prst="rect">
+            <a:avLst/>
+          </a:prstGeom>
+        </p:spPr>
+      </p:pic>
     </p:spTree>
     <p:extLst>
       <p:ext uri="{BB962C8B-B14F-4D97-AF65-F5344CB8AC3E}">
@@ -5941,7 +5961,7 @@
               <a:pPr/>
               <a:t>‹#›</a:t>
             </a:fld>
-            <a:endParaRPr lang="en-US" noProof="0" dirty="0"/>
+            <a:endParaRPr lang="en-US" noProof="0"/>
           </a:p>
         </p:txBody>
       </p:sp>
@@ -6095,7 +6115,7 @@
           </a:lstStyle>
           <a:p>
             <a:r>
-              <a:rPr lang="en-US" altLang="ko-KR" noProof="0" dirty="0"/>
+              <a:rPr lang="en-US" altLang="ko-KR" noProof="0"/>
               <a:t>Your Picture Here</a:t>
             </a:r>
           </a:p>
@@ -6159,7 +6179,7 @@
               <a:tabLst/>
               <a:defRPr/>
             </a:pPr>
-            <a:endParaRPr kumimoji="0" lang="en-US" altLang="ko-KR" sz="2398" b="0" i="0" u="none" strike="noStrike" kern="1200" cap="none" spc="0" normalizeH="0" baseline="0" noProof="0" dirty="0">
+            <a:endParaRPr kumimoji="0" lang="en-US" altLang="ko-KR" sz="2398" b="0" i="0" u="none" strike="noStrike" kern="1200" cap="none" spc="0" normalizeH="0" baseline="0" noProof="0">
               <a:ln>
                 <a:noFill/>
               </a:ln>
@@ -6234,7 +6254,7 @@
               <a:tabLst/>
               <a:defRPr/>
             </a:pPr>
-            <a:endParaRPr kumimoji="0" lang="en-US" altLang="ko-KR" sz="2398" b="0" i="0" u="none" strike="noStrike" kern="1200" cap="none" spc="0" normalizeH="0" baseline="0" noProof="0" dirty="0">
+            <a:endParaRPr kumimoji="0" lang="en-US" altLang="ko-KR" sz="2398" b="0" i="0" u="none" strike="noStrike" kern="1200" cap="none" spc="0" normalizeH="0" baseline="0" noProof="0">
               <a:ln>
                 <a:noFill/>
               </a:ln>
@@ -6315,7 +6335,7 @@
               <a:tabLst/>
               <a:defRPr/>
             </a:pPr>
-            <a:endParaRPr kumimoji="0" lang="en-US" altLang="ko-KR" sz="2398" b="0" i="0" u="none" strike="noStrike" kern="1200" cap="none" spc="0" normalizeH="0" baseline="0" noProof="0" dirty="0">
+            <a:endParaRPr kumimoji="0" lang="en-US" altLang="ko-KR" sz="2398" b="0" i="0" u="none" strike="noStrike" kern="1200" cap="none" spc="0" normalizeH="0" baseline="0" noProof="0">
               <a:ln>
                 <a:noFill/>
               </a:ln>
@@ -6396,7 +6416,7 @@
               <a:tabLst/>
               <a:defRPr/>
             </a:pPr>
-            <a:endParaRPr kumimoji="0" lang="en-US" altLang="ko-KR" sz="2398" b="0" i="0" u="none" strike="noStrike" kern="1200" cap="none" spc="0" normalizeH="0" baseline="0" noProof="0" dirty="0">
+            <a:endParaRPr kumimoji="0" lang="en-US" altLang="ko-KR" sz="2398" b="0" i="0" u="none" strike="noStrike" kern="1200" cap="none" spc="0" normalizeH="0" baseline="0" noProof="0">
               <a:ln>
                 <a:noFill/>
               </a:ln>
@@ -6413,42 +6433,6 @@
           </a:p>
         </p:txBody>
       </p:sp>
-      <p:pic>
-        <p:nvPicPr>
-          <p:cNvPr id="12" name="Logo Software University" descr="Software University logo">
-            <a:extLst>
-              <a:ext uri="{FF2B5EF4-FFF2-40B4-BE49-F238E27FC236}">
-                <a16:creationId xmlns:a16="http://schemas.microsoft.com/office/drawing/2014/main" id="{233CBB95-791E-4630-B3D9-FADFCE7BCF52}"/>
-              </a:ext>
-            </a:extLst>
-          </p:cNvPr>
-          <p:cNvPicPr>
-            <a:picLocks noChangeAspect="1"/>
-          </p:cNvPicPr>
-          <p:nvPr userDrawn="1"/>
-        </p:nvPicPr>
-        <p:blipFill>
-          <a:blip r:embed="rId2">
-            <a:extLst>
-              <a:ext uri="{28A0092B-C50C-407E-A947-70E740481C1C}">
-                <a14:useLocalDpi xmlns:a14="http://schemas.microsoft.com/office/drawing/2010/main" val="0"/>
-              </a:ext>
-            </a:extLst>
-          </a:blip>
-          <a:stretch>
-            <a:fillRect/>
-          </a:stretch>
-        </p:blipFill>
-        <p:spPr>
-          <a:xfrm>
-            <a:off x="10067957" y="253936"/>
-            <a:ext cx="1915704" cy="559235"/>
-          </a:xfrm>
-          <a:prstGeom prst="rect">
-            <a:avLst/>
-          </a:prstGeom>
-        </p:spPr>
-      </p:pic>
       <p:sp>
         <p:nvSpPr>
           <p:cNvPr id="13" name="Slide Title">
@@ -6468,7 +6452,7 @@
         <p:spPr>
           <a:xfrm>
             <a:off x="190406" y="100750"/>
-            <a:ext cx="9715594" cy="882654"/>
+            <a:ext cx="10270594" cy="882654"/>
           </a:xfrm>
         </p:spPr>
         <p:txBody>
@@ -6490,6 +6474,42 @@
           </a:p>
         </p:txBody>
       </p:sp>
+      <p:pic>
+        <p:nvPicPr>
+          <p:cNvPr id="4" name="Picture 3">
+            <a:extLst>
+              <a:ext uri="{FF2B5EF4-FFF2-40B4-BE49-F238E27FC236}">
+                <a16:creationId xmlns:a16="http://schemas.microsoft.com/office/drawing/2014/main" id="{42F3DB3E-BDAA-8201-9A01-2F52640A84CA}"/>
+              </a:ext>
+            </a:extLst>
+          </p:cNvPr>
+          <p:cNvPicPr>
+            <a:picLocks noChangeAspect="1"/>
+          </p:cNvPicPr>
+          <p:nvPr userDrawn="1"/>
+        </p:nvPicPr>
+        <p:blipFill>
+          <a:blip r:embed="rId2" cstate="print">
+            <a:extLst>
+              <a:ext uri="{28A0092B-C50C-407E-A947-70E740481C1C}">
+                <a14:useLocalDpi xmlns:a14="http://schemas.microsoft.com/office/drawing/2010/main" val="0"/>
+              </a:ext>
+            </a:extLst>
+          </a:blip>
+          <a:stretch>
+            <a:fillRect/>
+          </a:stretch>
+        </p:blipFill>
+        <p:spPr>
+          <a:xfrm>
+            <a:off x="10553573" y="368999"/>
+            <a:ext cx="1443361" cy="360001"/>
+          </a:xfrm>
+          <a:prstGeom prst="rect">
+            <a:avLst/>
+          </a:prstGeom>
+        </p:spPr>
+      </p:pic>
     </p:spTree>
     <p:extLst>
       <p:ext uri="{BB962C8B-B14F-4D97-AF65-F5344CB8AC3E}">
@@ -6600,7 +6620,7 @@
               <a:tabLst/>
               <a:defRPr/>
             </a:pPr>
-            <a:endParaRPr kumimoji="0" lang="en-US" altLang="ko-KR" sz="2398" b="0" i="0" u="none" strike="noStrike" kern="1200" cap="none" spc="0" normalizeH="0" baseline="0" noProof="0" dirty="0">
+            <a:endParaRPr kumimoji="0" lang="en-US" altLang="ko-KR" sz="2398" b="0" i="0" u="none" strike="noStrike" kern="1200" cap="none" spc="0" normalizeH="0" baseline="0" noProof="0">
               <a:ln>
                 <a:noFill/>
               </a:ln>
@@ -6619,714 +6639,10 @@
       </p:sp>
       <p:sp>
         <p:nvSpPr>
-          <p:cNvPr id="53" name="Rectangle Bottom Copyright">
+          <p:cNvPr id="3" name="Title 2">
             <a:extLst>
               <a:ext uri="{FF2B5EF4-FFF2-40B4-BE49-F238E27FC236}">
-                <a16:creationId xmlns:a16="http://schemas.microsoft.com/office/drawing/2014/main" id="{B07FB7FB-DA6C-4F5D-B068-357F0FCE27D8}"/>
-              </a:ext>
-            </a:extLst>
-          </p:cNvPr>
-          <p:cNvSpPr/>
-          <p:nvPr userDrawn="1"/>
-        </p:nvSpPr>
-        <p:spPr>
-          <a:xfrm>
-            <a:off x="111000" y="6454758"/>
-            <a:ext cx="11970000" cy="258449"/>
-          </a:xfrm>
-          <a:prstGeom prst="rect">
-            <a:avLst/>
-          </a:prstGeom>
-        </p:spPr>
-        <p:txBody>
-          <a:bodyPr wrap="square">
-            <a:noAutofit/>
-          </a:bodyPr>
-          <a:lstStyle/>
-          <a:p>
-            <a:pPr algn="ctr">
-              <a:lnSpc>
-                <a:spcPct val="100000"/>
-              </a:lnSpc>
-              <a:spcBef>
-                <a:spcPts val="0"/>
-              </a:spcBef>
-              <a:spcAft>
-                <a:spcPts val="0"/>
-              </a:spcAft>
-            </a:pPr>
-            <a:r>
-              <a:rPr lang="en-US" sz="1600" noProof="0" dirty="0">
-                <a:solidFill>
-                  <a:schemeClr val="bg2"/>
-                </a:solidFill>
-                <a:effectLst/>
-                <a:latin typeface="Calibri" panose="020F0502020204030204" pitchFamily="34" charset="0"/>
-                <a:ea typeface="Calibri" panose="020F0502020204030204" pitchFamily="34" charset="0"/>
-                <a:cs typeface="Arial" panose="020B0604020202020204" pitchFamily="34" charset="0"/>
-              </a:rPr>
-              <a:t>© SoftUni – </a:t>
-            </a:r>
-            <a:r>
-              <a:rPr lang="en-US" sz="1600" u="sng" noProof="0" dirty="0">
-                <a:solidFill>
-                  <a:schemeClr val="bg2"/>
-                </a:solidFill>
-                <a:effectLst/>
-                <a:latin typeface="Calibri" panose="020F0502020204030204" pitchFamily="34" charset="0"/>
-                <a:ea typeface="Calibri" panose="020F0502020204030204" pitchFamily="34" charset="0"/>
-                <a:cs typeface="Arial" panose="020B0604020202020204" pitchFamily="34" charset="0"/>
-                <a:hlinkClick r:id="rId2">
-                  <a:extLst>
-                    <a:ext uri="{A12FA001-AC4F-418D-AE19-62706E023703}">
-                      <ahyp:hlinkClr xmlns:ahyp="http://schemas.microsoft.com/office/drawing/2018/hyperlinkcolor" val="tx"/>
-                    </a:ext>
-                  </a:extLst>
-                </a:hlinkClick>
-              </a:rPr>
-              <a:t>https://softuni.org</a:t>
-            </a:r>
-            <a:r>
-              <a:rPr lang="en-US" sz="1600" noProof="0" dirty="0">
-                <a:solidFill>
-                  <a:schemeClr val="bg2"/>
-                </a:solidFill>
-                <a:effectLst/>
-                <a:latin typeface="Calibri" panose="020F0502020204030204" pitchFamily="34" charset="0"/>
-                <a:ea typeface="Calibri" panose="020F0502020204030204" pitchFamily="34" charset="0"/>
-                <a:cs typeface="Arial" panose="020B0604020202020204" pitchFamily="34" charset="0"/>
-              </a:rPr>
-              <a:t>. Copyrighted document. Unauthorized copy, reproduction or use is not permitted.</a:t>
-            </a:r>
-            <a:endParaRPr lang="en-US" sz="2400" noProof="0" dirty="0">
-              <a:solidFill>
-                <a:schemeClr val="bg2"/>
-              </a:solidFill>
-              <a:effectLst/>
-              <a:latin typeface="Calibri" panose="020F0502020204030204" pitchFamily="34" charset="0"/>
-              <a:ea typeface="Calibri" panose="020F0502020204030204" pitchFamily="34" charset="0"/>
-              <a:cs typeface="Arial" panose="020B0604020202020204" pitchFamily="34" charset="0"/>
-            </a:endParaRPr>
-          </a:p>
-        </p:txBody>
-      </p:sp>
-      <p:pic>
-        <p:nvPicPr>
-          <p:cNvPr id="26" name="Picture SoftUni Mascot" descr="SoftUni mascot with open hand">
-            <a:extLst>
-              <a:ext uri="{FF2B5EF4-FFF2-40B4-BE49-F238E27FC236}">
-                <a16:creationId xmlns:a16="http://schemas.microsoft.com/office/drawing/2014/main" id="{247CFF3C-C4FA-493D-8505-DF469F4D36A4}"/>
-              </a:ext>
-            </a:extLst>
-          </p:cNvPr>
-          <p:cNvPicPr>
-            <a:picLocks noChangeAspect="1"/>
-          </p:cNvPicPr>
-          <p:nvPr/>
-        </p:nvPicPr>
-        <p:blipFill>
-          <a:blip r:embed="rId3" cstate="print">
-            <a:extLst>
-              <a:ext uri="{28A0092B-C50C-407E-A947-70E740481C1C}">
-                <a14:useLocalDpi xmlns:a14="http://schemas.microsoft.com/office/drawing/2010/main" val="0"/>
-              </a:ext>
-            </a:extLst>
-          </a:blip>
-          <a:stretch>
-            <a:fillRect/>
-          </a:stretch>
-        </p:blipFill>
-        <p:spPr>
-          <a:xfrm>
-            <a:off x="642586" y="2898830"/>
-            <a:ext cx="2451608" cy="2959741"/>
-          </a:xfrm>
-          <a:prstGeom prst="rect">
-            <a:avLst/>
-          </a:prstGeom>
-        </p:spPr>
-      </p:pic>
-      <p:grpSp>
-        <p:nvGrpSpPr>
-          <p:cNvPr id="2" name="Group SoftUni Brands">
-            <a:extLst>
-              <a:ext uri="{FF2B5EF4-FFF2-40B4-BE49-F238E27FC236}">
-                <a16:creationId xmlns:a16="http://schemas.microsoft.com/office/drawing/2014/main" id="{418FAE34-C1F8-46C7-A4AE-F270D1E70F25}"/>
-              </a:ext>
-            </a:extLst>
-          </p:cNvPr>
-          <p:cNvGrpSpPr/>
-          <p:nvPr userDrawn="1"/>
-        </p:nvGrpSpPr>
-        <p:grpSpPr>
-          <a:xfrm>
-            <a:off x="3332216" y="1702473"/>
-            <a:ext cx="8314909" cy="3543782"/>
-            <a:chOff x="3332216" y="1702473"/>
-            <a:chExt cx="8314909" cy="3543782"/>
-          </a:xfrm>
-        </p:grpSpPr>
-        <p:pic>
-          <p:nvPicPr>
-            <p:cNvPr id="24" name="Picture SoftUni Kids Logo" descr="SoftUni Kids logo">
-              <a:extLst>
-                <a:ext uri="{FF2B5EF4-FFF2-40B4-BE49-F238E27FC236}">
-                  <a16:creationId xmlns:a16="http://schemas.microsoft.com/office/drawing/2014/main" id="{B0812936-74B6-4265-8C08-AEDC8C798702}"/>
-                </a:ext>
-              </a:extLst>
-            </p:cNvPr>
-            <p:cNvPicPr>
-              <a:picLocks noChangeAspect="1"/>
-            </p:cNvPicPr>
-            <p:nvPr/>
-          </p:nvPicPr>
-          <p:blipFill>
-            <a:blip r:embed="rId4" cstate="print">
-              <a:extLst>
-                <a:ext uri="{28A0092B-C50C-407E-A947-70E740481C1C}">
-                  <a14:useLocalDpi xmlns:a14="http://schemas.microsoft.com/office/drawing/2010/main" val="0"/>
-                </a:ext>
-              </a:extLst>
-            </a:blip>
-            <a:stretch>
-              <a:fillRect/>
-            </a:stretch>
-          </p:blipFill>
-          <p:spPr>
-            <a:xfrm>
-              <a:off x="10516883" y="3776294"/>
-              <a:ext cx="1130242" cy="1389256"/>
-            </a:xfrm>
-            <a:prstGeom prst="rect">
-              <a:avLst/>
-            </a:prstGeom>
-          </p:spPr>
-        </p:pic>
-        <p:pic>
-          <p:nvPicPr>
-            <p:cNvPr id="23" name="Picture SoftUni Foundation Logo" descr="SoftUni Foundation logo">
-              <a:extLst>
-                <a:ext uri="{FF2B5EF4-FFF2-40B4-BE49-F238E27FC236}">
-                  <a16:creationId xmlns:a16="http://schemas.microsoft.com/office/drawing/2014/main" id="{6643F71A-2013-433A-8322-FBAAED3162D8}"/>
-                </a:ext>
-              </a:extLst>
-            </p:cNvPr>
-            <p:cNvPicPr>
-              <a:picLocks noChangeAspect="1"/>
-            </p:cNvPicPr>
-            <p:nvPr userDrawn="1"/>
-          </p:nvPicPr>
-          <p:blipFill>
-            <a:blip r:embed="rId5" cstate="print">
-              <a:extLst>
-                <a:ext uri="{28A0092B-C50C-407E-A947-70E740481C1C}">
-                  <a14:useLocalDpi xmlns:a14="http://schemas.microsoft.com/office/drawing/2010/main" val="0"/>
-                </a:ext>
-              </a:extLst>
-            </a:blip>
-            <a:stretch>
-              <a:fillRect/>
-            </a:stretch>
-          </p:blipFill>
-          <p:spPr>
-            <a:xfrm>
-              <a:off x="9053913" y="3788231"/>
-              <a:ext cx="1166400" cy="1350756"/>
-            </a:xfrm>
-            <a:prstGeom prst="rect">
-              <a:avLst/>
-            </a:prstGeom>
-          </p:spPr>
-        </p:pic>
-        <p:pic>
-          <p:nvPicPr>
-            <p:cNvPr id="22" name="Picture SoftUni Digital Logo" descr="SoftUni Digital logo">
-              <a:extLst>
-                <a:ext uri="{FF2B5EF4-FFF2-40B4-BE49-F238E27FC236}">
-                  <a16:creationId xmlns:a16="http://schemas.microsoft.com/office/drawing/2014/main" id="{0A83D66F-855B-463B-920B-BF239B01A206}"/>
-                </a:ext>
-              </a:extLst>
-            </p:cNvPr>
-            <p:cNvPicPr>
-              <a:picLocks noChangeAspect="1"/>
-            </p:cNvPicPr>
-            <p:nvPr userDrawn="1"/>
-          </p:nvPicPr>
-          <p:blipFill>
-            <a:blip r:embed="rId6" cstate="print">
-              <a:extLst>
-                <a:ext uri="{28A0092B-C50C-407E-A947-70E740481C1C}">
-                  <a14:useLocalDpi xmlns:a14="http://schemas.microsoft.com/office/drawing/2010/main" val="0"/>
-                </a:ext>
-              </a:extLst>
-            </a:blip>
-            <a:stretch>
-              <a:fillRect/>
-            </a:stretch>
-          </p:blipFill>
-          <p:spPr>
-            <a:xfrm>
-              <a:off x="7657695" y="3789000"/>
-              <a:ext cx="1084614" cy="1457255"/>
-            </a:xfrm>
-            <a:prstGeom prst="rect">
-              <a:avLst/>
-            </a:prstGeom>
-          </p:spPr>
-        </p:pic>
-        <p:pic>
-          <p:nvPicPr>
-            <p:cNvPr id="21" name="Picture SoftUni Creative Logo" descr="SoftUni Creative logo">
-              <a:extLst>
-                <a:ext uri="{FF2B5EF4-FFF2-40B4-BE49-F238E27FC236}">
-                  <a16:creationId xmlns:a16="http://schemas.microsoft.com/office/drawing/2014/main" id="{EA755AAE-BA08-481C-9224-0061170EE4B8}"/>
-                </a:ext>
-              </a:extLst>
-            </p:cNvPr>
-            <p:cNvPicPr>
-              <a:picLocks noChangeAspect="1"/>
-            </p:cNvPicPr>
-            <p:nvPr/>
-          </p:nvPicPr>
-          <p:blipFill>
-            <a:blip r:embed="rId7" cstate="print">
-              <a:extLst>
-                <a:ext uri="{28A0092B-C50C-407E-A947-70E740481C1C}">
-                  <a14:useLocalDpi xmlns:a14="http://schemas.microsoft.com/office/drawing/2010/main" val="0"/>
-                </a:ext>
-              </a:extLst>
-            </a:blip>
-            <a:stretch>
-              <a:fillRect/>
-            </a:stretch>
-          </p:blipFill>
-          <p:spPr>
-            <a:xfrm>
-              <a:off x="6173913" y="3776293"/>
-              <a:ext cx="1166400" cy="1389257"/>
-            </a:xfrm>
-            <a:prstGeom prst="rect">
-              <a:avLst/>
-            </a:prstGeom>
-          </p:spPr>
-        </p:pic>
-        <p:pic>
-          <p:nvPicPr>
-            <p:cNvPr id="20" name="Picture SoftUni Svetlina Logo" descr="SoftUni Svetlina logo">
-              <a:extLst>
-                <a:ext uri="{FF2B5EF4-FFF2-40B4-BE49-F238E27FC236}">
-                  <a16:creationId xmlns:a16="http://schemas.microsoft.com/office/drawing/2014/main" id="{827D15FD-4C66-4B85-98E6-7826AA8F61C6}"/>
-                </a:ext>
-              </a:extLst>
-            </p:cNvPr>
-            <p:cNvPicPr>
-              <a:picLocks noChangeAspect="1"/>
-            </p:cNvPicPr>
-            <p:nvPr/>
-          </p:nvPicPr>
-          <p:blipFill>
-            <a:blip r:embed="rId8">
-              <a:extLst>
-                <a:ext uri="{28A0092B-C50C-407E-A947-70E740481C1C}">
-                  <a14:useLocalDpi xmlns:a14="http://schemas.microsoft.com/office/drawing/2010/main" val="0"/>
-                </a:ext>
-              </a:extLst>
-            </a:blip>
-            <a:stretch>
-              <a:fillRect/>
-            </a:stretch>
-          </p:blipFill>
-          <p:spPr>
-            <a:xfrm>
-              <a:off x="4735029" y="3776293"/>
-              <a:ext cx="1166400" cy="1402229"/>
-            </a:xfrm>
-            <a:prstGeom prst="rect">
-              <a:avLst/>
-            </a:prstGeom>
-          </p:spPr>
-        </p:pic>
-        <p:pic>
-          <p:nvPicPr>
-            <p:cNvPr id="25" name="Picture Software University Logo" descr="Software University logo">
-              <a:extLst>
-                <a:ext uri="{FF2B5EF4-FFF2-40B4-BE49-F238E27FC236}">
-                  <a16:creationId xmlns:a16="http://schemas.microsoft.com/office/drawing/2014/main" id="{C74C190C-5856-41B9-8819-AE8DE0E10980}"/>
-                </a:ext>
-              </a:extLst>
-            </p:cNvPr>
-            <p:cNvPicPr>
-              <a:picLocks noChangeAspect="1"/>
-            </p:cNvPicPr>
-            <p:nvPr/>
-          </p:nvPicPr>
-          <p:blipFill>
-            <a:blip r:embed="rId9" cstate="print">
-              <a:extLst>
-                <a:ext uri="{28A0092B-C50C-407E-A947-70E740481C1C}">
-                  <a14:useLocalDpi xmlns:a14="http://schemas.microsoft.com/office/drawing/2010/main" val="0"/>
-                </a:ext>
-              </a:extLst>
-            </a:blip>
-            <a:stretch>
-              <a:fillRect/>
-            </a:stretch>
-          </p:blipFill>
-          <p:spPr>
-            <a:xfrm>
-              <a:off x="3332216" y="3776295"/>
-              <a:ext cx="1164654" cy="1440000"/>
-            </a:xfrm>
-            <a:prstGeom prst="rect">
-              <a:avLst/>
-            </a:prstGeom>
-          </p:spPr>
-        </p:pic>
-        <p:cxnSp>
-          <p:nvCxnSpPr>
-            <p:cNvPr id="33" name="Straight Connector 6">
-              <a:extLst>
-                <a:ext uri="{FF2B5EF4-FFF2-40B4-BE49-F238E27FC236}">
-                  <a16:creationId xmlns:a16="http://schemas.microsoft.com/office/drawing/2014/main" id="{5C63D1E8-4A92-4691-8A24-A2FC7E8008E5}"/>
-                </a:ext>
-              </a:extLst>
-            </p:cNvPr>
-            <p:cNvCxnSpPr>
-              <a:cxnSpLocks/>
-            </p:cNvCxnSpPr>
-            <p:nvPr userDrawn="1"/>
-          </p:nvCxnSpPr>
-          <p:spPr>
-            <a:xfrm>
-              <a:off x="11077113" y="3335565"/>
-              <a:ext cx="0" cy="236220"/>
-            </a:xfrm>
-            <a:prstGeom prst="line">
-              <a:avLst/>
-            </a:prstGeom>
-            <a:ln w="25400"/>
-          </p:spPr>
-          <p:style>
-            <a:lnRef idx="1">
-              <a:schemeClr val="accent1"/>
-            </a:lnRef>
-            <a:fillRef idx="0">
-              <a:schemeClr val="accent1"/>
-            </a:fillRef>
-            <a:effectRef idx="0">
-              <a:schemeClr val="accent1"/>
-            </a:effectRef>
-            <a:fontRef idx="minor">
-              <a:schemeClr val="tx1"/>
-            </a:fontRef>
-          </p:style>
-        </p:cxnSp>
-        <p:cxnSp>
-          <p:nvCxnSpPr>
-            <p:cNvPr id="32" name="Straight Connector 5">
-              <a:extLst>
-                <a:ext uri="{FF2B5EF4-FFF2-40B4-BE49-F238E27FC236}">
-                  <a16:creationId xmlns:a16="http://schemas.microsoft.com/office/drawing/2014/main" id="{6E91D320-3732-40B8-864D-142D0A277ED1}"/>
-                </a:ext>
-              </a:extLst>
-            </p:cNvPr>
-            <p:cNvCxnSpPr>
-              <a:cxnSpLocks/>
-            </p:cNvCxnSpPr>
-            <p:nvPr userDrawn="1"/>
-          </p:nvCxnSpPr>
-          <p:spPr>
-            <a:xfrm>
-              <a:off x="9637113" y="3329215"/>
-              <a:ext cx="0" cy="236220"/>
-            </a:xfrm>
-            <a:prstGeom prst="line">
-              <a:avLst/>
-            </a:prstGeom>
-            <a:ln w="25400"/>
-          </p:spPr>
-          <p:style>
-            <a:lnRef idx="1">
-              <a:schemeClr val="accent1"/>
-            </a:lnRef>
-            <a:fillRef idx="0">
-              <a:schemeClr val="accent1"/>
-            </a:fillRef>
-            <a:effectRef idx="0">
-              <a:schemeClr val="accent1"/>
-            </a:effectRef>
-            <a:fontRef idx="minor">
-              <a:schemeClr val="tx1"/>
-            </a:fontRef>
-          </p:style>
-        </p:cxnSp>
-        <p:cxnSp>
-          <p:nvCxnSpPr>
-            <p:cNvPr id="31" name="Straight Connector 4">
-              <a:extLst>
-                <a:ext uri="{FF2B5EF4-FFF2-40B4-BE49-F238E27FC236}">
-                  <a16:creationId xmlns:a16="http://schemas.microsoft.com/office/drawing/2014/main" id="{299ABE09-E33C-46B7-A80D-7BF4A6956211}"/>
-                </a:ext>
-              </a:extLst>
-            </p:cNvPr>
-            <p:cNvCxnSpPr/>
-            <p:nvPr userDrawn="1"/>
-          </p:nvCxnSpPr>
-          <p:spPr>
-            <a:xfrm>
-              <a:off x="8197113" y="3329215"/>
-              <a:ext cx="0" cy="236220"/>
-            </a:xfrm>
-            <a:prstGeom prst="line">
-              <a:avLst/>
-            </a:prstGeom>
-            <a:ln w="25400"/>
-          </p:spPr>
-          <p:style>
-            <a:lnRef idx="1">
-              <a:schemeClr val="accent1"/>
-            </a:lnRef>
-            <a:fillRef idx="0">
-              <a:schemeClr val="accent1"/>
-            </a:fillRef>
-            <a:effectRef idx="0">
-              <a:schemeClr val="accent1"/>
-            </a:effectRef>
-            <a:fontRef idx="minor">
-              <a:schemeClr val="tx1"/>
-            </a:fontRef>
-          </p:style>
-        </p:cxnSp>
-        <p:cxnSp>
-          <p:nvCxnSpPr>
-            <p:cNvPr id="30" name="Straight Connector 3">
-              <a:extLst>
-                <a:ext uri="{FF2B5EF4-FFF2-40B4-BE49-F238E27FC236}">
-                  <a16:creationId xmlns:a16="http://schemas.microsoft.com/office/drawing/2014/main" id="{93DDBF37-0764-47AA-94E3-9A44F3ED8FB5}"/>
-                </a:ext>
-              </a:extLst>
-            </p:cNvPr>
-            <p:cNvCxnSpPr/>
-            <p:nvPr userDrawn="1"/>
-          </p:nvCxnSpPr>
-          <p:spPr>
-            <a:xfrm>
-              <a:off x="6757113" y="3329215"/>
-              <a:ext cx="0" cy="236220"/>
-            </a:xfrm>
-            <a:prstGeom prst="line">
-              <a:avLst/>
-            </a:prstGeom>
-            <a:ln w="25400"/>
-          </p:spPr>
-          <p:style>
-            <a:lnRef idx="1">
-              <a:schemeClr val="accent1"/>
-            </a:lnRef>
-            <a:fillRef idx="0">
-              <a:schemeClr val="accent1"/>
-            </a:fillRef>
-            <a:effectRef idx="0">
-              <a:schemeClr val="accent1"/>
-            </a:effectRef>
-            <a:fontRef idx="minor">
-              <a:schemeClr val="tx1"/>
-            </a:fontRef>
-          </p:style>
-        </p:cxnSp>
-        <p:cxnSp>
-          <p:nvCxnSpPr>
-            <p:cNvPr id="29" name="Straight Connector 2">
-              <a:extLst>
-                <a:ext uri="{FF2B5EF4-FFF2-40B4-BE49-F238E27FC236}">
-                  <a16:creationId xmlns:a16="http://schemas.microsoft.com/office/drawing/2014/main" id="{72BFE2F3-0845-4E5B-9375-E9D4027DD675}"/>
-                </a:ext>
-              </a:extLst>
-            </p:cNvPr>
-            <p:cNvCxnSpPr/>
-            <p:nvPr userDrawn="1"/>
-          </p:nvCxnSpPr>
-          <p:spPr>
-            <a:xfrm>
-              <a:off x="5309913" y="3335565"/>
-              <a:ext cx="0" cy="236220"/>
-            </a:xfrm>
-            <a:prstGeom prst="line">
-              <a:avLst/>
-            </a:prstGeom>
-            <a:ln w="25400"/>
-          </p:spPr>
-          <p:style>
-            <a:lnRef idx="1">
-              <a:schemeClr val="accent1"/>
-            </a:lnRef>
-            <a:fillRef idx="0">
-              <a:schemeClr val="accent1"/>
-            </a:fillRef>
-            <a:effectRef idx="0">
-              <a:schemeClr val="accent1"/>
-            </a:effectRef>
-            <a:fontRef idx="minor">
-              <a:schemeClr val="tx1"/>
-            </a:fontRef>
-          </p:style>
-        </p:cxnSp>
-        <p:cxnSp>
-          <p:nvCxnSpPr>
-            <p:cNvPr id="28" name="Straight Connector 1">
-              <a:extLst>
-                <a:ext uri="{FF2B5EF4-FFF2-40B4-BE49-F238E27FC236}">
-                  <a16:creationId xmlns:a16="http://schemas.microsoft.com/office/drawing/2014/main" id="{D4E5982E-3110-47E1-A5BB-91B7BECC3093}"/>
-                </a:ext>
-              </a:extLst>
-            </p:cNvPr>
-            <p:cNvCxnSpPr/>
-            <p:nvPr userDrawn="1"/>
-          </p:nvCxnSpPr>
-          <p:spPr>
-            <a:xfrm>
-              <a:off x="3915327" y="3335565"/>
-              <a:ext cx="0" cy="236220"/>
-            </a:xfrm>
-            <a:prstGeom prst="line">
-              <a:avLst/>
-            </a:prstGeom>
-            <a:ln w="25400"/>
-          </p:spPr>
-          <p:style>
-            <a:lnRef idx="1">
-              <a:schemeClr val="accent1"/>
-            </a:lnRef>
-            <a:fillRef idx="0">
-              <a:schemeClr val="accent1"/>
-            </a:fillRef>
-            <a:effectRef idx="0">
-              <a:schemeClr val="accent1"/>
-            </a:effectRef>
-            <a:fontRef idx="minor">
-              <a:schemeClr val="tx1"/>
-            </a:fontRef>
-          </p:style>
-        </p:cxnSp>
-        <p:cxnSp>
-          <p:nvCxnSpPr>
-            <p:cNvPr id="27" name="Straight Connector Horizontal">
-              <a:extLst>
-                <a:ext uri="{FF2B5EF4-FFF2-40B4-BE49-F238E27FC236}">
-                  <a16:creationId xmlns:a16="http://schemas.microsoft.com/office/drawing/2014/main" id="{5F62FB7C-BD6E-4383-98C1-2CF30F34CAFD}"/>
-                </a:ext>
-              </a:extLst>
-            </p:cNvPr>
-            <p:cNvCxnSpPr>
-              <a:cxnSpLocks/>
-            </p:cNvCxnSpPr>
-            <p:nvPr userDrawn="1"/>
-          </p:nvCxnSpPr>
-          <p:spPr>
-            <a:xfrm>
-              <a:off x="3915327" y="3335565"/>
-              <a:ext cx="7161786" cy="0"/>
-            </a:xfrm>
-            <a:prstGeom prst="line">
-              <a:avLst/>
-            </a:prstGeom>
-            <a:ln w="25400"/>
-          </p:spPr>
-          <p:style>
-            <a:lnRef idx="1">
-              <a:schemeClr val="accent1"/>
-            </a:lnRef>
-            <a:fillRef idx="0">
-              <a:schemeClr val="accent1"/>
-            </a:fillRef>
-            <a:effectRef idx="0">
-              <a:schemeClr val="accent1"/>
-            </a:effectRef>
-            <a:fontRef idx="minor">
-              <a:schemeClr val="tx1"/>
-            </a:fontRef>
-          </p:style>
-        </p:cxnSp>
-        <p:cxnSp>
-          <p:nvCxnSpPr>
-            <p:cNvPr id="34" name="Straight Connector 0">
-              <a:extLst>
-                <a:ext uri="{FF2B5EF4-FFF2-40B4-BE49-F238E27FC236}">
-                  <a16:creationId xmlns:a16="http://schemas.microsoft.com/office/drawing/2014/main" id="{C84A0FE1-723D-4682-8682-77BAD950EE15}"/>
-                </a:ext>
-              </a:extLst>
-            </p:cNvPr>
-            <p:cNvCxnSpPr/>
-            <p:nvPr userDrawn="1"/>
-          </p:nvCxnSpPr>
-          <p:spPr>
-            <a:xfrm>
-              <a:off x="7496220" y="3092995"/>
-              <a:ext cx="0" cy="236220"/>
-            </a:xfrm>
-            <a:prstGeom prst="line">
-              <a:avLst/>
-            </a:prstGeom>
-            <a:ln w="25400"/>
-          </p:spPr>
-          <p:style>
-            <a:lnRef idx="1">
-              <a:schemeClr val="accent1"/>
-            </a:lnRef>
-            <a:fillRef idx="0">
-              <a:schemeClr val="accent1"/>
-            </a:fillRef>
-            <a:effectRef idx="0">
-              <a:schemeClr val="accent1"/>
-            </a:effectRef>
-            <a:fontRef idx="minor">
-              <a:schemeClr val="tx1"/>
-            </a:fontRef>
-          </p:style>
-        </p:cxnSp>
-        <p:pic>
-          <p:nvPicPr>
-            <p:cNvPr id="18" name="Picture SoftUni Logo" descr="SoftUni logo">
-              <a:extLst>
-                <a:ext uri="{FF2B5EF4-FFF2-40B4-BE49-F238E27FC236}">
-                  <a16:creationId xmlns:a16="http://schemas.microsoft.com/office/drawing/2014/main" id="{A0675455-B7FA-4569-A5FD-A3B0F20B2A26}"/>
-                </a:ext>
-              </a:extLst>
-            </p:cNvPr>
-            <p:cNvPicPr>
-              <a:picLocks noChangeAspect="1"/>
-            </p:cNvPicPr>
-            <p:nvPr/>
-          </p:nvPicPr>
-          <p:blipFill>
-            <a:blip r:embed="rId10" cstate="print">
-              <a:extLst>
-                <a:ext uri="{28A0092B-C50C-407E-A947-70E740481C1C}">
-                  <a14:useLocalDpi xmlns:a14="http://schemas.microsoft.com/office/drawing/2010/main" val="0"/>
-                </a:ext>
-              </a:extLst>
-            </a:blip>
-            <a:stretch>
-              <a:fillRect/>
-            </a:stretch>
-          </p:blipFill>
-          <p:spPr>
-            <a:xfrm>
-              <a:off x="6896770" y="1702473"/>
-              <a:ext cx="1198901" cy="1198901"/>
-            </a:xfrm>
-            <a:prstGeom prst="rect">
-              <a:avLst/>
-            </a:prstGeom>
-          </p:spPr>
-        </p:pic>
-      </p:grpSp>
-      <p:sp>
-        <p:nvSpPr>
-          <p:cNvPr id="19" name="Slide Title">
-            <a:extLst>
-              <a:ext uri="{FF2B5EF4-FFF2-40B4-BE49-F238E27FC236}">
-                <a16:creationId xmlns:a16="http://schemas.microsoft.com/office/drawing/2014/main" id="{7CFDBB16-985C-4CC7-B6DB-B81B36037922}"/>
+                <a16:creationId xmlns:a16="http://schemas.microsoft.com/office/drawing/2014/main" id="{3107753B-8639-4399-B782-EE5377184D2E}"/>
               </a:ext>
             </a:extLst>
           </p:cNvPr>
@@ -7334,142 +6650,33 @@
             <a:spLocks noGrp="1"/>
           </p:cNvSpPr>
           <p:nvPr>
-            <p:ph type="title"/>
+            <p:ph type="title" hasCustomPrompt="1"/>
           </p:nvPr>
         </p:nvSpPr>
         <p:spPr>
           <a:xfrm>
-            <a:off x="809628" y="703244"/>
-            <a:ext cx="5916372" cy="1033303"/>
+            <a:off x="726988" y="1461842"/>
+            <a:ext cx="10731663" cy="3047158"/>
           </a:xfrm>
-          <a:prstGeom prst="rect">
-            <a:avLst/>
-          </a:prstGeom>
         </p:spPr>
         <p:txBody>
-          <a:bodyPr wrap="none" lIns="0" tIns="0" rIns="0" bIns="0" anchor="ctr" anchorCtr="0">
-            <a:noAutofit/>
-            <a:scene3d>
-              <a:camera prst="orthographicFront"/>
-              <a:lightRig rig="soft" dir="t">
-                <a:rot lat="0" lon="0" rev="10800000"/>
-              </a:lightRig>
-            </a:scene3d>
-            <a:sp3d>
-              <a:bevelT w="27940" h="12700"/>
-              <a:contourClr>
-                <a:srgbClr val="DDDDDD"/>
-              </a:contourClr>
-            </a:sp3d>
+          <a:bodyPr>
+            <a:normAutofit/>
           </a:bodyPr>
-          <a:lstStyle/>
-          <a:p>
-            <a:pPr marL="0" marR="0" lvl="0" indent="0" algn="l" defTabSz="913852" rtl="0" eaLnBrk="0" fontAlgn="auto" latinLnBrk="0" hangingPunct="0">
-              <a:lnSpc>
-                <a:spcPct val="100000"/>
-              </a:lnSpc>
-              <a:spcBef>
-                <a:spcPts val="0"/>
-              </a:spcBef>
-              <a:spcAft>
-                <a:spcPts val="0"/>
-              </a:spcAft>
-              <a:buClr>
-                <a:srgbClr val="67748E">
-                  <a:lumMod val="40000"/>
-                  <a:lumOff val="60000"/>
-                </a:srgbClr>
-              </a:buClr>
-              <a:buSzPct val="70000"/>
-              <a:buFont typeface="Wingdings 2" pitchFamily="18" charset="2"/>
-              <a:buNone/>
-              <a:tabLst/>
-              <a:defRPr/>
-            </a:pPr>
-            <a:r>
-              <a:rPr kumimoji="0" lang="en-US" sz="8797" b="1" i="0" u="none" strike="noStrike" kern="1200" cap="none" spc="0" normalizeH="0" baseline="0" noProof="0" dirty="0">
-                <a:ln>
-                  <a:noFill/>
-                </a:ln>
-                <a:solidFill>
-                  <a:srgbClr val="234465"/>
-                </a:solidFill>
-                <a:effectLst/>
-                <a:uLnTx/>
-                <a:uFillTx/>
-                <a:latin typeface="Calibri" panose="020F0502020204030204"/>
-                <a:ea typeface="+mn-ea"/>
-                <a:cs typeface="+mn-cs"/>
-              </a:rPr>
-              <a:t>Questions?</a:t>
-            </a:r>
-            <a:endParaRPr kumimoji="0" lang="en-US" sz="8797" b="1" i="0" u="none" strike="noStrike" kern="1200" cap="none" spc="150" normalizeH="0" baseline="0" noProof="0" dirty="0">
-              <a:ln w="11430"/>
-              <a:solidFill>
-                <a:srgbClr val="234465"/>
-              </a:solidFill>
-              <a:effectLst>
-                <a:outerShdw blurRad="25400" algn="tl" rotWithShape="0">
-                  <a:srgbClr val="000000">
-                    <a:alpha val="43000"/>
-                  </a:srgbClr>
-                </a:outerShdw>
-              </a:effectLst>
-              <a:uLnTx/>
-              <a:uFillTx/>
-              <a:latin typeface="Calibri" panose="020F0502020204030204"/>
-              <a:ea typeface="+mn-ea"/>
-              <a:cs typeface="+mn-cs"/>
-            </a:endParaRPr>
-          </a:p>
-        </p:txBody>
-      </p:sp>
-      <p:pic>
-        <p:nvPicPr>
-          <p:cNvPr id="36" name="Logo Software University" descr="Software University logo">
-            <a:extLst>
-              <a:ext uri="{FF2B5EF4-FFF2-40B4-BE49-F238E27FC236}">
-                <a16:creationId xmlns:a16="http://schemas.microsoft.com/office/drawing/2014/main" id="{67FC4D2E-913D-432A-B658-F0D82839FA5E}"/>
-              </a:ext>
-            </a:extLst>
-          </p:cNvPr>
-          <p:cNvPicPr>
-            <a:picLocks noChangeAspect="1"/>
-          </p:cNvPicPr>
-          <p:nvPr userDrawn="1"/>
-        </p:nvPicPr>
-        <p:blipFill>
-          <a:blip r:embed="rId11">
-            <a:clrChange>
-              <a:clrFrom>
-                <a:srgbClr val="FFFFFF"/>
-              </a:clrFrom>
-              <a:clrTo>
-                <a:srgbClr val="FFFFFF">
-                  <a:alpha val="0"/>
-                </a:srgbClr>
-              </a:clrTo>
-            </a:clrChange>
-            <a:extLst>
-              <a:ext uri="{28A0092B-C50C-407E-A947-70E740481C1C}">
-                <a14:useLocalDpi xmlns:a14="http://schemas.microsoft.com/office/drawing/2010/main" val="0"/>
-              </a:ext>
-            </a:extLst>
-          </a:blip>
-          <a:stretch>
-            <a:fillRect/>
-          </a:stretch>
-        </p:blipFill>
-        <p:spPr>
-          <a:xfrm>
-            <a:off x="10008761" y="190267"/>
-            <a:ext cx="2013336" cy="690975"/>
-          </a:xfrm>
-          <a:prstGeom prst="rect">
-            <a:avLst/>
-          </a:prstGeom>
-        </p:spPr>
-      </p:pic>
+          <a:lstStyle>
+            <a:lvl1pPr algn="ctr">
+              <a:defRPr sz="13800"/>
+            </a:lvl1pPr>
+          </a:lstStyle>
+          <a:p>
+            <a:r>
+              <a:rPr lang="bg-BG" dirty="0"/>
+              <a:t>Въпроси?</a:t>
+            </a:r>
+            <a:endParaRPr lang="en-US" dirty="0"/>
+          </a:p>
+        </p:txBody>
+      </p:sp>
     </p:spTree>
     <p:extLst>
       <p:ext uri="{BB962C8B-B14F-4D97-AF65-F5344CB8AC3E}">
@@ -7507,528 +6714,6 @@
 </p:sldLayout>
 </file>
 
-<file path=ppt/slideLayouts/slideLayout13.xml><?xml version="1.0" encoding="utf-8"?>
-<p:sldLayout xmlns:a="http://schemas.openxmlformats.org/drawingml/2006/main" xmlns:r="http://schemas.openxmlformats.org/officeDocument/2006/relationships" xmlns:p="http://schemas.openxmlformats.org/presentationml/2006/main" preserve="1" userDrawn="1">
-  <p:cSld name="About Slide">
-    <p:spTree>
-      <p:nvGrpSpPr>
-        <p:cNvPr id="1" name=""/>
-        <p:cNvGrpSpPr/>
-        <p:nvPr/>
-      </p:nvGrpSpPr>
-      <p:grpSpPr>
-        <a:xfrm>
-          <a:off x="0" y="0"/>
-          <a:ext cx="0" cy="0"/>
-          <a:chOff x="0" y="0"/>
-          <a:chExt cx="0" cy="0"/>
-        </a:xfrm>
-      </p:grpSpPr>
-      <p:sp>
-        <p:nvSpPr>
-          <p:cNvPr id="13" name="Slide Number">
-            <a:extLst>
-              <a:ext uri="{FF2B5EF4-FFF2-40B4-BE49-F238E27FC236}">
-                <a16:creationId xmlns:a16="http://schemas.microsoft.com/office/drawing/2014/main" id="{5B8761D8-B42F-4A70-A0CE-682CEB2AE31B}"/>
-              </a:ext>
-            </a:extLst>
-          </p:cNvPr>
-          <p:cNvSpPr>
-            <a:spLocks noGrp="1"/>
-          </p:cNvSpPr>
-          <p:nvPr>
-            <p:ph type="sldNum" sz="quarter" idx="4"/>
-          </p:nvPr>
-        </p:nvSpPr>
-        <p:spPr>
-          <a:xfrm>
-            <a:off x="11753030" y="6507000"/>
-            <a:ext cx="367414" cy="297000"/>
-          </a:xfrm>
-          <a:prstGeom prst="rect">
-            <a:avLst/>
-          </a:prstGeom>
-        </p:spPr>
-        <p:txBody>
-          <a:bodyPr vert="horz" lIns="91440" tIns="45720" rIns="91440" bIns="45720" rtlCol="0" anchor="b"/>
-          <a:lstStyle>
-            <a:lvl1pPr algn="r">
-              <a:defRPr sz="1000"/>
-            </a:lvl1pPr>
-          </a:lstStyle>
-          <a:p>
-            <a:fld id="{2BF067CD-8E6B-4360-9AA8-C5DF2A48A6D1}" type="slidenum">
-              <a:rPr lang="en-US" noProof="0" smtClean="0"/>
-              <a:pPr/>
-              <a:t>‹#›</a:t>
-            </a:fld>
-            <a:endParaRPr lang="en-US" noProof="0" dirty="0"/>
-          </a:p>
-        </p:txBody>
-      </p:sp>
-      <p:pic>
-        <p:nvPicPr>
-          <p:cNvPr id="19" name="Picture Forum" descr="Forum icon">
-            <a:hlinkClick r:id="rId2" tooltip="Software University Discussion Forum"/>
-            <a:extLst>
-              <a:ext uri="{FF2B5EF4-FFF2-40B4-BE49-F238E27FC236}">
-                <a16:creationId xmlns:a16="http://schemas.microsoft.com/office/drawing/2014/main" id="{98C579AD-FAF5-4B28-9B52-5457F1E90061}"/>
-              </a:ext>
-            </a:extLst>
-          </p:cNvPr>
-          <p:cNvPicPr>
-            <a:picLocks noChangeAspect="1"/>
-          </p:cNvPicPr>
-          <p:nvPr userDrawn="1"/>
-        </p:nvPicPr>
-        <p:blipFill>
-          <a:blip r:embed="rId3" cstate="print">
-            <a:extLst>
-              <a:ext uri="{28A0092B-C50C-407E-A947-70E740481C1C}">
-                <a14:useLocalDpi xmlns:a14="http://schemas.microsoft.com/office/drawing/2010/main"/>
-              </a:ext>
-            </a:extLst>
-          </a:blip>
-          <a:stretch>
-            <a:fillRect/>
-          </a:stretch>
-        </p:blipFill>
-        <p:spPr>
-          <a:xfrm>
-            <a:off x="10524350" y="5249556"/>
-            <a:ext cx="970156" cy="965726"/>
-          </a:xfrm>
-          <a:prstGeom prst="rect">
-            <a:avLst/>
-          </a:prstGeom>
-        </p:spPr>
-      </p:pic>
-      <p:pic>
-        <p:nvPicPr>
-          <p:cNvPr id="17" name="Picture Logo FB" descr="Facebook logo">
-            <a:hlinkClick r:id="rId4" tooltip="Software University @ Facebook"/>
-            <a:extLst>
-              <a:ext uri="{FF2B5EF4-FFF2-40B4-BE49-F238E27FC236}">
-                <a16:creationId xmlns:a16="http://schemas.microsoft.com/office/drawing/2014/main" id="{6B2C510E-5EF2-49F6-B926-2BD74CD3C7F8}"/>
-              </a:ext>
-            </a:extLst>
-          </p:cNvPr>
-          <p:cNvPicPr>
-            <a:picLocks noChangeAspect="1" noChangeArrowheads="1"/>
-          </p:cNvPicPr>
-          <p:nvPr userDrawn="1"/>
-        </p:nvPicPr>
-        <p:blipFill rotWithShape="1">
-          <a:blip r:embed="rId5" cstate="print">
-            <a:extLst>
-              <a:ext uri="{28A0092B-C50C-407E-A947-70E740481C1C}">
-                <a14:useLocalDpi xmlns:a14="http://schemas.microsoft.com/office/drawing/2010/main"/>
-              </a:ext>
-            </a:extLst>
-          </a:blip>
-          <a:srcRect/>
-          <a:stretch/>
-        </p:blipFill>
-        <p:spPr bwMode="auto">
-          <a:xfrm>
-            <a:off x="10507451" y="3689937"/>
-            <a:ext cx="1003954" cy="1017562"/>
-          </a:xfrm>
-          <a:prstGeom prst="rect">
-            <a:avLst/>
-          </a:prstGeom>
-          <a:noFill/>
-          <a:extLst>
-            <a:ext uri="{909E8E84-426E-40DD-AFC4-6F175D3DCCD1}">
-              <a14:hiddenFill xmlns:a14="http://schemas.microsoft.com/office/drawing/2010/main">
-                <a:solidFill>
-                  <a:srgbClr val="FFFFFF"/>
-                </a:solidFill>
-              </a14:hiddenFill>
-            </a:ext>
-          </a:extLst>
-        </p:spPr>
-      </p:pic>
-      <p:pic>
-        <p:nvPicPr>
-          <p:cNvPr id="20" name="Picture Logo SoftUni Right" descr="Software University logo">
-            <a:hlinkClick r:id="rId6"/>
-            <a:extLst>
-              <a:ext uri="{FF2B5EF4-FFF2-40B4-BE49-F238E27FC236}">
-                <a16:creationId xmlns:a16="http://schemas.microsoft.com/office/drawing/2014/main" id="{F4604840-E810-44B7-9FF1-3B28CD68B758}"/>
-              </a:ext>
-            </a:extLst>
-          </p:cNvPr>
-          <p:cNvPicPr>
-            <a:picLocks noChangeAspect="1"/>
-          </p:cNvPicPr>
-          <p:nvPr userDrawn="1"/>
-        </p:nvPicPr>
-        <p:blipFill>
-          <a:blip r:embed="rId7">
-            <a:extLst>
-              <a:ext uri="{28A0092B-C50C-407E-A947-70E740481C1C}">
-                <a14:useLocalDpi xmlns:a14="http://schemas.microsoft.com/office/drawing/2010/main" val="0"/>
-              </a:ext>
-            </a:extLst>
-          </a:blip>
-          <a:stretch>
-            <a:fillRect/>
-          </a:stretch>
-        </p:blipFill>
-        <p:spPr>
-          <a:xfrm>
-            <a:off x="10413401" y="1674000"/>
-            <a:ext cx="1192055" cy="1473880"/>
-          </a:xfrm>
-          <a:prstGeom prst="rect">
-            <a:avLst/>
-          </a:prstGeom>
-        </p:spPr>
-      </p:pic>
-      <p:pic>
-        <p:nvPicPr>
-          <p:cNvPr id="16" name="Picture SoftUni Mascot" descr="SoftUni mascot">
-            <a:hlinkClick r:id="rId8"/>
-            <a:extLst>
-              <a:ext uri="{FF2B5EF4-FFF2-40B4-BE49-F238E27FC236}">
-                <a16:creationId xmlns:a16="http://schemas.microsoft.com/office/drawing/2014/main" id="{07C965FA-A87E-4824-AFA8-C67AF548A76A}"/>
-              </a:ext>
-            </a:extLst>
-          </p:cNvPr>
-          <p:cNvPicPr>
-            <a:picLocks noChangeAspect="1"/>
-          </p:cNvPicPr>
-          <p:nvPr/>
-        </p:nvPicPr>
-        <p:blipFill>
-          <a:blip r:embed="rId9">
-            <a:extLst>
-              <a:ext uri="{28A0092B-C50C-407E-A947-70E740481C1C}">
-                <a14:useLocalDpi xmlns:a14="http://schemas.microsoft.com/office/drawing/2010/main" val="0"/>
-              </a:ext>
-            </a:extLst>
-          </a:blip>
-          <a:srcRect/>
-          <a:stretch/>
-        </p:blipFill>
-        <p:spPr>
-          <a:xfrm>
-            <a:off x="7181957" y="2584289"/>
-            <a:ext cx="2732955" cy="3630993"/>
-          </a:xfrm>
-          <a:prstGeom prst="rect">
-            <a:avLst/>
-          </a:prstGeom>
-        </p:spPr>
-      </p:pic>
-      <p:sp>
-        <p:nvSpPr>
-          <p:cNvPr id="12" name="Slide Body Text">
-            <a:extLst>
-              <a:ext uri="{FF2B5EF4-FFF2-40B4-BE49-F238E27FC236}">
-                <a16:creationId xmlns:a16="http://schemas.microsoft.com/office/drawing/2014/main" id="{0C1F9416-8B6E-46DE-973C-777785E27A26}"/>
-              </a:ext>
-            </a:extLst>
-          </p:cNvPr>
-          <p:cNvSpPr>
-            <a:spLocks noGrp="1"/>
-          </p:cNvSpPr>
-          <p:nvPr>
-            <p:ph idx="4294967295" hasCustomPrompt="1"/>
-          </p:nvPr>
-        </p:nvSpPr>
-        <p:spPr>
-          <a:xfrm>
-            <a:off x="152410" y="1186307"/>
-            <a:ext cx="8688590" cy="5496127"/>
-          </a:xfrm>
-        </p:spPr>
-        <p:txBody>
-          <a:bodyPr wrap="square">
-            <a:noAutofit/>
-          </a:bodyPr>
-          <a:lstStyle>
-            <a:lvl1pPr latinLnBrk="0">
-              <a:buClr>
-                <a:schemeClr val="tx1"/>
-              </a:buClr>
-              <a:defRPr sz="2798"/>
-            </a:lvl1pPr>
-            <a:lvl2pPr marL="989981" marR="0" indent="-380762" algn="l" defTabSz="1218438" rtl="0" eaLnBrk="1" fontAlgn="auto" latinLnBrk="1" hangingPunct="1">
-              <a:lnSpc>
-                <a:spcPct val="100000"/>
-              </a:lnSpc>
-              <a:spcBef>
-                <a:spcPts val="600"/>
-              </a:spcBef>
-              <a:spcAft>
-                <a:spcPts val="600"/>
-              </a:spcAft>
-              <a:buClrTx/>
-              <a:buSzTx/>
-              <a:buFont typeface="Wingdings" panose="05000000000000000000" pitchFamily="2" charset="2"/>
-              <a:buChar char="§"/>
-              <a:tabLst>
-                <a:tab pos="282405" algn="l"/>
-              </a:tabLst>
-              <a:defRPr sz="2800"/>
-            </a:lvl2pPr>
-            <a:lvl3pPr>
-              <a:buClr>
-                <a:schemeClr val="tx1"/>
-              </a:buClr>
-              <a:defRPr/>
-            </a:lvl3pPr>
-          </a:lstStyle>
-          <a:p>
-            <a:r>
-              <a:rPr lang="en-US" sz="3000" noProof="0" dirty="0"/>
-              <a:t>Software University – High-Quality Education, Profession and Job for Software Developers</a:t>
-            </a:r>
-          </a:p>
-          <a:p>
-            <a:pPr lvl="1"/>
-            <a:r>
-              <a:rPr lang="en-US" noProof="1">
-                <a:hlinkClick r:id="rId8"/>
-              </a:rPr>
-              <a:t>softuni.bg</a:t>
-            </a:r>
-            <a:r>
-              <a:rPr lang="en-US" noProof="1"/>
-              <a:t> </a:t>
-            </a:r>
-          </a:p>
-          <a:p>
-            <a:r>
-              <a:rPr lang="en-US" sz="3000" noProof="0" dirty="0"/>
-              <a:t>Software University Foundation</a:t>
-            </a:r>
-          </a:p>
-          <a:p>
-            <a:pPr lvl="1"/>
-            <a:r>
-              <a:rPr lang="en-US" noProof="1">
-                <a:hlinkClick r:id="rId10"/>
-              </a:rPr>
-              <a:t>softuni.foundation</a:t>
-            </a:r>
-            <a:endParaRPr lang="en-US" noProof="1"/>
-          </a:p>
-          <a:p>
-            <a:r>
-              <a:rPr lang="en-US" sz="3000" noProof="0" dirty="0"/>
-              <a:t>Software University @ Facebook</a:t>
-            </a:r>
-          </a:p>
-          <a:p>
-            <a:pPr lvl="1"/>
-            <a:r>
-              <a:rPr lang="en-US" noProof="1">
-                <a:hlinkClick r:id="rId4"/>
-              </a:rPr>
-              <a:t>facebook.com/SoftwareUniversity</a:t>
-            </a:r>
-            <a:endParaRPr lang="en-US" noProof="1"/>
-          </a:p>
-          <a:p>
-            <a:r>
-              <a:rPr lang="en-US" sz="3000" noProof="0" dirty="0"/>
-              <a:t>Software University Forums</a:t>
-            </a:r>
-          </a:p>
-          <a:p>
-            <a:pPr lvl="1"/>
-            <a:r>
-              <a:rPr lang="en-US" noProof="1">
-                <a:hlinkClick r:id="rId2"/>
-              </a:rPr>
-              <a:t>forum.softuni.bg</a:t>
-            </a:r>
-            <a:endParaRPr lang="en-US" noProof="1"/>
-          </a:p>
-        </p:txBody>
-      </p:sp>
-      <p:sp>
-        <p:nvSpPr>
-          <p:cNvPr id="10" name="Rectangle Top">
-            <a:extLst>
-              <a:ext uri="{FF2B5EF4-FFF2-40B4-BE49-F238E27FC236}">
-                <a16:creationId xmlns:a16="http://schemas.microsoft.com/office/drawing/2014/main" id="{86646B95-5E3B-4DE8-9118-031C2C296D8C}"/>
-              </a:ext>
-            </a:extLst>
-          </p:cNvPr>
-          <p:cNvSpPr/>
-          <p:nvPr userDrawn="1"/>
-        </p:nvSpPr>
-        <p:spPr>
-          <a:xfrm>
-            <a:off x="0" y="0"/>
-            <a:ext cx="12195176" cy="1095376"/>
-          </a:xfrm>
-          <a:prstGeom prst="rect">
-            <a:avLst/>
-          </a:prstGeom>
-          <a:solidFill>
-            <a:schemeClr val="tx2"/>
-          </a:solidFill>
-          <a:ln>
-            <a:noFill/>
-          </a:ln>
-        </p:spPr>
-        <p:style>
-          <a:lnRef idx="2">
-            <a:schemeClr val="accent1">
-              <a:shade val="50000"/>
-            </a:schemeClr>
-          </a:lnRef>
-          <a:fillRef idx="1">
-            <a:schemeClr val="accent1"/>
-          </a:fillRef>
-          <a:effectRef idx="0">
-            <a:schemeClr val="accent1"/>
-          </a:effectRef>
-          <a:fontRef idx="minor">
-            <a:schemeClr val="lt1"/>
-          </a:fontRef>
-        </p:style>
-        <p:txBody>
-          <a:bodyPr rtlCol="0" anchor="ctr"/>
-          <a:lstStyle/>
-          <a:p>
-            <a:pPr marL="0" marR="0" lvl="0" indent="0" algn="ctr" defTabSz="913852" rtl="0" eaLnBrk="1" fontAlgn="auto" latinLnBrk="0" hangingPunct="1">
-              <a:lnSpc>
-                <a:spcPct val="100000"/>
-              </a:lnSpc>
-              <a:spcBef>
-                <a:spcPts val="0"/>
-              </a:spcBef>
-              <a:spcAft>
-                <a:spcPts val="0"/>
-              </a:spcAft>
-              <a:buClrTx/>
-              <a:buSzTx/>
-              <a:buFontTx/>
-              <a:buNone/>
-              <a:tabLst/>
-              <a:defRPr/>
-            </a:pPr>
-            <a:endParaRPr kumimoji="0" lang="en-US" altLang="ko-KR" sz="2398" b="0" i="0" u="none" strike="noStrike" kern="1200" cap="none" spc="0" normalizeH="0" baseline="0" noProof="0" dirty="0">
-              <a:ln>
-                <a:noFill/>
-              </a:ln>
-              <a:solidFill>
-                <a:srgbClr val="F7C86D"/>
-              </a:solidFill>
-              <a:effectLst/>
-              <a:uLnTx/>
-              <a:uFillTx/>
-              <a:latin typeface="Calibri" panose="020F0502020204030204"/>
-              <a:ea typeface="맑은 고딕" panose="020B0503020000020004" pitchFamily="34" charset="-127"/>
-              <a:cs typeface="+mn-cs"/>
-            </a:endParaRPr>
-          </a:p>
-        </p:txBody>
-      </p:sp>
-      <p:pic>
-        <p:nvPicPr>
-          <p:cNvPr id="11" name="Logo Software University" descr="Software University logo">
-            <a:extLst>
-              <a:ext uri="{FF2B5EF4-FFF2-40B4-BE49-F238E27FC236}">
-                <a16:creationId xmlns:a16="http://schemas.microsoft.com/office/drawing/2014/main" id="{58AB1944-B146-4E89-B2D9-426EB610F319}"/>
-              </a:ext>
-            </a:extLst>
-          </p:cNvPr>
-          <p:cNvPicPr>
-            <a:picLocks noChangeAspect="1"/>
-          </p:cNvPicPr>
-          <p:nvPr userDrawn="1"/>
-        </p:nvPicPr>
-        <p:blipFill>
-          <a:blip r:embed="rId11">
-            <a:extLst>
-              <a:ext uri="{28A0092B-C50C-407E-A947-70E740481C1C}">
-                <a14:useLocalDpi xmlns:a14="http://schemas.microsoft.com/office/drawing/2010/main" val="0"/>
-              </a:ext>
-            </a:extLst>
-          </a:blip>
-          <a:stretch>
-            <a:fillRect/>
-          </a:stretch>
-        </p:blipFill>
-        <p:spPr>
-          <a:xfrm>
-            <a:off x="10067957" y="253936"/>
-            <a:ext cx="1915704" cy="559235"/>
-          </a:xfrm>
-          <a:prstGeom prst="rect">
-            <a:avLst/>
-          </a:prstGeom>
-        </p:spPr>
-      </p:pic>
-      <p:sp>
-        <p:nvSpPr>
-          <p:cNvPr id="18" name="Slide Title">
-            <a:extLst>
-              <a:ext uri="{FF2B5EF4-FFF2-40B4-BE49-F238E27FC236}">
-                <a16:creationId xmlns:a16="http://schemas.microsoft.com/office/drawing/2014/main" id="{AE87ED9C-76E1-4D85-9B06-3AF44AABB668}"/>
-              </a:ext>
-            </a:extLst>
-          </p:cNvPr>
-          <p:cNvSpPr>
-            <a:spLocks noGrp="1"/>
-          </p:cNvSpPr>
-          <p:nvPr>
-            <p:ph type="title" hasCustomPrompt="1"/>
-          </p:nvPr>
-        </p:nvSpPr>
-        <p:spPr>
-          <a:xfrm>
-            <a:off x="172286" y="108873"/>
-            <a:ext cx="9742626" cy="882654"/>
-          </a:xfrm>
-        </p:spPr>
-        <p:txBody>
-          <a:bodyPr/>
-          <a:lstStyle>
-            <a:lvl1pPr latinLnBrk="0">
-              <a:defRPr>
-                <a:solidFill>
-                  <a:schemeClr val="bg2"/>
-                </a:solidFill>
-              </a:defRPr>
-            </a:lvl1pPr>
-          </a:lstStyle>
-          <a:p>
-            <a:r>
-              <a:rPr lang="en-US" noProof="0" dirty="0"/>
-              <a:t>Trainings @ Software University (SoftUni)</a:t>
-            </a:r>
-          </a:p>
-        </p:txBody>
-      </p:sp>
-    </p:spTree>
-    <p:extLst>
-      <p:ext uri="{BB962C8B-B14F-4D97-AF65-F5344CB8AC3E}">
-        <p14:creationId xmlns:p14="http://schemas.microsoft.com/office/powerpoint/2010/main" val="2196466322"/>
-      </p:ext>
-    </p:extLst>
-  </p:cSld>
-  <p:clrMapOvr>
-    <a:masterClrMapping/>
-  </p:clrMapOvr>
-  <mc:AlternateContent xmlns:mc="http://schemas.openxmlformats.org/markup-compatibility/2006" xmlns:p14="http://schemas.microsoft.com/office/powerpoint/2010/main">
-    <mc:Choice Requires="p14">
-      <p:transition spd="slow" p14:dur="2000" advClick="0" advTm="5000"/>
-    </mc:Choice>
-    <mc:Fallback xmlns="">
-      <p:transition spd="slow" advClick="0" advTm="5000"/>
-    </mc:Fallback>
-  </mc:AlternateContent>
-</p:sldLayout>
-</file>
-
 <file path=ppt/slideLayouts/slideLayout2.xml><?xml version="1.0" encoding="utf-8"?>
 <p:sldLayout xmlns:a="http://schemas.openxmlformats.org/drawingml/2006/main" xmlns:r="http://schemas.openxmlformats.org/officeDocument/2006/relationships" xmlns:p="http://schemas.openxmlformats.org/presentationml/2006/main" preserve="1">
   <p:cSld name="Section Title Slide">
@@ -8106,7 +6791,7 @@
               <a:tabLst/>
               <a:defRPr/>
             </a:pPr>
-            <a:endParaRPr kumimoji="0" lang="en-US" altLang="ko-KR" sz="2398" b="0" i="0" u="none" strike="noStrike" kern="1200" cap="none" spc="0" normalizeH="0" baseline="0" noProof="0" dirty="0">
+            <a:endParaRPr kumimoji="0" lang="en-US" altLang="ko-KR" sz="2398" b="0" i="0" u="none" strike="noStrike" kern="1200" cap="none" spc="0" normalizeH="0" baseline="0" noProof="0">
               <a:ln>
                 <a:noFill/>
               </a:ln>
@@ -8434,7 +7119,7 @@
               <a:tabLst/>
               <a:defRPr/>
             </a:pPr>
-            <a:endParaRPr kumimoji="0" lang="en-US" altLang="ko-KR" sz="2398" b="0" i="0" u="none" strike="noStrike" kern="1200" cap="none" spc="0" normalizeH="0" baseline="0" noProof="0" dirty="0">
+            <a:endParaRPr kumimoji="0" lang="en-US" altLang="ko-KR" sz="2398" b="0" i="0" u="none" strike="noStrike" kern="1200" cap="none" spc="0" normalizeH="0" baseline="0" noProof="0">
               <a:ln>
                 <a:noFill/>
               </a:ln>
@@ -8451,42 +7136,6 @@
           </a:p>
         </p:txBody>
       </p:sp>
-      <p:pic>
-        <p:nvPicPr>
-          <p:cNvPr id="12" name="Logo Software University" descr="Software University logo">
-            <a:extLst>
-              <a:ext uri="{FF2B5EF4-FFF2-40B4-BE49-F238E27FC236}">
-                <a16:creationId xmlns:a16="http://schemas.microsoft.com/office/drawing/2014/main" id="{B1D3B425-B9BF-43ED-9DEC-C05002FBA22F}"/>
-              </a:ext>
-            </a:extLst>
-          </p:cNvPr>
-          <p:cNvPicPr>
-            <a:picLocks noChangeAspect="1"/>
-          </p:cNvPicPr>
-          <p:nvPr userDrawn="1"/>
-        </p:nvPicPr>
-        <p:blipFill>
-          <a:blip r:embed="rId2">
-            <a:extLst>
-              <a:ext uri="{28A0092B-C50C-407E-A947-70E740481C1C}">
-                <a14:useLocalDpi xmlns:a14="http://schemas.microsoft.com/office/drawing/2010/main" val="0"/>
-              </a:ext>
-            </a:extLst>
-          </a:blip>
-          <a:stretch>
-            <a:fillRect/>
-          </a:stretch>
-        </p:blipFill>
-        <p:spPr>
-          <a:xfrm>
-            <a:off x="10067957" y="253936"/>
-            <a:ext cx="1915704" cy="559235"/>
-          </a:xfrm>
-          <a:prstGeom prst="rect">
-            <a:avLst/>
-          </a:prstGeom>
-        </p:spPr>
-      </p:pic>
       <p:sp>
         <p:nvSpPr>
           <p:cNvPr id="6" name="Slide Title">
@@ -8506,7 +7155,7 @@
         <p:spPr>
           <a:xfrm>
             <a:off x="190406" y="100750"/>
-            <a:ext cx="9715594" cy="882654"/>
+            <a:ext cx="10270594" cy="882654"/>
           </a:xfrm>
         </p:spPr>
         <p:txBody>
@@ -8528,6 +7177,42 @@
           </a:p>
         </p:txBody>
       </p:sp>
+      <p:pic>
+        <p:nvPicPr>
+          <p:cNvPr id="4" name="Picture 3">
+            <a:extLst>
+              <a:ext uri="{FF2B5EF4-FFF2-40B4-BE49-F238E27FC236}">
+                <a16:creationId xmlns:a16="http://schemas.microsoft.com/office/drawing/2014/main" id="{4B9A1D0F-F579-6A3C-C698-4E2E7F1AB265}"/>
+              </a:ext>
+            </a:extLst>
+          </p:cNvPr>
+          <p:cNvPicPr>
+            <a:picLocks noChangeAspect="1"/>
+          </p:cNvPicPr>
+          <p:nvPr userDrawn="1"/>
+        </p:nvPicPr>
+        <p:blipFill>
+          <a:blip r:embed="rId2" cstate="print">
+            <a:extLst>
+              <a:ext uri="{28A0092B-C50C-407E-A947-70E740481C1C}">
+                <a14:useLocalDpi xmlns:a14="http://schemas.microsoft.com/office/drawing/2010/main" val="0"/>
+              </a:ext>
+            </a:extLst>
+          </a:blip>
+          <a:stretch>
+            <a:fillRect/>
+          </a:stretch>
+        </p:blipFill>
+        <p:spPr>
+          <a:xfrm>
+            <a:off x="10553573" y="368999"/>
+            <a:ext cx="1443361" cy="360001"/>
+          </a:xfrm>
+          <a:prstGeom prst="rect">
+            <a:avLst/>
+          </a:prstGeom>
+        </p:spPr>
+      </p:pic>
     </p:spTree>
     <p:extLst>
       <p:ext uri="{BB962C8B-B14F-4D97-AF65-F5344CB8AC3E}">
@@ -8550,371 +7235,6 @@
 </file>
 
 <file path=ppt/slideLayouts/slideLayout4.xml><?xml version="1.0" encoding="utf-8"?>
-<p:sldLayout xmlns:a="http://schemas.openxmlformats.org/drawingml/2006/main" xmlns:r="http://schemas.openxmlformats.org/officeDocument/2006/relationships" xmlns:p="http://schemas.openxmlformats.org/presentationml/2006/main" preserve="1" userDrawn="1">
-  <p:cSld name="Table of Contents">
-    <p:spTree>
-      <p:nvGrpSpPr>
-        <p:cNvPr id="1" name=""/>
-        <p:cNvGrpSpPr/>
-        <p:nvPr/>
-      </p:nvGrpSpPr>
-      <p:grpSpPr>
-        <a:xfrm>
-          <a:off x="0" y="0"/>
-          <a:ext cx="0" cy="0"/>
-          <a:chOff x="0" y="0"/>
-          <a:chExt cx="0" cy="0"/>
-        </a:xfrm>
-      </p:grpSpPr>
-      <p:sp>
-        <p:nvSpPr>
-          <p:cNvPr id="10" name="Slide Number">
-            <a:extLst>
-              <a:ext uri="{FF2B5EF4-FFF2-40B4-BE49-F238E27FC236}">
-                <a16:creationId xmlns:a16="http://schemas.microsoft.com/office/drawing/2014/main" id="{39DDE17E-5472-41F3-AF5F-54DFF10DC63C}"/>
-              </a:ext>
-            </a:extLst>
-          </p:cNvPr>
-          <p:cNvSpPr>
-            <a:spLocks noGrp="1"/>
-          </p:cNvSpPr>
-          <p:nvPr>
-            <p:ph type="sldNum" sz="quarter" idx="4"/>
-          </p:nvPr>
-        </p:nvSpPr>
-        <p:spPr>
-          <a:xfrm>
-            <a:off x="11753030" y="6507000"/>
-            <a:ext cx="367414" cy="297000"/>
-          </a:xfrm>
-          <a:prstGeom prst="rect">
-            <a:avLst/>
-          </a:prstGeom>
-        </p:spPr>
-        <p:txBody>
-          <a:bodyPr vert="horz" lIns="91440" tIns="45720" rIns="91440" bIns="45720" rtlCol="0" anchor="b"/>
-          <a:lstStyle>
-            <a:lvl1pPr algn="r">
-              <a:defRPr sz="1000"/>
-            </a:lvl1pPr>
-          </a:lstStyle>
-          <a:p>
-            <a:fld id="{2BF067CD-8E6B-4360-9AA8-C5DF2A48A6D1}" type="slidenum">
-              <a:rPr lang="en-US" noProof="0" smtClean="0"/>
-              <a:pPr/>
-              <a:t>‹#›</a:t>
-            </a:fld>
-            <a:endParaRPr lang="en-US" noProof="0" dirty="0"/>
-          </a:p>
-        </p:txBody>
-      </p:sp>
-      <p:pic>
-        <p:nvPicPr>
-          <p:cNvPr id="9" name="Picture SoftUni Mascot" descr="SoftUni mascot with laptop">
-            <a:extLst>
-              <a:ext uri="{FF2B5EF4-FFF2-40B4-BE49-F238E27FC236}">
-                <a16:creationId xmlns:a16="http://schemas.microsoft.com/office/drawing/2014/main" id="{DC4365F6-D2C1-47B4-8477-38FD2C7711AA}"/>
-              </a:ext>
-            </a:extLst>
-          </p:cNvPr>
-          <p:cNvPicPr>
-            <a:picLocks noChangeAspect="1"/>
-          </p:cNvPicPr>
-          <p:nvPr/>
-        </p:nvPicPr>
-        <p:blipFill>
-          <a:blip r:embed="rId2" cstate="print">
-            <a:extLst>
-              <a:ext uri="{28A0092B-C50C-407E-A947-70E740481C1C}">
-                <a14:useLocalDpi xmlns:a14="http://schemas.microsoft.com/office/drawing/2010/main" val="0"/>
-              </a:ext>
-            </a:extLst>
-          </a:blip>
-          <a:stretch>
-            <a:fillRect/>
-          </a:stretch>
-        </p:blipFill>
-        <p:spPr>
-          <a:xfrm flipH="1">
-            <a:off x="9516000" y="3408496"/>
-            <a:ext cx="2251057" cy="3044431"/>
-          </a:xfrm>
-          <a:prstGeom prst="rect">
-            <a:avLst/>
-          </a:prstGeom>
-        </p:spPr>
-      </p:pic>
-      <p:sp>
-        <p:nvSpPr>
-          <p:cNvPr id="23" name="Slide Body Text">
-            <a:extLst>
-              <a:ext uri="{FF2B5EF4-FFF2-40B4-BE49-F238E27FC236}">
-                <a16:creationId xmlns:a16="http://schemas.microsoft.com/office/drawing/2014/main" id="{889D93F4-ABFA-46BF-8E5D-FE6562ACB20F}"/>
-              </a:ext>
-            </a:extLst>
-          </p:cNvPr>
-          <p:cNvSpPr>
-            <a:spLocks noGrp="1"/>
-          </p:cNvSpPr>
-          <p:nvPr>
-            <p:ph type="body" sz="quarter" idx="13" hasCustomPrompt="1"/>
-          </p:nvPr>
-        </p:nvSpPr>
-        <p:spPr>
-          <a:xfrm>
-            <a:off x="196766" y="1371604"/>
-            <a:ext cx="9049234" cy="5207396"/>
-          </a:xfrm>
-        </p:spPr>
-        <p:txBody>
-          <a:bodyPr>
-            <a:normAutofit/>
-          </a:bodyPr>
-          <a:lstStyle>
-            <a:lvl1pPr marL="514042" indent="-514042" latinLnBrk="0">
-              <a:buFont typeface="+mj-lt"/>
-              <a:buAutoNum type="arabicPeriod"/>
-              <a:defRPr sz="3600">
-                <a:solidFill>
-                  <a:schemeClr val="tx1"/>
-                </a:solidFill>
-              </a:defRPr>
-            </a:lvl1pPr>
-            <a:lvl2pPr>
-              <a:defRPr sz="3400"/>
-            </a:lvl2pPr>
-          </a:lstStyle>
-          <a:p>
-            <a:pPr lvl="0"/>
-            <a:r>
-              <a:rPr lang="en-US" noProof="0"/>
-              <a:t>…</a:t>
-            </a:r>
-          </a:p>
-          <a:p>
-            <a:pPr lvl="1"/>
-            <a:r>
-              <a:rPr lang="en-US" noProof="0"/>
-              <a:t>…</a:t>
-            </a:r>
-          </a:p>
-          <a:p>
-            <a:pPr lvl="1"/>
-            <a:r>
-              <a:rPr lang="en-US" noProof="0"/>
-              <a:t>…</a:t>
-            </a:r>
-          </a:p>
-          <a:p>
-            <a:pPr lvl="0"/>
-            <a:r>
-              <a:rPr lang="en-US" noProof="0"/>
-              <a:t>…</a:t>
-            </a:r>
-          </a:p>
-          <a:p>
-            <a:pPr lvl="1"/>
-            <a:r>
-              <a:rPr lang="en-US" noProof="0"/>
-              <a:t>…</a:t>
-            </a:r>
-          </a:p>
-          <a:p>
-            <a:pPr lvl="1"/>
-            <a:r>
-              <a:rPr lang="en-US" noProof="0"/>
-              <a:t>…</a:t>
-            </a:r>
-          </a:p>
-          <a:p>
-            <a:pPr lvl="0"/>
-            <a:r>
-              <a:rPr lang="en-US" noProof="0"/>
-              <a:t>…</a:t>
-            </a:r>
-          </a:p>
-        </p:txBody>
-      </p:sp>
-      <p:sp>
-        <p:nvSpPr>
-          <p:cNvPr id="8" name="Rectangle Top">
-            <a:extLst>
-              <a:ext uri="{FF2B5EF4-FFF2-40B4-BE49-F238E27FC236}">
-                <a16:creationId xmlns:a16="http://schemas.microsoft.com/office/drawing/2014/main" id="{930E0800-9260-4369-8330-8264DD33C5CE}"/>
-              </a:ext>
-            </a:extLst>
-          </p:cNvPr>
-          <p:cNvSpPr/>
-          <p:nvPr userDrawn="1"/>
-        </p:nvSpPr>
-        <p:spPr>
-          <a:xfrm>
-            <a:off x="0" y="0"/>
-            <a:ext cx="12196800" cy="1095376"/>
-          </a:xfrm>
-          <a:prstGeom prst="rect">
-            <a:avLst/>
-          </a:prstGeom>
-          <a:solidFill>
-            <a:schemeClr val="tx2"/>
-          </a:solidFill>
-          <a:ln>
-            <a:noFill/>
-          </a:ln>
-        </p:spPr>
-        <p:style>
-          <a:lnRef idx="2">
-            <a:schemeClr val="accent1">
-              <a:shade val="50000"/>
-            </a:schemeClr>
-          </a:lnRef>
-          <a:fillRef idx="1">
-            <a:schemeClr val="accent1"/>
-          </a:fillRef>
-          <a:effectRef idx="0">
-            <a:schemeClr val="accent1"/>
-          </a:effectRef>
-          <a:fontRef idx="minor">
-            <a:schemeClr val="lt1"/>
-          </a:fontRef>
-        </p:style>
-        <p:txBody>
-          <a:bodyPr rtlCol="0" anchor="ctr"/>
-          <a:lstStyle/>
-          <a:p>
-            <a:pPr marL="0" marR="0" lvl="0" indent="0" algn="ctr" defTabSz="913852" rtl="0" eaLnBrk="1" fontAlgn="auto" latinLnBrk="0" hangingPunct="1">
-              <a:lnSpc>
-                <a:spcPct val="100000"/>
-              </a:lnSpc>
-              <a:spcBef>
-                <a:spcPts val="0"/>
-              </a:spcBef>
-              <a:spcAft>
-                <a:spcPts val="0"/>
-              </a:spcAft>
-              <a:buClrTx/>
-              <a:buSzTx/>
-              <a:buFontTx/>
-              <a:buNone/>
-              <a:tabLst/>
-              <a:defRPr/>
-            </a:pPr>
-            <a:endParaRPr kumimoji="0" lang="en-US" altLang="ko-KR" sz="2398" b="0" i="0" u="none" strike="noStrike" kern="1200" cap="none" spc="0" normalizeH="0" baseline="0" noProof="0" dirty="0">
-              <a:ln>
-                <a:noFill/>
-              </a:ln>
-              <a:solidFill>
-                <a:srgbClr val="F7C86D"/>
-              </a:solidFill>
-              <a:effectLst/>
-              <a:uLnTx/>
-              <a:uFillTx/>
-              <a:latin typeface="Calibri" panose="020F0502020204030204"/>
-              <a:ea typeface="맑은 고딕" panose="020B0503020000020004" pitchFamily="34" charset="-127"/>
-              <a:cs typeface="+mn-cs"/>
-            </a:endParaRPr>
-          </a:p>
-        </p:txBody>
-      </p:sp>
-      <p:pic>
-        <p:nvPicPr>
-          <p:cNvPr id="11" name="Logo Software University" descr="Software University logo">
-            <a:extLst>
-              <a:ext uri="{FF2B5EF4-FFF2-40B4-BE49-F238E27FC236}">
-                <a16:creationId xmlns:a16="http://schemas.microsoft.com/office/drawing/2014/main" id="{14F779A7-4A91-448B-BEFA-956C70A1C22F}"/>
-              </a:ext>
-            </a:extLst>
-          </p:cNvPr>
-          <p:cNvPicPr>
-            <a:picLocks noChangeAspect="1"/>
-          </p:cNvPicPr>
-          <p:nvPr userDrawn="1"/>
-        </p:nvPicPr>
-        <p:blipFill>
-          <a:blip r:embed="rId3">
-            <a:extLst>
-              <a:ext uri="{28A0092B-C50C-407E-A947-70E740481C1C}">
-                <a14:useLocalDpi xmlns:a14="http://schemas.microsoft.com/office/drawing/2010/main" val="0"/>
-              </a:ext>
-            </a:extLst>
-          </a:blip>
-          <a:stretch>
-            <a:fillRect/>
-          </a:stretch>
-        </p:blipFill>
-        <p:spPr>
-          <a:xfrm>
-            <a:off x="10067957" y="253936"/>
-            <a:ext cx="1915704" cy="559235"/>
-          </a:xfrm>
-          <a:prstGeom prst="rect">
-            <a:avLst/>
-          </a:prstGeom>
-        </p:spPr>
-      </p:pic>
-      <p:sp>
-        <p:nvSpPr>
-          <p:cNvPr id="13" name="Slide Title">
-            <a:extLst>
-              <a:ext uri="{FF2B5EF4-FFF2-40B4-BE49-F238E27FC236}">
-                <a16:creationId xmlns:a16="http://schemas.microsoft.com/office/drawing/2014/main" id="{357D7BE1-6358-42CC-94F3-7BCDD91DCB6D}"/>
-              </a:ext>
-            </a:extLst>
-          </p:cNvPr>
-          <p:cNvSpPr>
-            <a:spLocks noGrp="1"/>
-          </p:cNvSpPr>
-          <p:nvPr>
-            <p:ph type="title" hasCustomPrompt="1"/>
-          </p:nvPr>
-        </p:nvSpPr>
-        <p:spPr>
-          <a:xfrm>
-            <a:off x="190406" y="100750"/>
-            <a:ext cx="9715594" cy="882654"/>
-          </a:xfrm>
-        </p:spPr>
-        <p:txBody>
-          <a:bodyPr/>
-          <a:lstStyle>
-            <a:lvl1pPr latinLnBrk="0">
-              <a:defRPr>
-                <a:solidFill>
-                  <a:schemeClr val="bg2"/>
-                </a:solidFill>
-              </a:defRPr>
-            </a:lvl1pPr>
-          </a:lstStyle>
-          <a:p>
-            <a:r>
-              <a:rPr lang="en-US" noProof="0" dirty="0"/>
-              <a:t>Table of Contents</a:t>
-            </a:r>
-          </a:p>
-        </p:txBody>
-      </p:sp>
-    </p:spTree>
-    <p:extLst>
-      <p:ext uri="{BB962C8B-B14F-4D97-AF65-F5344CB8AC3E}">
-        <p14:creationId xmlns:p14="http://schemas.microsoft.com/office/powerpoint/2010/main" val="1028724482"/>
-      </p:ext>
-    </p:extLst>
-  </p:cSld>
-  <p:clrMapOvr>
-    <a:masterClrMapping/>
-  </p:clrMapOvr>
-  <mc:AlternateContent xmlns:mc="http://schemas.openxmlformats.org/markup-compatibility/2006" xmlns:p14="http://schemas.microsoft.com/office/powerpoint/2010/main">
-    <mc:Choice Requires="p14">
-      <p:transition spd="slow" p14:dur="2000" advClick="0" advTm="5000"/>
-    </mc:Choice>
-    <mc:Fallback xmlns="">
-      <p:transition spd="slow" advClick="0" advTm="5000"/>
-    </mc:Fallback>
-  </mc:AlternateContent>
-</p:sldLayout>
-</file>
-
-<file path=ppt/slideLayouts/slideLayout5.xml><?xml version="1.0" encoding="utf-8"?>
 <p:sldLayout xmlns:a="http://schemas.openxmlformats.org/drawingml/2006/main" xmlns:r="http://schemas.openxmlformats.org/officeDocument/2006/relationships" xmlns:p="http://schemas.openxmlformats.org/presentationml/2006/main" preserve="1" userDrawn="1">
   <p:cSld name="Important Concept">
     <p:spTree>
@@ -9185,52 +7505,6 @@
           </a:p>
         </p:txBody>
       </p:sp>
-      <p:pic>
-        <p:nvPicPr>
-          <p:cNvPr id="3" name="Logo Software University" descr="Software University logo">
-            <a:extLst>
-              <a:ext uri="{FF2B5EF4-FFF2-40B4-BE49-F238E27FC236}">
-                <a16:creationId xmlns:a16="http://schemas.microsoft.com/office/drawing/2014/main" id="{5573C101-930B-47AC-967A-A64513DFFDEE}"/>
-              </a:ext>
-            </a:extLst>
-          </p:cNvPr>
-          <p:cNvPicPr>
-            <a:picLocks noChangeAspect="1"/>
-          </p:cNvPicPr>
-          <p:nvPr userDrawn="1"/>
-        </p:nvPicPr>
-        <p:blipFill>
-          <a:blip r:embed="rId3">
-            <a:clrChange>
-              <a:clrFrom>
-                <a:srgbClr val="FFFFFF"/>
-              </a:clrFrom>
-              <a:clrTo>
-                <a:srgbClr val="FFFFFF">
-                  <a:alpha val="0"/>
-                </a:srgbClr>
-              </a:clrTo>
-            </a:clrChange>
-            <a:extLst>
-              <a:ext uri="{28A0092B-C50C-407E-A947-70E740481C1C}">
-                <a14:useLocalDpi xmlns:a14="http://schemas.microsoft.com/office/drawing/2010/main" val="0"/>
-              </a:ext>
-            </a:extLst>
-          </a:blip>
-          <a:stretch>
-            <a:fillRect/>
-          </a:stretch>
-        </p:blipFill>
-        <p:spPr>
-          <a:xfrm>
-            <a:off x="10008761" y="190267"/>
-            <a:ext cx="2013336" cy="690975"/>
-          </a:xfrm>
-          <a:prstGeom prst="rect">
-            <a:avLst/>
-          </a:prstGeom>
-        </p:spPr>
-      </p:pic>
       <p:sp>
         <p:nvSpPr>
           <p:cNvPr id="8" name="Slide Title">
@@ -9249,8 +7523,8 @@
         </p:nvSpPr>
         <p:spPr>
           <a:xfrm>
-            <a:off x="1296957" y="100750"/>
-            <a:ext cx="8625520" cy="882654"/>
+            <a:off x="1296956" y="100750"/>
+            <a:ext cx="9164044" cy="882654"/>
           </a:xfrm>
         </p:spPr>
         <p:txBody>
@@ -9268,6 +7542,42 @@
           </a:p>
         </p:txBody>
       </p:sp>
+      <p:pic>
+        <p:nvPicPr>
+          <p:cNvPr id="2" name="Picture 1">
+            <a:extLst>
+              <a:ext uri="{FF2B5EF4-FFF2-40B4-BE49-F238E27FC236}">
+                <a16:creationId xmlns:a16="http://schemas.microsoft.com/office/drawing/2014/main" id="{78CA5371-2597-CF8F-1859-226395807433}"/>
+              </a:ext>
+            </a:extLst>
+          </p:cNvPr>
+          <p:cNvPicPr>
+            <a:picLocks noChangeAspect="1"/>
+          </p:cNvPicPr>
+          <p:nvPr userDrawn="1"/>
+        </p:nvPicPr>
+        <p:blipFill>
+          <a:blip r:embed="rId3" cstate="print">
+            <a:extLst>
+              <a:ext uri="{28A0092B-C50C-407E-A947-70E740481C1C}">
+                <a14:useLocalDpi xmlns:a14="http://schemas.microsoft.com/office/drawing/2010/main" val="0"/>
+              </a:ext>
+            </a:extLst>
+          </a:blip>
+          <a:stretch>
+            <a:fillRect/>
+          </a:stretch>
+        </p:blipFill>
+        <p:spPr>
+          <a:xfrm>
+            <a:off x="10551877" y="362077"/>
+            <a:ext cx="1443357" cy="360000"/>
+          </a:xfrm>
+          <a:prstGeom prst="rect">
+            <a:avLst/>
+          </a:prstGeom>
+        </p:spPr>
+      </p:pic>
     </p:spTree>
     <p:extLst>
       <p:ext uri="{BB962C8B-B14F-4D97-AF65-F5344CB8AC3E}">
@@ -9289,7 +7599,7 @@
 </p:sldLayout>
 </file>
 
-<file path=ppt/slideLayouts/slideLayout6.xml><?xml version="1.0" encoding="utf-8"?>
+<file path=ppt/slideLayouts/slideLayout5.xml><?xml version="1.0" encoding="utf-8"?>
 <p:sldLayout xmlns:a="http://schemas.openxmlformats.org/drawingml/2006/main" xmlns:r="http://schemas.openxmlformats.org/officeDocument/2006/relationships" xmlns:p="http://schemas.openxmlformats.org/presentationml/2006/main" preserve="1">
   <p:cSld name="Important Example">
     <p:spTree>
@@ -9566,52 +7876,6 @@
           </a:p>
         </p:txBody>
       </p:sp>
-      <p:pic>
-        <p:nvPicPr>
-          <p:cNvPr id="16" name="Logo Software University" descr="Software University logo">
-            <a:extLst>
-              <a:ext uri="{FF2B5EF4-FFF2-40B4-BE49-F238E27FC236}">
-                <a16:creationId xmlns:a16="http://schemas.microsoft.com/office/drawing/2014/main" id="{EFEBB553-EACE-4B4F-8B4F-7629FDD910A4}"/>
-              </a:ext>
-            </a:extLst>
-          </p:cNvPr>
-          <p:cNvPicPr>
-            <a:picLocks noChangeAspect="1"/>
-          </p:cNvPicPr>
-          <p:nvPr userDrawn="1"/>
-        </p:nvPicPr>
-        <p:blipFill>
-          <a:blip r:embed="rId3">
-            <a:clrChange>
-              <a:clrFrom>
-                <a:srgbClr val="FFFFFF"/>
-              </a:clrFrom>
-              <a:clrTo>
-                <a:srgbClr val="FFFFFF">
-                  <a:alpha val="0"/>
-                </a:srgbClr>
-              </a:clrTo>
-            </a:clrChange>
-            <a:extLst>
-              <a:ext uri="{28A0092B-C50C-407E-A947-70E740481C1C}">
-                <a14:useLocalDpi xmlns:a14="http://schemas.microsoft.com/office/drawing/2010/main" val="0"/>
-              </a:ext>
-            </a:extLst>
-          </a:blip>
-          <a:stretch>
-            <a:fillRect/>
-          </a:stretch>
-        </p:blipFill>
-        <p:spPr>
-          <a:xfrm>
-            <a:off x="10008761" y="190267"/>
-            <a:ext cx="2013336" cy="690975"/>
-          </a:xfrm>
-          <a:prstGeom prst="rect">
-            <a:avLst/>
-          </a:prstGeom>
-        </p:spPr>
-      </p:pic>
       <p:sp>
         <p:nvSpPr>
           <p:cNvPr id="13" name="Slide Title">
@@ -9630,8 +7894,8 @@
         </p:nvSpPr>
         <p:spPr>
           <a:xfrm>
-            <a:off x="1296957" y="100750"/>
-            <a:ext cx="8625520" cy="882654"/>
+            <a:off x="1296956" y="100750"/>
+            <a:ext cx="9164044" cy="882654"/>
           </a:xfrm>
         </p:spPr>
         <p:txBody>
@@ -9649,6 +7913,42 @@
           </a:p>
         </p:txBody>
       </p:sp>
+      <p:pic>
+        <p:nvPicPr>
+          <p:cNvPr id="2" name="Picture 1">
+            <a:extLst>
+              <a:ext uri="{FF2B5EF4-FFF2-40B4-BE49-F238E27FC236}">
+                <a16:creationId xmlns:a16="http://schemas.microsoft.com/office/drawing/2014/main" id="{A37AF1B9-D67A-246A-86B6-E28F19C52390}"/>
+              </a:ext>
+            </a:extLst>
+          </p:cNvPr>
+          <p:cNvPicPr>
+            <a:picLocks noChangeAspect="1"/>
+          </p:cNvPicPr>
+          <p:nvPr userDrawn="1"/>
+        </p:nvPicPr>
+        <p:blipFill>
+          <a:blip r:embed="rId3" cstate="print">
+            <a:extLst>
+              <a:ext uri="{28A0092B-C50C-407E-A947-70E740481C1C}">
+                <a14:useLocalDpi xmlns:a14="http://schemas.microsoft.com/office/drawing/2010/main" val="0"/>
+              </a:ext>
+            </a:extLst>
+          </a:blip>
+          <a:stretch>
+            <a:fillRect/>
+          </a:stretch>
+        </p:blipFill>
+        <p:spPr>
+          <a:xfrm>
+            <a:off x="10551877" y="362077"/>
+            <a:ext cx="1443357" cy="360000"/>
+          </a:xfrm>
+          <a:prstGeom prst="rect">
+            <a:avLst/>
+          </a:prstGeom>
+        </p:spPr>
+      </p:pic>
     </p:spTree>
     <p:extLst>
       <p:ext uri="{BB962C8B-B14F-4D97-AF65-F5344CB8AC3E}">
@@ -9670,7 +7970,7 @@
 </p:sldLayout>
 </file>
 
-<file path=ppt/slideLayouts/slideLayout7.xml><?xml version="1.0" encoding="utf-8"?>
+<file path=ppt/slideLayouts/slideLayout6.xml><?xml version="1.0" encoding="utf-8"?>
 <p:sldLayout xmlns:a="http://schemas.openxmlformats.org/drawingml/2006/main" xmlns:r="http://schemas.openxmlformats.org/officeDocument/2006/relationships" xmlns:p="http://schemas.openxmlformats.org/presentationml/2006/main" preserve="1" userDrawn="1">
   <p:cSld name="Blank Slide">
     <p:spTree>
@@ -9965,8 +8265,8 @@
         </p:nvSpPr>
         <p:spPr>
           <a:xfrm>
-            <a:off x="585176" y="100750"/>
-            <a:ext cx="11410061" cy="882654"/>
+            <a:off x="585177" y="100750"/>
+            <a:ext cx="9875824" cy="882654"/>
           </a:xfrm>
         </p:spPr>
         <p:txBody>
@@ -9984,6 +8284,42 @@
           </a:p>
         </p:txBody>
       </p:sp>
+      <p:pic>
+        <p:nvPicPr>
+          <p:cNvPr id="2" name="Picture 1">
+            <a:extLst>
+              <a:ext uri="{FF2B5EF4-FFF2-40B4-BE49-F238E27FC236}">
+                <a16:creationId xmlns:a16="http://schemas.microsoft.com/office/drawing/2014/main" id="{9C2C375B-43BF-D1DD-F160-1500A111885C}"/>
+              </a:ext>
+            </a:extLst>
+          </p:cNvPr>
+          <p:cNvPicPr>
+            <a:picLocks noChangeAspect="1"/>
+          </p:cNvPicPr>
+          <p:nvPr userDrawn="1"/>
+        </p:nvPicPr>
+        <p:blipFill>
+          <a:blip r:embed="rId3" cstate="print">
+            <a:extLst>
+              <a:ext uri="{28A0092B-C50C-407E-A947-70E740481C1C}">
+                <a14:useLocalDpi xmlns:a14="http://schemas.microsoft.com/office/drawing/2010/main" val="0"/>
+              </a:ext>
+            </a:extLst>
+          </a:blip>
+          <a:stretch>
+            <a:fillRect/>
+          </a:stretch>
+        </p:blipFill>
+        <p:spPr>
+          <a:xfrm>
+            <a:off x="10551877" y="362077"/>
+            <a:ext cx="1443357" cy="360000"/>
+          </a:xfrm>
+          <a:prstGeom prst="rect">
+            <a:avLst/>
+          </a:prstGeom>
+        </p:spPr>
+      </p:pic>
     </p:spTree>
     <p:extLst>
       <p:ext uri="{BB962C8B-B14F-4D97-AF65-F5344CB8AC3E}">
@@ -10005,7 +8341,7 @@
 </p:sldLayout>
 </file>
 
-<file path=ppt/slideLayouts/slideLayout8.xml><?xml version="1.0" encoding="utf-8"?>
+<file path=ppt/slideLayouts/slideLayout7.xml><?xml version="1.0" encoding="utf-8"?>
 <p:sldLayout xmlns:a="http://schemas.openxmlformats.org/drawingml/2006/main" xmlns:r="http://schemas.openxmlformats.org/officeDocument/2006/relationships" xmlns:p="http://schemas.openxmlformats.org/presentationml/2006/main" preserve="1" userDrawn="1">
   <p:cSld name="Source Code Example">
     <p:spTree>
@@ -10060,7 +8396,7 @@
               <a:pPr/>
               <a:t>‹#›</a:t>
             </a:fld>
-            <a:endParaRPr lang="en-US" noProof="0" dirty="0"/>
+            <a:endParaRPr lang="en-US" noProof="0"/>
           </a:p>
         </p:txBody>
       </p:sp>
@@ -10070,6 +8406,726 @@
             <a:extLst>
               <a:ext uri="{FF2B5EF4-FFF2-40B4-BE49-F238E27FC236}">
                 <a16:creationId xmlns:a16="http://schemas.microsoft.com/office/drawing/2014/main" id="{A15CE03A-0933-4E5D-9EA1-718D4F802FFC}"/>
+              </a:ext>
+            </a:extLst>
+          </p:cNvPr>
+          <p:cNvSpPr/>
+          <p:nvPr userDrawn="1"/>
+        </p:nvSpPr>
+        <p:spPr>
+          <a:xfrm>
+            <a:off x="0" y="1311"/>
+            <a:ext cx="12196800" cy="1095376"/>
+          </a:xfrm>
+          <a:prstGeom prst="rect">
+            <a:avLst/>
+          </a:prstGeom>
+          <a:solidFill>
+            <a:schemeClr val="tx2"/>
+          </a:solidFill>
+          <a:ln>
+            <a:noFill/>
+          </a:ln>
+        </p:spPr>
+        <p:style>
+          <a:lnRef idx="2">
+            <a:schemeClr val="accent1">
+              <a:shade val="50000"/>
+            </a:schemeClr>
+          </a:lnRef>
+          <a:fillRef idx="1">
+            <a:schemeClr val="accent1"/>
+          </a:fillRef>
+          <a:effectRef idx="0">
+            <a:schemeClr val="accent1"/>
+          </a:effectRef>
+          <a:fontRef idx="minor">
+            <a:schemeClr val="lt1"/>
+          </a:fontRef>
+        </p:style>
+        <p:txBody>
+          <a:bodyPr rtlCol="0" anchor="ctr"/>
+          <a:lstStyle/>
+          <a:p>
+            <a:pPr marL="0" marR="0" lvl="0" indent="0" algn="ctr" defTabSz="913852" rtl="0" eaLnBrk="1" fontAlgn="auto" latinLnBrk="0" hangingPunct="1">
+              <a:lnSpc>
+                <a:spcPct val="100000"/>
+              </a:lnSpc>
+              <a:spcBef>
+                <a:spcPts val="0"/>
+              </a:spcBef>
+              <a:spcAft>
+                <a:spcPts val="0"/>
+              </a:spcAft>
+              <a:buClrTx/>
+              <a:buSzTx/>
+              <a:buFontTx/>
+              <a:buNone/>
+              <a:tabLst/>
+              <a:defRPr/>
+            </a:pPr>
+            <a:endParaRPr kumimoji="0" lang="en-US" altLang="ko-KR" sz="2398" b="0" i="0" u="none" strike="noStrike" kern="1200" cap="none" spc="0" normalizeH="0" baseline="0" noProof="0" dirty="0">
+              <a:ln>
+                <a:noFill/>
+              </a:ln>
+              <a:solidFill>
+                <a:srgbClr val="F7C86D"/>
+              </a:solidFill>
+              <a:effectLst/>
+              <a:uLnTx/>
+              <a:uFillTx/>
+              <a:latin typeface="Calibri" panose="020F0502020204030204"/>
+              <a:ea typeface="맑은 고딕" panose="020B0503020000020004" pitchFamily="34" charset="-127"/>
+              <a:cs typeface="+mn-cs"/>
+            </a:endParaRPr>
+          </a:p>
+        </p:txBody>
+      </p:sp>
+      <p:sp>
+        <p:nvSpPr>
+          <p:cNvPr id="12" name="Slide Body Text">
+            <a:extLst>
+              <a:ext uri="{FF2B5EF4-FFF2-40B4-BE49-F238E27FC236}">
+                <a16:creationId xmlns:a16="http://schemas.microsoft.com/office/drawing/2014/main" id="{B608ED73-CE88-49E4-8BFC-DBD6E9AE6B10}"/>
+              </a:ext>
+            </a:extLst>
+          </p:cNvPr>
+          <p:cNvSpPr>
+            <a:spLocks noGrp="1"/>
+          </p:cNvSpPr>
+          <p:nvPr>
+            <p:ph type="body" sz="quarter" idx="10" hasCustomPrompt="1"/>
+          </p:nvPr>
+        </p:nvSpPr>
+        <p:spPr>
+          <a:xfrm>
+            <a:off x="190406" y="1206668"/>
+            <a:ext cx="11804831" cy="5550582"/>
+          </a:xfrm>
+        </p:spPr>
+        <p:txBody>
+          <a:bodyPr/>
+          <a:lstStyle>
+            <a:lvl1pPr latinLnBrk="0">
+              <a:defRPr>
+                <a:solidFill>
+                  <a:schemeClr val="tx1"/>
+                </a:solidFill>
+              </a:defRPr>
+            </a:lvl1pPr>
+            <a:lvl2pPr latinLnBrk="0">
+              <a:defRPr>
+                <a:solidFill>
+                  <a:schemeClr val="tx1"/>
+                </a:solidFill>
+              </a:defRPr>
+            </a:lvl2pPr>
+            <a:lvl3pPr latinLnBrk="0">
+              <a:defRPr>
+                <a:solidFill>
+                  <a:schemeClr val="tx1"/>
+                </a:solidFill>
+              </a:defRPr>
+            </a:lvl3pPr>
+            <a:lvl4pPr latinLnBrk="0">
+              <a:defRPr>
+                <a:solidFill>
+                  <a:schemeClr val="tx1"/>
+                </a:solidFill>
+              </a:defRPr>
+            </a:lvl4pPr>
+            <a:lvl5pPr latinLnBrk="0">
+              <a:defRPr>
+                <a:solidFill>
+                  <a:schemeClr val="tx1"/>
+                </a:solidFill>
+              </a:defRPr>
+            </a:lvl5pPr>
+          </a:lstStyle>
+          <a:p>
+            <a:pPr lvl="0"/>
+            <a:r>
+              <a:rPr lang="en-US" noProof="0" dirty="0"/>
+              <a:t>This is a code example</a:t>
+            </a:r>
+          </a:p>
+        </p:txBody>
+      </p:sp>
+      <p:sp>
+        <p:nvSpPr>
+          <p:cNvPr id="4" name="Code Box">
+            <a:extLst>
+              <a:ext uri="{FF2B5EF4-FFF2-40B4-BE49-F238E27FC236}">
+                <a16:creationId xmlns:a16="http://schemas.microsoft.com/office/drawing/2014/main" id="{F4E021E9-D6DB-4272-8C9F-CEF4940FDC10}"/>
+              </a:ext>
+            </a:extLst>
+          </p:cNvPr>
+          <p:cNvSpPr>
+            <a:spLocks noGrp="1"/>
+          </p:cNvSpPr>
+          <p:nvPr>
+            <p:ph type="body" sz="quarter" idx="11" hasCustomPrompt="1"/>
+          </p:nvPr>
+        </p:nvSpPr>
+        <p:spPr>
+          <a:xfrm>
+            <a:off x="674683" y="2034000"/>
+            <a:ext cx="10836275" cy="2237893"/>
+          </a:xfrm>
+          <a:solidFill>
+            <a:schemeClr val="accent6">
+              <a:lumMod val="75000"/>
+              <a:alpha val="15000"/>
+            </a:schemeClr>
+          </a:solidFill>
+          <a:ln w="12700">
+            <a:solidFill>
+              <a:schemeClr val="tx1">
+                <a:lumMod val="50000"/>
+              </a:schemeClr>
+            </a:solidFill>
+          </a:ln>
+        </p:spPr>
+        <p:txBody>
+          <a:bodyPr vert="horz" wrap="square" lIns="144000" tIns="108000" rIns="144000" bIns="108000" rtlCol="0">
+            <a:spAutoFit/>
+          </a:bodyPr>
+          <a:lstStyle>
+            <a:lvl1pPr>
+              <a:buNone/>
+              <a:defRPr lang="en-US" sz="2800" b="1" smtClean="0">
+                <a:latin typeface="Consolas" pitchFamily="49" charset="0"/>
+              </a:defRPr>
+            </a:lvl1pPr>
+            <a:lvl2pPr>
+              <a:defRPr lang="en-US" smtClean="0"/>
+            </a:lvl2pPr>
+            <a:lvl3pPr>
+              <a:defRPr lang="en-US" smtClean="0"/>
+            </a:lvl3pPr>
+            <a:lvl4pPr>
+              <a:defRPr lang="en-US" smtClean="0"/>
+            </a:lvl4pPr>
+            <a:lvl5pPr>
+              <a:defRPr lang="en-US"/>
+            </a:lvl5pPr>
+          </a:lstStyle>
+          <a:p>
+            <a:pPr>
+              <a:spcBef>
+                <a:spcPts val="300"/>
+              </a:spcBef>
+              <a:spcAft>
+                <a:spcPts val="300"/>
+              </a:spcAft>
+            </a:pPr>
+            <a:r>
+              <a:rPr lang="en-US" noProof="1"/>
+              <a:t>Source code box</a:t>
+            </a:r>
+          </a:p>
+          <a:p>
+            <a:pPr>
+              <a:spcBef>
+                <a:spcPts val="300"/>
+              </a:spcBef>
+              <a:spcAft>
+                <a:spcPts val="300"/>
+              </a:spcAft>
+            </a:pPr>
+            <a:r>
+              <a:rPr lang="en-US" noProof="1"/>
+              <a:t>…</a:t>
+            </a:r>
+          </a:p>
+          <a:p>
+            <a:pPr>
+              <a:spcBef>
+                <a:spcPts val="300"/>
+              </a:spcBef>
+              <a:spcAft>
+                <a:spcPts val="300"/>
+              </a:spcAft>
+            </a:pPr>
+            <a:r>
+              <a:rPr lang="en-US" noProof="1"/>
+              <a:t>…</a:t>
+            </a:r>
+          </a:p>
+          <a:p>
+            <a:pPr>
+              <a:spcBef>
+                <a:spcPts val="300"/>
+              </a:spcBef>
+              <a:spcAft>
+                <a:spcPts val="300"/>
+              </a:spcAft>
+            </a:pPr>
+            <a:r>
+              <a:rPr lang="en-US" noProof="1"/>
+              <a:t>…</a:t>
+            </a:r>
+          </a:p>
+        </p:txBody>
+      </p:sp>
+      <p:sp>
+        <p:nvSpPr>
+          <p:cNvPr id="11" name="Slide Title">
+            <a:extLst>
+              <a:ext uri="{FF2B5EF4-FFF2-40B4-BE49-F238E27FC236}">
+                <a16:creationId xmlns:a16="http://schemas.microsoft.com/office/drawing/2014/main" id="{47D60833-F0A9-4F29-8C06-A963A7C8BE93}"/>
+              </a:ext>
+            </a:extLst>
+          </p:cNvPr>
+          <p:cNvSpPr>
+            <a:spLocks noGrp="1"/>
+          </p:cNvSpPr>
+          <p:nvPr>
+            <p:ph type="title" hasCustomPrompt="1"/>
+          </p:nvPr>
+        </p:nvSpPr>
+        <p:spPr>
+          <a:xfrm>
+            <a:off x="190405" y="100750"/>
+            <a:ext cx="10239658" cy="882654"/>
+          </a:xfrm>
+        </p:spPr>
+        <p:txBody>
+          <a:bodyPr/>
+          <a:lstStyle>
+            <a:lvl1pPr latinLnBrk="0">
+              <a:defRPr>
+                <a:solidFill>
+                  <a:schemeClr val="bg2"/>
+                </a:solidFill>
+              </a:defRPr>
+            </a:lvl1pPr>
+          </a:lstStyle>
+          <a:p>
+            <a:r>
+              <a:rPr lang="en-US" noProof="0" dirty="0"/>
+              <a:t>Slide Title</a:t>
+            </a:r>
+          </a:p>
+        </p:txBody>
+      </p:sp>
+      <p:pic>
+        <p:nvPicPr>
+          <p:cNvPr id="3" name="Picture 2">
+            <a:extLst>
+              <a:ext uri="{FF2B5EF4-FFF2-40B4-BE49-F238E27FC236}">
+                <a16:creationId xmlns:a16="http://schemas.microsoft.com/office/drawing/2014/main" id="{4B69A4E8-9221-8F79-65B4-BF9AA7F87DD7}"/>
+              </a:ext>
+            </a:extLst>
+          </p:cNvPr>
+          <p:cNvPicPr>
+            <a:picLocks noChangeAspect="1"/>
+          </p:cNvPicPr>
+          <p:nvPr userDrawn="1"/>
+        </p:nvPicPr>
+        <p:blipFill>
+          <a:blip r:embed="rId2" cstate="print">
+            <a:extLst>
+              <a:ext uri="{28A0092B-C50C-407E-A947-70E740481C1C}">
+                <a14:useLocalDpi xmlns:a14="http://schemas.microsoft.com/office/drawing/2010/main" val="0"/>
+              </a:ext>
+            </a:extLst>
+          </a:blip>
+          <a:stretch>
+            <a:fillRect/>
+          </a:stretch>
+        </p:blipFill>
+        <p:spPr>
+          <a:xfrm>
+            <a:off x="10553573" y="368999"/>
+            <a:ext cx="1443361" cy="360001"/>
+          </a:xfrm>
+          <a:prstGeom prst="rect">
+            <a:avLst/>
+          </a:prstGeom>
+        </p:spPr>
+      </p:pic>
+    </p:spTree>
+    <p:extLst>
+      <p:ext uri="{BB962C8B-B14F-4D97-AF65-F5344CB8AC3E}">
+        <p14:creationId xmlns:p14="http://schemas.microsoft.com/office/powerpoint/2010/main" val="1000829826"/>
+      </p:ext>
+    </p:extLst>
+  </p:cSld>
+  <p:clrMapOvr>
+    <a:masterClrMapping/>
+  </p:clrMapOvr>
+  <mc:AlternateContent xmlns:mc="http://schemas.openxmlformats.org/markup-compatibility/2006" xmlns:p14="http://schemas.microsoft.com/office/powerpoint/2010/main">
+    <mc:Choice Requires="p14">
+      <p:transition spd="slow" p14:dur="2000" advClick="0" advTm="5000"/>
+    </mc:Choice>
+    <mc:Fallback xmlns="">
+      <p:transition spd="slow" advClick="0" advTm="5000"/>
+    </mc:Fallback>
+  </mc:AlternateContent>
+</p:sldLayout>
+</file>
+
+<file path=ppt/slideLayouts/slideLayout8.xml><?xml version="1.0" encoding="utf-8"?>
+<p:sldLayout xmlns:a="http://schemas.openxmlformats.org/drawingml/2006/main" xmlns:r="http://schemas.openxmlformats.org/officeDocument/2006/relationships" xmlns:p="http://schemas.openxmlformats.org/presentationml/2006/main" preserve="1">
+  <p:cSld name="Demo Slide">
+    <p:spTree>
+      <p:nvGrpSpPr>
+        <p:cNvPr id="1" name=""/>
+        <p:cNvGrpSpPr/>
+        <p:nvPr/>
+      </p:nvGrpSpPr>
+      <p:grpSpPr>
+        <a:xfrm>
+          <a:off x="0" y="0"/>
+          <a:ext cx="0" cy="0"/>
+          <a:chOff x="0" y="0"/>
+          <a:chExt cx="0" cy="0"/>
+        </a:xfrm>
+      </p:grpSpPr>
+      <p:sp>
+        <p:nvSpPr>
+          <p:cNvPr id="4" name="Oval Center Icon"/>
+          <p:cNvSpPr>
+            <a:spLocks noChangeAspect="1"/>
+          </p:cNvSpPr>
+          <p:nvPr/>
+        </p:nvSpPr>
+        <p:spPr>
+          <a:xfrm>
+            <a:off x="831000" y="1091471"/>
+            <a:ext cx="3552529" cy="3552529"/>
+          </a:xfrm>
+          <a:prstGeom prst="ellipse">
+            <a:avLst/>
+          </a:prstGeom>
+          <a:solidFill>
+            <a:schemeClr val="tx2"/>
+          </a:solidFill>
+          <a:ln>
+            <a:noFill/>
+          </a:ln>
+        </p:spPr>
+        <p:style>
+          <a:lnRef idx="2">
+            <a:schemeClr val="accent1">
+              <a:shade val="50000"/>
+            </a:schemeClr>
+          </a:lnRef>
+          <a:fillRef idx="1">
+            <a:schemeClr val="accent1"/>
+          </a:fillRef>
+          <a:effectRef idx="0">
+            <a:schemeClr val="accent1"/>
+          </a:effectRef>
+          <a:fontRef idx="minor">
+            <a:schemeClr val="lt1"/>
+          </a:fontRef>
+        </p:style>
+        <p:txBody>
+          <a:bodyPr rtlCol="0" anchor="ctr"/>
+          <a:lstStyle/>
+          <a:p>
+            <a:pPr marL="0" marR="0" lvl="0" indent="0" algn="ctr" defTabSz="913852" rtl="0" eaLnBrk="1" fontAlgn="auto" latinLnBrk="0" hangingPunct="1">
+              <a:lnSpc>
+                <a:spcPct val="100000"/>
+              </a:lnSpc>
+              <a:spcBef>
+                <a:spcPts val="0"/>
+              </a:spcBef>
+              <a:spcAft>
+                <a:spcPts val="0"/>
+              </a:spcAft>
+              <a:buClrTx/>
+              <a:buSzTx/>
+              <a:buFontTx/>
+              <a:buNone/>
+              <a:tabLst/>
+              <a:defRPr/>
+            </a:pPr>
+            <a:endParaRPr kumimoji="0" lang="en-US" altLang="ko-KR" sz="2398" b="0" i="0" u="none" strike="noStrike" kern="1200" cap="none" spc="0" normalizeH="0" baseline="0" noProof="0">
+              <a:ln>
+                <a:noFill/>
+              </a:ln>
+              <a:solidFill>
+                <a:srgbClr val="F7C86D"/>
+              </a:solidFill>
+              <a:effectLst/>
+              <a:uLnTx/>
+              <a:uFillTx/>
+              <a:latin typeface="Calibri" panose="020F0502020204030204"/>
+              <a:ea typeface="맑은 고딕" panose="020B0503020000020004" pitchFamily="34" charset="-127"/>
+              <a:cs typeface="+mn-cs"/>
+            </a:endParaRPr>
+          </a:p>
+        </p:txBody>
+      </p:sp>
+      <p:sp>
+        <p:nvSpPr>
+          <p:cNvPr id="11" name="Slide Subtitle"/>
+          <p:cNvSpPr>
+            <a:spLocks noGrp="1"/>
+          </p:cNvSpPr>
+          <p:nvPr>
+            <p:ph type="subTitle" sz="quarter" idx="11" hasCustomPrompt="1"/>
+          </p:nvPr>
+        </p:nvSpPr>
+        <p:spPr>
+          <a:xfrm>
+            <a:off x="5241000" y="3338387"/>
+            <a:ext cx="6065892" cy="768084"/>
+          </a:xfrm>
+          <a:prstGeom prst="rect">
+            <a:avLst/>
+          </a:prstGeom>
+        </p:spPr>
+        <p:txBody>
+          <a:bodyPr anchor="ctr">
+            <a:noAutofit/>
+          </a:bodyPr>
+          <a:lstStyle>
+            <a:lvl1pPr marL="0" indent="0" algn="ctr" latinLnBrk="0">
+              <a:buNone/>
+              <a:defRPr sz="3998" b="0" baseline="0">
+                <a:solidFill>
+                  <a:schemeClr val="tx1"/>
+                </a:solidFill>
+                <a:latin typeface="+mn-lt"/>
+                <a:cs typeface="Arial" pitchFamily="34" charset="0"/>
+              </a:defRPr>
+            </a:lvl1pPr>
+          </a:lstStyle>
+          <a:p>
+            <a:pPr lvl="0"/>
+            <a:r>
+              <a:rPr lang="en-US" noProof="0" dirty="0"/>
+              <a:t>Click to Edit Section Subtitle</a:t>
+            </a:r>
+          </a:p>
+        </p:txBody>
+      </p:sp>
+      <p:sp>
+        <p:nvSpPr>
+          <p:cNvPr id="10" name="Slide Title"/>
+          <p:cNvSpPr>
+            <a:spLocks noGrp="1"/>
+          </p:cNvSpPr>
+          <p:nvPr>
+            <p:ph type="title" sz="quarter" idx="10" hasCustomPrompt="1"/>
+          </p:nvPr>
+        </p:nvSpPr>
+        <p:spPr>
+          <a:xfrm>
+            <a:off x="5241000" y="1471047"/>
+            <a:ext cx="6065892" cy="1754333"/>
+          </a:xfrm>
+          <a:prstGeom prst="rect">
+            <a:avLst/>
+          </a:prstGeom>
+        </p:spPr>
+        <p:txBody>
+          <a:bodyPr anchor="ctr">
+            <a:noAutofit/>
+          </a:bodyPr>
+          <a:lstStyle>
+            <a:lvl1pPr marL="0" indent="0" algn="ctr" latinLnBrk="0">
+              <a:buNone/>
+              <a:defRPr sz="5396" b="1" baseline="0">
+                <a:solidFill>
+                  <a:schemeClr val="tx1"/>
+                </a:solidFill>
+                <a:latin typeface="+mj-lt"/>
+                <a:cs typeface="Arial" pitchFamily="34" charset="0"/>
+              </a:defRPr>
+            </a:lvl1pPr>
+          </a:lstStyle>
+          <a:p>
+            <a:pPr lvl="0"/>
+            <a:r>
+              <a:rPr lang="en-US" noProof="0" dirty="0"/>
+              <a:t>Click to Edit Section Title</a:t>
+            </a:r>
+            <a:endParaRPr lang="en-US" altLang="ko-KR" noProof="0" dirty="0"/>
+          </a:p>
+        </p:txBody>
+      </p:sp>
+    </p:spTree>
+    <p:extLst>
+      <p:ext uri="{BB962C8B-B14F-4D97-AF65-F5344CB8AC3E}">
+        <p14:creationId xmlns:p14="http://schemas.microsoft.com/office/powerpoint/2010/main" val="2423919747"/>
+      </p:ext>
+    </p:extLst>
+  </p:cSld>
+  <p:clrMapOvr>
+    <a:masterClrMapping/>
+  </p:clrMapOvr>
+  <mc:AlternateContent xmlns:mc="http://schemas.openxmlformats.org/markup-compatibility/2006" xmlns:p14="http://schemas.microsoft.com/office/powerpoint/2010/main">
+    <mc:Choice Requires="p14">
+      <p:transition spd="slow" p14:dur="2000" advClick="0" advTm="5000"/>
+    </mc:Choice>
+    <mc:Fallback xmlns="">
+      <p:transition spd="slow" advClick="0" advTm="5000"/>
+    </mc:Fallback>
+  </mc:AlternateContent>
+</p:sldLayout>
+</file>
+
+<file path=ppt/slideLayouts/slideLayout9.xml><?xml version="1.0" encoding="utf-8"?>
+<p:sldLayout xmlns:a="http://schemas.openxmlformats.org/drawingml/2006/main" xmlns:r="http://schemas.openxmlformats.org/officeDocument/2006/relationships" xmlns:p="http://schemas.openxmlformats.org/presentationml/2006/main" preserve="1" userDrawn="1">
+  <p:cSld name="Table of Contents">
+    <p:spTree>
+      <p:nvGrpSpPr>
+        <p:cNvPr id="1" name=""/>
+        <p:cNvGrpSpPr/>
+        <p:nvPr/>
+      </p:nvGrpSpPr>
+      <p:grpSpPr>
+        <a:xfrm>
+          <a:off x="0" y="0"/>
+          <a:ext cx="0" cy="0"/>
+          <a:chOff x="0" y="0"/>
+          <a:chExt cx="0" cy="0"/>
+        </a:xfrm>
+      </p:grpSpPr>
+      <p:sp>
+        <p:nvSpPr>
+          <p:cNvPr id="10" name="Slide Number">
+            <a:extLst>
+              <a:ext uri="{FF2B5EF4-FFF2-40B4-BE49-F238E27FC236}">
+                <a16:creationId xmlns:a16="http://schemas.microsoft.com/office/drawing/2014/main" id="{39DDE17E-5472-41F3-AF5F-54DFF10DC63C}"/>
+              </a:ext>
+            </a:extLst>
+          </p:cNvPr>
+          <p:cNvSpPr>
+            <a:spLocks noGrp="1"/>
+          </p:cNvSpPr>
+          <p:nvPr>
+            <p:ph type="sldNum" sz="quarter" idx="4"/>
+          </p:nvPr>
+        </p:nvSpPr>
+        <p:spPr>
+          <a:xfrm>
+            <a:off x="11753030" y="6507000"/>
+            <a:ext cx="367414" cy="297000"/>
+          </a:xfrm>
+          <a:prstGeom prst="rect">
+            <a:avLst/>
+          </a:prstGeom>
+        </p:spPr>
+        <p:txBody>
+          <a:bodyPr vert="horz" lIns="91440" tIns="45720" rIns="91440" bIns="45720" rtlCol="0" anchor="b"/>
+          <a:lstStyle>
+            <a:lvl1pPr algn="r">
+              <a:defRPr sz="1000"/>
+            </a:lvl1pPr>
+          </a:lstStyle>
+          <a:p>
+            <a:fld id="{2BF067CD-8E6B-4360-9AA8-C5DF2A48A6D1}" type="slidenum">
+              <a:rPr lang="en-US" noProof="0" smtClean="0"/>
+              <a:pPr/>
+              <a:t>‹#›</a:t>
+            </a:fld>
+            <a:endParaRPr lang="en-US" noProof="0"/>
+          </a:p>
+        </p:txBody>
+      </p:sp>
+      <p:sp>
+        <p:nvSpPr>
+          <p:cNvPr id="23" name="Slide Body Text">
+            <a:extLst>
+              <a:ext uri="{FF2B5EF4-FFF2-40B4-BE49-F238E27FC236}">
+                <a16:creationId xmlns:a16="http://schemas.microsoft.com/office/drawing/2014/main" id="{889D93F4-ABFA-46BF-8E5D-FE6562ACB20F}"/>
+              </a:ext>
+            </a:extLst>
+          </p:cNvPr>
+          <p:cNvSpPr>
+            <a:spLocks noGrp="1"/>
+          </p:cNvSpPr>
+          <p:nvPr>
+            <p:ph type="body" sz="quarter" idx="13" hasCustomPrompt="1"/>
+          </p:nvPr>
+        </p:nvSpPr>
+        <p:spPr>
+          <a:xfrm>
+            <a:off x="196766" y="1371604"/>
+            <a:ext cx="11781606" cy="5207396"/>
+          </a:xfrm>
+        </p:spPr>
+        <p:txBody>
+          <a:bodyPr>
+            <a:normAutofit/>
+          </a:bodyPr>
+          <a:lstStyle>
+            <a:lvl1pPr marL="514042" indent="-514042" latinLnBrk="0">
+              <a:buFont typeface="+mj-lt"/>
+              <a:buAutoNum type="arabicPeriod"/>
+              <a:defRPr sz="3600">
+                <a:solidFill>
+                  <a:schemeClr val="tx1"/>
+                </a:solidFill>
+              </a:defRPr>
+            </a:lvl1pPr>
+            <a:lvl2pPr>
+              <a:defRPr sz="3400"/>
+            </a:lvl2pPr>
+          </a:lstStyle>
+          <a:p>
+            <a:pPr lvl="0"/>
+            <a:r>
+              <a:rPr lang="en-US" noProof="0" dirty="0"/>
+              <a:t>…</a:t>
+            </a:r>
+          </a:p>
+          <a:p>
+            <a:pPr lvl="1"/>
+            <a:r>
+              <a:rPr lang="en-US" noProof="0" dirty="0"/>
+              <a:t>…</a:t>
+            </a:r>
+          </a:p>
+          <a:p>
+            <a:pPr lvl="1"/>
+            <a:r>
+              <a:rPr lang="en-US" noProof="0" dirty="0"/>
+              <a:t>…</a:t>
+            </a:r>
+          </a:p>
+          <a:p>
+            <a:pPr lvl="0"/>
+            <a:r>
+              <a:rPr lang="en-US" noProof="0" dirty="0"/>
+              <a:t>…</a:t>
+            </a:r>
+          </a:p>
+          <a:p>
+            <a:pPr lvl="1"/>
+            <a:r>
+              <a:rPr lang="en-US" noProof="0" dirty="0"/>
+              <a:t>…</a:t>
+            </a:r>
+          </a:p>
+          <a:p>
+            <a:pPr lvl="1"/>
+            <a:r>
+              <a:rPr lang="en-US" noProof="0" dirty="0"/>
+              <a:t>…</a:t>
+            </a:r>
+          </a:p>
+          <a:p>
+            <a:pPr lvl="0"/>
+            <a:r>
+              <a:rPr lang="en-US" noProof="0" dirty="0"/>
+              <a:t>…</a:t>
+            </a:r>
+          </a:p>
+        </p:txBody>
+      </p:sp>
+      <p:sp>
+        <p:nvSpPr>
+          <p:cNvPr id="8" name="Rectangle Top">
+            <a:extLst>
+              <a:ext uri="{FF2B5EF4-FFF2-40B4-BE49-F238E27FC236}">
+                <a16:creationId xmlns:a16="http://schemas.microsoft.com/office/drawing/2014/main" id="{930E0800-9260-4369-8330-8264DD33C5CE}"/>
               </a:ext>
             </a:extLst>
           </p:cNvPr>
@@ -10128,7 +9184,7 @@
               <a:tabLst/>
               <a:defRPr/>
             </a:pPr>
-            <a:endParaRPr kumimoji="0" lang="en-US" altLang="ko-KR" sz="2398" b="0" i="0" u="none" strike="noStrike" kern="1200" cap="none" spc="0" normalizeH="0" baseline="0" noProof="0" dirty="0">
+            <a:endParaRPr kumimoji="0" lang="en-US" altLang="ko-KR" sz="2398" b="0" i="0" u="none" strike="noStrike" kern="1200" cap="none" spc="0" normalizeH="0" baseline="0" noProof="0">
               <a:ln>
                 <a:noFill/>
               </a:ln>
@@ -10145,12 +9201,53 @@
           </a:p>
         </p:txBody>
       </p:sp>
+      <p:sp>
+        <p:nvSpPr>
+          <p:cNvPr id="13" name="Slide Title">
+            <a:extLst>
+              <a:ext uri="{FF2B5EF4-FFF2-40B4-BE49-F238E27FC236}">
+                <a16:creationId xmlns:a16="http://schemas.microsoft.com/office/drawing/2014/main" id="{357D7BE1-6358-42CC-94F3-7BCDD91DCB6D}"/>
+              </a:ext>
+            </a:extLst>
+          </p:cNvPr>
+          <p:cNvSpPr>
+            <a:spLocks noGrp="1"/>
+          </p:cNvSpPr>
+          <p:nvPr>
+            <p:ph type="title" hasCustomPrompt="1"/>
+          </p:nvPr>
+        </p:nvSpPr>
+        <p:spPr>
+          <a:xfrm>
+            <a:off x="190406" y="100750"/>
+            <a:ext cx="10270594" cy="882654"/>
+          </a:xfrm>
+        </p:spPr>
+        <p:txBody>
+          <a:bodyPr/>
+          <a:lstStyle>
+            <a:lvl1pPr latinLnBrk="0">
+              <a:defRPr>
+                <a:solidFill>
+                  <a:schemeClr val="bg2"/>
+                </a:solidFill>
+              </a:defRPr>
+            </a:lvl1pPr>
+          </a:lstStyle>
+          <a:p>
+            <a:r>
+              <a:rPr lang="en-US" noProof="0" dirty="0"/>
+              <a:t>Table of Contents</a:t>
+            </a:r>
+          </a:p>
+        </p:txBody>
+      </p:sp>
       <p:pic>
         <p:nvPicPr>
-          <p:cNvPr id="10" name="Logo Software University" descr="Software University logo">
+          <p:cNvPr id="3" name="Picture 2">
             <a:extLst>
               <a:ext uri="{FF2B5EF4-FFF2-40B4-BE49-F238E27FC236}">
-                <a16:creationId xmlns:a16="http://schemas.microsoft.com/office/drawing/2014/main" id="{8C01D7AF-7CBD-46E1-99F3-8EB60E838D91}"/>
+                <a16:creationId xmlns:a16="http://schemas.microsoft.com/office/drawing/2014/main" id="{4FD808AB-EC49-1578-0005-D58D2A365AA1}"/>
               </a:ext>
             </a:extLst>
           </p:cNvPr>
@@ -10160,7 +9257,7 @@
           <p:nvPr userDrawn="1"/>
         </p:nvPicPr>
         <p:blipFill>
-          <a:blip r:embed="rId2">
+          <a:blip r:embed="rId2" cstate="print">
             <a:extLst>
               <a:ext uri="{28A0092B-C50C-407E-A947-70E740481C1C}">
                 <a14:useLocalDpi xmlns:a14="http://schemas.microsoft.com/office/drawing/2010/main" val="0"/>
@@ -10173,439 +9270,18 @@
         </p:blipFill>
         <p:spPr>
           <a:xfrm>
-            <a:off x="10067957" y="253936"/>
-            <a:ext cx="1915704" cy="559235"/>
+            <a:off x="10553573" y="368999"/>
+            <a:ext cx="1443361" cy="360001"/>
           </a:xfrm>
           <a:prstGeom prst="rect">
             <a:avLst/>
           </a:prstGeom>
         </p:spPr>
       </p:pic>
-      <p:sp>
-        <p:nvSpPr>
-          <p:cNvPr id="17" name="Slide Body Text">
-            <a:extLst>
-              <a:ext uri="{FF2B5EF4-FFF2-40B4-BE49-F238E27FC236}">
-                <a16:creationId xmlns:a16="http://schemas.microsoft.com/office/drawing/2014/main" id="{1E60575F-8475-4C78-97A7-27D7891D2770}"/>
-              </a:ext>
-            </a:extLst>
-          </p:cNvPr>
-          <p:cNvSpPr>
-            <a:spLocks noGrp="1"/>
-          </p:cNvSpPr>
-          <p:nvPr>
-            <p:ph type="body" sz="quarter" idx="12" hasCustomPrompt="1"/>
-          </p:nvPr>
-        </p:nvSpPr>
-        <p:spPr>
-          <a:xfrm>
-            <a:off x="190402" y="1196125"/>
-            <a:ext cx="11818096" cy="5528766"/>
-          </a:xfrm>
-        </p:spPr>
-        <p:txBody>
-          <a:bodyPr/>
-          <a:lstStyle>
-            <a:lvl1pPr latinLnBrk="0">
-              <a:defRPr/>
-            </a:lvl1pPr>
-            <a:lvl2pPr latinLnBrk="0">
-              <a:defRPr/>
-            </a:lvl2pPr>
-            <a:lvl3pPr latinLnBrk="0">
-              <a:defRPr/>
-            </a:lvl3pPr>
-            <a:lvl4pPr latinLnBrk="0">
-              <a:defRPr/>
-            </a:lvl4pPr>
-            <a:lvl5pPr latinLnBrk="0">
-              <a:defRPr/>
-            </a:lvl5pPr>
-          </a:lstStyle>
-          <a:p>
-            <a:pPr lvl="0"/>
-            <a:r>
-              <a:rPr lang="en-US" noProof="0" dirty="0"/>
-              <a:t>This is a code example</a:t>
-            </a:r>
-          </a:p>
-        </p:txBody>
-      </p:sp>
-      <p:sp>
-        <p:nvSpPr>
-          <p:cNvPr id="15" name="Code Box">
-            <a:extLst>
-              <a:ext uri="{FF2B5EF4-FFF2-40B4-BE49-F238E27FC236}">
-                <a16:creationId xmlns:a16="http://schemas.microsoft.com/office/drawing/2014/main" id="{29C63EC2-5578-406B-8C2A-23FDE6C14C82}"/>
-              </a:ext>
-            </a:extLst>
-          </p:cNvPr>
-          <p:cNvSpPr>
-            <a:spLocks noGrp="1"/>
-          </p:cNvSpPr>
-          <p:nvPr>
-            <p:ph type="body" sz="quarter" idx="11" hasCustomPrompt="1"/>
-          </p:nvPr>
-        </p:nvSpPr>
-        <p:spPr>
-          <a:xfrm>
-            <a:off x="674683" y="2034000"/>
-            <a:ext cx="10836275" cy="2318684"/>
-          </a:xfrm>
-          <a:solidFill>
-            <a:schemeClr val="accent6">
-              <a:lumMod val="75000"/>
-              <a:alpha val="15000"/>
-            </a:schemeClr>
-          </a:solidFill>
-          <a:ln w="12700">
-            <a:solidFill>
-              <a:schemeClr val="tx1">
-                <a:lumMod val="50000"/>
-              </a:schemeClr>
-            </a:solidFill>
-          </a:ln>
-        </p:spPr>
-        <p:txBody>
-          <a:bodyPr vert="horz" wrap="square" lIns="144000" tIns="108000" rIns="144000" bIns="108000" rtlCol="0">
-            <a:spAutoFit/>
-          </a:bodyPr>
-          <a:lstStyle>
-            <a:lvl1pPr>
-              <a:lnSpc>
-                <a:spcPct val="110000"/>
-              </a:lnSpc>
-              <a:spcBef>
-                <a:spcPts val="0"/>
-              </a:spcBef>
-              <a:spcAft>
-                <a:spcPts val="0"/>
-              </a:spcAft>
-              <a:buNone/>
-              <a:defRPr lang="en-US" sz="2800" b="1" smtClean="0">
-                <a:latin typeface="Consolas" pitchFamily="49" charset="0"/>
-              </a:defRPr>
-            </a:lvl1pPr>
-            <a:lvl2pPr>
-              <a:defRPr lang="en-US" smtClean="0"/>
-            </a:lvl2pPr>
-            <a:lvl3pPr>
-              <a:defRPr lang="en-US" smtClean="0"/>
-            </a:lvl3pPr>
-            <a:lvl4pPr>
-              <a:defRPr lang="en-US" smtClean="0"/>
-            </a:lvl4pPr>
-            <a:lvl5pPr>
-              <a:defRPr lang="en-US"/>
-            </a:lvl5pPr>
-          </a:lstStyle>
-          <a:p>
-            <a:pPr>
-              <a:spcBef>
-                <a:spcPts val="300"/>
-              </a:spcBef>
-              <a:spcAft>
-                <a:spcPts val="300"/>
-              </a:spcAft>
-            </a:pPr>
-            <a:r>
-              <a:rPr lang="en-US" noProof="1"/>
-              <a:t>Source code box</a:t>
-            </a:r>
-          </a:p>
-          <a:p>
-            <a:pPr>
-              <a:spcBef>
-                <a:spcPts val="300"/>
-              </a:spcBef>
-              <a:spcAft>
-                <a:spcPts val="300"/>
-              </a:spcAft>
-            </a:pPr>
-            <a:r>
-              <a:rPr lang="en-US" noProof="1"/>
-              <a:t>…</a:t>
-            </a:r>
-          </a:p>
-          <a:p>
-            <a:pPr>
-              <a:spcBef>
-                <a:spcPts val="300"/>
-              </a:spcBef>
-              <a:spcAft>
-                <a:spcPts val="300"/>
-              </a:spcAft>
-            </a:pPr>
-            <a:r>
-              <a:rPr lang="en-US" noProof="1"/>
-              <a:t>…</a:t>
-            </a:r>
-          </a:p>
-          <a:p>
-            <a:pPr>
-              <a:spcBef>
-                <a:spcPts val="300"/>
-              </a:spcBef>
-              <a:spcAft>
-                <a:spcPts val="300"/>
-              </a:spcAft>
-            </a:pPr>
-            <a:r>
-              <a:rPr lang="en-US" noProof="1"/>
-              <a:t>…</a:t>
-            </a:r>
-          </a:p>
-        </p:txBody>
-      </p:sp>
-      <p:sp>
-        <p:nvSpPr>
-          <p:cNvPr id="11" name="Slide Title">
-            <a:extLst>
-              <a:ext uri="{FF2B5EF4-FFF2-40B4-BE49-F238E27FC236}">
-                <a16:creationId xmlns:a16="http://schemas.microsoft.com/office/drawing/2014/main" id="{47D60833-F0A9-4F29-8C06-A963A7C8BE93}"/>
-              </a:ext>
-            </a:extLst>
-          </p:cNvPr>
-          <p:cNvSpPr>
-            <a:spLocks noGrp="1"/>
-          </p:cNvSpPr>
-          <p:nvPr>
-            <p:ph type="title" hasCustomPrompt="1"/>
-          </p:nvPr>
-        </p:nvSpPr>
-        <p:spPr>
-          <a:xfrm>
-            <a:off x="190406" y="100750"/>
-            <a:ext cx="9715594" cy="882654"/>
-          </a:xfrm>
-        </p:spPr>
-        <p:txBody>
-          <a:bodyPr/>
-          <a:lstStyle>
-            <a:lvl1pPr latinLnBrk="0">
-              <a:defRPr>
-                <a:solidFill>
-                  <a:schemeClr val="bg2"/>
-                </a:solidFill>
-              </a:defRPr>
-            </a:lvl1pPr>
-          </a:lstStyle>
-          <a:p>
-            <a:r>
-              <a:rPr lang="en-US" noProof="0" dirty="0"/>
-              <a:t>Slide Title</a:t>
-            </a:r>
-          </a:p>
-        </p:txBody>
-      </p:sp>
     </p:spTree>
     <p:extLst>
       <p:ext uri="{BB962C8B-B14F-4D97-AF65-F5344CB8AC3E}">
-        <p14:creationId xmlns:p14="http://schemas.microsoft.com/office/powerpoint/2010/main" val="1000829826"/>
-      </p:ext>
-    </p:extLst>
-  </p:cSld>
-  <p:clrMapOvr>
-    <a:masterClrMapping/>
-  </p:clrMapOvr>
-  <mc:AlternateContent xmlns:mc="http://schemas.openxmlformats.org/markup-compatibility/2006" xmlns:p14="http://schemas.microsoft.com/office/powerpoint/2010/main">
-    <mc:Choice Requires="p14">
-      <p:transition spd="slow" p14:dur="2000" advClick="0" advTm="5000"/>
-    </mc:Choice>
-    <mc:Fallback xmlns="">
-      <p:transition spd="slow" advClick="0" advTm="5000"/>
-    </mc:Fallback>
-  </mc:AlternateContent>
-</p:sldLayout>
-</file>
-
-<file path=ppt/slideLayouts/slideLayout9.xml><?xml version="1.0" encoding="utf-8"?>
-<p:sldLayout xmlns:a="http://schemas.openxmlformats.org/drawingml/2006/main" xmlns:r="http://schemas.openxmlformats.org/officeDocument/2006/relationships" xmlns:p="http://schemas.openxmlformats.org/presentationml/2006/main" preserve="1">
-  <p:cSld name="Demo Slide">
-    <p:spTree>
-      <p:nvGrpSpPr>
-        <p:cNvPr id="1" name=""/>
-        <p:cNvGrpSpPr/>
-        <p:nvPr/>
-      </p:nvGrpSpPr>
-      <p:grpSpPr>
-        <a:xfrm>
-          <a:off x="0" y="0"/>
-          <a:ext cx="0" cy="0"/>
-          <a:chOff x="0" y="0"/>
-          <a:chExt cx="0" cy="0"/>
-        </a:xfrm>
-      </p:grpSpPr>
-      <p:sp>
-        <p:nvSpPr>
-          <p:cNvPr id="4" name="Oval Center Icon"/>
-          <p:cNvSpPr>
-            <a:spLocks noChangeAspect="1"/>
-          </p:cNvSpPr>
-          <p:nvPr/>
-        </p:nvSpPr>
-        <p:spPr>
-          <a:xfrm>
-            <a:off x="831000" y="1091471"/>
-            <a:ext cx="3552529" cy="3552529"/>
-          </a:xfrm>
-          <a:prstGeom prst="ellipse">
-            <a:avLst/>
-          </a:prstGeom>
-          <a:solidFill>
-            <a:schemeClr val="tx2"/>
-          </a:solidFill>
-          <a:ln>
-            <a:noFill/>
-          </a:ln>
-        </p:spPr>
-        <p:style>
-          <a:lnRef idx="2">
-            <a:schemeClr val="accent1">
-              <a:shade val="50000"/>
-            </a:schemeClr>
-          </a:lnRef>
-          <a:fillRef idx="1">
-            <a:schemeClr val="accent1"/>
-          </a:fillRef>
-          <a:effectRef idx="0">
-            <a:schemeClr val="accent1"/>
-          </a:effectRef>
-          <a:fontRef idx="minor">
-            <a:schemeClr val="lt1"/>
-          </a:fontRef>
-        </p:style>
-        <p:txBody>
-          <a:bodyPr rtlCol="0" anchor="ctr"/>
-          <a:lstStyle/>
-          <a:p>
-            <a:pPr marL="0" marR="0" lvl="0" indent="0" algn="ctr" defTabSz="913852" rtl="0" eaLnBrk="1" fontAlgn="auto" latinLnBrk="0" hangingPunct="1">
-              <a:lnSpc>
-                <a:spcPct val="100000"/>
-              </a:lnSpc>
-              <a:spcBef>
-                <a:spcPts val="0"/>
-              </a:spcBef>
-              <a:spcAft>
-                <a:spcPts val="0"/>
-              </a:spcAft>
-              <a:buClrTx/>
-              <a:buSzTx/>
-              <a:buFontTx/>
-              <a:buNone/>
-              <a:tabLst/>
-              <a:defRPr/>
-            </a:pPr>
-            <a:endParaRPr kumimoji="0" lang="en-US" altLang="ko-KR" sz="2398" b="0" i="0" u="none" strike="noStrike" kern="1200" cap="none" spc="0" normalizeH="0" baseline="0" noProof="0" dirty="0">
-              <a:ln>
-                <a:noFill/>
-              </a:ln>
-              <a:solidFill>
-                <a:srgbClr val="F7C86D"/>
-              </a:solidFill>
-              <a:effectLst/>
-              <a:uLnTx/>
-              <a:uFillTx/>
-              <a:latin typeface="Calibri" panose="020F0502020204030204"/>
-              <a:ea typeface="맑은 고딕" panose="020B0503020000020004" pitchFamily="34" charset="-127"/>
-              <a:cs typeface="+mn-cs"/>
-            </a:endParaRPr>
-          </a:p>
-        </p:txBody>
-      </p:sp>
-      <p:sp>
-        <p:nvSpPr>
-          <p:cNvPr id="11" name="Slide Subtitle"/>
-          <p:cNvSpPr>
-            <a:spLocks noGrp="1"/>
-          </p:cNvSpPr>
-          <p:nvPr>
-            <p:ph type="subTitle" sz="quarter" idx="11" hasCustomPrompt="1"/>
-          </p:nvPr>
-        </p:nvSpPr>
-        <p:spPr>
-          <a:xfrm>
-            <a:off x="5241000" y="3338387"/>
-            <a:ext cx="6065892" cy="768084"/>
-          </a:xfrm>
-          <a:prstGeom prst="rect">
-            <a:avLst/>
-          </a:prstGeom>
-        </p:spPr>
-        <p:txBody>
-          <a:bodyPr anchor="ctr">
-            <a:noAutofit/>
-          </a:bodyPr>
-          <a:lstStyle>
-            <a:lvl1pPr marL="0" indent="0" algn="ctr" latinLnBrk="0">
-              <a:buNone/>
-              <a:defRPr sz="3998" b="0" baseline="0">
-                <a:solidFill>
-                  <a:schemeClr val="tx1"/>
-                </a:solidFill>
-                <a:latin typeface="+mn-lt"/>
-                <a:cs typeface="Arial" pitchFamily="34" charset="0"/>
-              </a:defRPr>
-            </a:lvl1pPr>
-          </a:lstStyle>
-          <a:p>
-            <a:pPr lvl="0"/>
-            <a:r>
-              <a:rPr lang="en-US" noProof="0" dirty="0"/>
-              <a:t>Click to Edit Section Subtitle</a:t>
-            </a:r>
-          </a:p>
-        </p:txBody>
-      </p:sp>
-      <p:sp>
-        <p:nvSpPr>
-          <p:cNvPr id="10" name="Slide Title"/>
-          <p:cNvSpPr>
-            <a:spLocks noGrp="1"/>
-          </p:cNvSpPr>
-          <p:nvPr>
-            <p:ph type="title" sz="quarter" idx="10" hasCustomPrompt="1"/>
-          </p:nvPr>
-        </p:nvSpPr>
-        <p:spPr>
-          <a:xfrm>
-            <a:off x="5241000" y="1471047"/>
-            <a:ext cx="6065892" cy="1754333"/>
-          </a:xfrm>
-          <a:prstGeom prst="rect">
-            <a:avLst/>
-          </a:prstGeom>
-        </p:spPr>
-        <p:txBody>
-          <a:bodyPr anchor="ctr">
-            <a:noAutofit/>
-          </a:bodyPr>
-          <a:lstStyle>
-            <a:lvl1pPr marL="0" indent="0" algn="ctr" latinLnBrk="0">
-              <a:buNone/>
-              <a:defRPr sz="5396" b="1" baseline="0">
-                <a:solidFill>
-                  <a:schemeClr val="tx1"/>
-                </a:solidFill>
-                <a:latin typeface="+mj-lt"/>
-                <a:cs typeface="Arial" pitchFamily="34" charset="0"/>
-              </a:defRPr>
-            </a:lvl1pPr>
-          </a:lstStyle>
-          <a:p>
-            <a:pPr lvl="0"/>
-            <a:r>
-              <a:rPr lang="en-US" noProof="0" dirty="0"/>
-              <a:t>Click to Edit Section Title</a:t>
-            </a:r>
-            <a:endParaRPr lang="en-US" altLang="ko-KR" noProof="0" dirty="0"/>
-          </a:p>
-        </p:txBody>
-      </p:sp>
-    </p:spTree>
-    <p:extLst>
-      <p:ext uri="{BB962C8B-B14F-4D97-AF65-F5344CB8AC3E}">
-        <p14:creationId xmlns:p14="http://schemas.microsoft.com/office/powerpoint/2010/main" val="2423919747"/>
+        <p14:creationId xmlns:p14="http://schemas.microsoft.com/office/powerpoint/2010/main" val="1028724482"/>
       </p:ext>
     </p:extLst>
   </p:cSld>
@@ -10648,35 +9324,6 @@
           <a:chExt cx="0" cy="0"/>
         </a:xfrm>
       </p:grpSpPr>
-      <p:pic>
-        <p:nvPicPr>
-          <p:cNvPr id="4" name="Picture Background" descr="SoftUni Background">
-            <a:extLst>
-              <a:ext uri="{FF2B5EF4-FFF2-40B4-BE49-F238E27FC236}">
-                <a16:creationId xmlns:a16="http://schemas.microsoft.com/office/drawing/2014/main" id="{5BE90A63-DDD9-4B3B-A234-DF69B9BC812F}"/>
-              </a:ext>
-            </a:extLst>
-          </p:cNvPr>
-          <p:cNvPicPr>
-            <a:picLocks noChangeAspect="1"/>
-          </p:cNvPicPr>
-          <p:nvPr userDrawn="1"/>
-        </p:nvPicPr>
-        <p:blipFill rotWithShape="1">
-          <a:blip r:embed="rId15"/>
-          <a:srcRect b="1672"/>
-          <a:stretch/>
-        </p:blipFill>
-        <p:spPr>
-          <a:xfrm>
-            <a:off x="0" y="1"/>
-            <a:ext cx="12192000" cy="6857999"/>
-          </a:xfrm>
-          <a:prstGeom prst="rect">
-            <a:avLst/>
-          </a:prstGeom>
-        </p:spPr>
-      </p:pic>
       <p:sp>
         <p:nvSpPr>
           <p:cNvPr id="11" name="Slide Body Text">
@@ -10793,19 +9440,18 @@
   </p:cSld>
   <p:clrMap bg1="lt1" tx1="dk1" bg2="lt2" tx2="dk2" accent1="accent1" accent2="accent2" accent3="accent3" accent4="accent4" accent5="accent5" accent6="accent6" hlink="hlink" folHlink="folHlink"/>
   <p:sldLayoutIdLst>
-    <p:sldLayoutId id="2147483676" r:id="rId1"/>
+    <p:sldLayoutId id="2147483691" r:id="rId1"/>
     <p:sldLayoutId id="2147483689" r:id="rId2"/>
     <p:sldLayoutId id="2147483681" r:id="rId3"/>
-    <p:sldLayoutId id="2147483677" r:id="rId4"/>
-    <p:sldLayoutId id="2147483679" r:id="rId5"/>
-    <p:sldLayoutId id="2147483680" r:id="rId6"/>
-    <p:sldLayoutId id="2147483688" r:id="rId7"/>
-    <p:sldLayoutId id="2147483684" r:id="rId8"/>
-    <p:sldLayoutId id="2147483690" r:id="rId9"/>
+    <p:sldLayoutId id="2147483679" r:id="rId4"/>
+    <p:sldLayoutId id="2147483680" r:id="rId5"/>
+    <p:sldLayoutId id="2147483688" r:id="rId6"/>
+    <p:sldLayoutId id="2147483684" r:id="rId7"/>
+    <p:sldLayoutId id="2147483690" r:id="rId8"/>
+    <p:sldLayoutId id="2147483677" r:id="rId9"/>
     <p:sldLayoutId id="2147483683" r:id="rId10"/>
     <p:sldLayoutId id="2147483685" r:id="rId11"/>
     <p:sldLayoutId id="2147483686" r:id="rId12"/>
-    <p:sldLayoutId id="2147483687" r:id="rId13"/>
   </p:sldLayoutIdLst>
   <mc:AlternateContent xmlns:mc="http://schemas.openxmlformats.org/markup-compatibility/2006" xmlns:p14="http://schemas.microsoft.com/office/powerpoint/2010/main">
     <mc:Choice Requires="p14">
@@ -11134,7 +9780,80 @@
       </p:grpSpPr>
       <p:sp>
         <p:nvSpPr>
-          <p:cNvPr id="8" name="Text Placeholder 7"/>
+          <p:cNvPr id="21" name="Text Placeholder 6">
+            <a:extLst>
+              <a:ext uri="{FF2B5EF4-FFF2-40B4-BE49-F238E27FC236}">
+                <a16:creationId xmlns:a16="http://schemas.microsoft.com/office/drawing/2014/main" id="{76A05CC2-FC4D-4504-ABD3-8A2DED65D274}"/>
+              </a:ext>
+            </a:extLst>
+          </p:cNvPr>
+          <p:cNvSpPr>
+            <a:spLocks noGrp="1"/>
+          </p:cNvSpPr>
+          <p:nvPr>
+            <p:ph type="body" sz="quarter" idx="22"/>
+          </p:nvPr>
+        </p:nvSpPr>
+        <p:spPr>
+          <a:xfrm>
+            <a:off x="6379867" y="5904000"/>
+            <a:ext cx="5248260" cy="341313"/>
+          </a:xfrm>
+        </p:spPr>
+        <p:txBody>
+          <a:bodyPr/>
+          <a:lstStyle/>
+          <a:p>
+            <a:r>
+              <a:rPr lang="bg-BG" noProof="1"/>
+              <a:t>Софтуерни и хардуерни науки</a:t>
+            </a:r>
+            <a:endParaRPr lang="en-US" dirty="0"/>
+          </a:p>
+        </p:txBody>
+      </p:sp>
+      <p:sp>
+        <p:nvSpPr>
+          <p:cNvPr id="18" name="Text Placeholder 11"/>
+          <p:cNvSpPr>
+            <a:spLocks noGrp="1"/>
+          </p:cNvSpPr>
+          <p:nvPr>
+            <p:ph type="body" sz="quarter" idx="21"/>
+          </p:nvPr>
+        </p:nvSpPr>
+        <p:spPr>
+          <a:xfrm>
+            <a:off x="6374856" y="5529764"/>
+            <a:ext cx="5248260" cy="374236"/>
+          </a:xfrm>
+        </p:spPr>
+        <p:txBody>
+          <a:bodyPr>
+            <a:noAutofit/>
+          </a:bodyPr>
+          <a:lstStyle/>
+          <a:p>
+            <a:r>
+              <a:rPr lang="bg-BG" dirty="0">
+                <a:solidFill>
+                  <a:srgbClr val="234465"/>
+                </a:solidFill>
+              </a:rPr>
+              <a:t>Курс "ООП"</a:t>
+            </a:r>
+          </a:p>
+        </p:txBody>
+      </p:sp>
+      <p:sp>
+        <p:nvSpPr>
+          <p:cNvPr id="20" name="Text Placeholder 3">
+            <a:extLst>
+              <a:ext uri="{FF2B5EF4-FFF2-40B4-BE49-F238E27FC236}">
+                <a16:creationId xmlns:a16="http://schemas.microsoft.com/office/drawing/2014/main" id="{941D5C10-8D10-4D4A-BDC4-202C30EAED2F}"/>
+              </a:ext>
+            </a:extLst>
+          </p:cNvPr>
           <p:cNvSpPr>
             <a:spLocks noGrp="1"/>
           </p:cNvSpPr>
@@ -11142,7 +9861,12 @@
             <p:ph type="body" sz="quarter" idx="18"/>
           </p:nvPr>
         </p:nvSpPr>
-        <p:spPr/>
+        <p:spPr>
+          <a:xfrm>
+            <a:off x="534045" y="6039000"/>
+            <a:ext cx="4751953" cy="341556"/>
+          </a:xfrm>
+        </p:spPr>
         <p:txBody>
           <a:bodyPr/>
           <a:lstStyle/>
@@ -11151,15 +9875,15 @@
               <a:rPr lang="en-US" dirty="0">
                 <a:hlinkClick r:id="rId3"/>
               </a:rPr>
-              <a:t>https://about.softuni.bg/</a:t>
-            </a:r>
-            <a:endParaRPr lang="en-US" dirty="0"/>
-          </a:p>
-        </p:txBody>
-      </p:sp>
-      <p:sp>
-        <p:nvSpPr>
-          <p:cNvPr id="7" name="Text Placeholder 6"/>
+              <a:t>https://github.com/BG-IT-Edu</a:t>
+            </a:r>
+            <a:endParaRPr lang="bg-BG" dirty="0"/>
+          </a:p>
+        </p:txBody>
+      </p:sp>
+      <p:sp>
+        <p:nvSpPr>
+          <p:cNvPr id="19" name="Text Placeholder 9"/>
           <p:cNvSpPr>
             <a:spLocks noGrp="1"/>
           </p:cNvSpPr>
@@ -11167,63 +9891,23 @@
             <p:ph type="body" sz="quarter" idx="17"/>
           </p:nvPr>
         </p:nvSpPr>
-        <p:spPr/>
+        <p:spPr>
+          <a:xfrm>
+            <a:off x="534046" y="5229000"/>
+            <a:ext cx="4751954" cy="724904"/>
+          </a:xfrm>
+        </p:spPr>
         <p:txBody>
           <a:bodyPr/>
           <a:lstStyle/>
           <a:p>
             <a:r>
-              <a:rPr lang="en-US" dirty="0"/>
-              <a:t>Software University</a:t>
-            </a:r>
-          </a:p>
-        </p:txBody>
-      </p:sp>
-      <p:sp>
-        <p:nvSpPr>
-          <p:cNvPr id="12" name="Text Placeholder 11"/>
-          <p:cNvSpPr>
-            <a:spLocks noGrp="1"/>
-          </p:cNvSpPr>
-          <p:nvPr>
-            <p:ph type="body" sz="quarter" idx="20"/>
-          </p:nvPr>
-        </p:nvSpPr>
-        <p:spPr>
-          <a:xfrm>
-            <a:off x="553082" y="5336486"/>
-            <a:ext cx="2980696" cy="460181"/>
-          </a:xfrm>
-        </p:spPr>
-        <p:txBody>
-          <a:bodyPr/>
-          <a:lstStyle/>
-          <a:p>
-            <a:r>
-              <a:rPr lang="en-US" dirty="0"/>
-              <a:t>Technical Trainers</a:t>
-            </a:r>
-          </a:p>
-        </p:txBody>
-      </p:sp>
-      <p:sp>
-        <p:nvSpPr>
-          <p:cNvPr id="11" name="Text Placeholder 10"/>
-          <p:cNvSpPr>
-            <a:spLocks noGrp="1"/>
-          </p:cNvSpPr>
-          <p:nvPr>
-            <p:ph type="body" sz="quarter" idx="19"/>
-          </p:nvPr>
-        </p:nvSpPr>
-        <p:spPr/>
-        <p:txBody>
-          <a:bodyPr/>
-          <a:lstStyle/>
-          <a:p>
-            <a:r>
-              <a:rPr lang="en-US" dirty="0"/>
-              <a:t>SoftUni Team</a:t>
+              <a:rPr lang="bg-BG" dirty="0">
+                <a:solidFill>
+                  <a:schemeClr val="tx1"/>
+                </a:solidFill>
+              </a:rPr>
+              <a:t>Проект "Отворено учебно съдържание по програмиране и ИТ", СофтУни Фондация</a:t>
             </a:r>
           </a:p>
         </p:txBody>
@@ -11238,16 +9922,28 @@
             <p:ph type="subTitle" idx="1"/>
           </p:nvPr>
         </p:nvSpPr>
-        <p:spPr/>
+        <p:spPr>
+          <a:xfrm>
+            <a:off x="554746" y="1269000"/>
+            <a:ext cx="11083636" cy="1236558"/>
+          </a:xfrm>
+        </p:spPr>
         <p:txBody>
           <a:bodyPr>
-            <a:normAutofit/>
+            <a:noAutofit/>
           </a:bodyPr>
           <a:lstStyle/>
           <a:p>
             <a:r>
-              <a:rPr lang="bg-BG" dirty="0"/>
-              <a:t>Базов клас, клас-наследник, йерархия от класове, достъп до базовия клас, преизползване на код</a:t>
+              <a:rPr lang="ru-RU" dirty="0"/>
+              <a:t>Ползи от капсулацията на данни в ООП,</a:t>
+            </a:r>
+            <a:br>
+              <a:rPr lang="ru-RU" dirty="0"/>
+            </a:br>
+            <a:r>
+              <a:rPr lang="ru-RU" dirty="0"/>
+              <a:t>скриване на детайлите в Private полета и методи</a:t>
             </a:r>
             <a:endParaRPr lang="en-US" dirty="0"/>
           </a:p>
@@ -11271,7 +9967,7 @@
           <a:lstStyle/>
           <a:p>
             <a:r>
-              <a:rPr lang="bg-BG" dirty="0"/>
+              <a:rPr lang="bg-BG"/>
               <a:t>Наследяване на класове</a:t>
             </a:r>
             <a:endParaRPr lang="en-US" dirty="0"/>
@@ -11280,59 +9976,80 @@
       </p:sp>
       <p:pic>
         <p:nvPicPr>
-          <p:cNvPr id="2" name="Picture 2" descr="3 Exciting Methods for Dependency Injection With Inheritance in C# -  MethodPoet"/>
+          <p:cNvPr id="8" name="Picture 7" descr="A green and blue rectangular sign with white text&#10;&#10;Description automatically generated">
+            <a:extLst>
+              <a:ext uri="{FF2B5EF4-FFF2-40B4-BE49-F238E27FC236}">
+                <a16:creationId xmlns:a16="http://schemas.microsoft.com/office/drawing/2014/main" id="{75312D09-226E-6C55-27BB-461591B94F24}"/>
+              </a:ext>
+            </a:extLst>
+          </p:cNvPr>
           <p:cNvPicPr>
-            <a:picLocks noChangeAspect="1" noChangeArrowheads="1"/>
+            <a:picLocks noChangeAspect="1"/>
           </p:cNvPicPr>
           <p:nvPr/>
         </p:nvPicPr>
         <p:blipFill>
-          <a:blip r:embed="rId4" cstate="print">
-            <a:clrChange>
-              <a:clrFrom>
-                <a:srgbClr val="3A9B8A"/>
-              </a:clrFrom>
-              <a:clrTo>
-                <a:srgbClr val="3A9B8A">
-                  <a:alpha val="0"/>
-                </a:srgbClr>
-              </a:clrTo>
-            </a:clrChange>
+          <a:blip r:embed="rId4">
             <a:extLst>
               <a:ext uri="{28A0092B-C50C-407E-A947-70E740481C1C}">
                 <a14:useLocalDpi xmlns:a14="http://schemas.microsoft.com/office/drawing/2010/main" val="0"/>
               </a:ext>
             </a:extLst>
           </a:blip>
-          <a:srcRect/>
           <a:stretch>
             <a:fillRect/>
           </a:stretch>
         </p:blipFill>
-        <p:spPr bwMode="auto">
+        <p:spPr>
           <a:xfrm>
-            <a:off x="4746000" y="2700783"/>
-            <a:ext cx="2379025" cy="2379025"/>
+            <a:off x="449311" y="2980813"/>
+            <a:ext cx="1956689" cy="988187"/>
           </a:xfrm>
           <a:prstGeom prst="rect">
             <a:avLst/>
           </a:prstGeom>
-          <a:noFill/>
-          <a:extLst>
-            <a:ext uri="{909E8E84-426E-40DD-AFC4-6F175D3DCCD1}">
-              <a14:hiddenFill xmlns:a14="http://schemas.microsoft.com/office/drawing/2010/main">
-                <a:solidFill>
-                  <a:srgbClr val="FFFFFF"/>
-                </a:solidFill>
-              </a14:hiddenFill>
-            </a:ext>
-          </a:extLst>
+        </p:spPr>
+      </p:pic>
+      <p:pic>
+        <p:nvPicPr>
+          <p:cNvPr id="3" name="Picture 2">
+            <a:extLst>
+              <a:ext uri="{FF2B5EF4-FFF2-40B4-BE49-F238E27FC236}">
+                <a16:creationId xmlns:a16="http://schemas.microsoft.com/office/drawing/2014/main" id="{64928694-AE2E-93EE-A11C-46074B970B51}"/>
+              </a:ext>
+            </a:extLst>
+          </p:cNvPr>
+          <p:cNvPicPr>
+            <a:picLocks noChangeAspect="1"/>
+          </p:cNvPicPr>
+          <p:nvPr/>
+        </p:nvPicPr>
+        <p:blipFill>
+          <a:blip r:embed="rId5" cstate="print">
+            <a:extLst>
+              <a:ext uri="{28A0092B-C50C-407E-A947-70E740481C1C}">
+                <a14:useLocalDpi xmlns:a14="http://schemas.microsoft.com/office/drawing/2010/main" val="0"/>
+              </a:ext>
+            </a:extLst>
+          </a:blip>
+          <a:stretch>
+            <a:fillRect/>
+          </a:stretch>
+        </p:blipFill>
+        <p:spPr>
+          <a:xfrm>
+            <a:off x="9532714" y="2763786"/>
+            <a:ext cx="2090402" cy="2090402"/>
+          </a:xfrm>
+          <a:prstGeom prst="rect">
+            <a:avLst/>
+          </a:prstGeom>
         </p:spPr>
       </p:pic>
     </p:spTree>
     <p:extLst>
       <p:ext uri="{BB962C8B-B14F-4D97-AF65-F5344CB8AC3E}">
-        <p14:creationId xmlns:p14="http://schemas.microsoft.com/office/powerpoint/2010/main" val="2168584859"/>
+        <p14:creationId xmlns:p14="http://schemas.microsoft.com/office/powerpoint/2010/main" val="2637781195"/>
       </p:ext>
     </p:extLst>
   </p:cSld>
@@ -11836,10 +10553,10 @@
       </p:sp>
       <p:sp>
         <p:nvSpPr>
-          <p:cNvPr id="12" name="Slide Number">
+          <p:cNvPr id="4" name="Slide Number">
             <a:extLst>
               <a:ext uri="{FF2B5EF4-FFF2-40B4-BE49-F238E27FC236}">
-                <a16:creationId xmlns:a16="http://schemas.microsoft.com/office/drawing/2014/main" id="{F4198859-AFC8-44F2-8CDC-094FBB9B8F06}"/>
+                <a16:creationId xmlns:a16="http://schemas.microsoft.com/office/drawing/2014/main" id="{6E01B673-519C-4ED7-E8DE-B9D77571135D}"/>
               </a:ext>
             </a:extLst>
           </p:cNvPr>
@@ -11879,7 +10596,7 @@
     </p:spTree>
     <p:extLst>
       <p:ext uri="{BB962C8B-B14F-4D97-AF65-F5344CB8AC3E}">
-        <p14:creationId xmlns:p14="http://schemas.microsoft.com/office/powerpoint/2010/main" val="2539709345"/>
+        <p14:creationId xmlns:p14="http://schemas.microsoft.com/office/powerpoint/2010/main" val="121380941"/>
       </p:ext>
     </p:extLst>
   </p:cSld>
@@ -12587,7 +11304,7 @@
             <a:r>
               <a:rPr lang="bg-BG" sz="2400" b="1" dirty="0">
                 <a:solidFill>
-                  <a:schemeClr val="bg1">
+                  <a:schemeClr val="accent1">
                     <a:lumMod val="60000"/>
                     <a:lumOff val="40000"/>
                   </a:schemeClr>
@@ -12607,10 +11324,10 @@
       </p:sp>
       <p:sp>
         <p:nvSpPr>
-          <p:cNvPr id="9" name="Slide Number">
+          <p:cNvPr id="4" name="Slide Number">
             <a:extLst>
               <a:ext uri="{FF2B5EF4-FFF2-40B4-BE49-F238E27FC236}">
-                <a16:creationId xmlns:a16="http://schemas.microsoft.com/office/drawing/2014/main" id="{8F557065-6172-40CF-BDCD-E88B5C4B89FA}"/>
+                <a16:creationId xmlns:a16="http://schemas.microsoft.com/office/drawing/2014/main" id="{880CDFF8-969B-1C31-63ED-BA6E5B55266B}"/>
               </a:ext>
             </a:extLst>
           </p:cNvPr>
@@ -12650,7 +11367,7 @@
     </p:spTree>
     <p:extLst>
       <p:ext uri="{BB962C8B-B14F-4D97-AF65-F5344CB8AC3E}">
-        <p14:creationId xmlns:p14="http://schemas.microsoft.com/office/powerpoint/2010/main" val="875100857"/>
+        <p14:creationId xmlns:p14="http://schemas.microsoft.com/office/powerpoint/2010/main" val="280843134"/>
       </p:ext>
     </p:extLst>
   </p:cSld>
@@ -13623,10 +12340,10 @@
       </p:sp>
       <p:sp>
         <p:nvSpPr>
-          <p:cNvPr id="8" name="Slide Number">
+          <p:cNvPr id="2" name="Slide Number">
             <a:extLst>
               <a:ext uri="{FF2B5EF4-FFF2-40B4-BE49-F238E27FC236}">
-                <a16:creationId xmlns:a16="http://schemas.microsoft.com/office/drawing/2014/main" id="{D4852CEB-90C8-422B-B79E-353673552969}"/>
+                <a16:creationId xmlns:a16="http://schemas.microsoft.com/office/drawing/2014/main" id="{3FB12655-A5C5-64F7-5C57-BC0DED1C53FC}"/>
               </a:ext>
             </a:extLst>
           </p:cNvPr>
@@ -13666,7 +12383,7 @@
     </p:spTree>
     <p:extLst>
       <p:ext uri="{BB962C8B-B14F-4D97-AF65-F5344CB8AC3E}">
-        <p14:creationId xmlns:p14="http://schemas.microsoft.com/office/powerpoint/2010/main" val="2033429261"/>
+        <p14:creationId xmlns:p14="http://schemas.microsoft.com/office/powerpoint/2010/main" val="1095925143"/>
       </p:ext>
     </p:extLst>
   </p:cSld>
@@ -14311,10 +13028,10 @@
       </p:cxnSp>
       <p:sp>
         <p:nvSpPr>
-          <p:cNvPr id="11" name="Slide Number">
+          <p:cNvPr id="4" name="Slide Number">
             <a:extLst>
               <a:ext uri="{FF2B5EF4-FFF2-40B4-BE49-F238E27FC236}">
-                <a16:creationId xmlns:a16="http://schemas.microsoft.com/office/drawing/2014/main" id="{E139B19D-7299-4C91-BA90-104BDFCE994E}"/>
+                <a16:creationId xmlns:a16="http://schemas.microsoft.com/office/drawing/2014/main" id="{9EF1EBF6-A682-DC8F-7E62-02A951E3E096}"/>
               </a:ext>
             </a:extLst>
           </p:cNvPr>
@@ -14354,7 +13071,7 @@
     </p:spTree>
     <p:extLst>
       <p:ext uri="{BB962C8B-B14F-4D97-AF65-F5344CB8AC3E}">
-        <p14:creationId xmlns:p14="http://schemas.microsoft.com/office/powerpoint/2010/main" val="3576094357"/>
+        <p14:creationId xmlns:p14="http://schemas.microsoft.com/office/powerpoint/2010/main" val="1091917820"/>
       </p:ext>
     </p:extLst>
   </p:cSld>
@@ -14390,7 +13107,7 @@
                             </p:stCondLst>
                             <p:childTnLst>
                               <p:par>
-                                <p:cTn id="5" presetID="1" presetClass="entr" presetSubtype="0" fill="hold" nodeType="clickEffect">
+                                <p:cTn id="5" presetID="1" presetClass="entr" presetSubtype="0" fill="hold" grpId="0" nodeType="clickEffect">
                                   <p:stCondLst>
                                     <p:cond delay="0"/>
                                   </p:stCondLst>
@@ -14403,11 +13120,7 @@
                                           </p:stCondLst>
                                         </p:cTn>
                                         <p:tgtEl>
-                                          <p:spTgt spid="7">
-                                            <p:txEl>
-                                              <p:pRg st="0" end="0"/>
-                                            </p:txEl>
-                                          </p:spTgt>
+                                          <p:spTgt spid="9"/>
                                         </p:tgtEl>
                                         <p:attrNameLst>
                                           <p:attrName>style.visibility</p:attrName>
@@ -14439,7 +13152,7 @@
                             </p:stCondLst>
                             <p:childTnLst>
                               <p:par>
-                                <p:cTn id="9" presetID="1" presetClass="entr" presetSubtype="0" fill="hold" grpId="0" nodeType="clickEffect">
+                                <p:cTn id="9" presetID="1" presetClass="entr" presetSubtype="0" fill="hold" nodeType="clickEffect">
                                   <p:stCondLst>
                                     <p:cond delay="0"/>
                                   </p:stCondLst>
@@ -14452,7 +13165,11 @@
                                           </p:stCondLst>
                                         </p:cTn>
                                         <p:tgtEl>
-                                          <p:spTgt spid="9"/>
+                                          <p:spTgt spid="7">
+                                            <p:txEl>
+                                              <p:pRg st="1" end="1"/>
+                                            </p:txEl>
+                                          </p:spTgt>
                                         </p:tgtEl>
                                         <p:attrNameLst>
                                           <p:attrName>style.visibility</p:attrName>
@@ -14484,7 +13201,7 @@
                             </p:stCondLst>
                             <p:childTnLst>
                               <p:par>
-                                <p:cTn id="13" presetID="1" presetClass="entr" presetSubtype="0" fill="hold" nodeType="clickEffect">
+                                <p:cTn id="13" presetID="1" presetClass="entr" presetSubtype="0" fill="hold" grpId="0" nodeType="clickEffect">
                                   <p:stCondLst>
                                     <p:cond delay="0"/>
                                   </p:stCondLst>
@@ -14497,11 +13214,34 @@
                                           </p:stCondLst>
                                         </p:cTn>
                                         <p:tgtEl>
-                                          <p:spTgt spid="7">
-                                            <p:txEl>
-                                              <p:pRg st="1" end="1"/>
-                                            </p:txEl>
-                                          </p:spTgt>
+                                          <p:spTgt spid="21"/>
+                                        </p:tgtEl>
+                                        <p:attrNameLst>
+                                          <p:attrName>style.visibility</p:attrName>
+                                        </p:attrNameLst>
+                                      </p:cBhvr>
+                                      <p:to>
+                                        <p:strVal val="visible"/>
+                                      </p:to>
+                                    </p:set>
+                                  </p:childTnLst>
+                                </p:cTn>
+                              </p:par>
+                              <p:par>
+                                <p:cTn id="15" presetID="1" presetClass="entr" presetSubtype="0" fill="hold" nodeType="withEffect">
+                                  <p:stCondLst>
+                                    <p:cond delay="0"/>
+                                  </p:stCondLst>
+                                  <p:childTnLst>
+                                    <p:set>
+                                      <p:cBhvr>
+                                        <p:cTn id="16" dur="1" fill="hold">
+                                          <p:stCondLst>
+                                            <p:cond delay="0"/>
+                                          </p:stCondLst>
+                                        </p:cTn>
+                                        <p:tgtEl>
+                                          <p:spTgt spid="6"/>
                                         </p:tgtEl>
                                         <p:attrNameLst>
                                           <p:attrName>style.visibility</p:attrName>
@@ -14521,46 +13261,19 @@
                     </p:cTn>
                   </p:par>
                   <p:par>
-                    <p:cTn id="15" fill="hold">
+                    <p:cTn id="17" fill="hold">
                       <p:stCondLst>
                         <p:cond delay="indefinite"/>
                       </p:stCondLst>
                       <p:childTnLst>
                         <p:par>
-                          <p:cTn id="16" fill="hold">
+                          <p:cTn id="18" fill="hold">
                             <p:stCondLst>
                               <p:cond delay="0"/>
                             </p:stCondLst>
                             <p:childTnLst>
                               <p:par>
-                                <p:cTn id="17" presetID="1" presetClass="entr" presetSubtype="0" fill="hold" grpId="0" nodeType="clickEffect">
-                                  <p:stCondLst>
-                                    <p:cond delay="0"/>
-                                  </p:stCondLst>
-                                  <p:childTnLst>
-                                    <p:set>
-                                      <p:cBhvr>
-                                        <p:cTn id="18" dur="1" fill="hold">
-                                          <p:stCondLst>
-                                            <p:cond delay="0"/>
-                                          </p:stCondLst>
-                                        </p:cTn>
-                                        <p:tgtEl>
-                                          <p:spTgt spid="21"/>
-                                        </p:tgtEl>
-                                        <p:attrNameLst>
-                                          <p:attrName>style.visibility</p:attrName>
-                                        </p:attrNameLst>
-                                      </p:cBhvr>
-                                      <p:to>
-                                        <p:strVal val="visible"/>
-                                      </p:to>
-                                    </p:set>
-                                  </p:childTnLst>
-                                </p:cTn>
-                              </p:par>
-                              <p:par>
-                                <p:cTn id="19" presetID="1" presetClass="entr" presetSubtype="0" fill="hold" nodeType="withEffect">
+                                <p:cTn id="19" presetID="1" presetClass="entr" presetSubtype="0" fill="hold" nodeType="clickEffect">
                                   <p:stCondLst>
                                     <p:cond delay="0"/>
                                   </p:stCondLst>
@@ -14573,7 +13286,11 @@
                                           </p:stCondLst>
                                         </p:cTn>
                                         <p:tgtEl>
-                                          <p:spTgt spid="6"/>
+                                          <p:spTgt spid="7">
+                                            <p:txEl>
+                                              <p:pRg st="2" end="2"/>
+                                            </p:txEl>
+                                          </p:spTgt>
                                         </p:tgtEl>
                                         <p:attrNameLst>
                                           <p:attrName>style.visibility</p:attrName>
@@ -14605,7 +13322,7 @@
                             </p:stCondLst>
                             <p:childTnLst>
                               <p:par>
-                                <p:cTn id="23" presetID="1" presetClass="entr" presetSubtype="0" fill="hold" nodeType="clickEffect">
+                                <p:cTn id="23" presetID="1" presetClass="entr" presetSubtype="0" fill="hold" grpId="0" nodeType="clickEffect">
                                   <p:stCondLst>
                                     <p:cond delay="0"/>
                                   </p:stCondLst>
@@ -14613,55 +13330,6 @@
                                     <p:set>
                                       <p:cBhvr>
                                         <p:cTn id="24" dur="1" fill="hold">
-                                          <p:stCondLst>
-                                            <p:cond delay="0"/>
-                                          </p:stCondLst>
-                                        </p:cTn>
-                                        <p:tgtEl>
-                                          <p:spTgt spid="7">
-                                            <p:txEl>
-                                              <p:pRg st="2" end="2"/>
-                                            </p:txEl>
-                                          </p:spTgt>
-                                        </p:tgtEl>
-                                        <p:attrNameLst>
-                                          <p:attrName>style.visibility</p:attrName>
-                                        </p:attrNameLst>
-                                      </p:cBhvr>
-                                      <p:to>
-                                        <p:strVal val="visible"/>
-                                      </p:to>
-                                    </p:set>
-                                  </p:childTnLst>
-                                </p:cTn>
-                              </p:par>
-                            </p:childTnLst>
-                          </p:cTn>
-                        </p:par>
-                      </p:childTnLst>
-                    </p:cTn>
-                  </p:par>
-                  <p:par>
-                    <p:cTn id="25" fill="hold">
-                      <p:stCondLst>
-                        <p:cond delay="indefinite"/>
-                      </p:stCondLst>
-                      <p:childTnLst>
-                        <p:par>
-                          <p:cTn id="26" fill="hold">
-                            <p:stCondLst>
-                              <p:cond delay="0"/>
-                            </p:stCondLst>
-                            <p:childTnLst>
-                              <p:par>
-                                <p:cTn id="27" presetID="1" presetClass="entr" presetSubtype="0" fill="hold" grpId="0" nodeType="clickEffect">
-                                  <p:stCondLst>
-                                    <p:cond delay="0"/>
-                                  </p:stCondLst>
-                                  <p:childTnLst>
-                                    <p:set>
-                                      <p:cBhvr>
-                                        <p:cTn id="28" dur="1" fill="hold">
                                           <p:stCondLst>
                                             <p:cond delay="0"/>
                                           </p:stCondLst>
@@ -14681,14 +13349,14 @@
                                 </p:cTn>
                               </p:par>
                               <p:par>
-                                <p:cTn id="29" presetID="1" presetClass="entr" presetSubtype="0" fill="hold" nodeType="withEffect">
+                                <p:cTn id="25" presetID="1" presetClass="entr" presetSubtype="0" fill="hold" nodeType="withEffect">
                                   <p:stCondLst>
                                     <p:cond delay="0"/>
                                   </p:stCondLst>
                                   <p:childTnLst>
                                     <p:set>
                                       <p:cBhvr>
-                                        <p:cTn id="30" dur="1" fill="hold">
+                                        <p:cTn id="26" dur="1" fill="hold">
                                           <p:stCondLst>
                                             <p:cond delay="0"/>
                                           </p:stCondLst>
@@ -15295,10 +13963,10 @@
       </p:sp>
       <p:sp>
         <p:nvSpPr>
-          <p:cNvPr id="11" name="Slide Number">
+          <p:cNvPr id="5" name="Slide Number">
             <a:extLst>
               <a:ext uri="{FF2B5EF4-FFF2-40B4-BE49-F238E27FC236}">
-                <a16:creationId xmlns:a16="http://schemas.microsoft.com/office/drawing/2014/main" id="{7D01EEDF-5FAF-4B5A-BAA0-A24DE799878E}"/>
+                <a16:creationId xmlns:a16="http://schemas.microsoft.com/office/drawing/2014/main" id="{7D6766D2-DE67-050D-8975-39AD22B7EB55}"/>
               </a:ext>
             </a:extLst>
           </p:cNvPr>
@@ -15338,7 +14006,7 @@
     </p:spTree>
     <p:extLst>
       <p:ext uri="{BB962C8B-B14F-4D97-AF65-F5344CB8AC3E}">
-        <p14:creationId xmlns:p14="http://schemas.microsoft.com/office/powerpoint/2010/main" val="2368270620"/>
+        <p14:creationId xmlns:p14="http://schemas.microsoft.com/office/powerpoint/2010/main" val="436829761"/>
       </p:ext>
     </p:extLst>
   </p:cSld>
@@ -15690,10 +14358,10 @@
       </p:pic>
       <p:sp>
         <p:nvSpPr>
-          <p:cNvPr id="3" name="Subtitle 2">
+          <p:cNvPr id="5" name="Подзаглавие 4">
             <a:extLst>
               <a:ext uri="{FF2B5EF4-FFF2-40B4-BE49-F238E27FC236}">
-                <a16:creationId xmlns:a16="http://schemas.microsoft.com/office/drawing/2014/main" id="{D2226446-E18E-0FA0-958A-9988500AFD5A}"/>
+                <a16:creationId xmlns:a16="http://schemas.microsoft.com/office/drawing/2014/main" id="{B8CF8D8A-A6A0-22DC-C2D1-73489F1D0FE8}"/>
               </a:ext>
             </a:extLst>
           </p:cNvPr>
@@ -15710,19 +14378,23 @@
           <a:lstStyle/>
           <a:p>
             <a:r>
-              <a:rPr lang="bg-BG" dirty="0"/>
-              <a:t>Достъп до членовете на родителския клас</a:t>
-            </a:r>
-            <a:endParaRPr lang="en-US" dirty="0"/>
-          </a:p>
-        </p:txBody>
-      </p:sp>
-      <p:sp>
-        <p:nvSpPr>
-          <p:cNvPr id="4" name="Title 3">
+              <a:rPr lang="bg-BG"/>
+              <a:t>Ключовата дума </a:t>
+            </a:r>
+            <a:r>
+              <a:rPr lang="en-US"/>
+              <a:t>Base</a:t>
+            </a:r>
+            <a:endParaRPr lang="bg-BG"/>
+          </a:p>
+        </p:txBody>
+      </p:sp>
+      <p:sp>
+        <p:nvSpPr>
+          <p:cNvPr id="7" name="Заглавие 6">
             <a:extLst>
               <a:ext uri="{FF2B5EF4-FFF2-40B4-BE49-F238E27FC236}">
-                <a16:creationId xmlns:a16="http://schemas.microsoft.com/office/drawing/2014/main" id="{6146CB68-909E-4AD7-A828-642487690AC9}"/>
+                <a16:creationId xmlns:a16="http://schemas.microsoft.com/office/drawing/2014/main" id="{FFD15CCD-A6DF-A20F-0D39-07FAEB2FC494}"/>
               </a:ext>
             </a:extLst>
           </p:cNvPr>
@@ -15733,31 +14405,23 @@
             <p:ph type="title" sz="quarter" idx="10"/>
           </p:nvPr>
         </p:nvSpPr>
-        <p:spPr>
-          <a:xfrm>
-            <a:off x="615109" y="4704825"/>
-            <a:ext cx="10961783" cy="768084"/>
-          </a:xfrm>
-        </p:spPr>
+        <p:spPr/>
         <p:txBody>
           <a:bodyPr/>
           <a:lstStyle/>
           <a:p>
             <a:r>
-              <a:rPr lang="bg-BG" dirty="0"/>
-              <a:t>Ключовата дума </a:t>
-            </a:r>
-            <a:r>
-              <a:rPr lang="en-US" dirty="0"/>
-              <a:t>Base</a:t>
-            </a:r>
+              <a:rPr lang="ru-RU" sz="4400" dirty="0"/>
+              <a:t>Достъп до членовете на родителския клас</a:t>
+            </a:r>
+            <a:endParaRPr lang="bg-BG" sz="4400" dirty="0"/>
           </a:p>
         </p:txBody>
       </p:sp>
     </p:spTree>
     <p:extLst>
       <p:ext uri="{BB962C8B-B14F-4D97-AF65-F5344CB8AC3E}">
-        <p14:creationId xmlns:p14="http://schemas.microsoft.com/office/powerpoint/2010/main" val="287937727"/>
+        <p14:creationId xmlns:p14="http://schemas.microsoft.com/office/powerpoint/2010/main" val="3533794840"/>
       </p:ext>
     </p:extLst>
   </p:cSld>
@@ -16100,10 +14764,10 @@
       </p:sp>
       <p:sp>
         <p:nvSpPr>
-          <p:cNvPr id="8" name="Slide Number">
+          <p:cNvPr id="3" name="Slide Number">
             <a:extLst>
               <a:ext uri="{FF2B5EF4-FFF2-40B4-BE49-F238E27FC236}">
-                <a16:creationId xmlns:a16="http://schemas.microsoft.com/office/drawing/2014/main" id="{FF6694DE-747A-4696-8388-4EFFDEF46BE3}"/>
+                <a16:creationId xmlns:a16="http://schemas.microsoft.com/office/drawing/2014/main" id="{F4B27745-3502-DD5B-5825-1D649093E296}"/>
               </a:ext>
             </a:extLst>
           </p:cNvPr>
@@ -16143,7 +14807,7 @@
     </p:spTree>
     <p:extLst>
       <p:ext uri="{BB962C8B-B14F-4D97-AF65-F5344CB8AC3E}">
-        <p14:creationId xmlns:p14="http://schemas.microsoft.com/office/powerpoint/2010/main" val="1575502119"/>
+        <p14:creationId xmlns:p14="http://schemas.microsoft.com/office/powerpoint/2010/main" val="1567154221"/>
       </p:ext>
     </p:extLst>
   </p:cSld>
@@ -17496,10 +16160,10 @@
       </p:sp>
       <p:sp>
         <p:nvSpPr>
-          <p:cNvPr id="16" name="Slide Number">
+          <p:cNvPr id="3" name="Slide Number">
             <a:extLst>
               <a:ext uri="{FF2B5EF4-FFF2-40B4-BE49-F238E27FC236}">
-                <a16:creationId xmlns:a16="http://schemas.microsoft.com/office/drawing/2014/main" id="{BA44CD6F-A7EA-48A9-B59F-EE92B8DDD7DE}"/>
+                <a16:creationId xmlns:a16="http://schemas.microsoft.com/office/drawing/2014/main" id="{73B17C16-2BD5-0807-569A-0A2B8A8DE1F1}"/>
               </a:ext>
             </a:extLst>
           </p:cNvPr>
@@ -17539,7 +16203,7 @@
     </p:spTree>
     <p:extLst>
       <p:ext uri="{BB962C8B-B14F-4D97-AF65-F5344CB8AC3E}">
-        <p14:creationId xmlns:p14="http://schemas.microsoft.com/office/powerpoint/2010/main" val="2981332371"/>
+        <p14:creationId xmlns:p14="http://schemas.microsoft.com/office/powerpoint/2010/main" val="3164175736"/>
       </p:ext>
     </p:extLst>
   </p:cSld>
@@ -18608,10 +17272,10 @@
       </p:sp>
       <p:sp>
         <p:nvSpPr>
-          <p:cNvPr id="19" name="Slide Number">
+          <p:cNvPr id="2" name="Slide Number">
             <a:extLst>
               <a:ext uri="{FF2B5EF4-FFF2-40B4-BE49-F238E27FC236}">
-                <a16:creationId xmlns:a16="http://schemas.microsoft.com/office/drawing/2014/main" id="{C2F75CC2-0C10-44F1-8E3E-4523D0CD4957}"/>
+                <a16:creationId xmlns:a16="http://schemas.microsoft.com/office/drawing/2014/main" id="{F1AE7973-177F-C2D7-5BF2-AD217516CD6A}"/>
               </a:ext>
             </a:extLst>
           </p:cNvPr>
@@ -18651,7 +17315,7 @@
     </p:spTree>
     <p:extLst>
       <p:ext uri="{BB962C8B-B14F-4D97-AF65-F5344CB8AC3E}">
-        <p14:creationId xmlns:p14="http://schemas.microsoft.com/office/powerpoint/2010/main" val="3757152939"/>
+        <p14:creationId xmlns:p14="http://schemas.microsoft.com/office/powerpoint/2010/main" val="2273614068"/>
       </p:ext>
     </p:extLst>
   </p:cSld>
@@ -18880,6 +17544,8 @@
                 <a:solidFill>
                   <a:schemeClr val="bg1"/>
                 </a:solidFill>
+                <a:latin typeface="Consolas" panose="020B0609020204030204" pitchFamily="49" charset="0"/>
+                <a:cs typeface="Consolas" panose="020B0609020204030204" pitchFamily="49" charset="0"/>
               </a:rPr>
               <a:t>Animal</a:t>
             </a:r>
@@ -18892,6 +17558,8 @@
                 <a:solidFill>
                   <a:schemeClr val="bg1"/>
                 </a:solidFill>
+                <a:latin typeface="Consolas" panose="020B0609020204030204" pitchFamily="49" charset="0"/>
+                <a:cs typeface="Consolas" panose="020B0609020204030204" pitchFamily="49" charset="0"/>
               </a:rPr>
               <a:t>Dog</a:t>
             </a:r>
@@ -18912,6 +17580,8 @@
                 <a:solidFill>
                   <a:schemeClr val="bg1"/>
                 </a:solidFill>
+                <a:latin typeface="Consolas" panose="020B0609020204030204" pitchFamily="49" charset="0"/>
+                <a:cs typeface="Consolas" panose="020B0609020204030204" pitchFamily="49" charset="0"/>
               </a:rPr>
               <a:t>Cat</a:t>
             </a:r>
@@ -18931,6 +17601,8 @@
                 <a:solidFill>
                   <a:schemeClr val="bg1"/>
                 </a:solidFill>
+                <a:latin typeface="Consolas" panose="020B0609020204030204" pitchFamily="49" charset="0"/>
+                <a:cs typeface="Consolas" panose="020B0609020204030204" pitchFamily="49" charset="0"/>
               </a:rPr>
               <a:t>Dog</a:t>
             </a:r>
@@ -18951,6 +17623,8 @@
                 <a:solidFill>
                   <a:schemeClr val="bg1"/>
                 </a:solidFill>
+                <a:latin typeface="Consolas" panose="020B0609020204030204" pitchFamily="49" charset="0"/>
+                <a:cs typeface="Consolas" panose="020B0609020204030204" pitchFamily="49" charset="0"/>
               </a:rPr>
               <a:t>Cat</a:t>
             </a:r>
@@ -18967,6 +17641,8 @@
                 <a:solidFill>
                   <a:schemeClr val="bg1"/>
                 </a:solidFill>
+                <a:latin typeface="Consolas" panose="020B0609020204030204" pitchFamily="49" charset="0"/>
+                <a:cs typeface="Consolas" panose="020B0609020204030204" pitchFamily="49" charset="0"/>
               </a:rPr>
               <a:t>Animal</a:t>
             </a:r>
@@ -18974,6 +17650,8 @@
               <a:solidFill>
                 <a:schemeClr val="bg1"/>
               </a:solidFill>
+              <a:latin typeface="Consolas" panose="020B0609020204030204" pitchFamily="49" charset="0"/>
+              <a:cs typeface="Consolas" panose="020B0609020204030204" pitchFamily="49" charset="0"/>
             </a:endParaRPr>
           </a:p>
           <a:p>
@@ -19794,10 +18472,10 @@
       </p:sp>
       <p:sp>
         <p:nvSpPr>
-          <p:cNvPr id="23" name="Slide Number">
+          <p:cNvPr id="2" name="Slide Number">
             <a:extLst>
               <a:ext uri="{FF2B5EF4-FFF2-40B4-BE49-F238E27FC236}">
-                <a16:creationId xmlns:a16="http://schemas.microsoft.com/office/drawing/2014/main" id="{CCA3FB6E-C326-4F9F-B722-5242C7CF2D67}"/>
+                <a16:creationId xmlns:a16="http://schemas.microsoft.com/office/drawing/2014/main" id="{3859606E-51A7-5816-6FC0-5D87AE03F243}"/>
               </a:ext>
             </a:extLst>
           </p:cNvPr>
@@ -19837,7 +18515,7 @@
     </p:spTree>
     <p:extLst>
       <p:ext uri="{BB962C8B-B14F-4D97-AF65-F5344CB8AC3E}">
-        <p14:creationId xmlns:p14="http://schemas.microsoft.com/office/powerpoint/2010/main" val="320852467"/>
+        <p14:creationId xmlns:p14="http://schemas.microsoft.com/office/powerpoint/2010/main" val="1397196273"/>
       </p:ext>
     </p:extLst>
   </p:cSld>
@@ -20014,10 +18692,13 @@
               <a:buAutoNum type="arabicPeriod"/>
             </a:pPr>
             <a:r>
+              <a:rPr lang="en-US" sz="3600" dirty="0"/>
+              <a:t>͏</a:t>
+            </a:r>
+            <a:r>
               <a:rPr lang="bg-BG" sz="3600" b="1" dirty="0"/>
               <a:t>Наследяване</a:t>
             </a:r>
-            <a:endParaRPr lang="bg-BG" sz="3600" dirty="0"/>
           </a:p>
           <a:p>
             <a:pPr lvl="1">
@@ -20051,6 +18732,10 @@
               <a:buAutoNum type="arabicPeriod"/>
             </a:pPr>
             <a:r>
+              <a:rPr lang="en-US" sz="3600" dirty="0"/>
+              <a:t>͏</a:t>
+            </a:r>
+            <a:r>
               <a:rPr lang="bg-BG" sz="3600" b="1" dirty="0"/>
               <a:t>Йерархия от класове</a:t>
             </a:r>
@@ -20105,6 +18790,10 @@
               <a:buFont typeface="+mj-lt"/>
               <a:buAutoNum type="arabicPeriod"/>
             </a:pPr>
+            <a:r>
+              <a:rPr lang="en-US" sz="3600" dirty="0"/>
+              <a:t>͏</a:t>
+            </a:r>
             <a:r>
               <a:rPr lang="bg-BG" sz="3600" b="1" dirty="0"/>
               <a:t>Преизползване на код</a:t>
@@ -20164,10 +18853,10 @@
       </p:sp>
       <p:sp>
         <p:nvSpPr>
-          <p:cNvPr id="5" name="Slide Number">
+          <p:cNvPr id="2" name="Slide Number">
             <a:extLst>
               <a:ext uri="{FF2B5EF4-FFF2-40B4-BE49-F238E27FC236}">
-                <a16:creationId xmlns:a16="http://schemas.microsoft.com/office/drawing/2014/main" id="{45B3E92B-F4BB-4BA3-9596-FAB74B56C53D}"/>
+                <a16:creationId xmlns:a16="http://schemas.microsoft.com/office/drawing/2014/main" id="{E15540E9-07D5-A828-F964-944AB40F593C}"/>
               </a:ext>
             </a:extLst>
           </p:cNvPr>
@@ -20207,7 +18896,7 @@
     </p:spTree>
     <p:extLst>
       <p:ext uri="{BB962C8B-B14F-4D97-AF65-F5344CB8AC3E}">
-        <p14:creationId xmlns:p14="http://schemas.microsoft.com/office/powerpoint/2010/main" val="2978982019"/>
+        <p14:creationId xmlns:p14="http://schemas.microsoft.com/office/powerpoint/2010/main" val="4048528427"/>
       </p:ext>
     </p:extLst>
   </p:cSld>
@@ -20258,38 +18947,7 @@
                                         <p:tgtEl>
                                           <p:spTgt spid="3">
                                             <p:txEl>
-                                              <p:pRg st="3" end="3"/>
-                                            </p:txEl>
-                                          </p:spTgt>
-                                        </p:tgtEl>
-                                        <p:attrNameLst>
-                                          <p:attrName>style.visibility</p:attrName>
-                                        </p:attrNameLst>
-                                      </p:cBhvr>
-                                      <p:to>
-                                        <p:strVal val="visible"/>
-                                      </p:to>
-                                    </p:set>
-                                  </p:childTnLst>
-                                </p:cTn>
-                              </p:par>
-                              <p:par>
-                                <p:cTn id="7" presetID="1" presetClass="entr" presetSubtype="0" fill="hold" nodeType="withEffect">
-                                  <p:stCondLst>
-                                    <p:cond delay="0"/>
-                                  </p:stCondLst>
-                                  <p:childTnLst>
-                                    <p:set>
-                                      <p:cBhvr>
-                                        <p:cTn id="8" dur="1" fill="hold">
-                                          <p:stCondLst>
-                                            <p:cond delay="0"/>
-                                          </p:stCondLst>
-                                        </p:cTn>
-                                        <p:tgtEl>
-                                          <p:spTgt spid="3">
-                                            <p:txEl>
-                                              <p:pRg st="4" end="4"/>
+                                              <p:pRg st="2" end="2"/>
                                             </p:txEl>
                                           </p:spTgt>
                                         </p:tgtEl>
@@ -20311,19 +18969,50 @@
                     </p:cTn>
                   </p:par>
                   <p:par>
-                    <p:cTn id="9" fill="hold">
+                    <p:cTn id="7" fill="hold">
                       <p:stCondLst>
                         <p:cond delay="indefinite"/>
                       </p:stCondLst>
                       <p:childTnLst>
                         <p:par>
-                          <p:cTn id="10" fill="hold">
+                          <p:cTn id="8" fill="hold">
                             <p:stCondLst>
                               <p:cond delay="0"/>
                             </p:stCondLst>
                             <p:childTnLst>
                               <p:par>
-                                <p:cTn id="11" presetID="1" presetClass="entr" presetSubtype="0" fill="hold" nodeType="clickEffect">
+                                <p:cTn id="9" presetID="1" presetClass="entr" presetSubtype="0" fill="hold" nodeType="clickEffect">
+                                  <p:stCondLst>
+                                    <p:cond delay="0"/>
+                                  </p:stCondLst>
+                                  <p:childTnLst>
+                                    <p:set>
+                                      <p:cBhvr>
+                                        <p:cTn id="10" dur="1" fill="hold">
+                                          <p:stCondLst>
+                                            <p:cond delay="0"/>
+                                          </p:stCondLst>
+                                        </p:cTn>
+                                        <p:tgtEl>
+                                          <p:spTgt spid="3">
+                                            <p:txEl>
+                                              <p:pRg st="3" end="3"/>
+                                            </p:txEl>
+                                          </p:spTgt>
+                                        </p:tgtEl>
+                                        <p:attrNameLst>
+                                          <p:attrName>style.visibility</p:attrName>
+                                        </p:attrNameLst>
+                                      </p:cBhvr>
+                                      <p:to>
+                                        <p:strVal val="visible"/>
+                                      </p:to>
+                                    </p:set>
+                                  </p:childTnLst>
+                                </p:cTn>
+                              </p:par>
+                              <p:par>
+                                <p:cTn id="11" presetID="1" presetClass="entr" presetSubtype="0" fill="hold" nodeType="withEffect">
                                   <p:stCondLst>
                                     <p:cond delay="0"/>
                                   </p:stCondLst>
@@ -20338,7 +19027,7 @@
                                         <p:tgtEl>
                                           <p:spTgt spid="3">
                                             <p:txEl>
-                                              <p:pRg st="5" end="5"/>
+                                              <p:pRg st="4" end="4"/>
                                             </p:txEl>
                                           </p:spTgt>
                                         </p:tgtEl>
@@ -20387,6 +19076,55 @@
                                         <p:tgtEl>
                                           <p:spTgt spid="3">
                                             <p:txEl>
+                                              <p:pRg st="5" end="5"/>
+                                            </p:txEl>
+                                          </p:spTgt>
+                                        </p:tgtEl>
+                                        <p:attrNameLst>
+                                          <p:attrName>style.visibility</p:attrName>
+                                        </p:attrNameLst>
+                                      </p:cBhvr>
+                                      <p:to>
+                                        <p:strVal val="visible"/>
+                                      </p:to>
+                                    </p:set>
+                                  </p:childTnLst>
+                                </p:cTn>
+                              </p:par>
+                            </p:childTnLst>
+                          </p:cTn>
+                        </p:par>
+                      </p:childTnLst>
+                    </p:cTn>
+                  </p:par>
+                  <p:par>
+                    <p:cTn id="17" fill="hold">
+                      <p:stCondLst>
+                        <p:cond delay="indefinite"/>
+                      </p:stCondLst>
+                      <p:childTnLst>
+                        <p:par>
+                          <p:cTn id="18" fill="hold">
+                            <p:stCondLst>
+                              <p:cond delay="0"/>
+                            </p:stCondLst>
+                            <p:childTnLst>
+                              <p:par>
+                                <p:cTn id="19" presetID="1" presetClass="entr" presetSubtype="0" fill="hold" nodeType="clickEffect">
+                                  <p:stCondLst>
+                                    <p:cond delay="0"/>
+                                  </p:stCondLst>
+                                  <p:childTnLst>
+                                    <p:set>
+                                      <p:cBhvr>
+                                        <p:cTn id="20" dur="1" fill="hold">
+                                          <p:stCondLst>
+                                            <p:cond delay="0"/>
+                                          </p:stCondLst>
+                                        </p:cTn>
+                                        <p:tgtEl>
+                                          <p:spTgt spid="3">
+                                            <p:txEl>
                                               <p:pRg st="6" end="6"/>
                                             </p:txEl>
                                           </p:spTgt>
@@ -20403,14 +19141,14 @@
                                 </p:cTn>
                               </p:par>
                               <p:par>
-                                <p:cTn id="17" presetID="1" presetClass="entr" presetSubtype="0" fill="hold" nodeType="withEffect">
+                                <p:cTn id="21" presetID="1" presetClass="entr" presetSubtype="0" fill="hold" nodeType="withEffect">
                                   <p:stCondLst>
                                     <p:cond delay="0"/>
                                   </p:stCondLst>
                                   <p:childTnLst>
                                     <p:set>
                                       <p:cBhvr>
-                                        <p:cTn id="18" dur="1" fill="hold">
+                                        <p:cTn id="22" dur="1" fill="hold">
                                           <p:stCondLst>
                                             <p:cond delay="0"/>
                                           </p:stCondLst>
@@ -20526,10 +19264,10 @@
       </p:pic>
       <p:sp>
         <p:nvSpPr>
-          <p:cNvPr id="4" name="Subtitle 3">
+          <p:cNvPr id="5" name="Подзаглавие 4">
             <a:extLst>
               <a:ext uri="{FF2B5EF4-FFF2-40B4-BE49-F238E27FC236}">
-                <a16:creationId xmlns:a16="http://schemas.microsoft.com/office/drawing/2014/main" id="{E56811E3-B414-52AF-DC45-93527DF71351}"/>
+                <a16:creationId xmlns:a16="http://schemas.microsoft.com/office/drawing/2014/main" id="{7BA8BB63-75E6-0CC2-AAEB-A7E9791B4F5A}"/>
               </a:ext>
             </a:extLst>
           </p:cNvPr>
@@ -20546,19 +19284,19 @@
           <a:lstStyle/>
           <a:p>
             <a:r>
-              <a:rPr lang="bg-BG" dirty="0"/>
+              <a:rPr lang="ru-RU" dirty="0"/>
               <a:t>Общи данни и методи се изнасят в базовия клас</a:t>
             </a:r>
-            <a:endParaRPr lang="en-US" dirty="0"/>
-          </a:p>
-        </p:txBody>
-      </p:sp>
-      <p:sp>
-        <p:nvSpPr>
-          <p:cNvPr id="3" name="Title 2">
+            <a:endParaRPr lang="bg-BG" dirty="0"/>
+          </a:p>
+        </p:txBody>
+      </p:sp>
+      <p:sp>
+        <p:nvSpPr>
+          <p:cNvPr id="8" name="Заглавие 7">
             <a:extLst>
               <a:ext uri="{FF2B5EF4-FFF2-40B4-BE49-F238E27FC236}">
-                <a16:creationId xmlns:a16="http://schemas.microsoft.com/office/drawing/2014/main" id="{3E7EED59-E7B8-4363-86B1-51A4CBC91D2A}"/>
+                <a16:creationId xmlns:a16="http://schemas.microsoft.com/office/drawing/2014/main" id="{C4ADE10E-B43E-4C6D-1CDC-172D666FC70A}"/>
               </a:ext>
             </a:extLst>
           </p:cNvPr>
@@ -20569,12 +19307,7 @@
             <p:ph type="title" sz="quarter" idx="10"/>
           </p:nvPr>
         </p:nvSpPr>
-        <p:spPr>
-          <a:xfrm>
-            <a:off x="615109" y="4704825"/>
-            <a:ext cx="10961783" cy="768084"/>
-          </a:xfrm>
-        </p:spPr>
+        <p:spPr/>
         <p:txBody>
           <a:bodyPr/>
           <a:lstStyle/>
@@ -20583,14 +19316,13 @@
               <a:rPr lang="bg-BG" dirty="0"/>
               <a:t>Преизползване на код на ниво клас</a:t>
             </a:r>
-            <a:endParaRPr lang="en-US" dirty="0"/>
           </a:p>
         </p:txBody>
       </p:sp>
     </p:spTree>
     <p:extLst>
       <p:ext uri="{BB962C8B-B14F-4D97-AF65-F5344CB8AC3E}">
-        <p14:creationId xmlns:p14="http://schemas.microsoft.com/office/powerpoint/2010/main" val="1017547839"/>
+        <p14:creationId xmlns:p14="http://schemas.microsoft.com/office/powerpoint/2010/main" val="4229441303"/>
       </p:ext>
     </p:extLst>
   </p:cSld>
@@ -21051,10 +19783,10 @@
       </p:sp>
       <p:sp>
         <p:nvSpPr>
-          <p:cNvPr id="7" name="Slide Number">
+          <p:cNvPr id="4" name="Slide Number">
             <a:extLst>
               <a:ext uri="{FF2B5EF4-FFF2-40B4-BE49-F238E27FC236}">
-                <a16:creationId xmlns:a16="http://schemas.microsoft.com/office/drawing/2014/main" id="{A1585EAF-268C-4F58-9664-1C3F2138159D}"/>
+                <a16:creationId xmlns:a16="http://schemas.microsoft.com/office/drawing/2014/main" id="{5284FC8B-D4E0-ABA5-BF79-0B91010A704B}"/>
               </a:ext>
             </a:extLst>
           </p:cNvPr>
@@ -21094,7 +19826,7 @@
     </p:spTree>
     <p:extLst>
       <p:ext uri="{BB962C8B-B14F-4D97-AF65-F5344CB8AC3E}">
-        <p14:creationId xmlns:p14="http://schemas.microsoft.com/office/powerpoint/2010/main" val="1899076073"/>
+        <p14:creationId xmlns:p14="http://schemas.microsoft.com/office/powerpoint/2010/main" val="176115127"/>
       </p:ext>
     </p:extLst>
   </p:cSld>
@@ -21846,10 +20578,10 @@
       </p:sp>
       <p:sp>
         <p:nvSpPr>
-          <p:cNvPr id="8" name="Slide Number">
+          <p:cNvPr id="4" name="Slide Number">
             <a:extLst>
               <a:ext uri="{FF2B5EF4-FFF2-40B4-BE49-F238E27FC236}">
-                <a16:creationId xmlns:a16="http://schemas.microsoft.com/office/drawing/2014/main" id="{2515DD36-BBDF-464F-A7B4-1E24CEADBEC5}"/>
+                <a16:creationId xmlns:a16="http://schemas.microsoft.com/office/drawing/2014/main" id="{894A8D0A-8176-D637-D50A-1590935E7354}"/>
               </a:ext>
             </a:extLst>
           </p:cNvPr>
@@ -21889,7 +20621,7 @@
     </p:spTree>
     <p:extLst>
       <p:ext uri="{BB962C8B-B14F-4D97-AF65-F5344CB8AC3E}">
-        <p14:creationId xmlns:p14="http://schemas.microsoft.com/office/powerpoint/2010/main" val="1878059249"/>
+        <p14:creationId xmlns:p14="http://schemas.microsoft.com/office/powerpoint/2010/main" val="1715024467"/>
       </p:ext>
     </p:extLst>
   </p:cSld>
@@ -22187,7 +20919,7 @@
         </p:nvGrpSpPr>
         <p:grpSpPr>
           <a:xfrm>
-            <a:off x="191942" y="1419750"/>
+            <a:off x="191942" y="1359000"/>
             <a:ext cx="8919058" cy="5300339"/>
             <a:chOff x="472011" y="1508786"/>
             <a:chExt cx="3799787" cy="4865561"/>
@@ -22622,7 +21354,7 @@
             <a:r>
               <a:rPr lang="bg-BG" sz="3600" b="1" dirty="0">
                 <a:solidFill>
-                  <a:schemeClr val="bg1">
+                  <a:schemeClr val="accent1">
                     <a:lumMod val="60000"/>
                     <a:lumOff val="40000"/>
                   </a:schemeClr>
@@ -22666,7 +21398,7 @@
             <a:r>
               <a:rPr lang="bg-BG" sz="3600" b="1" dirty="0">
                 <a:solidFill>
-                  <a:schemeClr val="bg1">
+                  <a:schemeClr val="accent1">
                     <a:lumMod val="60000"/>
                     <a:lumOff val="40000"/>
                   </a:schemeClr>
@@ -22689,6 +21421,46 @@
                 </a:solidFill>
               </a:rPr>
               <a:t>води до </a:t>
+            </a:r>
+            <a:r>
+              <a:rPr lang="bg-BG" sz="3600" b="1" dirty="0">
+                <a:solidFill>
+                  <a:schemeClr val="accent1">
+                    <a:lumMod val="60000"/>
+                    <a:lumOff val="40000"/>
+                  </a:schemeClr>
+                </a:solidFill>
+              </a:rPr>
+              <a:t>йерархии</a:t>
+            </a:r>
+            <a:r>
+              <a:rPr lang="en-US" sz="3600" b="1" dirty="0">
+                <a:solidFill>
+                  <a:schemeClr val="bg2"/>
+                </a:solidFill>
+              </a:rPr>
+              <a:t> </a:t>
+            </a:r>
+          </a:p>
+          <a:p>
+            <a:pPr>
+              <a:lnSpc>
+                <a:spcPct val="100000"/>
+              </a:lnSpc>
+              <a:buClr>
+                <a:schemeClr val="bg2"/>
+              </a:buClr>
+            </a:pPr>
+            <a:r>
+              <a:rPr lang="bg-BG" sz="3600" b="1" dirty="0">
+                <a:solidFill>
+                  <a:schemeClr val="accent1">
+                    <a:lumMod val="60000"/>
+                    <a:lumOff val="40000"/>
+                  </a:schemeClr>
+                </a:solidFill>
+              </a:rPr>
+              <a:t>Подкласа наследява</a:t>
             </a:r>
             <a:r>
               <a:rPr lang="bg-BG" sz="3600" b="1" dirty="0">
@@ -22699,36 +21471,7 @@
                   </a:schemeClr>
                 </a:solidFill>
               </a:rPr>
-              <a:t>йерархии</a:t>
-            </a:r>
-            <a:r>
-              <a:rPr lang="en-US" sz="3600" b="1" dirty="0">
-                <a:solidFill>
-                  <a:schemeClr val="bg2"/>
-                </a:solidFill>
-              </a:rPr>
               <a:t> </a:t>
-            </a:r>
-          </a:p>
-          <a:p>
-            <a:pPr>
-              <a:lnSpc>
-                <a:spcPct val="100000"/>
-              </a:lnSpc>
-              <a:buClr>
-                <a:schemeClr val="bg2"/>
-              </a:buClr>
-            </a:pPr>
-            <a:r>
-              <a:rPr lang="bg-BG" sz="3600" b="1" dirty="0">
-                <a:solidFill>
-                  <a:schemeClr val="bg1">
-                    <a:lumMod val="60000"/>
-                    <a:lumOff val="40000"/>
-                  </a:schemeClr>
-                </a:solidFill>
-              </a:rPr>
-              <a:t>Подкласа наследява </a:t>
             </a:r>
             <a:r>
               <a:rPr lang="bg-BG" sz="3600" dirty="0">
@@ -22748,7 +21491,7 @@
             <a:r>
               <a:rPr lang="bg-BG" sz="3600" b="1" dirty="0">
                 <a:solidFill>
-                  <a:schemeClr val="bg1">
+                  <a:schemeClr val="accent1">
                     <a:lumMod val="60000"/>
                     <a:lumOff val="40000"/>
                   </a:schemeClr>
@@ -22775,7 +21518,7 @@
             <a:r>
               <a:rPr lang="bg-BG" sz="3600" b="1" dirty="0">
                 <a:solidFill>
-                  <a:schemeClr val="bg1">
+                  <a:schemeClr val="accent1">
                     <a:lumMod val="60000"/>
                     <a:lumOff val="40000"/>
                   </a:schemeClr>
@@ -22816,10 +21559,10 @@
       </p:sp>
       <p:sp>
         <p:nvSpPr>
-          <p:cNvPr id="16" name="Slide Number">
+          <p:cNvPr id="2" name="Slide Number">
             <a:extLst>
               <a:ext uri="{FF2B5EF4-FFF2-40B4-BE49-F238E27FC236}">
-                <a16:creationId xmlns:a16="http://schemas.microsoft.com/office/drawing/2014/main" id="{94EBDCF4-856C-4D57-A806-911ECB7924DE}"/>
+                <a16:creationId xmlns:a16="http://schemas.microsoft.com/office/drawing/2014/main" id="{53423EBA-53C0-B1E8-C727-8E949F555448}"/>
               </a:ext>
             </a:extLst>
           </p:cNvPr>
@@ -22859,7 +21602,7 @@
     </p:spTree>
     <p:extLst>
       <p:ext uri="{BB962C8B-B14F-4D97-AF65-F5344CB8AC3E}">
-        <p14:creationId xmlns:p14="http://schemas.microsoft.com/office/powerpoint/2010/main" val="4149141802"/>
+        <p14:creationId xmlns:p14="http://schemas.microsoft.com/office/powerpoint/2010/main" val="1690758099"/>
       </p:ext>
     </p:extLst>
   </p:cSld>
@@ -23044,29 +21787,140 @@
           <a:lstStyle/>
           <a:p>
             <a:r>
-              <a:rPr lang="bg-BG" sz="8800" dirty="0">
+              <a:rPr lang="bg-BG" dirty="0"/>
+              <a:t>Въпроси</a:t>
+            </a:r>
+            <a:r>
+              <a:rPr lang="en-US" dirty="0"/>
+              <a:t>?</a:t>
+            </a:r>
+          </a:p>
+        </p:txBody>
+      </p:sp>
+      <p:sp>
+        <p:nvSpPr>
+          <p:cNvPr id="2" name="Rectangle Bottom Copyright">
+            <a:extLst>
+              <a:ext uri="{FF2B5EF4-FFF2-40B4-BE49-F238E27FC236}">
+                <a16:creationId xmlns:a16="http://schemas.microsoft.com/office/drawing/2014/main" id="{664812A4-2991-44D1-BFE9-32E55AADF8A5}"/>
+              </a:ext>
+            </a:extLst>
+          </p:cNvPr>
+          <p:cNvSpPr/>
+          <p:nvPr/>
+        </p:nvSpPr>
+        <p:spPr>
+          <a:xfrm>
+            <a:off x="111000" y="6454758"/>
+            <a:ext cx="11970000" cy="304242"/>
+          </a:xfrm>
+          <a:prstGeom prst="rect">
+            <a:avLst/>
+          </a:prstGeom>
+        </p:spPr>
+        <p:txBody>
+          <a:bodyPr wrap="square">
+            <a:noAutofit/>
+          </a:bodyPr>
+          <a:lstStyle/>
+          <a:p>
+            <a:pPr algn="ctr">
+              <a:lnSpc>
+                <a:spcPct val="100000"/>
+              </a:lnSpc>
+              <a:spcBef>
+                <a:spcPts val="0"/>
+              </a:spcBef>
+              <a:spcAft>
+                <a:spcPts val="0"/>
+              </a:spcAft>
+            </a:pPr>
+            <a:r>
+              <a:rPr lang="bg-BG" sz="1600" dirty="0">
                 <a:solidFill>
-                  <a:srgbClr val="234465"/>
+                  <a:schemeClr val="bg2"/>
                 </a:solidFill>
+                <a:effectLst/>
+                <a:latin typeface="Calibri" panose="020F0502020204030204" pitchFamily="34" charset="0"/>
+                <a:ea typeface="Calibri" panose="020F0502020204030204" pitchFamily="34" charset="0"/>
+                <a:cs typeface="Arial" panose="020B0604020202020204" pitchFamily="34" charset="0"/>
               </a:rPr>
-              <a:t>Въпроси</a:t>
-            </a:r>
-            <a:r>
-              <a:rPr lang="en-US" sz="8800" dirty="0">
+              <a:t>Проект "</a:t>
+            </a:r>
+            <a:r>
+              <a:rPr lang="bg-BG" sz="1600" dirty="0">
                 <a:solidFill>
-                  <a:srgbClr val="234465"/>
+                  <a:schemeClr val="bg1">
+                    <a:lumMod val="20000"/>
+                    <a:lumOff val="80000"/>
+                  </a:schemeClr>
                 </a:solidFill>
+                <a:effectLst/>
+                <a:latin typeface="Calibri" panose="020F0502020204030204" pitchFamily="34" charset="0"/>
+                <a:ea typeface="Calibri" panose="020F0502020204030204" pitchFamily="34" charset="0"/>
+                <a:cs typeface="Arial" panose="020B0604020202020204" pitchFamily="34" charset="0"/>
+                <a:hlinkClick r:id="rId3">
+                  <a:extLst>
+                    <a:ext uri="{A12FA001-AC4F-418D-AE19-62706E023703}">
+                      <ahyp:hlinkClr xmlns:ahyp="http://schemas.microsoft.com/office/drawing/2018/hyperlinkcolor" val="tx"/>
+                    </a:ext>
+                  </a:extLst>
+                </a:hlinkClick>
               </a:rPr>
-              <a:t>?</a:t>
-            </a:r>
-            <a:endParaRPr lang="en-US" sz="8800" dirty="0"/>
+              <a:t>Отворено учебно съдържание по програмиране и ИТ</a:t>
+            </a:r>
+            <a:r>
+              <a:rPr lang="bg-BG" sz="1600" dirty="0">
+                <a:solidFill>
+                  <a:schemeClr val="bg2"/>
+                </a:solidFill>
+                <a:effectLst/>
+                <a:latin typeface="Calibri" panose="020F0502020204030204" pitchFamily="34" charset="0"/>
+                <a:ea typeface="Calibri" panose="020F0502020204030204" pitchFamily="34" charset="0"/>
+                <a:cs typeface="Arial" panose="020B0604020202020204" pitchFamily="34" charset="0"/>
+              </a:rPr>
+              <a:t>", СофтУни Фондация (лиценз </a:t>
+            </a:r>
+            <a:r>
+              <a:rPr lang="en-US" sz="1600" dirty="0">
+                <a:solidFill>
+                  <a:schemeClr val="bg2"/>
+                </a:solidFill>
+                <a:effectLst/>
+                <a:latin typeface="Calibri" panose="020F0502020204030204" pitchFamily="34" charset="0"/>
+                <a:ea typeface="Calibri" panose="020F0502020204030204" pitchFamily="34" charset="0"/>
+                <a:cs typeface="Arial" panose="020B0604020202020204" pitchFamily="34" charset="0"/>
+              </a:rPr>
+              <a:t>CC-BY-NC-SA</a:t>
+            </a:r>
+            <a:r>
+              <a:rPr lang="bg-BG" sz="1600" dirty="0">
+                <a:solidFill>
+                  <a:schemeClr val="bg2"/>
+                </a:solidFill>
+                <a:effectLst/>
+                <a:latin typeface="Calibri" panose="020F0502020204030204" pitchFamily="34" charset="0"/>
+                <a:ea typeface="Calibri" panose="020F0502020204030204" pitchFamily="34" charset="0"/>
+                <a:cs typeface="Arial" panose="020B0604020202020204" pitchFamily="34" charset="0"/>
+              </a:rPr>
+              <a:t>)</a:t>
+            </a:r>
+            <a:endParaRPr lang="bg-BG" sz="2400" dirty="0">
+              <a:solidFill>
+                <a:schemeClr val="bg2"/>
+              </a:solidFill>
+              <a:effectLst/>
+              <a:latin typeface="Calibri" panose="020F0502020204030204" pitchFamily="34" charset="0"/>
+              <a:ea typeface="Calibri" panose="020F0502020204030204" pitchFamily="34" charset="0"/>
+              <a:cs typeface="Arial" panose="020B0604020202020204" pitchFamily="34" charset="0"/>
+            </a:endParaRPr>
           </a:p>
         </p:txBody>
       </p:sp>
     </p:spTree>
     <p:extLst>
       <p:ext uri="{BB962C8B-B14F-4D97-AF65-F5344CB8AC3E}">
-        <p14:creationId xmlns:p14="http://schemas.microsoft.com/office/powerpoint/2010/main" val="3140127689"/>
+        <p14:creationId xmlns:p14="http://schemas.microsoft.com/office/powerpoint/2010/main" val="3595256654"/>
       </p:ext>
     </p:extLst>
   </p:cSld>
@@ -23120,11 +21974,13 @@
         <p:spPr>
           <a:xfrm>
             <a:off x="190402" y="1269001"/>
-            <a:ext cx="11818096" cy="5455890"/>
+            <a:ext cx="9865598" cy="2474999"/>
           </a:xfrm>
         </p:spPr>
         <p:txBody>
-          <a:bodyPr/>
+          <a:bodyPr>
+            <a:normAutofit/>
+          </a:bodyPr>
           <a:lstStyle/>
           <a:p>
             <a:pPr>
@@ -23133,122 +21989,42 @@
               </a:lnSpc>
             </a:pPr>
             <a:r>
-              <a:rPr lang="bg-BG" dirty="0"/>
+              <a:rPr lang="bg-BG" sz="3200" dirty="0"/>
               <a:t>Този курс</a:t>
             </a:r>
             <a:r>
-              <a:rPr lang="en-US" dirty="0"/>
+              <a:rPr lang="en-US" sz="3200" dirty="0"/>
               <a:t> (</a:t>
             </a:r>
             <a:r>
-              <a:rPr lang="bg-BG" dirty="0"/>
+              <a:rPr lang="bg-BG" sz="3200" dirty="0"/>
               <a:t>презентации, примери, демонстрационен код, упражнения, домашни, видео и други активи</a:t>
             </a:r>
             <a:r>
-              <a:rPr lang="en-US" dirty="0"/>
+              <a:rPr lang="en-US" sz="3200" dirty="0"/>
               <a:t>) </a:t>
             </a:r>
             <a:r>
-              <a:rPr lang="bg-BG" dirty="0"/>
+              <a:rPr lang="bg-BG" sz="3200" dirty="0"/>
               <a:t>представлява</a:t>
             </a:r>
             <a:r>
-              <a:rPr lang="en-US" dirty="0"/>
+              <a:rPr lang="en-US" sz="3200" dirty="0"/>
               <a:t> </a:t>
             </a:r>
             <a:r>
-              <a:rPr lang="bg-BG" b="1" dirty="0"/>
-              <a:t>защитено авторско съдържание</a:t>
-            </a:r>
-            <a:endParaRPr lang="en-US" dirty="0"/>
-          </a:p>
-          <a:p>
-            <a:pPr>
-              <a:lnSpc>
-                <a:spcPct val="120000"/>
-              </a:lnSpc>
-            </a:pPr>
-            <a:r>
-              <a:rPr lang="bg-BG" dirty="0"/>
-              <a:t>Нерегламентирано копиране</a:t>
-            </a:r>
-            <a:r>
-              <a:rPr lang="en-US" dirty="0"/>
-              <a:t>,</a:t>
-            </a:r>
-            <a:r>
-              <a:rPr lang="bg-BG" dirty="0"/>
-              <a:t> разпространение или използване е незаконно</a:t>
-            </a:r>
-          </a:p>
-          <a:p>
-            <a:pPr>
-              <a:lnSpc>
-                <a:spcPct val="120000"/>
-              </a:lnSpc>
-            </a:pPr>
-            <a:r>
-              <a:rPr lang="en-US" dirty="0"/>
-              <a:t>© </a:t>
-            </a:r>
-            <a:r>
-              <a:rPr lang="bg-BG" dirty="0"/>
-              <a:t>СофтУни</a:t>
-            </a:r>
-            <a:r>
-              <a:rPr lang="en-US" dirty="0"/>
-              <a:t> – </a:t>
-            </a:r>
-            <a:r>
-              <a:rPr lang="en-US" dirty="0">
-                <a:hlinkClick r:id="rId3"/>
-              </a:rPr>
-              <a:t>https://softuni.org</a:t>
-            </a:r>
-            <a:endParaRPr lang="en-US" dirty="0"/>
-          </a:p>
-          <a:p>
-            <a:pPr>
-              <a:lnSpc>
-                <a:spcPct val="120000"/>
-              </a:lnSpc>
-            </a:pPr>
-            <a:r>
-              <a:rPr lang="en-US" dirty="0"/>
-              <a:t>© </a:t>
-            </a:r>
-            <a:r>
-              <a:rPr lang="bg-BG" dirty="0"/>
-              <a:t>Софтуерен университет</a:t>
-            </a:r>
-            <a:r>
-              <a:rPr lang="en-US" dirty="0"/>
-              <a:t> – </a:t>
-            </a:r>
-            <a:r>
-              <a:rPr lang="en-US" dirty="0">
-                <a:hlinkClick r:id="rId4"/>
-              </a:rPr>
-              <a:t>https://softuni.bg</a:t>
-            </a:r>
-            <a:endParaRPr lang="bg-BG" dirty="0"/>
-          </a:p>
-          <a:p>
-            <a:pPr>
-              <a:lnSpc>
-                <a:spcPct val="120000"/>
-              </a:lnSpc>
-            </a:pPr>
-            <a:endParaRPr lang="bg-BG" dirty="0"/>
-          </a:p>
-          <a:p>
-            <a:pPr marL="0" indent="0">
-              <a:lnSpc>
-                <a:spcPct val="120000"/>
-              </a:lnSpc>
-              <a:buNone/>
-            </a:pPr>
-            <a:endParaRPr lang="bg-BG" dirty="0"/>
+              <a:rPr lang="bg-BG" sz="3200" b="1" dirty="0"/>
+              <a:t>свободно учебно съдържание </a:t>
+            </a:r>
+            <a:r>
+              <a:rPr lang="bg-BG" sz="3200" dirty="0"/>
+              <a:t>и се разпространява под свободен лиценз </a:t>
+            </a:r>
+            <a:r>
+              <a:rPr lang="en-US" sz="3200" b="1" dirty="0"/>
+              <a:t>CC-BY-NC-SA</a:t>
+            </a:r>
+            <a:endParaRPr lang="bg-BG" sz="3200" dirty="0"/>
           </a:p>
         </p:txBody>
       </p:sp>
@@ -23257,7 +22033,7 @@
           <p:cNvPr id="6" name="Picture License" descr="License">
             <a:extLst>
               <a:ext uri="{FF2B5EF4-FFF2-40B4-BE49-F238E27FC236}">
-                <a16:creationId xmlns:a16="http://schemas.microsoft.com/office/drawing/2014/main" id="{A10A2585-858C-4B1E-8846-27CF1C15729E}"/>
+                <a16:creationId xmlns:a16="http://schemas.microsoft.com/office/drawing/2014/main" id="{82BA520F-A037-4E01-AA18-27D9F1E930A6}"/>
               </a:ext>
             </a:extLst>
           </p:cNvPr>
@@ -23267,7 +22043,7 @@
           <p:nvPr/>
         </p:nvPicPr>
         <p:blipFill>
-          <a:blip r:embed="rId5">
+          <a:blip r:embed="rId3">
             <a:clrChange>
               <a:clrFrom>
                 <a:srgbClr val="FFFFFF"/>
@@ -23285,8 +22061,8 @@
         </p:blipFill>
         <p:spPr>
           <a:xfrm>
-            <a:off x="9745023" y="4445455"/>
-            <a:ext cx="1930977" cy="2043545"/>
+            <a:off x="10226175" y="1440120"/>
+            <a:ext cx="1198986" cy="1268880"/>
           </a:xfrm>
           <a:prstGeom prst="rect">
             <a:avLst/>
@@ -23323,10 +22099,171 @@
       </p:sp>
       <p:sp>
         <p:nvSpPr>
-          <p:cNvPr id="7" name="Slide Number">
+          <p:cNvPr id="11" name="TextBox 10">
             <a:extLst>
               <a:ext uri="{FF2B5EF4-FFF2-40B4-BE49-F238E27FC236}">
-                <a16:creationId xmlns:a16="http://schemas.microsoft.com/office/drawing/2014/main" id="{0B20C9FE-51B9-4CA1-A3B4-E16FBFC084A5}"/>
+                <a16:creationId xmlns:a16="http://schemas.microsoft.com/office/drawing/2014/main" id="{0C18DF19-B750-4C88-975B-661A6BF61F5E}"/>
+              </a:ext>
+            </a:extLst>
+          </p:cNvPr>
+          <p:cNvSpPr txBox="1"/>
+          <p:nvPr/>
+        </p:nvSpPr>
+        <p:spPr>
+          <a:xfrm>
+            <a:off x="190401" y="3927519"/>
+            <a:ext cx="11710599" cy="1979644"/>
+          </a:xfrm>
+          <a:prstGeom prst="rect">
+            <a:avLst/>
+          </a:prstGeom>
+          <a:noFill/>
+          <a:ln w="12700">
+            <a:noFill/>
+          </a:ln>
+        </p:spPr>
+        <p:txBody>
+          <a:bodyPr wrap="square">
+            <a:spAutoFit/>
+          </a:bodyPr>
+          <a:lstStyle/>
+          <a:p>
+            <a:pPr marL="360363" indent="-360363" defTabSz="1218438">
+              <a:lnSpc>
+                <a:spcPct val="120000"/>
+              </a:lnSpc>
+              <a:spcBef>
+                <a:spcPts val="600"/>
+              </a:spcBef>
+              <a:spcAft>
+                <a:spcPts val="600"/>
+              </a:spcAft>
+              <a:buFont typeface="Wingdings" panose="05000000000000000000" pitchFamily="2" charset="2"/>
+              <a:buChar char="§"/>
+              <a:defRPr/>
+            </a:pPr>
+            <a:r>
+              <a:rPr lang="bg-BG" sz="3200" dirty="0"/>
+              <a:t>Проект "</a:t>
+            </a:r>
+            <a:r>
+              <a:rPr lang="bg-BG" sz="3200" b="1" dirty="0"/>
+              <a:t>Отворено учебно съдържание по програмиране и ИТ</a:t>
+            </a:r>
+            <a:r>
+              <a:rPr lang="bg-BG" sz="3200" dirty="0"/>
+              <a:t>" към Фондация "Софтуерен университет"</a:t>
+            </a:r>
+            <a:r>
+              <a:rPr lang="en-US" sz="3200" dirty="0"/>
+              <a:t>:</a:t>
+            </a:r>
+            <a:endParaRPr lang="bg-BG" sz="3200" dirty="0"/>
+          </a:p>
+          <a:p>
+            <a:pPr marL="817563" lvl="1" indent="-360363" defTabSz="1218438">
+              <a:lnSpc>
+                <a:spcPct val="120000"/>
+              </a:lnSpc>
+              <a:spcBef>
+                <a:spcPts val="600"/>
+              </a:spcBef>
+              <a:spcAft>
+                <a:spcPts val="600"/>
+              </a:spcAft>
+              <a:buFont typeface="Wingdings" panose="05000000000000000000" pitchFamily="2" charset="2"/>
+              <a:buChar char="§"/>
+              <a:defRPr/>
+            </a:pPr>
+            <a:r>
+              <a:rPr kumimoji="0" lang="en-US" sz="3200" b="0" i="0" u="none" strike="noStrike" kern="1200" cap="none" spc="0" normalizeH="0" baseline="0" noProof="0" dirty="0">
+                <a:ln>
+                  <a:noFill/>
+                </a:ln>
+                <a:solidFill>
+                  <a:srgbClr val="234465"/>
+                </a:solidFill>
+                <a:effectLst/>
+                <a:uLnTx/>
+                <a:uFillTx/>
+                <a:latin typeface="Calibri"/>
+                <a:ea typeface="+mn-ea"/>
+                <a:cs typeface="+mn-cs"/>
+                <a:hlinkClick r:id="rId4"/>
+              </a:rPr>
+              <a:t>https://github.com/BG-IT-Edu</a:t>
+            </a:r>
+            <a:endParaRPr kumimoji="0" lang="bg-BG" sz="3200" b="0" i="0" u="none" strike="noStrike" kern="1200" cap="none" spc="0" normalizeH="0" baseline="0" noProof="0" dirty="0">
+              <a:ln>
+                <a:noFill/>
+              </a:ln>
+              <a:solidFill>
+                <a:srgbClr val="234465"/>
+              </a:solidFill>
+              <a:effectLst/>
+              <a:uLnTx/>
+              <a:uFillTx/>
+              <a:latin typeface="Calibri"/>
+              <a:ea typeface="+mn-ea"/>
+              <a:cs typeface="+mn-cs"/>
+            </a:endParaRPr>
+          </a:p>
+        </p:txBody>
+      </p:sp>
+      <p:pic>
+        <p:nvPicPr>
+          <p:cNvPr id="7" name="Picture 6" title="CC-BY-NC-SA License">
+            <a:hlinkClick r:id="rId5" tooltip="This work is licensed under the &quot;Creative Commons Attribution-NonCommercial-ShareAlike 4.0 International&quot; license"/>
+            <a:extLst>
+              <a:ext uri="{FF2B5EF4-FFF2-40B4-BE49-F238E27FC236}">
+                <a16:creationId xmlns:a16="http://schemas.microsoft.com/office/drawing/2014/main" id="{F6C77C47-F7D8-A176-5C69-7FDE5C7E8003}"/>
+              </a:ext>
+            </a:extLst>
+          </p:cNvPr>
+          <p:cNvPicPr>
+            <a:picLocks noChangeAspect="1" noChangeArrowheads="1"/>
+          </p:cNvPicPr>
+          <p:nvPr/>
+        </p:nvPicPr>
+        <p:blipFill>
+          <a:blip r:embed="rId6">
+            <a:extLst>
+              <a:ext uri="{28A0092B-C50C-407E-A947-70E740481C1C}">
+                <a14:useLocalDpi xmlns:a14="http://schemas.microsoft.com/office/drawing/2010/main"/>
+              </a:ext>
+            </a:extLst>
+          </a:blip>
+          <a:srcRect/>
+          <a:stretch>
+            <a:fillRect/>
+          </a:stretch>
+        </p:blipFill>
+        <p:spPr bwMode="auto">
+          <a:xfrm>
+            <a:off x="9831000" y="2908593"/>
+            <a:ext cx="1989336" cy="696022"/>
+          </a:xfrm>
+          <a:prstGeom prst="roundRect">
+            <a:avLst>
+              <a:gd name="adj" fmla="val 3940"/>
+            </a:avLst>
+          </a:prstGeom>
+          <a:solidFill>
+            <a:srgbClr val="231F20">
+              <a:alpha val="50000"/>
+            </a:srgbClr>
+          </a:solidFill>
+          <a:ln>
+            <a:noFill/>
+          </a:ln>
+        </p:spPr>
+      </p:pic>
+      <p:sp>
+        <p:nvSpPr>
+          <p:cNvPr id="4" name="Slide Number">
+            <a:extLst>
+              <a:ext uri="{FF2B5EF4-FFF2-40B4-BE49-F238E27FC236}">
+                <a16:creationId xmlns:a16="http://schemas.microsoft.com/office/drawing/2014/main" id="{20FB8081-F315-A3E6-0A98-3360EAE38EA7}"/>
               </a:ext>
             </a:extLst>
           </p:cNvPr>
@@ -23366,7 +22303,7 @@
     </p:spTree>
     <p:extLst>
       <p:ext uri="{BB962C8B-B14F-4D97-AF65-F5344CB8AC3E}">
-        <p14:creationId xmlns:p14="http://schemas.microsoft.com/office/powerpoint/2010/main" val="229369013"/>
+        <p14:creationId xmlns:p14="http://schemas.microsoft.com/office/powerpoint/2010/main" val="847652393"/>
       </p:ext>
     </p:extLst>
   </p:cSld>
@@ -23582,10 +22519,10 @@
       </p:pic>
       <p:sp>
         <p:nvSpPr>
-          <p:cNvPr id="4" name="Subtitle 3">
+          <p:cNvPr id="5" name="Подзаглавие 4">
             <a:extLst>
               <a:ext uri="{FF2B5EF4-FFF2-40B4-BE49-F238E27FC236}">
-                <a16:creationId xmlns:a16="http://schemas.microsoft.com/office/drawing/2014/main" id="{2AFE9D1B-9BC8-32BF-D042-ED61932FF417}"/>
+                <a16:creationId xmlns:a16="http://schemas.microsoft.com/office/drawing/2014/main" id="{CE24315F-8B3E-FBA0-2761-7EA58A124A43}"/>
               </a:ext>
             </a:extLst>
           </p:cNvPr>
@@ -23605,16 +22542,15 @@
               <a:rPr lang="bg-BG" dirty="0"/>
               <a:t>Клас-наследник разширява базов клас</a:t>
             </a:r>
-            <a:endParaRPr lang="en-US" dirty="0"/>
-          </a:p>
-        </p:txBody>
-      </p:sp>
-      <p:sp>
-        <p:nvSpPr>
-          <p:cNvPr id="7" name="Title 6">
+          </a:p>
+        </p:txBody>
+      </p:sp>
+      <p:sp>
+        <p:nvSpPr>
+          <p:cNvPr id="9" name="Заглавие 8">
             <a:extLst>
               <a:ext uri="{FF2B5EF4-FFF2-40B4-BE49-F238E27FC236}">
-                <a16:creationId xmlns:a16="http://schemas.microsoft.com/office/drawing/2014/main" id="{80D50367-B92C-4E2F-9B82-63F9997B606A}"/>
+                <a16:creationId xmlns:a16="http://schemas.microsoft.com/office/drawing/2014/main" id="{835DB5D3-7D02-9A9A-0581-AE600BE0C6C2}"/>
               </a:ext>
             </a:extLst>
           </p:cNvPr>
@@ -23625,12 +22561,7 @@
             <p:ph type="title" sz="quarter" idx="10"/>
           </p:nvPr>
         </p:nvSpPr>
-        <p:spPr>
-          <a:xfrm>
-            <a:off x="615109" y="4704825"/>
-            <a:ext cx="10961783" cy="768084"/>
-          </a:xfrm>
-        </p:spPr>
+        <p:spPr/>
         <p:txBody>
           <a:bodyPr/>
           <a:lstStyle/>
@@ -23639,14 +22570,13 @@
               <a:rPr lang="bg-BG" dirty="0"/>
               <a:t>Наследяване на класове</a:t>
             </a:r>
-            <a:endParaRPr lang="en-US" dirty="0"/>
           </a:p>
         </p:txBody>
       </p:sp>
     </p:spTree>
     <p:extLst>
       <p:ext uri="{BB962C8B-B14F-4D97-AF65-F5344CB8AC3E}">
-        <p14:creationId xmlns:p14="http://schemas.microsoft.com/office/powerpoint/2010/main" val="3342022138"/>
+        <p14:creationId xmlns:p14="http://schemas.microsoft.com/office/powerpoint/2010/main" val="670186500"/>
       </p:ext>
     </p:extLst>
   </p:cSld>
@@ -23691,7 +22621,12 @@
             <p:ph type="body" sz="quarter" idx="10"/>
           </p:nvPr>
         </p:nvSpPr>
-        <p:spPr/>
+        <p:spPr>
+          <a:xfrm>
+            <a:off x="45000" y="1230234"/>
+            <a:ext cx="12216000" cy="5528766"/>
+          </a:xfrm>
+        </p:spPr>
         <p:txBody>
           <a:bodyPr>
             <a:normAutofit/>
@@ -23707,7 +22642,7 @@
               </a:buClr>
             </a:pPr>
             <a:r>
-              <a:rPr lang="bg-BG" sz="3000" b="1" dirty="0">
+              <a:rPr lang="bg-BG" sz="3600" b="1" dirty="0">
                 <a:solidFill>
                   <a:schemeClr val="bg1"/>
                 </a:solidFill>
@@ -23715,7 +22650,7 @@
               <a:t>Суперклас</a:t>
             </a:r>
             <a:r>
-              <a:rPr lang="en-US" sz="3000" b="1" dirty="0">
+              <a:rPr lang="en-US" sz="3600" b="1" dirty="0">
                 <a:solidFill>
                   <a:schemeClr val="bg1"/>
                 </a:solidFill>
@@ -23723,32 +22658,32 @@
               <a:t> (superclass) </a:t>
             </a:r>
             <a:r>
-              <a:rPr lang="en-US" sz="3000" dirty="0"/>
+              <a:rPr lang="en-US" sz="3600" dirty="0"/>
               <a:t>– </a:t>
             </a:r>
             <a:r>
-              <a:rPr lang="bg-BG" sz="3000" dirty="0"/>
-              <a:t>родителски (</a:t>
-            </a:r>
-            <a:r>
-              <a:rPr lang="en-US" sz="3000" dirty="0"/>
-              <a:t>parent) class, </a:t>
-            </a:r>
-            <a:r>
-              <a:rPr lang="bg-BG" sz="3000" dirty="0"/>
-              <a:t>базов (</a:t>
-            </a:r>
-            <a:r>
-              <a:rPr lang="en-US" sz="3000" dirty="0"/>
-              <a:t>base</a:t>
-            </a:r>
-            <a:r>
-              <a:rPr lang="bg-BG" sz="3000" dirty="0"/>
-              <a:t>)</a:t>
-            </a:r>
-            <a:r>
-              <a:rPr lang="en-US" sz="3000" dirty="0"/>
-              <a:t> class </a:t>
+              <a:rPr lang="bg-BG" sz="3600" b="1" dirty="0"/>
+              <a:t>родителски</a:t>
+            </a:r>
+            <a:r>
+              <a:rPr lang="bg-BG" sz="3600" dirty="0"/>
+              <a:t> клас</a:t>
+            </a:r>
+            <a:r>
+              <a:rPr lang="en-US" sz="3600" dirty="0"/>
+              <a:t>, </a:t>
+            </a:r>
+            <a:r>
+              <a:rPr lang="bg-BG" sz="3600" b="1" dirty="0"/>
+              <a:t>базов</a:t>
+            </a:r>
+            <a:r>
+              <a:rPr lang="bg-BG" sz="3600" dirty="0"/>
+              <a:t> клас</a:t>
+            </a:r>
+            <a:r>
+              <a:rPr lang="en-US" sz="3600" dirty="0"/>
+              <a:t> </a:t>
             </a:r>
           </a:p>
           <a:p>
@@ -23761,11 +22696,11 @@
               </a:buClr>
             </a:pPr>
             <a:r>
-              <a:rPr lang="bg-BG" sz="3000" dirty="0"/>
+              <a:rPr lang="bg-BG" sz="3600" dirty="0"/>
               <a:t>Класът предава своите </a:t>
             </a:r>
             <a:r>
-              <a:rPr lang="bg-BG" sz="3000" b="1" dirty="0">
+              <a:rPr lang="bg-BG" sz="3600" b="1" dirty="0">
                 <a:solidFill>
                   <a:schemeClr val="bg1"/>
                 </a:solidFill>
@@ -23773,15 +22708,15 @@
               <a:t>членове</a:t>
             </a:r>
             <a:r>
-              <a:rPr lang="en-US" sz="3000" dirty="0"/>
+              <a:rPr lang="en-US" sz="3600" dirty="0"/>
               <a:t> </a:t>
             </a:r>
             <a:r>
-              <a:rPr lang="bg-BG" sz="3000" dirty="0"/>
+              <a:rPr lang="bg-BG" sz="3600" dirty="0"/>
               <a:t>на </a:t>
             </a:r>
             <a:r>
-              <a:rPr lang="bg-BG" sz="3000" b="1" dirty="0">
+              <a:rPr lang="bg-BG" sz="3600" b="1" dirty="0">
                 <a:solidFill>
                   <a:schemeClr val="bg1"/>
                 </a:solidFill>
@@ -23789,14 +22724,14 @@
               <a:t>класа дете (</a:t>
             </a:r>
             <a:r>
-              <a:rPr lang="en-US" sz="3000" b="1" dirty="0">
+              <a:rPr lang="en-US" sz="3600" b="1" dirty="0">
                 <a:solidFill>
                   <a:schemeClr val="bg1"/>
                 </a:solidFill>
               </a:rPr>
               <a:t>child)</a:t>
             </a:r>
-            <a:endParaRPr lang="bg-BG" sz="3000" b="1" dirty="0">
+            <a:endParaRPr lang="bg-BG" sz="3600" b="1" dirty="0">
               <a:solidFill>
                 <a:schemeClr val="bg1"/>
               </a:solidFill>
@@ -23812,7 +22747,7 @@
               </a:buClr>
             </a:pPr>
             <a:r>
-              <a:rPr lang="bg-BG" sz="3000" b="1" dirty="0">
+              <a:rPr lang="bg-BG" sz="3600" b="1" dirty="0">
                 <a:solidFill>
                   <a:schemeClr val="bg1"/>
                 </a:solidFill>
@@ -23820,7 +22755,7 @@
               <a:t>Подклас (</a:t>
             </a:r>
             <a:r>
-              <a:rPr lang="en-US" sz="3000" b="1" dirty="0">
+              <a:rPr lang="en-US" sz="3600" b="1" dirty="0">
                 <a:solidFill>
                   <a:schemeClr val="bg1"/>
                 </a:solidFill>
@@ -23828,66 +22763,38 @@
               <a:t>subclass) </a:t>
             </a:r>
             <a:r>
-              <a:rPr lang="en-US" sz="3000" dirty="0"/>
+              <a:rPr lang="en-US" sz="3600" dirty="0"/>
               <a:t>– </a:t>
             </a:r>
             <a:r>
-              <a:rPr lang="en-US" sz="3000" b="1" dirty="0">
-                <a:solidFill>
-                  <a:schemeClr val="bg1"/>
-                </a:solidFill>
-              </a:rPr>
-              <a:t>child class (</a:t>
-            </a:r>
-            <a:r>
-              <a:rPr lang="bg-BG" sz="3000" b="1" dirty="0">
-                <a:solidFill>
-                  <a:schemeClr val="bg1"/>
-                </a:solidFill>
-              </a:rPr>
+              <a:rPr lang="bg-BG" sz="3600" b="1" dirty="0"/>
               <a:t>дете</a:t>
             </a:r>
             <a:r>
-              <a:rPr lang="en-US" sz="3000" b="1" dirty="0">
-                <a:solidFill>
-                  <a:schemeClr val="bg1"/>
-                </a:solidFill>
-              </a:rPr>
+              <a:rPr lang="en-US" sz="3600" b="1" dirty="0"/>
               <a:t>/</a:t>
             </a:r>
             <a:r>
-              <a:rPr lang="bg-BG" sz="3000" b="1" dirty="0">
-                <a:solidFill>
-                  <a:schemeClr val="bg1"/>
-                </a:solidFill>
-              </a:rPr>
-              <a:t>дъщерен клас)</a:t>
-            </a:r>
-            <a:r>
-              <a:rPr lang="en-US" sz="3000" dirty="0"/>
+              <a:rPr lang="bg-BG" sz="3600" b="1" dirty="0"/>
+              <a:t>дъщерен </a:t>
+            </a:r>
+            <a:r>
+              <a:rPr lang="bg-BG" sz="3600" dirty="0"/>
+              <a:t>клас</a:t>
+            </a:r>
+            <a:r>
+              <a:rPr lang="en-US" sz="3600" dirty="0"/>
               <a:t>, </a:t>
             </a:r>
             <a:r>
-              <a:rPr lang="en-US" sz="3000" b="1" dirty="0">
-                <a:solidFill>
-                  <a:schemeClr val="bg1"/>
-                </a:solidFill>
-              </a:rPr>
-              <a:t>derived class</a:t>
-            </a:r>
-            <a:r>
-              <a:rPr lang="bg-BG" sz="3000" b="1" dirty="0">
-                <a:solidFill>
-                  <a:schemeClr val="bg1"/>
-                </a:solidFill>
-              </a:rPr>
-              <a:t> (производен)</a:t>
-            </a:r>
-            <a:endParaRPr lang="en-US" sz="3000" b="1" dirty="0">
-              <a:solidFill>
-                <a:schemeClr val="bg1"/>
-              </a:solidFill>
-            </a:endParaRPr>
+              <a:rPr lang="bg-BG" sz="3600" b="1" dirty="0"/>
+              <a:t>производен </a:t>
+            </a:r>
+            <a:r>
+              <a:rPr lang="bg-BG" sz="3600" dirty="0"/>
+              <a:t>клас</a:t>
+            </a:r>
+            <a:endParaRPr lang="en-US" sz="3600" dirty="0"/>
           </a:p>
           <a:p>
             <a:pPr lvl="1">
@@ -23896,10 +22803,10 @@
               </a:lnSpc>
             </a:pPr>
             <a:r>
-              <a:rPr lang="bg-BG" sz="3000" dirty="0"/>
+              <a:rPr lang="bg-BG" sz="3600" dirty="0"/>
               <a:t>Класът взима членовете си от базовия клас</a:t>
             </a:r>
-            <a:endParaRPr lang="en-US" sz="3000" dirty="0">
+            <a:endParaRPr lang="en-US" sz="3600" dirty="0">
               <a:solidFill>
                 <a:schemeClr val="tx2">
                   <a:lumMod val="75000"/>
@@ -24335,10 +23242,10 @@
       </p:sp>
       <p:sp>
         <p:nvSpPr>
-          <p:cNvPr id="12" name="Slide Number">
+          <p:cNvPr id="2" name="Slide Number">
             <a:extLst>
               <a:ext uri="{FF2B5EF4-FFF2-40B4-BE49-F238E27FC236}">
-                <a16:creationId xmlns:a16="http://schemas.microsoft.com/office/drawing/2014/main" id="{98BDACAA-63DA-44A6-8FF8-FD6E90DEE6DB}"/>
+                <a16:creationId xmlns:a16="http://schemas.microsoft.com/office/drawing/2014/main" id="{5C9D36F9-9A4B-54EA-3B64-FEB25E037E0D}"/>
               </a:ext>
             </a:extLst>
           </p:cNvPr>
@@ -24378,7 +23285,7 @@
     </p:spTree>
     <p:extLst>
       <p:ext uri="{BB962C8B-B14F-4D97-AF65-F5344CB8AC3E}">
-        <p14:creationId xmlns:p14="http://schemas.microsoft.com/office/powerpoint/2010/main" val="273650419"/>
+        <p14:creationId xmlns:p14="http://schemas.microsoft.com/office/powerpoint/2010/main" val="4140529974"/>
       </p:ext>
     </p:extLst>
   </p:cSld>
@@ -24744,7 +23651,7 @@
             </a:r>
             <a:r>
               <a:rPr lang="bg-BG" dirty="0"/>
-              <a:t>пример</a:t>
+              <a:t>Пример</a:t>
             </a:r>
             <a:endParaRPr lang="en-US" dirty="0"/>
           </a:p>
@@ -25547,10 +24454,10 @@
       </p:sp>
       <p:sp>
         <p:nvSpPr>
-          <p:cNvPr id="19" name="Slide Number">
+          <p:cNvPr id="13" name="Slide Number">
             <a:extLst>
               <a:ext uri="{FF2B5EF4-FFF2-40B4-BE49-F238E27FC236}">
-                <a16:creationId xmlns:a16="http://schemas.microsoft.com/office/drawing/2014/main" id="{1B78C945-EBD0-4F31-9B19-57215A2E9CEF}"/>
+                <a16:creationId xmlns:a16="http://schemas.microsoft.com/office/drawing/2014/main" id="{2A1730D9-28E9-3D70-3E7F-F58E5261884A}"/>
               </a:ext>
             </a:extLst>
           </p:cNvPr>
@@ -25678,7 +24585,7 @@
     </p:spTree>
     <p:extLst>
       <p:ext uri="{BB962C8B-B14F-4D97-AF65-F5344CB8AC3E}">
-        <p14:creationId xmlns:p14="http://schemas.microsoft.com/office/powerpoint/2010/main" val="4193742645"/>
+        <p14:creationId xmlns:p14="http://schemas.microsoft.com/office/powerpoint/2010/main" val="1737260592"/>
       </p:ext>
     </p:extLst>
   </p:cSld>
@@ -25727,7 +24634,7 @@
                                           </p:stCondLst>
                                         </p:cTn>
                                         <p:tgtEl>
-                                          <p:spTgt spid="21"/>
+                                          <p:spTgt spid="23"/>
                                         </p:tgtEl>
                                         <p:attrNameLst>
                                           <p:attrName>style.visibility</p:attrName>
@@ -25772,7 +24679,7 @@
                                           </p:stCondLst>
                                         </p:cTn>
                                         <p:tgtEl>
-                                          <p:spTgt spid="22"/>
+                                          <p:spTgt spid="21"/>
                                         </p:tgtEl>
                                         <p:attrNameLst>
                                           <p:attrName>style.visibility</p:attrName>
@@ -25817,7 +24724,7 @@
                                           </p:stCondLst>
                                         </p:cTn>
                                         <p:tgtEl>
-                                          <p:spTgt spid="23"/>
+                                          <p:spTgt spid="22"/>
                                         </p:tgtEl>
                                         <p:attrNameLst>
                                           <p:attrName>style.visibility</p:attrName>
@@ -25916,10 +24823,10 @@
       </p:pic>
       <p:sp>
         <p:nvSpPr>
-          <p:cNvPr id="3" name="Subtitle 2">
+          <p:cNvPr id="5" name="Подзаглавие 4">
             <a:extLst>
               <a:ext uri="{FF2B5EF4-FFF2-40B4-BE49-F238E27FC236}">
-                <a16:creationId xmlns:a16="http://schemas.microsoft.com/office/drawing/2014/main" id="{5E6A2E75-0BCF-2A73-5CDD-5756569D28A0}"/>
+                <a16:creationId xmlns:a16="http://schemas.microsoft.com/office/drawing/2014/main" id="{C66C1E76-A610-AA30-82D7-594459D98A09}"/>
               </a:ext>
             </a:extLst>
           </p:cNvPr>
@@ -25936,27 +24843,18 @@
           <a:lstStyle/>
           <a:p>
             <a:r>
-              <a:rPr lang="bg-BG" sz="4000" dirty="0"/>
-              <a:t>Дърво от наследявания</a:t>
-            </a:r>
-            <a:r>
-              <a:rPr lang="en-US" sz="4000" dirty="0"/>
-              <a:t> </a:t>
-            </a:r>
-            <a:r>
-              <a:rPr lang="bg-BG" sz="4000" dirty="0"/>
-              <a:t>в ООП</a:t>
-            </a:r>
-            <a:endParaRPr lang="en-US" dirty="0"/>
-          </a:p>
-        </p:txBody>
-      </p:sp>
-      <p:sp>
-        <p:nvSpPr>
-          <p:cNvPr id="4" name="Title 3">
+              <a:rPr lang="bg-BG"/>
+              <a:t>Наследяването създава йерархия</a:t>
+            </a:r>
+          </a:p>
+        </p:txBody>
+      </p:sp>
+      <p:sp>
+        <p:nvSpPr>
+          <p:cNvPr id="8" name="Заглавие 7">
             <a:extLst>
               <a:ext uri="{FF2B5EF4-FFF2-40B4-BE49-F238E27FC236}">
-                <a16:creationId xmlns:a16="http://schemas.microsoft.com/office/drawing/2014/main" id="{AA545837-B320-414D-A1F9-A999F6E52CDC}"/>
+                <a16:creationId xmlns:a16="http://schemas.microsoft.com/office/drawing/2014/main" id="{269C08D7-1B9E-D9AE-1B55-CFC7AB12B491}"/>
               </a:ext>
             </a:extLst>
           </p:cNvPr>
@@ -25967,28 +24865,23 @@
             <p:ph type="title" sz="quarter" idx="10"/>
           </p:nvPr>
         </p:nvSpPr>
-        <p:spPr>
-          <a:xfrm>
-            <a:off x="615109" y="4704825"/>
-            <a:ext cx="10961783" cy="768084"/>
-          </a:xfrm>
-        </p:spPr>
+        <p:spPr/>
         <p:txBody>
           <a:bodyPr/>
           <a:lstStyle/>
           <a:p>
             <a:r>
-              <a:rPr lang="bg-BG" dirty="0"/>
-              <a:t>Наследяването създава йерархия</a:t>
-            </a:r>
-            <a:endParaRPr lang="en-US" dirty="0"/>
+              <a:rPr lang="ru-RU"/>
+              <a:t>Дърво от наследявания в ООП</a:t>
+            </a:r>
+            <a:endParaRPr lang="bg-BG"/>
           </a:p>
         </p:txBody>
       </p:sp>
     </p:spTree>
     <p:extLst>
       <p:ext uri="{BB962C8B-B14F-4D97-AF65-F5344CB8AC3E}">
-        <p14:creationId xmlns:p14="http://schemas.microsoft.com/office/powerpoint/2010/main" val="1988602103"/>
+        <p14:creationId xmlns:p14="http://schemas.microsoft.com/office/powerpoint/2010/main" val="3961233147"/>
       </p:ext>
     </p:extLst>
   </p:cSld>
@@ -26718,7 +25611,7 @@
             <a:r>
               <a:rPr lang="bg-BG" sz="2400" b="1" dirty="0">
                 <a:solidFill>
-                  <a:schemeClr val="bg1">
+                  <a:schemeClr val="accent1">
                     <a:lumMod val="60000"/>
                     <a:lumOff val="40000"/>
                   </a:schemeClr>
@@ -27504,10 +26397,10 @@
       </p:sp>
       <p:sp>
         <p:nvSpPr>
-          <p:cNvPr id="26" name="Slide Number">
+          <p:cNvPr id="2" name="Slide Number">
             <a:extLst>
               <a:ext uri="{FF2B5EF4-FFF2-40B4-BE49-F238E27FC236}">
-                <a16:creationId xmlns:a16="http://schemas.microsoft.com/office/drawing/2014/main" id="{147135B9-F659-41B2-96DE-5D8441FDB237}"/>
+                <a16:creationId xmlns:a16="http://schemas.microsoft.com/office/drawing/2014/main" id="{59497077-0EFD-EB2A-2D58-59D3D2449CE1}"/>
               </a:ext>
             </a:extLst>
           </p:cNvPr>
@@ -27547,7 +26440,7 @@
     </p:spTree>
     <p:extLst>
       <p:ext uri="{BB962C8B-B14F-4D97-AF65-F5344CB8AC3E}">
-        <p14:creationId xmlns:p14="http://schemas.microsoft.com/office/powerpoint/2010/main" val="2306499341"/>
+        <p14:creationId xmlns:p14="http://schemas.microsoft.com/office/powerpoint/2010/main" val="1419595123"/>
       </p:ext>
     </p:extLst>
   </p:cSld>
@@ -28194,8 +27087,16 @@
           <a:lstStyle/>
           <a:p>
             <a:r>
+              <a:rPr lang="bg-BG" dirty="0"/>
+              <a:t>В</a:t>
+            </a:r>
+            <a:r>
               <a:rPr lang="en-US" dirty="0"/>
-              <a:t>In C# inheritance is defined by the </a:t>
+              <a:t> C# </a:t>
+            </a:r>
+            <a:r>
+              <a:rPr lang="bg-BG" dirty="0"/>
+              <a:t>наследяването се дефинира с оператора </a:t>
             </a:r>
             <a:r>
               <a:rPr lang="en-US" b="1" dirty="0">
@@ -28205,10 +27106,6 @@
                 <a:latin typeface="Consolas" panose="020B0609020204030204" pitchFamily="49" charset="0"/>
               </a:rPr>
               <a:t>:</a:t>
-            </a:r>
-            <a:r>
-              <a:rPr lang="en-US" dirty="0"/>
-              <a:t> operator</a:t>
             </a:r>
             <a:endParaRPr lang="en-US" noProof="1">
               <a:solidFill>
@@ -28903,10 +27800,10 @@
       </p:sp>
       <p:sp>
         <p:nvSpPr>
-          <p:cNvPr id="18" name="Slide Number">
+          <p:cNvPr id="4" name="Slide Number">
             <a:extLst>
               <a:ext uri="{FF2B5EF4-FFF2-40B4-BE49-F238E27FC236}">
-                <a16:creationId xmlns:a16="http://schemas.microsoft.com/office/drawing/2014/main" id="{4269C2B6-0DB9-4248-9601-9D0768D26255}"/>
+                <a16:creationId xmlns:a16="http://schemas.microsoft.com/office/drawing/2014/main" id="{101958C7-43EE-BC19-1F77-C838D68BE0E6}"/>
               </a:ext>
             </a:extLst>
           </p:cNvPr>
@@ -28946,7 +27843,7 @@
     </p:spTree>
     <p:extLst>
       <p:ext uri="{BB962C8B-B14F-4D97-AF65-F5344CB8AC3E}">
-        <p14:creationId xmlns:p14="http://schemas.microsoft.com/office/powerpoint/2010/main" val="3311690109"/>
+        <p14:creationId xmlns:p14="http://schemas.microsoft.com/office/powerpoint/2010/main" val="4073264764"/>
       </p:ext>
     </p:extLst>
   </p:cSld>
@@ -29487,7 +28384,7 @@
             </a:r>
             <a:r>
               <a:rPr lang="bg-BG" dirty="0"/>
-              <a:t>производен клас</a:t>
+              <a:t>Производен клас</a:t>
             </a:r>
             <a:endParaRPr lang="en-US" dirty="0"/>
           </a:p>
@@ -30131,7 +29028,24 @@
                   </a:outerShdw>
                 </a:effectLst>
               </a:rPr>
-              <a:t> Person</a:t>
+              <a:t> </a:t>
+            </a:r>
+            <a:r>
+              <a:rPr lang="en-US" sz="2400" b="1" dirty="0">
+                <a:solidFill>
+                  <a:schemeClr val="bg2"/>
+                </a:solidFill>
+                <a:effectLst>
+                  <a:outerShdw blurRad="38100" dist="38100" dir="2700000" algn="tl">
+                    <a:srgbClr val="000000">
+                      <a:alpha val="43137"/>
+                    </a:srgbClr>
+                  </a:outerShdw>
+                </a:effectLst>
+                <a:latin typeface="Consolas" panose="020B0609020204030204" pitchFamily="49" charset="0"/>
+                <a:cs typeface="Consolas" panose="020B0609020204030204" pitchFamily="49" charset="0"/>
+              </a:rPr>
+              <a:t>Person</a:t>
             </a:r>
             <a:endParaRPr lang="bg-BG" sz="2400" b="1" dirty="0">
               <a:solidFill>
@@ -30144,6 +29058,8 @@
                   </a:srgbClr>
                 </a:outerShdw>
               </a:effectLst>
+              <a:latin typeface="Consolas" panose="020B0609020204030204" pitchFamily="49" charset="0"/>
+              <a:cs typeface="Consolas" panose="020B0609020204030204" pitchFamily="49" charset="0"/>
             </a:endParaRPr>
           </a:p>
         </p:txBody>
@@ -30387,7 +29303,24 @@
                   </a:outerShdw>
                 </a:effectLst>
               </a:rPr>
-              <a:t> Person</a:t>
+              <a:t> </a:t>
+            </a:r>
+            <a:r>
+              <a:rPr lang="en-US" sz="2200" b="1" dirty="0">
+                <a:solidFill>
+                  <a:schemeClr val="bg2"/>
+                </a:solidFill>
+                <a:effectLst>
+                  <a:outerShdw blurRad="38100" dist="38100" dir="2700000" algn="tl">
+                    <a:srgbClr val="000000">
+                      <a:alpha val="43137"/>
+                    </a:srgbClr>
+                  </a:outerShdw>
+                </a:effectLst>
+                <a:latin typeface="Consolas" panose="020B0609020204030204" pitchFamily="49" charset="0"/>
+                <a:cs typeface="Consolas" panose="020B0609020204030204" pitchFamily="49" charset="0"/>
+              </a:rPr>
+              <a:t>Person</a:t>
             </a:r>
             <a:endParaRPr lang="bg-BG" sz="2200" b="1" dirty="0">
               <a:solidFill>
@@ -30400,6 +29333,8 @@
                   </a:srgbClr>
                 </a:outerShdw>
               </a:effectLst>
+              <a:latin typeface="Consolas" panose="020B0609020204030204" pitchFamily="49" charset="0"/>
+              <a:cs typeface="Consolas" panose="020B0609020204030204" pitchFamily="49" charset="0"/>
             </a:endParaRPr>
           </a:p>
         </p:txBody>
@@ -30498,6 +29433,8 @@
                     </a:srgbClr>
                   </a:outerShdw>
                 </a:effectLst>
+                <a:latin typeface="Consolas" panose="020B0609020204030204" pitchFamily="49" charset="0"/>
+                <a:cs typeface="Consolas" panose="020B0609020204030204" pitchFamily="49" charset="0"/>
               </a:rPr>
               <a:t>Student</a:t>
             </a:r>
@@ -30512,6 +29449,8 @@
                   </a:srgbClr>
                 </a:outerShdw>
               </a:effectLst>
+              <a:latin typeface="Consolas" panose="020B0609020204030204" pitchFamily="49" charset="0"/>
+              <a:cs typeface="Consolas" panose="020B0609020204030204" pitchFamily="49" charset="0"/>
             </a:endParaRPr>
           </a:p>
         </p:txBody>
@@ -30666,7 +29605,7 @@
         </p:nvSpPr>
         <p:spPr bwMode="auto">
           <a:xfrm>
-            <a:off x="8556708" y="2756102"/>
+            <a:off x="8564395" y="2758128"/>
             <a:ext cx="2480635" cy="919401"/>
           </a:xfrm>
           <a:prstGeom prst="wedgeRoundRectCallout">
@@ -30745,7 +29684,24 @@
                   </a:outerShdw>
                 </a:effectLst>
               </a:rPr>
-              <a:t> Person</a:t>
+              <a:t> </a:t>
+            </a:r>
+            <a:r>
+              <a:rPr lang="en-US" sz="2400" b="1" dirty="0">
+                <a:solidFill>
+                  <a:schemeClr val="bg2"/>
+                </a:solidFill>
+                <a:effectLst>
+                  <a:outerShdw blurRad="38100" dist="38100" dir="2700000" algn="tl">
+                    <a:srgbClr val="000000">
+                      <a:alpha val="43137"/>
+                    </a:srgbClr>
+                  </a:outerShdw>
+                </a:effectLst>
+                <a:latin typeface="Consolas" panose="020B0609020204030204" pitchFamily="49" charset="0"/>
+                <a:cs typeface="Consolas" panose="020B0609020204030204" pitchFamily="49" charset="0"/>
+              </a:rPr>
+              <a:t>Person</a:t>
             </a:r>
             <a:endParaRPr lang="bg-BG" sz="2400" b="1" dirty="0">
               <a:solidFill>
@@ -30758,16 +29714,18 @@
                   </a:srgbClr>
                 </a:outerShdw>
               </a:effectLst>
+              <a:latin typeface="Consolas" panose="020B0609020204030204" pitchFamily="49" charset="0"/>
+              <a:cs typeface="Consolas" panose="020B0609020204030204" pitchFamily="49" charset="0"/>
             </a:endParaRPr>
           </a:p>
         </p:txBody>
       </p:sp>
       <p:sp>
         <p:nvSpPr>
-          <p:cNvPr id="26" name="Slide Number">
+          <p:cNvPr id="2" name="Slide Number">
             <a:extLst>
               <a:ext uri="{FF2B5EF4-FFF2-40B4-BE49-F238E27FC236}">
-                <a16:creationId xmlns:a16="http://schemas.microsoft.com/office/drawing/2014/main" id="{ED5D3C11-EBF9-4DE5-B2AB-25FEFC95468F}"/>
+                <a16:creationId xmlns:a16="http://schemas.microsoft.com/office/drawing/2014/main" id="{F5AC16E3-FA5E-9472-570A-8FF4D686CE7A}"/>
               </a:ext>
             </a:extLst>
           </p:cNvPr>
@@ -30807,7 +29765,7 @@
     </p:spTree>
     <p:extLst>
       <p:ext uri="{BB962C8B-B14F-4D97-AF65-F5344CB8AC3E}">
-        <p14:creationId xmlns:p14="http://schemas.microsoft.com/office/powerpoint/2010/main" val="2260500928"/>
+        <p14:creationId xmlns:p14="http://schemas.microsoft.com/office/powerpoint/2010/main" val="272338033"/>
       </p:ext>
     </p:extLst>
   </p:cSld>
@@ -31360,12 +30318,12 @@
 <file path=ppt/theme/theme1.xml><?xml version="1.0" encoding="utf-8"?>
 <a:theme xmlns:a="http://schemas.openxmlformats.org/drawingml/2006/main" name="SoftUni">
   <a:themeElements>
-    <a:clrScheme name="Custom 28">
+    <a:clrScheme name="Custom 2">
       <a:dk1>
         <a:srgbClr val="234465"/>
       </a:dk1>
       <a:lt1>
-        <a:srgbClr val="FFA000"/>
+        <a:srgbClr val="BF7800"/>
       </a:lt1>
       <a:dk2>
         <a:srgbClr val="234465"/>
@@ -31374,7 +30332,7 @@
         <a:srgbClr val="FFFFFF"/>
       </a:lt2>
       <a:accent1>
-        <a:srgbClr val="F29600"/>
+        <a:srgbClr val="FFA000"/>
       </a:accent1>
       <a:accent2>
         <a:srgbClr val="00B050"/>
@@ -31392,10 +30350,10 @@
         <a:srgbClr val="F4F5F7"/>
       </a:accent6>
       <a:hlink>
-        <a:srgbClr val="F2AC44"/>
+        <a:srgbClr val="BF7800"/>
       </a:hlink>
       <a:folHlink>
-        <a:srgbClr val="F6C781"/>
+        <a:srgbClr val="EF9511"/>
       </a:folHlink>
     </a:clrScheme>
     <a:fontScheme name="SoftUni">

--- a/Courses/Software-Sciences/Module-1-OOP/09.1-Inheritance-Basics/09.1-Inheritance-Basics.pptx
+++ b/Courses/Software-Sciences/Module-1-OOP/09.1-Inheritance-Basics/09.1-Inheritance-Basics.pptx
@@ -303,7 +303,7 @@
           <a:p>
             <a:fld id="{4E087215-0C8F-4762-A664-737A353EC9A4}" type="datetimeFigureOut">
               <a:rPr lang="bg-BG" smtClean="0"/>
-              <a:t>3.10.23 г.</a:t>
+              <a:t>16.06.24 г.</a:t>
             </a:fld>
             <a:endParaRPr lang="bg-BG"/>
           </a:p>
@@ -499,7 +499,7 @@
           <a:p>
             <a:fld id="{72D84649-876A-46C9-8472-14CB09C070D8}" type="datetimeFigureOut">
               <a:rPr lang="en-US" smtClean="0"/>
-              <a:t>10/3/23</a:t>
+              <a:t>6/16/24</a:t>
             </a:fld>
             <a:endParaRPr lang="en-US"/>
           </a:p>
@@ -9936,14 +9936,7 @@
           <a:p>
             <a:r>
               <a:rPr lang="ru-RU" dirty="0"/>
-              <a:t>Ползи от капсулацията на данни в ООП,</a:t>
-            </a:r>
-            <a:br>
-              <a:rPr lang="ru-RU" dirty="0"/>
-            </a:br>
-            <a:r>
-              <a:rPr lang="ru-RU" dirty="0"/>
-              <a:t>скриване на детайлите в Private полета и методи</a:t>
+              <a:t>Базов клас, наследници, йерархия от класове</a:t>
             </a:r>
             <a:endParaRPr lang="en-US" dirty="0"/>
           </a:p>
@@ -14378,14 +14371,14 @@
           <a:lstStyle/>
           <a:p>
             <a:r>
-              <a:rPr lang="bg-BG"/>
+              <a:rPr lang="bg-BG" dirty="0"/>
               <a:t>Ключовата дума </a:t>
             </a:r>
             <a:r>
-              <a:rPr lang="en-US"/>
+              <a:rPr lang="en-US" dirty="0"/>
               <a:t>Base</a:t>
             </a:r>
-            <a:endParaRPr lang="bg-BG"/>
+            <a:endParaRPr lang="bg-BG" dirty="0"/>
           </a:p>
         </p:txBody>
       </p:sp>
@@ -14405,7 +14398,12 @@
             <p:ph type="title" sz="quarter" idx="10"/>
           </p:nvPr>
         </p:nvSpPr>
-        <p:spPr/>
+        <p:spPr>
+          <a:xfrm>
+            <a:off x="615108" y="4869000"/>
+            <a:ext cx="10961783" cy="768084"/>
+          </a:xfrm>
+        </p:spPr>
         <p:txBody>
           <a:bodyPr/>
           <a:lstStyle/>
@@ -15189,6 +15187,8 @@
                 <a:solidFill>
                   <a:schemeClr val="bg1"/>
                 </a:solidFill>
+                <a:latin typeface="Consolas" panose="020B0609020204030204" pitchFamily="49" charset="0"/>
+                <a:cs typeface="Consolas" panose="020B0609020204030204" pitchFamily="49" charset="0"/>
               </a:rPr>
               <a:t>Animal</a:t>
             </a:r>
@@ -15209,6 +15209,8 @@
                 <a:solidFill>
                   <a:schemeClr val="bg1"/>
                 </a:solidFill>
+                <a:latin typeface="Consolas" panose="020B0609020204030204" pitchFamily="49" charset="0"/>
+                <a:cs typeface="Consolas" panose="020B0609020204030204" pitchFamily="49" charset="0"/>
               </a:rPr>
               <a:t>Dog</a:t>
             </a:r>
@@ -15598,7 +15600,7 @@
         </p:nvSpPr>
         <p:spPr>
           <a:xfrm>
-            <a:off x="3261000" y="2874508"/>
+            <a:off x="3282081" y="2874508"/>
             <a:ext cx="3758919" cy="1726158"/>
           </a:xfrm>
           <a:prstGeom prst="rect">
@@ -15760,7 +15762,7 @@
         </p:nvSpPr>
         <p:spPr>
           <a:xfrm>
-            <a:off x="2733514" y="3479762"/>
+            <a:off x="2721000" y="3479762"/>
             <a:ext cx="527610" cy="552254"/>
           </a:xfrm>
           <a:prstGeom prst="rightArrow">
@@ -15847,7 +15849,7 @@
         </p:spPr>
         <p:txBody>
           <a:bodyPr vert="horz" lIns="108000" tIns="36000" rIns="108000" bIns="36000" rtlCol="0">
-            <a:normAutofit fontScale="92500" lnSpcReduction="10000"/>
+            <a:normAutofit fontScale="92500" lnSpcReduction="20000"/>
           </a:bodyPr>
           <a:lstStyle>
             <a:lvl1pPr marL="360363" indent="-360363" algn="l" defTabSz="1218438" rtl="0" eaLnBrk="1" latinLnBrk="0" hangingPunct="1">
@@ -16027,6 +16029,8 @@
                 <a:solidFill>
                   <a:schemeClr val="bg1"/>
                 </a:solidFill>
+                <a:latin typeface="Consolas" panose="020B0609020204030204" pitchFamily="49" charset="0"/>
+                <a:cs typeface="Consolas" panose="020B0609020204030204" pitchFamily="49" charset="0"/>
               </a:rPr>
               <a:t>Animal</a:t>
             </a:r>
@@ -16043,6 +16047,8 @@
                 <a:solidFill>
                   <a:schemeClr val="bg1"/>
                 </a:solidFill>
+                <a:latin typeface="Consolas" panose="020B0609020204030204" pitchFamily="49" charset="0"/>
+                <a:cs typeface="Consolas" panose="020B0609020204030204" pitchFamily="49" charset="0"/>
               </a:rPr>
               <a:t>Eat()</a:t>
             </a:r>
@@ -16079,6 +16085,8 @@
                 <a:solidFill>
                   <a:schemeClr val="bg1"/>
                 </a:solidFill>
+                <a:latin typeface="Consolas" panose="020B0609020204030204" pitchFamily="49" charset="0"/>
+                <a:cs typeface="Consolas" panose="020B0609020204030204" pitchFamily="49" charset="0"/>
               </a:rPr>
               <a:t>Dog</a:t>
             </a:r>
@@ -16095,6 +16103,8 @@
                 <a:solidFill>
                   <a:schemeClr val="bg1"/>
                 </a:solidFill>
+                <a:latin typeface="Consolas" panose="020B0609020204030204" pitchFamily="49" charset="0"/>
+                <a:cs typeface="Consolas" panose="020B0609020204030204" pitchFamily="49" charset="0"/>
               </a:rPr>
               <a:t>Bark()</a:t>
             </a:r>
@@ -16131,6 +16141,8 @@
                 <a:solidFill>
                   <a:schemeClr val="bg1"/>
                 </a:solidFill>
+                <a:latin typeface="Consolas" panose="020B0609020204030204" pitchFamily="49" charset="0"/>
+                <a:cs typeface="Consolas" panose="020B0609020204030204" pitchFamily="49" charset="0"/>
               </a:rPr>
               <a:t>Dog</a:t>
             </a:r>
@@ -16147,6 +16159,8 @@
                 <a:solidFill>
                   <a:schemeClr val="bg1"/>
                 </a:solidFill>
+                <a:latin typeface="Consolas" panose="020B0609020204030204" pitchFamily="49" charset="0"/>
+                <a:cs typeface="Consolas" panose="020B0609020204030204" pitchFamily="49" charset="0"/>
               </a:rPr>
               <a:t>Animal</a:t>
             </a:r>
@@ -16154,6 +16168,8 @@
               <a:solidFill>
                 <a:schemeClr val="bg1"/>
               </a:solidFill>
+              <a:latin typeface="Consolas" panose="020B0609020204030204" pitchFamily="49" charset="0"/>
+              <a:cs typeface="Consolas" panose="020B0609020204030204" pitchFamily="49" charset="0"/>
             </a:endParaRPr>
           </a:p>
         </p:txBody>
@@ -16239,7 +16255,7 @@
                             </p:stCondLst>
                             <p:childTnLst>
                               <p:par>
-                                <p:cTn id="5" presetID="1" presetClass="entr" presetSubtype="0" fill="hold" grpId="0" nodeType="clickEffect">
+                                <p:cTn id="5" presetID="1" presetClass="entr" presetSubtype="0" fill="hold" nodeType="clickEffect">
                                   <p:stCondLst>
                                     <p:cond delay="0"/>
                                   </p:stCondLst>
@@ -16252,7 +16268,262 @@
                                           </p:stCondLst>
                                         </p:cTn>
                                         <p:tgtEl>
-                                          <p:spTgt spid="19"/>
+                                          <p:spTgt spid="19">
+                                            <p:txEl>
+                                              <p:pRg st="0" end="0"/>
+                                            </p:txEl>
+                                          </p:spTgt>
+                                        </p:tgtEl>
+                                        <p:attrNameLst>
+                                          <p:attrName>style.visibility</p:attrName>
+                                        </p:attrNameLst>
+                                      </p:cBhvr>
+                                      <p:to>
+                                        <p:strVal val="visible"/>
+                                      </p:to>
+                                    </p:set>
+                                  </p:childTnLst>
+                                </p:cTn>
+                              </p:par>
+                              <p:par>
+                                <p:cTn id="7" presetID="1" presetClass="entr" presetSubtype="0" fill="hold" nodeType="withEffect">
+                                  <p:stCondLst>
+                                    <p:cond delay="0"/>
+                                  </p:stCondLst>
+                                  <p:childTnLst>
+                                    <p:set>
+                                      <p:cBhvr>
+                                        <p:cTn id="8" dur="1" fill="hold">
+                                          <p:stCondLst>
+                                            <p:cond delay="0"/>
+                                          </p:stCondLst>
+                                        </p:cTn>
+                                        <p:tgtEl>
+                                          <p:spTgt spid="6"/>
+                                        </p:tgtEl>
+                                        <p:attrNameLst>
+                                          <p:attrName>style.visibility</p:attrName>
+                                        </p:attrNameLst>
+                                      </p:cBhvr>
+                                      <p:to>
+                                        <p:strVal val="visible"/>
+                                      </p:to>
+                                    </p:set>
+                                  </p:childTnLst>
+                                </p:cTn>
+                              </p:par>
+                            </p:childTnLst>
+                          </p:cTn>
+                        </p:par>
+                      </p:childTnLst>
+                    </p:cTn>
+                  </p:par>
+                  <p:par>
+                    <p:cTn id="9" fill="hold">
+                      <p:stCondLst>
+                        <p:cond delay="indefinite"/>
+                      </p:stCondLst>
+                      <p:childTnLst>
+                        <p:par>
+                          <p:cTn id="10" fill="hold">
+                            <p:stCondLst>
+                              <p:cond delay="0"/>
+                            </p:stCondLst>
+                            <p:childTnLst>
+                              <p:par>
+                                <p:cTn id="11" presetID="1" presetClass="entr" presetSubtype="0" fill="hold" nodeType="clickEffect">
+                                  <p:stCondLst>
+                                    <p:cond delay="0"/>
+                                  </p:stCondLst>
+                                  <p:childTnLst>
+                                    <p:set>
+                                      <p:cBhvr>
+                                        <p:cTn id="12" dur="1" fill="hold">
+                                          <p:stCondLst>
+                                            <p:cond delay="0"/>
+                                          </p:stCondLst>
+                                        </p:cTn>
+                                        <p:tgtEl>
+                                          <p:spTgt spid="19">
+                                            <p:txEl>
+                                              <p:pRg st="1" end="1"/>
+                                            </p:txEl>
+                                          </p:spTgt>
+                                        </p:tgtEl>
+                                        <p:attrNameLst>
+                                          <p:attrName>style.visibility</p:attrName>
+                                        </p:attrNameLst>
+                                      </p:cBhvr>
+                                      <p:to>
+                                        <p:strVal val="visible"/>
+                                      </p:to>
+                                    </p:set>
+                                  </p:childTnLst>
+                                </p:cTn>
+                              </p:par>
+                              <p:par>
+                                <p:cTn id="13" presetID="1" presetClass="entr" presetSubtype="0" fill="hold" nodeType="withEffect">
+                                  <p:stCondLst>
+                                    <p:cond delay="0"/>
+                                  </p:stCondLst>
+                                  <p:childTnLst>
+                                    <p:set>
+                                      <p:cBhvr>
+                                        <p:cTn id="14" dur="1" fill="hold">
+                                          <p:stCondLst>
+                                            <p:cond delay="0"/>
+                                          </p:stCondLst>
+                                        </p:cTn>
+                                        <p:tgtEl>
+                                          <p:spTgt spid="22"/>
+                                        </p:tgtEl>
+                                        <p:attrNameLst>
+                                          <p:attrName>style.visibility</p:attrName>
+                                        </p:attrNameLst>
+                                      </p:cBhvr>
+                                      <p:to>
+                                        <p:strVal val="visible"/>
+                                      </p:to>
+                                    </p:set>
+                                  </p:childTnLst>
+                                </p:cTn>
+                              </p:par>
+                            </p:childTnLst>
+                          </p:cTn>
+                        </p:par>
+                      </p:childTnLst>
+                    </p:cTn>
+                  </p:par>
+                  <p:par>
+                    <p:cTn id="15" fill="hold">
+                      <p:stCondLst>
+                        <p:cond delay="indefinite"/>
+                      </p:stCondLst>
+                      <p:childTnLst>
+                        <p:par>
+                          <p:cTn id="16" fill="hold">
+                            <p:stCondLst>
+                              <p:cond delay="0"/>
+                            </p:stCondLst>
+                            <p:childTnLst>
+                              <p:par>
+                                <p:cTn id="17" presetID="1" presetClass="entr" presetSubtype="0" fill="hold" nodeType="clickEffect">
+                                  <p:stCondLst>
+                                    <p:cond delay="0"/>
+                                  </p:stCondLst>
+                                  <p:childTnLst>
+                                    <p:set>
+                                      <p:cBhvr>
+                                        <p:cTn id="18" dur="1" fill="hold">
+                                          <p:stCondLst>
+                                            <p:cond delay="0"/>
+                                          </p:stCondLst>
+                                        </p:cTn>
+                                        <p:tgtEl>
+                                          <p:spTgt spid="19">
+                                            <p:txEl>
+                                              <p:pRg st="2" end="2"/>
+                                            </p:txEl>
+                                          </p:spTgt>
+                                        </p:tgtEl>
+                                        <p:attrNameLst>
+                                          <p:attrName>style.visibility</p:attrName>
+                                        </p:attrNameLst>
+                                      </p:cBhvr>
+                                      <p:to>
+                                        <p:strVal val="visible"/>
+                                      </p:to>
+                                    </p:set>
+                                  </p:childTnLst>
+                                </p:cTn>
+                              </p:par>
+                              <p:par>
+                                <p:cTn id="19" presetID="1" presetClass="entr" presetSubtype="0" fill="hold" grpId="0" nodeType="withEffect">
+                                  <p:stCondLst>
+                                    <p:cond delay="0"/>
+                                  </p:stCondLst>
+                                  <p:childTnLst>
+                                    <p:set>
+                                      <p:cBhvr>
+                                        <p:cTn id="20" dur="1" fill="hold">
+                                          <p:stCondLst>
+                                            <p:cond delay="0"/>
+                                          </p:stCondLst>
+                                        </p:cTn>
+                                        <p:tgtEl>
+                                          <p:spTgt spid="17"/>
+                                        </p:tgtEl>
+                                        <p:attrNameLst>
+                                          <p:attrName>style.visibility</p:attrName>
+                                        </p:attrNameLst>
+                                      </p:cBhvr>
+                                      <p:to>
+                                        <p:strVal val="visible"/>
+                                      </p:to>
+                                    </p:set>
+                                  </p:childTnLst>
+                                </p:cTn>
+                              </p:par>
+                            </p:childTnLst>
+                          </p:cTn>
+                        </p:par>
+                      </p:childTnLst>
+                    </p:cTn>
+                  </p:par>
+                  <p:par>
+                    <p:cTn id="21" fill="hold">
+                      <p:stCondLst>
+                        <p:cond delay="indefinite"/>
+                      </p:stCondLst>
+                      <p:childTnLst>
+                        <p:par>
+                          <p:cTn id="22" fill="hold">
+                            <p:stCondLst>
+                              <p:cond delay="0"/>
+                            </p:stCondLst>
+                            <p:childTnLst>
+                              <p:par>
+                                <p:cTn id="23" presetID="1" presetClass="entr" presetSubtype="0" fill="hold" grpId="0" nodeType="clickEffect">
+                                  <p:stCondLst>
+                                    <p:cond delay="0"/>
+                                  </p:stCondLst>
+                                  <p:childTnLst>
+                                    <p:set>
+                                      <p:cBhvr>
+                                        <p:cTn id="24" dur="1" fill="hold">
+                                          <p:stCondLst>
+                                            <p:cond delay="0"/>
+                                          </p:stCondLst>
+                                        </p:cTn>
+                                        <p:tgtEl>
+                                          <p:spTgt spid="14"/>
+                                        </p:tgtEl>
+                                        <p:attrNameLst>
+                                          <p:attrName>style.visibility</p:attrName>
+                                        </p:attrNameLst>
+                                      </p:cBhvr>
+                                      <p:to>
+                                        <p:strVal val="visible"/>
+                                      </p:to>
+                                    </p:set>
+                                  </p:childTnLst>
+                                </p:cTn>
+                              </p:par>
+                              <p:par>
+                                <p:cTn id="25" presetID="1" presetClass="entr" presetSubtype="0" fill="hold" grpId="0" nodeType="withEffect">
+                                  <p:stCondLst>
+                                    <p:cond delay="0"/>
+                                  </p:stCondLst>
+                                  <p:childTnLst>
+                                    <p:set>
+                                      <p:cBhvr>
+                                        <p:cTn id="26" dur="1" fill="hold">
+                                          <p:stCondLst>
+                                            <p:cond delay="0"/>
+                                          </p:stCondLst>
+                                        </p:cTn>
+                                        <p:tgtEl>
+                                          <p:spTgt spid="13"/>
                                         </p:tgtEl>
                                         <p:attrNameLst>
                                           <p:attrName>style.visibility</p:attrName>
@@ -16293,7 +16564,9 @@
       </p:par>
     </p:tnLst>
     <p:bldLst>
-      <p:bldP spid="19" grpId="0"/>
+      <p:bldP spid="17" grpId="0" animBg="1"/>
+      <p:bldP spid="13" grpId="0" animBg="1"/>
+      <p:bldP spid="14" grpId="0" animBg="1"/>
     </p:bldLst>
   </p:timing>
 </p:sld>
@@ -16328,8 +16601,8 @@
         </p:nvSpPr>
         <p:spPr>
           <a:xfrm>
-            <a:off x="190402" y="1196125"/>
-            <a:ext cx="11818096" cy="3081241"/>
+            <a:off x="190402" y="1196126"/>
+            <a:ext cx="11818096" cy="1871462"/>
           </a:xfrm>
         </p:spPr>
         <p:txBody>
@@ -16356,6 +16629,8 @@
                 <a:solidFill>
                   <a:schemeClr val="bg1"/>
                 </a:solidFill>
+                <a:latin typeface="Consolas" panose="020B0609020204030204" pitchFamily="49" charset="0"/>
+                <a:cs typeface="Consolas" panose="020B0609020204030204" pitchFamily="49" charset="0"/>
               </a:rPr>
               <a:t>Animal</a:t>
             </a:r>
@@ -16368,6 +16643,8 @@
                 <a:solidFill>
                   <a:schemeClr val="bg1"/>
                 </a:solidFill>
+                <a:latin typeface="Consolas" panose="020B0609020204030204" pitchFamily="49" charset="0"/>
+                <a:cs typeface="Consolas" panose="020B0609020204030204" pitchFamily="49" charset="0"/>
               </a:rPr>
               <a:t>Dog</a:t>
             </a:r>
@@ -16388,6 +16665,8 @@
                 <a:solidFill>
                   <a:schemeClr val="bg1"/>
                 </a:solidFill>
+                <a:latin typeface="Consolas" panose="020B0609020204030204" pitchFamily="49" charset="0"/>
+                <a:cs typeface="Consolas" panose="020B0609020204030204" pitchFamily="49" charset="0"/>
               </a:rPr>
               <a:t>Puppy</a:t>
             </a:r>
@@ -16416,6 +16695,8 @@
                 <a:solidFill>
                   <a:schemeClr val="bg1"/>
                 </a:solidFill>
+                <a:latin typeface="Consolas" panose="020B0609020204030204" pitchFamily="49" charset="0"/>
+                <a:cs typeface="Consolas" panose="020B0609020204030204" pitchFamily="49" charset="0"/>
               </a:rPr>
               <a:t>Dog</a:t>
             </a:r>
@@ -16432,6 +16713,8 @@
                 <a:solidFill>
                   <a:schemeClr val="bg1"/>
                 </a:solidFill>
+                <a:latin typeface="Consolas" panose="020B0609020204030204" pitchFamily="49" charset="0"/>
+                <a:cs typeface="Consolas" panose="020B0609020204030204" pitchFamily="49" charset="0"/>
               </a:rPr>
               <a:t>Animal</a:t>
             </a:r>
@@ -16456,6 +16739,8 @@
                 <a:solidFill>
                   <a:schemeClr val="bg1"/>
                 </a:solidFill>
+                <a:latin typeface="Consolas" panose="020B0609020204030204" pitchFamily="49" charset="0"/>
+                <a:cs typeface="Consolas" panose="020B0609020204030204" pitchFamily="49" charset="0"/>
               </a:rPr>
               <a:t>Puppy</a:t>
             </a:r>
@@ -16472,6 +16757,8 @@
                 <a:solidFill>
                   <a:schemeClr val="bg1"/>
                 </a:solidFill>
+                <a:latin typeface="Consolas" panose="020B0609020204030204" pitchFamily="49" charset="0"/>
+                <a:cs typeface="Consolas" panose="020B0609020204030204" pitchFamily="49" charset="0"/>
               </a:rPr>
               <a:t>Dog</a:t>
             </a:r>
@@ -17342,9 +17629,6 @@
                     <p:cTn id="3" fill="hold">
                       <p:stCondLst>
                         <p:cond delay="indefinite"/>
-                        <p:cond evt="onBegin" delay="0">
-                          <p:tn val="2"/>
-                        </p:cond>
                       </p:stCondLst>
                       <p:childTnLst>
                         <p:par>
@@ -17354,7 +17638,7 @@
                             </p:stCondLst>
                             <p:childTnLst>
                               <p:par>
-                                <p:cTn id="5" presetID="1" presetClass="entr" presetSubtype="0" fill="hold" grpId="0" nodeType="withEffect">
+                                <p:cTn id="5" presetID="1" presetClass="entr" presetSubtype="0" fill="hold" nodeType="clickEffect">
                                   <p:stCondLst>
                                     <p:cond delay="0"/>
                                   </p:stCondLst>
@@ -17367,7 +17651,11 @@
                                           </p:stCondLst>
                                         </p:cTn>
                                         <p:tgtEl>
-                                          <p:spTgt spid="29"/>
+                                          <p:spTgt spid="3">
+                                            <p:txEl>
+                                              <p:pRg st="1" end="1"/>
+                                            </p:txEl>
+                                          </p:spTgt>
                                         </p:tgtEl>
                                         <p:attrNameLst>
                                           <p:attrName>style.visibility</p:attrName>
@@ -17381,7 +17669,7 @@
                                 </p:cTn>
                               </p:par>
                               <p:par>
-                                <p:cTn id="7" presetID="1" presetClass="entr" presetSubtype="0" fill="hold" grpId="0" nodeType="withEffect">
+                                <p:cTn id="7" presetID="1" presetClass="entr" presetSubtype="0" fill="hold" nodeType="withEffect">
                                   <p:stCondLst>
                                     <p:cond delay="0"/>
                                   </p:stCondLst>
@@ -17394,7 +17682,7 @@
                                           </p:stCondLst>
                                         </p:cTn>
                                         <p:tgtEl>
-                                          <p:spTgt spid="30"/>
+                                          <p:spTgt spid="23"/>
                                         </p:tgtEl>
                                         <p:attrNameLst>
                                           <p:attrName>style.visibility</p:attrName>
@@ -17421,6 +17709,154 @@
                                           </p:stCondLst>
                                         </p:cTn>
                                         <p:tgtEl>
+                                          <p:spTgt spid="29"/>
+                                        </p:tgtEl>
+                                        <p:attrNameLst>
+                                          <p:attrName>style.visibility</p:attrName>
+                                        </p:attrNameLst>
+                                      </p:cBhvr>
+                                      <p:to>
+                                        <p:strVal val="visible"/>
+                                      </p:to>
+                                    </p:set>
+                                  </p:childTnLst>
+                                </p:cTn>
+                              </p:par>
+                            </p:childTnLst>
+                          </p:cTn>
+                        </p:par>
+                      </p:childTnLst>
+                    </p:cTn>
+                  </p:par>
+                  <p:par>
+                    <p:cTn id="11" fill="hold">
+                      <p:stCondLst>
+                        <p:cond delay="indefinite"/>
+                      </p:stCondLst>
+                      <p:childTnLst>
+                        <p:par>
+                          <p:cTn id="12" fill="hold">
+                            <p:stCondLst>
+                              <p:cond delay="0"/>
+                            </p:stCondLst>
+                            <p:childTnLst>
+                              <p:par>
+                                <p:cTn id="13" presetID="1" presetClass="entr" presetSubtype="0" fill="hold" nodeType="clickEffect">
+                                  <p:stCondLst>
+                                    <p:cond delay="0"/>
+                                  </p:stCondLst>
+                                  <p:childTnLst>
+                                    <p:set>
+                                      <p:cBhvr>
+                                        <p:cTn id="14" dur="1" fill="hold">
+                                          <p:stCondLst>
+                                            <p:cond delay="0"/>
+                                          </p:stCondLst>
+                                        </p:cTn>
+                                        <p:tgtEl>
+                                          <p:spTgt spid="3">
+                                            <p:txEl>
+                                              <p:pRg st="2" end="2"/>
+                                            </p:txEl>
+                                          </p:spTgt>
+                                        </p:tgtEl>
+                                        <p:attrNameLst>
+                                          <p:attrName>style.visibility</p:attrName>
+                                        </p:attrNameLst>
+                                      </p:cBhvr>
+                                      <p:to>
+                                        <p:strVal val="visible"/>
+                                      </p:to>
+                                    </p:set>
+                                  </p:childTnLst>
+                                </p:cTn>
+                              </p:par>
+                              <p:par>
+                                <p:cTn id="15" presetID="1" presetClass="entr" presetSubtype="0" fill="hold" nodeType="withEffect">
+                                  <p:stCondLst>
+                                    <p:cond delay="0"/>
+                                  </p:stCondLst>
+                                  <p:childTnLst>
+                                    <p:set>
+                                      <p:cBhvr>
+                                        <p:cTn id="16" dur="1" fill="hold">
+                                          <p:stCondLst>
+                                            <p:cond delay="0"/>
+                                          </p:stCondLst>
+                                        </p:cTn>
+                                        <p:tgtEl>
+                                          <p:spTgt spid="26"/>
+                                        </p:tgtEl>
+                                        <p:attrNameLst>
+                                          <p:attrName>style.visibility</p:attrName>
+                                        </p:attrNameLst>
+                                      </p:cBhvr>
+                                      <p:to>
+                                        <p:strVal val="visible"/>
+                                      </p:to>
+                                    </p:set>
+                                  </p:childTnLst>
+                                </p:cTn>
+                              </p:par>
+                              <p:par>
+                                <p:cTn id="17" presetID="1" presetClass="entr" presetSubtype="0" fill="hold" grpId="0" nodeType="withEffect">
+                                  <p:stCondLst>
+                                    <p:cond delay="0"/>
+                                  </p:stCondLst>
+                                  <p:childTnLst>
+                                    <p:set>
+                                      <p:cBhvr>
+                                        <p:cTn id="18" dur="1" fill="hold">
+                                          <p:stCondLst>
+                                            <p:cond delay="0"/>
+                                          </p:stCondLst>
+                                        </p:cTn>
+                                        <p:tgtEl>
+                                          <p:spTgt spid="32"/>
+                                        </p:tgtEl>
+                                        <p:attrNameLst>
+                                          <p:attrName>style.visibility</p:attrName>
+                                        </p:attrNameLst>
+                                      </p:cBhvr>
+                                      <p:to>
+                                        <p:strVal val="visible"/>
+                                      </p:to>
+                                    </p:set>
+                                  </p:childTnLst>
+                                </p:cTn>
+                              </p:par>
+                            </p:childTnLst>
+                          </p:cTn>
+                        </p:par>
+                      </p:childTnLst>
+                    </p:cTn>
+                  </p:par>
+                  <p:par>
+                    <p:cTn id="19" fill="hold">
+                      <p:stCondLst>
+                        <p:cond delay="indefinite"/>
+                      </p:stCondLst>
+                      <p:childTnLst>
+                        <p:par>
+                          <p:cTn id="20" fill="hold">
+                            <p:stCondLst>
+                              <p:cond delay="0"/>
+                            </p:stCondLst>
+                            <p:childTnLst>
+                              <p:par>
+                                <p:cTn id="21" presetID="1" presetClass="entr" presetSubtype="0" fill="hold" grpId="0" nodeType="clickEffect">
+                                  <p:stCondLst>
+                                    <p:cond delay="0"/>
+                                  </p:stCondLst>
+                                  <p:childTnLst>
+                                    <p:set>
+                                      <p:cBhvr>
+                                        <p:cTn id="22" dur="1" fill="hold">
+                                          <p:stCondLst>
+                                            <p:cond delay="0"/>
+                                          </p:stCondLst>
+                                        </p:cTn>
+                                        <p:tgtEl>
                                           <p:spTgt spid="31"/>
                                         </p:tgtEl>
                                         <p:attrNameLst>
@@ -17435,20 +17871,20 @@
                                 </p:cTn>
                               </p:par>
                               <p:par>
-                                <p:cTn id="11" presetID="1" presetClass="entr" presetSubtype="0" fill="hold" grpId="0" nodeType="withEffect">
+                                <p:cTn id="23" presetID="1" presetClass="entr" presetSubtype="0" fill="hold" grpId="0" nodeType="withEffect">
                                   <p:stCondLst>
                                     <p:cond delay="0"/>
                                   </p:stCondLst>
                                   <p:childTnLst>
                                     <p:set>
                                       <p:cBhvr>
-                                        <p:cTn id="12" dur="1" fill="hold">
+                                        <p:cTn id="24" dur="1" fill="hold">
                                           <p:stCondLst>
                                             <p:cond delay="0"/>
                                           </p:stCondLst>
                                         </p:cTn>
                                         <p:tgtEl>
-                                          <p:spTgt spid="32"/>
+                                          <p:spTgt spid="30"/>
                                         </p:tgtEl>
                                         <p:attrNameLst>
                                           <p:attrName>style.visibility</p:attrName>
@@ -18816,7 +19252,7 @@
             </a:pPr>
             <a:r>
               <a:rPr lang="bg-BG" sz="3400" dirty="0"/>
-              <a:t>Общите данни методи отиват в базовия клас</a:t>
+              <a:t>Общите данни и методи отиват в базовия клас</a:t>
             </a:r>
             <a:endParaRPr lang="en-US" sz="3400" dirty="0"/>
           </a:p>
@@ -18909,936 +19345,6 @@
     </mc:Choice>
     <mc:Fallback xmlns="">
       <p:transition advClick="0" advTm="5000"/>
-    </mc:Fallback>
-  </mc:AlternateContent>
-  <p:timing>
-    <p:tnLst>
-      <p:par>
-        <p:cTn id="1" dur="indefinite" restart="never" nodeType="tmRoot">
-          <p:childTnLst>
-            <p:seq concurrent="1" nextAc="seek">
-              <p:cTn id="2" dur="indefinite" nodeType="mainSeq">
-                <p:childTnLst>
-                  <p:par>
-                    <p:cTn id="3" fill="hold">
-                      <p:stCondLst>
-                        <p:cond delay="indefinite"/>
-                      </p:stCondLst>
-                      <p:childTnLst>
-                        <p:par>
-                          <p:cTn id="4" fill="hold">
-                            <p:stCondLst>
-                              <p:cond delay="0"/>
-                            </p:stCondLst>
-                            <p:childTnLst>
-                              <p:par>
-                                <p:cTn id="5" presetID="1" presetClass="entr" presetSubtype="0" fill="hold" nodeType="clickEffect">
-                                  <p:stCondLst>
-                                    <p:cond delay="0"/>
-                                  </p:stCondLst>
-                                  <p:childTnLst>
-                                    <p:set>
-                                      <p:cBhvr>
-                                        <p:cTn id="6" dur="1" fill="hold">
-                                          <p:stCondLst>
-                                            <p:cond delay="0"/>
-                                          </p:stCondLst>
-                                        </p:cTn>
-                                        <p:tgtEl>
-                                          <p:spTgt spid="3">
-                                            <p:txEl>
-                                              <p:pRg st="2" end="2"/>
-                                            </p:txEl>
-                                          </p:spTgt>
-                                        </p:tgtEl>
-                                        <p:attrNameLst>
-                                          <p:attrName>style.visibility</p:attrName>
-                                        </p:attrNameLst>
-                                      </p:cBhvr>
-                                      <p:to>
-                                        <p:strVal val="visible"/>
-                                      </p:to>
-                                    </p:set>
-                                  </p:childTnLst>
-                                </p:cTn>
-                              </p:par>
-                            </p:childTnLst>
-                          </p:cTn>
-                        </p:par>
-                      </p:childTnLst>
-                    </p:cTn>
-                  </p:par>
-                  <p:par>
-                    <p:cTn id="7" fill="hold">
-                      <p:stCondLst>
-                        <p:cond delay="indefinite"/>
-                      </p:stCondLst>
-                      <p:childTnLst>
-                        <p:par>
-                          <p:cTn id="8" fill="hold">
-                            <p:stCondLst>
-                              <p:cond delay="0"/>
-                            </p:stCondLst>
-                            <p:childTnLst>
-                              <p:par>
-                                <p:cTn id="9" presetID="1" presetClass="entr" presetSubtype="0" fill="hold" nodeType="clickEffect">
-                                  <p:stCondLst>
-                                    <p:cond delay="0"/>
-                                  </p:stCondLst>
-                                  <p:childTnLst>
-                                    <p:set>
-                                      <p:cBhvr>
-                                        <p:cTn id="10" dur="1" fill="hold">
-                                          <p:stCondLst>
-                                            <p:cond delay="0"/>
-                                          </p:stCondLst>
-                                        </p:cTn>
-                                        <p:tgtEl>
-                                          <p:spTgt spid="3">
-                                            <p:txEl>
-                                              <p:pRg st="3" end="3"/>
-                                            </p:txEl>
-                                          </p:spTgt>
-                                        </p:tgtEl>
-                                        <p:attrNameLst>
-                                          <p:attrName>style.visibility</p:attrName>
-                                        </p:attrNameLst>
-                                      </p:cBhvr>
-                                      <p:to>
-                                        <p:strVal val="visible"/>
-                                      </p:to>
-                                    </p:set>
-                                  </p:childTnLst>
-                                </p:cTn>
-                              </p:par>
-                              <p:par>
-                                <p:cTn id="11" presetID="1" presetClass="entr" presetSubtype="0" fill="hold" nodeType="withEffect">
-                                  <p:stCondLst>
-                                    <p:cond delay="0"/>
-                                  </p:stCondLst>
-                                  <p:childTnLst>
-                                    <p:set>
-                                      <p:cBhvr>
-                                        <p:cTn id="12" dur="1" fill="hold">
-                                          <p:stCondLst>
-                                            <p:cond delay="0"/>
-                                          </p:stCondLst>
-                                        </p:cTn>
-                                        <p:tgtEl>
-                                          <p:spTgt spid="3">
-                                            <p:txEl>
-                                              <p:pRg st="4" end="4"/>
-                                            </p:txEl>
-                                          </p:spTgt>
-                                        </p:tgtEl>
-                                        <p:attrNameLst>
-                                          <p:attrName>style.visibility</p:attrName>
-                                        </p:attrNameLst>
-                                      </p:cBhvr>
-                                      <p:to>
-                                        <p:strVal val="visible"/>
-                                      </p:to>
-                                    </p:set>
-                                  </p:childTnLst>
-                                </p:cTn>
-                              </p:par>
-                            </p:childTnLst>
-                          </p:cTn>
-                        </p:par>
-                      </p:childTnLst>
-                    </p:cTn>
-                  </p:par>
-                  <p:par>
-                    <p:cTn id="13" fill="hold">
-                      <p:stCondLst>
-                        <p:cond delay="indefinite"/>
-                      </p:stCondLst>
-                      <p:childTnLst>
-                        <p:par>
-                          <p:cTn id="14" fill="hold">
-                            <p:stCondLst>
-                              <p:cond delay="0"/>
-                            </p:stCondLst>
-                            <p:childTnLst>
-                              <p:par>
-                                <p:cTn id="15" presetID="1" presetClass="entr" presetSubtype="0" fill="hold" nodeType="clickEffect">
-                                  <p:stCondLst>
-                                    <p:cond delay="0"/>
-                                  </p:stCondLst>
-                                  <p:childTnLst>
-                                    <p:set>
-                                      <p:cBhvr>
-                                        <p:cTn id="16" dur="1" fill="hold">
-                                          <p:stCondLst>
-                                            <p:cond delay="0"/>
-                                          </p:stCondLst>
-                                        </p:cTn>
-                                        <p:tgtEl>
-                                          <p:spTgt spid="3">
-                                            <p:txEl>
-                                              <p:pRg st="5" end="5"/>
-                                            </p:txEl>
-                                          </p:spTgt>
-                                        </p:tgtEl>
-                                        <p:attrNameLst>
-                                          <p:attrName>style.visibility</p:attrName>
-                                        </p:attrNameLst>
-                                      </p:cBhvr>
-                                      <p:to>
-                                        <p:strVal val="visible"/>
-                                      </p:to>
-                                    </p:set>
-                                  </p:childTnLst>
-                                </p:cTn>
-                              </p:par>
-                            </p:childTnLst>
-                          </p:cTn>
-                        </p:par>
-                      </p:childTnLst>
-                    </p:cTn>
-                  </p:par>
-                  <p:par>
-                    <p:cTn id="17" fill="hold">
-                      <p:stCondLst>
-                        <p:cond delay="indefinite"/>
-                      </p:stCondLst>
-                      <p:childTnLst>
-                        <p:par>
-                          <p:cTn id="18" fill="hold">
-                            <p:stCondLst>
-                              <p:cond delay="0"/>
-                            </p:stCondLst>
-                            <p:childTnLst>
-                              <p:par>
-                                <p:cTn id="19" presetID="1" presetClass="entr" presetSubtype="0" fill="hold" nodeType="clickEffect">
-                                  <p:stCondLst>
-                                    <p:cond delay="0"/>
-                                  </p:stCondLst>
-                                  <p:childTnLst>
-                                    <p:set>
-                                      <p:cBhvr>
-                                        <p:cTn id="20" dur="1" fill="hold">
-                                          <p:stCondLst>
-                                            <p:cond delay="0"/>
-                                          </p:stCondLst>
-                                        </p:cTn>
-                                        <p:tgtEl>
-                                          <p:spTgt spid="3">
-                                            <p:txEl>
-                                              <p:pRg st="6" end="6"/>
-                                            </p:txEl>
-                                          </p:spTgt>
-                                        </p:tgtEl>
-                                        <p:attrNameLst>
-                                          <p:attrName>style.visibility</p:attrName>
-                                        </p:attrNameLst>
-                                      </p:cBhvr>
-                                      <p:to>
-                                        <p:strVal val="visible"/>
-                                      </p:to>
-                                    </p:set>
-                                  </p:childTnLst>
-                                </p:cTn>
-                              </p:par>
-                              <p:par>
-                                <p:cTn id="21" presetID="1" presetClass="entr" presetSubtype="0" fill="hold" nodeType="withEffect">
-                                  <p:stCondLst>
-                                    <p:cond delay="0"/>
-                                  </p:stCondLst>
-                                  <p:childTnLst>
-                                    <p:set>
-                                      <p:cBhvr>
-                                        <p:cTn id="22" dur="1" fill="hold">
-                                          <p:stCondLst>
-                                            <p:cond delay="0"/>
-                                          </p:stCondLst>
-                                        </p:cTn>
-                                        <p:tgtEl>
-                                          <p:spTgt spid="3">
-                                            <p:txEl>
-                                              <p:pRg st="7" end="7"/>
-                                            </p:txEl>
-                                          </p:spTgt>
-                                        </p:tgtEl>
-                                        <p:attrNameLst>
-                                          <p:attrName>style.visibility</p:attrName>
-                                        </p:attrNameLst>
-                                      </p:cBhvr>
-                                      <p:to>
-                                        <p:strVal val="visible"/>
-                                      </p:to>
-                                    </p:set>
-                                  </p:childTnLst>
-                                </p:cTn>
-                              </p:par>
-                            </p:childTnLst>
-                          </p:cTn>
-                        </p:par>
-                      </p:childTnLst>
-                    </p:cTn>
-                  </p:par>
-                </p:childTnLst>
-              </p:cTn>
-              <p:prevCondLst>
-                <p:cond evt="onPrev" delay="0">
-                  <p:tgtEl>
-                    <p:sldTgt/>
-                  </p:tgtEl>
-                </p:cond>
-              </p:prevCondLst>
-              <p:nextCondLst>
-                <p:cond evt="onNext" delay="0">
-                  <p:tgtEl>
-                    <p:sldTgt/>
-                  </p:tgtEl>
-                </p:cond>
-              </p:nextCondLst>
-            </p:seq>
-          </p:childTnLst>
-        </p:cTn>
-      </p:par>
-    </p:tnLst>
-  </p:timing>
-</p:sld>
-</file>
-
-<file path=ppt/slides/slide20.xml><?xml version="1.0" encoding="utf-8"?>
-<p:sld xmlns:a="http://schemas.openxmlformats.org/drawingml/2006/main" xmlns:r="http://schemas.openxmlformats.org/officeDocument/2006/relationships" xmlns:p="http://schemas.openxmlformats.org/presentationml/2006/main">
-  <p:cSld>
-    <p:spTree>
-      <p:nvGrpSpPr>
-        <p:cNvPr id="1" name=""/>
-        <p:cNvGrpSpPr/>
-        <p:nvPr/>
-      </p:nvGrpSpPr>
-      <p:grpSpPr>
-        <a:xfrm>
-          <a:off x="0" y="0"/>
-          <a:ext cx="0" cy="0"/>
-          <a:chOff x="0" y="0"/>
-          <a:chExt cx="0" cy="0"/>
-        </a:xfrm>
-      </p:grpSpPr>
-      <p:pic>
-        <p:nvPicPr>
-          <p:cNvPr id="7" name="Picture 6">
-            <a:extLst>
-              <a:ext uri="{FF2B5EF4-FFF2-40B4-BE49-F238E27FC236}">
-                <a16:creationId xmlns:a16="http://schemas.microsoft.com/office/drawing/2014/main" id="{3C509B09-81B5-4806-8B1A-B938E0EB3A86}"/>
-              </a:ext>
-            </a:extLst>
-          </p:cNvPr>
-          <p:cNvPicPr>
-            <a:picLocks noChangeAspect="1"/>
-          </p:cNvPicPr>
-          <p:nvPr/>
-        </p:nvPicPr>
-        <p:blipFill>
-          <a:blip r:embed="rId2" cstate="print">
-            <a:duotone>
-              <a:schemeClr val="bg2">
-                <a:shade val="45000"/>
-                <a:satMod val="135000"/>
-              </a:schemeClr>
-              <a:prstClr val="white"/>
-            </a:duotone>
-            <a:extLst>
-              <a:ext uri="{28A0092B-C50C-407E-A947-70E740481C1C}">
-                <a14:useLocalDpi xmlns:a14="http://schemas.microsoft.com/office/drawing/2010/main" val="0"/>
-              </a:ext>
-            </a:extLst>
-          </a:blip>
-          <a:stretch>
-            <a:fillRect/>
-          </a:stretch>
-        </p:blipFill>
-        <p:spPr>
-          <a:xfrm>
-            <a:off x="4419600" y="990600"/>
-            <a:ext cx="3352800" cy="3352800"/>
-          </a:xfrm>
-          <a:prstGeom prst="rect">
-            <a:avLst/>
-          </a:prstGeom>
-        </p:spPr>
-      </p:pic>
-      <p:sp>
-        <p:nvSpPr>
-          <p:cNvPr id="5" name="Подзаглавие 4">
-            <a:extLst>
-              <a:ext uri="{FF2B5EF4-FFF2-40B4-BE49-F238E27FC236}">
-                <a16:creationId xmlns:a16="http://schemas.microsoft.com/office/drawing/2014/main" id="{7BA8BB63-75E6-0CC2-AAEB-A7E9791B4F5A}"/>
-              </a:ext>
-            </a:extLst>
-          </p:cNvPr>
-          <p:cNvSpPr>
-            <a:spLocks noGrp="1"/>
-          </p:cNvSpPr>
-          <p:nvPr>
-            <p:ph type="subTitle" sz="quarter" idx="11"/>
-          </p:nvPr>
-        </p:nvSpPr>
-        <p:spPr/>
-        <p:txBody>
-          <a:bodyPr/>
-          <a:lstStyle/>
-          <a:p>
-            <a:r>
-              <a:rPr lang="ru-RU" dirty="0"/>
-              <a:t>Общи данни и методи се изнасят в базовия клас</a:t>
-            </a:r>
-            <a:endParaRPr lang="bg-BG" dirty="0"/>
-          </a:p>
-        </p:txBody>
-      </p:sp>
-      <p:sp>
-        <p:nvSpPr>
-          <p:cNvPr id="8" name="Заглавие 7">
-            <a:extLst>
-              <a:ext uri="{FF2B5EF4-FFF2-40B4-BE49-F238E27FC236}">
-                <a16:creationId xmlns:a16="http://schemas.microsoft.com/office/drawing/2014/main" id="{C4ADE10E-B43E-4C6D-1CDC-172D666FC70A}"/>
-              </a:ext>
-            </a:extLst>
-          </p:cNvPr>
-          <p:cNvSpPr>
-            <a:spLocks noGrp="1"/>
-          </p:cNvSpPr>
-          <p:nvPr>
-            <p:ph type="title" sz="quarter" idx="10"/>
-          </p:nvPr>
-        </p:nvSpPr>
-        <p:spPr/>
-        <p:txBody>
-          <a:bodyPr/>
-          <a:lstStyle/>
-          <a:p>
-            <a:r>
-              <a:rPr lang="bg-BG" dirty="0"/>
-              <a:t>Преизползване на код на ниво клас</a:t>
-            </a:r>
-          </a:p>
-        </p:txBody>
-      </p:sp>
-    </p:spTree>
-    <p:extLst>
-      <p:ext uri="{BB962C8B-B14F-4D97-AF65-F5344CB8AC3E}">
-        <p14:creationId xmlns:p14="http://schemas.microsoft.com/office/powerpoint/2010/main" val="4229441303"/>
-      </p:ext>
-    </p:extLst>
-  </p:cSld>
-  <p:clrMapOvr>
-    <a:masterClrMapping/>
-  </p:clrMapOvr>
-  <mc:AlternateContent xmlns:mc="http://schemas.openxmlformats.org/markup-compatibility/2006" xmlns:p14="http://schemas.microsoft.com/office/powerpoint/2010/main">
-    <mc:Choice Requires="p14">
-      <p:transition p14:dur="0" advClick="0" advTm="5000"/>
-    </mc:Choice>
-    <mc:Fallback xmlns="">
-      <p:transition advClick="0" advTm="5000"/>
-    </mc:Fallback>
-  </mc:AlternateContent>
-</p:sld>
-</file>
-
-<file path=ppt/slides/slide21.xml><?xml version="1.0" encoding="utf-8"?>
-<p:sld xmlns:a="http://schemas.openxmlformats.org/drawingml/2006/main" xmlns:r="http://schemas.openxmlformats.org/officeDocument/2006/relationships" xmlns:p="http://schemas.openxmlformats.org/presentationml/2006/main">
-  <p:cSld>
-    <p:spTree>
-      <p:nvGrpSpPr>
-        <p:cNvPr id="1" name=""/>
-        <p:cNvGrpSpPr/>
-        <p:nvPr/>
-      </p:nvGrpSpPr>
-      <p:grpSpPr>
-        <a:xfrm>
-          <a:off x="0" y="0"/>
-          <a:ext cx="0" cy="0"/>
-          <a:chOff x="0" y="0"/>
-          <a:chExt cx="0" cy="0"/>
-        </a:xfrm>
-      </p:grpSpPr>
-      <p:sp>
-        <p:nvSpPr>
-          <p:cNvPr id="3" name="Content Placeholder 2"/>
-          <p:cNvSpPr>
-            <a:spLocks noGrp="1"/>
-          </p:cNvSpPr>
-          <p:nvPr>
-            <p:ph type="body" sz="quarter" idx="10"/>
-          </p:nvPr>
-        </p:nvSpPr>
-        <p:spPr>
-          <a:prstGeom prst="rect">
-            <a:avLst/>
-          </a:prstGeom>
-        </p:spPr>
-        <p:txBody>
-          <a:bodyPr>
-            <a:normAutofit/>
-          </a:bodyPr>
-          <a:lstStyle/>
-          <a:p>
-            <a:pPr>
-              <a:lnSpc>
-                <a:spcPct val="100000"/>
-              </a:lnSpc>
-              <a:spcBef>
-                <a:spcPts val="200"/>
-              </a:spcBef>
-              <a:spcAft>
-                <a:spcPts val="200"/>
-              </a:spcAft>
-            </a:pPr>
-            <a:r>
-              <a:rPr lang="bg-BG" noProof="1"/>
-              <a:t>Производните класове </a:t>
-            </a:r>
-            <a:r>
-              <a:rPr lang="bg-BG" b="1" noProof="1">
-                <a:solidFill>
-                  <a:schemeClr val="bg1"/>
-                </a:solidFill>
-              </a:rPr>
-              <a:t>имат достъп до всички публични </a:t>
-            </a:r>
-            <a:r>
-              <a:rPr lang="bg-BG" noProof="1"/>
-              <a:t>и</a:t>
-            </a:r>
-            <a:r>
-              <a:rPr lang="en-US" noProof="1"/>
-              <a:t> </a:t>
-            </a:r>
-            <a:r>
-              <a:rPr lang="bg-BG" b="1" noProof="1">
-                <a:solidFill>
-                  <a:schemeClr val="bg1"/>
-                </a:solidFill>
-                <a:latin typeface="Calibri" panose="020F0502020204030204" pitchFamily="34" charset="0"/>
-                <a:cs typeface="Calibri" panose="020F0502020204030204" pitchFamily="34" charset="0"/>
-              </a:rPr>
-              <a:t>защитени</a:t>
-            </a:r>
-            <a:r>
-              <a:rPr lang="en-US" noProof="1"/>
-              <a:t> </a:t>
-            </a:r>
-            <a:r>
-              <a:rPr lang="bg-BG" noProof="1"/>
-              <a:t>членове</a:t>
-            </a:r>
-            <a:endParaRPr lang="en-US" noProof="1"/>
-          </a:p>
-          <a:p>
-            <a:pPr>
-              <a:lnSpc>
-                <a:spcPct val="100000"/>
-              </a:lnSpc>
-              <a:spcBef>
-                <a:spcPts val="200"/>
-              </a:spcBef>
-              <a:spcAft>
-                <a:spcPts val="200"/>
-              </a:spcAft>
-              <a:buClr>
-                <a:schemeClr val="tx1"/>
-              </a:buClr>
-            </a:pPr>
-            <a:r>
-              <a:rPr lang="bg-BG" b="1" noProof="1">
-                <a:solidFill>
-                  <a:schemeClr val="bg1"/>
-                </a:solidFill>
-                <a:latin typeface="Calibri" panose="020F0502020204030204" pitchFamily="34" charset="0"/>
-                <a:cs typeface="Calibri" panose="020F0502020204030204" pitchFamily="34" charset="0"/>
-              </a:rPr>
-              <a:t>Вътрешните</a:t>
-            </a:r>
-            <a:r>
-              <a:rPr lang="en-US" noProof="1"/>
-              <a:t> </a:t>
-            </a:r>
-            <a:r>
-              <a:rPr lang="bg-BG" noProof="1"/>
-              <a:t>членове</a:t>
-            </a:r>
-            <a:r>
-              <a:rPr lang="en-US" noProof="1"/>
-              <a:t> </a:t>
-            </a:r>
-            <a:r>
-              <a:rPr lang="bg-BG" b="1" noProof="1">
-                <a:solidFill>
-                  <a:schemeClr val="bg1"/>
-                </a:solidFill>
-              </a:rPr>
-              <a:t>могат да се достъпят в същия проект </a:t>
-            </a:r>
-            <a:endParaRPr lang="en-US" b="1" noProof="1">
-              <a:solidFill>
-                <a:schemeClr val="bg1"/>
-              </a:solidFill>
-            </a:endParaRPr>
-          </a:p>
-          <a:p>
-            <a:pPr>
-              <a:lnSpc>
-                <a:spcPct val="100000"/>
-              </a:lnSpc>
-              <a:spcBef>
-                <a:spcPts val="200"/>
-              </a:spcBef>
-              <a:spcAft>
-                <a:spcPts val="200"/>
-              </a:spcAft>
-              <a:buClr>
-                <a:schemeClr val="tx1"/>
-              </a:buClr>
-            </a:pPr>
-            <a:r>
-              <a:rPr lang="bg-BG" b="1" noProof="1">
-                <a:solidFill>
-                  <a:schemeClr val="bg1"/>
-                </a:solidFill>
-                <a:latin typeface="Calibri" panose="020F0502020204030204" pitchFamily="34" charset="0"/>
-                <a:cs typeface="Calibri" panose="020F0502020204030204" pitchFamily="34" charset="0"/>
-              </a:rPr>
-              <a:t>Частните</a:t>
-            </a:r>
-            <a:r>
-              <a:rPr lang="en-US" noProof="1"/>
-              <a:t> </a:t>
-            </a:r>
-            <a:r>
-              <a:rPr lang="bg-BG" noProof="1"/>
-              <a:t>полета </a:t>
-            </a:r>
-            <a:r>
-              <a:rPr lang="bg-BG" b="1" noProof="1">
-                <a:solidFill>
-                  <a:schemeClr val="bg1"/>
-                </a:solidFill>
-              </a:rPr>
-              <a:t>не се наследяват </a:t>
-            </a:r>
-            <a:r>
-              <a:rPr lang="bg-BG" noProof="1"/>
-              <a:t>от подкласовете</a:t>
-            </a:r>
-            <a:endParaRPr lang="en-US" noProof="1"/>
-          </a:p>
-        </p:txBody>
-      </p:sp>
-      <p:sp>
-        <p:nvSpPr>
-          <p:cNvPr id="2" name="Title 1"/>
-          <p:cNvSpPr>
-            <a:spLocks noGrp="1"/>
-          </p:cNvSpPr>
-          <p:nvPr>
-            <p:ph type="title"/>
-          </p:nvPr>
-        </p:nvSpPr>
-        <p:spPr>
-          <a:prstGeom prst="rect">
-            <a:avLst/>
-          </a:prstGeom>
-        </p:spPr>
-        <p:txBody>
-          <a:bodyPr anchor="ctr" anchorCtr="0"/>
-          <a:lstStyle/>
-          <a:p>
-            <a:pPr>
-              <a:lnSpc>
-                <a:spcPts val="4000"/>
-              </a:lnSpc>
-              <a:defRPr/>
-            </a:pPr>
-            <a:r>
-              <a:rPr lang="bg-BG" sz="4000" dirty="0"/>
-              <a:t>Наследяване и модификатори за достъп</a:t>
-            </a:r>
-          </a:p>
-        </p:txBody>
-      </p:sp>
-      <p:sp>
-        <p:nvSpPr>
-          <p:cNvPr id="6" name="Text Placeholder 5"/>
-          <p:cNvSpPr txBox="1">
-            <a:spLocks/>
-          </p:cNvSpPr>
-          <p:nvPr/>
-        </p:nvSpPr>
-        <p:spPr>
-          <a:xfrm>
-            <a:off x="2968587" y="3496292"/>
-            <a:ext cx="6006259" cy="3172708"/>
-          </a:xfrm>
-          <a:prstGeom prst="rect">
-            <a:avLst/>
-          </a:prstGeom>
-          <a:solidFill>
-            <a:schemeClr val="accent6">
-              <a:lumMod val="75000"/>
-              <a:alpha val="15000"/>
-            </a:schemeClr>
-          </a:solidFill>
-          <a:ln w="12700">
-            <a:solidFill>
-              <a:schemeClr val="tx1">
-                <a:lumMod val="50000"/>
-              </a:schemeClr>
-            </a:solidFill>
-          </a:ln>
-        </p:spPr>
-        <p:txBody>
-          <a:bodyPr vert="horz" wrap="square" lIns="143963" tIns="107972" rIns="143963" bIns="107972" rtlCol="0">
-            <a:spAutoFit/>
-          </a:bodyPr>
-          <a:lstStyle>
-            <a:defPPr>
-              <a:defRPr lang="en-US"/>
-            </a:defPPr>
-            <a:lvl1pPr defTabSz="1218438" latinLnBrk="1">
-              <a:spcBef>
-                <a:spcPts val="600"/>
-              </a:spcBef>
-              <a:spcAft>
-                <a:spcPts val="600"/>
-              </a:spcAft>
-              <a:buFont typeface="Wingdings" panose="05000000000000000000" pitchFamily="2" charset="2"/>
-              <a:buNone/>
-              <a:defRPr sz="2397" b="1">
-                <a:solidFill>
-                  <a:schemeClr val="bg1"/>
-                </a:solidFill>
-                <a:latin typeface="Consolas" pitchFamily="49" charset="0"/>
-                <a:cs typeface="Consolas" pitchFamily="49" charset="0"/>
-              </a:defRPr>
-            </a:lvl1pPr>
-          </a:lstStyle>
-          <a:p>
-            <a:pPr>
-              <a:spcBef>
-                <a:spcPts val="100"/>
-              </a:spcBef>
-              <a:spcAft>
-                <a:spcPts val="100"/>
-              </a:spcAft>
-            </a:pPr>
-            <a:r>
-              <a:rPr lang="en-US" sz="2600" dirty="0">
-                <a:solidFill>
-                  <a:schemeClr val="tx1"/>
-                </a:solidFill>
-              </a:rPr>
-              <a:t>class Person </a:t>
-            </a:r>
-          </a:p>
-          <a:p>
-            <a:pPr>
-              <a:spcBef>
-                <a:spcPts val="100"/>
-              </a:spcBef>
-              <a:spcAft>
-                <a:spcPts val="100"/>
-              </a:spcAft>
-            </a:pPr>
-            <a:r>
-              <a:rPr lang="en-US" sz="2600" dirty="0">
-                <a:solidFill>
-                  <a:schemeClr val="tx1"/>
-                </a:solidFill>
-              </a:rPr>
-              <a:t>{</a:t>
-            </a:r>
-          </a:p>
-          <a:p>
-            <a:pPr>
-              <a:spcBef>
-                <a:spcPts val="100"/>
-              </a:spcBef>
-              <a:spcAft>
-                <a:spcPts val="100"/>
-              </a:spcAft>
-            </a:pPr>
-            <a:r>
-              <a:rPr lang="en-US" sz="2600" dirty="0">
-                <a:solidFill>
-                  <a:schemeClr val="tx1"/>
-                </a:solidFill>
-              </a:rPr>
-              <a:t>  </a:t>
-            </a:r>
-            <a:r>
-              <a:rPr lang="en-US" sz="2600" dirty="0"/>
-              <a:t>private</a:t>
-            </a:r>
-            <a:r>
-              <a:rPr lang="en-US" sz="2600" dirty="0">
-                <a:solidFill>
-                  <a:schemeClr val="tx1"/>
-                </a:solidFill>
-              </a:rPr>
-              <a:t> string id;</a:t>
-            </a:r>
-          </a:p>
-          <a:p>
-            <a:pPr>
-              <a:spcBef>
-                <a:spcPts val="100"/>
-              </a:spcBef>
-              <a:spcAft>
-                <a:spcPts val="100"/>
-              </a:spcAft>
-            </a:pPr>
-            <a:r>
-              <a:rPr lang="en-US" sz="2600" dirty="0">
-                <a:solidFill>
-                  <a:schemeClr val="tx1"/>
-                </a:solidFill>
-              </a:rPr>
-              <a:t>  string name;</a:t>
-            </a:r>
-          </a:p>
-          <a:p>
-            <a:pPr>
-              <a:spcBef>
-                <a:spcPts val="100"/>
-              </a:spcBef>
-              <a:spcAft>
-                <a:spcPts val="100"/>
-              </a:spcAft>
-            </a:pPr>
-            <a:r>
-              <a:rPr lang="en-US" sz="2600" dirty="0">
-                <a:solidFill>
-                  <a:schemeClr val="tx1"/>
-                </a:solidFill>
-              </a:rPr>
-              <a:t>  </a:t>
-            </a:r>
-            <a:r>
-              <a:rPr lang="en-US" sz="2600" dirty="0"/>
-              <a:t>protected</a:t>
-            </a:r>
-            <a:r>
-              <a:rPr lang="en-US" sz="2600" dirty="0">
-                <a:solidFill>
-                  <a:schemeClr val="tx1"/>
-                </a:solidFill>
-              </a:rPr>
-              <a:t> string address;</a:t>
-            </a:r>
-          </a:p>
-          <a:p>
-            <a:pPr>
-              <a:spcBef>
-                <a:spcPts val="100"/>
-              </a:spcBef>
-              <a:spcAft>
-                <a:spcPts val="100"/>
-              </a:spcAft>
-            </a:pPr>
-            <a:r>
-              <a:rPr lang="en-US" sz="2600" dirty="0">
-                <a:solidFill>
-                  <a:schemeClr val="tx1"/>
-                </a:solidFill>
-              </a:rPr>
-              <a:t>  </a:t>
-            </a:r>
-            <a:r>
-              <a:rPr lang="en-US" sz="2600" dirty="0"/>
-              <a:t>public</a:t>
-            </a:r>
-            <a:r>
-              <a:rPr lang="en-US" sz="2600" dirty="0">
-                <a:solidFill>
-                  <a:schemeClr val="tx1"/>
-                </a:solidFill>
-              </a:rPr>
-              <a:t> void Sleep();</a:t>
-            </a:r>
-          </a:p>
-          <a:p>
-            <a:pPr>
-              <a:spcBef>
-                <a:spcPts val="100"/>
-              </a:spcBef>
-              <a:spcAft>
-                <a:spcPts val="100"/>
-              </a:spcAft>
-            </a:pPr>
-            <a:r>
-              <a:rPr lang="en-US" sz="2600" dirty="0">
-                <a:solidFill>
-                  <a:schemeClr val="tx1"/>
-                </a:solidFill>
-              </a:rPr>
-              <a:t>}</a:t>
-            </a:r>
-          </a:p>
-        </p:txBody>
-      </p:sp>
-      <p:sp>
-        <p:nvSpPr>
-          <p:cNvPr id="4" name="Slide Number">
-            <a:extLst>
-              <a:ext uri="{FF2B5EF4-FFF2-40B4-BE49-F238E27FC236}">
-                <a16:creationId xmlns:a16="http://schemas.microsoft.com/office/drawing/2014/main" id="{5284FC8B-D4E0-ABA5-BF79-0B91010A704B}"/>
-              </a:ext>
-            </a:extLst>
-          </p:cNvPr>
-          <p:cNvSpPr>
-            <a:spLocks noGrp="1"/>
-          </p:cNvSpPr>
-          <p:nvPr>
-            <p:ph type="sldNum" sz="quarter" idx="5"/>
-          </p:nvPr>
-        </p:nvSpPr>
-        <p:spPr>
-          <a:xfrm>
-            <a:off x="11753030" y="6507000"/>
-            <a:ext cx="367414" cy="297000"/>
-          </a:xfrm>
-          <a:prstGeom prst="rect">
-            <a:avLst/>
-          </a:prstGeom>
-        </p:spPr>
-        <p:txBody>
-          <a:bodyPr vert="horz" lIns="91440" tIns="45720" rIns="91440" bIns="45720" rtlCol="0" anchor="b"/>
-          <a:lstStyle>
-            <a:lvl1pPr algn="r">
-              <a:defRPr sz="1000"/>
-            </a:lvl1pPr>
-          </a:lstStyle>
-          <a:p>
-            <a:fld id="{2BF067CD-8E6B-4360-9AA8-C5DF2A48A6D1}" type="slidenum">
-              <a:rPr lang="en-US" noProof="0" smtClean="0"/>
-              <a:pPr/>
-              <a:t>21</a:t>
-            </a:fld>
-            <a:endParaRPr lang="en-US" noProof="0" dirty="0"/>
-          </a:p>
-        </p:txBody>
-      </p:sp>
-    </p:spTree>
-    <p:extLst>
-      <p:ext uri="{BB962C8B-B14F-4D97-AF65-F5344CB8AC3E}">
-        <p14:creationId xmlns:p14="http://schemas.microsoft.com/office/powerpoint/2010/main" val="176115127"/>
-      </p:ext>
-    </p:extLst>
-  </p:cSld>
-  <p:clrMapOvr>
-    <a:masterClrMapping/>
-  </p:clrMapOvr>
-  <mc:AlternateContent xmlns:mc="http://schemas.openxmlformats.org/markup-compatibility/2006" xmlns:p14="http://schemas.microsoft.com/office/powerpoint/2010/main">
-    <mc:Choice Requires="p14">
-      <p:transition p14:dur="0"/>
-    </mc:Choice>
-    <mc:Fallback xmlns="">
-      <p:transition/>
     </mc:Fallback>
   </mc:AlternateContent>
   <p:timing>
@@ -19960,7 +19466,7 @@
                             </p:stCondLst>
                             <p:childTnLst>
                               <p:par>
-                                <p:cTn id="13" presetID="1" presetClass="entr" presetSubtype="0" fill="hold" grpId="0" nodeType="clickEffect">
+                                <p:cTn id="13" presetID="1" presetClass="entr" presetSubtype="0" fill="hold" nodeType="clickEffect">
                                   <p:stCondLst>
                                     <p:cond delay="0"/>
                                   </p:stCondLst>
@@ -19973,7 +19479,11 @@
                                           </p:stCondLst>
                                         </p:cTn>
                                         <p:tgtEl>
-                                          <p:spTgt spid="6"/>
+                                          <p:spTgt spid="3">
+                                            <p:txEl>
+                                              <p:pRg st="3" end="3"/>
+                                            </p:txEl>
+                                          </p:spTgt>
                                         </p:tgtEl>
                                         <p:attrNameLst>
                                           <p:attrName>style.visibility</p:attrName>
@@ -20000,9 +19510,9 @@
                                           </p:stCondLst>
                                         </p:cTn>
                                         <p:tgtEl>
-                                          <p:spTgt spid="6">
+                                          <p:spTgt spid="3">
                                             <p:txEl>
-                                              <p:pRg st="0" end="0"/>
+                                              <p:pRg st="4" end="4"/>
                                             </p:txEl>
                                           </p:spTgt>
                                         </p:tgtEl>
@@ -20017,39 +19527,26 @@
                                   </p:childTnLst>
                                 </p:cTn>
                               </p:par>
+                            </p:childTnLst>
+                          </p:cTn>
+                        </p:par>
+                      </p:childTnLst>
+                    </p:cTn>
+                  </p:par>
+                  <p:par>
+                    <p:cTn id="17" fill="hold">
+                      <p:stCondLst>
+                        <p:cond delay="indefinite"/>
+                      </p:stCondLst>
+                      <p:childTnLst>
+                        <p:par>
+                          <p:cTn id="18" fill="hold">
+                            <p:stCondLst>
+                              <p:cond delay="0"/>
+                            </p:stCondLst>
+                            <p:childTnLst>
                               <p:par>
-                                <p:cTn id="17" presetID="1" presetClass="entr" presetSubtype="0" fill="hold" nodeType="withEffect">
-                                  <p:stCondLst>
-                                    <p:cond delay="0"/>
-                                  </p:stCondLst>
-                                  <p:childTnLst>
-                                    <p:set>
-                                      <p:cBhvr>
-                                        <p:cTn id="18" dur="1" fill="hold">
-                                          <p:stCondLst>
-                                            <p:cond delay="0"/>
-                                          </p:stCondLst>
-                                        </p:cTn>
-                                        <p:tgtEl>
-                                          <p:spTgt spid="6">
-                                            <p:txEl>
-                                              <p:pRg st="6" end="6"/>
-                                            </p:txEl>
-                                          </p:spTgt>
-                                        </p:tgtEl>
-                                        <p:attrNameLst>
-                                          <p:attrName>style.visibility</p:attrName>
-                                        </p:attrNameLst>
-                                      </p:cBhvr>
-                                      <p:to>
-                                        <p:strVal val="visible"/>
-                                      </p:to>
-                                    </p:set>
-                                  </p:childTnLst>
-                                </p:cTn>
-                              </p:par>
-                              <p:par>
-                                <p:cTn id="19" presetID="1" presetClass="entr" presetSubtype="0" fill="hold" nodeType="withEffect">
+                                <p:cTn id="19" presetID="1" presetClass="entr" presetSubtype="0" fill="hold" nodeType="clickEffect">
                                   <p:stCondLst>
                                     <p:cond delay="0"/>
                                   </p:stCondLst>
@@ -20062,9 +19559,9 @@
                                           </p:stCondLst>
                                         </p:cTn>
                                         <p:tgtEl>
-                                          <p:spTgt spid="6">
+                                          <p:spTgt spid="3">
                                             <p:txEl>
-                                              <p:pRg st="1" end="1"/>
+                                              <p:pRg st="5" end="5"/>
                                             </p:txEl>
                                           </p:spTgt>
                                         </p:tgtEl>
@@ -20111,9 +19608,9 @@
                                           </p:stCondLst>
                                         </p:cTn>
                                         <p:tgtEl>
-                                          <p:spTgt spid="6">
+                                          <p:spTgt spid="3">
                                             <p:txEl>
-                                              <p:pRg st="2" end="2"/>
+                                              <p:pRg st="6" end="6"/>
                                             </p:txEl>
                                           </p:spTgt>
                                         </p:tgtEl>
@@ -20142,9 +19639,9 @@
                                           </p:stCondLst>
                                         </p:cTn>
                                         <p:tgtEl>
-                                          <p:spTgt spid="6">
+                                          <p:spTgt spid="3">
                                             <p:txEl>
-                                              <p:pRg st="3" end="3"/>
+                                              <p:pRg st="7" end="7"/>
                                             </p:txEl>
                                           </p:spTgt>
                                         </p:tgtEl>
@@ -20159,15 +19656,761 @@
                                   </p:childTnLst>
                                 </p:cTn>
                               </p:par>
+                            </p:childTnLst>
+                          </p:cTn>
+                        </p:par>
+                      </p:childTnLst>
+                    </p:cTn>
+                  </p:par>
+                </p:childTnLst>
+              </p:cTn>
+              <p:prevCondLst>
+                <p:cond evt="onPrev" delay="0">
+                  <p:tgtEl>
+                    <p:sldTgt/>
+                  </p:tgtEl>
+                </p:cond>
+              </p:prevCondLst>
+              <p:nextCondLst>
+                <p:cond evt="onNext" delay="0">
+                  <p:tgtEl>
+                    <p:sldTgt/>
+                  </p:tgtEl>
+                </p:cond>
+              </p:nextCondLst>
+            </p:seq>
+          </p:childTnLst>
+        </p:cTn>
+      </p:par>
+    </p:tnLst>
+  </p:timing>
+</p:sld>
+</file>
+
+<file path=ppt/slides/slide20.xml><?xml version="1.0" encoding="utf-8"?>
+<p:sld xmlns:a="http://schemas.openxmlformats.org/drawingml/2006/main" xmlns:r="http://schemas.openxmlformats.org/officeDocument/2006/relationships" xmlns:p="http://schemas.openxmlformats.org/presentationml/2006/main">
+  <p:cSld>
+    <p:spTree>
+      <p:nvGrpSpPr>
+        <p:cNvPr id="1" name=""/>
+        <p:cNvGrpSpPr/>
+        <p:nvPr/>
+      </p:nvGrpSpPr>
+      <p:grpSpPr>
+        <a:xfrm>
+          <a:off x="0" y="0"/>
+          <a:ext cx="0" cy="0"/>
+          <a:chOff x="0" y="0"/>
+          <a:chExt cx="0" cy="0"/>
+        </a:xfrm>
+      </p:grpSpPr>
+      <p:pic>
+        <p:nvPicPr>
+          <p:cNvPr id="7" name="Picture 6">
+            <a:extLst>
+              <a:ext uri="{FF2B5EF4-FFF2-40B4-BE49-F238E27FC236}">
+                <a16:creationId xmlns:a16="http://schemas.microsoft.com/office/drawing/2014/main" id="{3C509B09-81B5-4806-8B1A-B938E0EB3A86}"/>
+              </a:ext>
+            </a:extLst>
+          </p:cNvPr>
+          <p:cNvPicPr>
+            <a:picLocks noChangeAspect="1"/>
+          </p:cNvPicPr>
+          <p:nvPr/>
+        </p:nvPicPr>
+        <p:blipFill>
+          <a:blip r:embed="rId2" cstate="print">
+            <a:duotone>
+              <a:schemeClr val="bg2">
+                <a:shade val="45000"/>
+                <a:satMod val="135000"/>
+              </a:schemeClr>
+              <a:prstClr val="white"/>
+            </a:duotone>
+            <a:extLst>
+              <a:ext uri="{28A0092B-C50C-407E-A947-70E740481C1C}">
+                <a14:useLocalDpi xmlns:a14="http://schemas.microsoft.com/office/drawing/2010/main" val="0"/>
+              </a:ext>
+            </a:extLst>
+          </a:blip>
+          <a:stretch>
+            <a:fillRect/>
+          </a:stretch>
+        </p:blipFill>
+        <p:spPr>
+          <a:xfrm>
+            <a:off x="4419600" y="990600"/>
+            <a:ext cx="3352800" cy="3352800"/>
+          </a:xfrm>
+          <a:prstGeom prst="rect">
+            <a:avLst/>
+          </a:prstGeom>
+        </p:spPr>
+      </p:pic>
+      <p:sp>
+        <p:nvSpPr>
+          <p:cNvPr id="5" name="Подзаглавие 4">
+            <a:extLst>
+              <a:ext uri="{FF2B5EF4-FFF2-40B4-BE49-F238E27FC236}">
+                <a16:creationId xmlns:a16="http://schemas.microsoft.com/office/drawing/2014/main" id="{7BA8BB63-75E6-0CC2-AAEB-A7E9791B4F5A}"/>
+              </a:ext>
+            </a:extLst>
+          </p:cNvPr>
+          <p:cNvSpPr>
+            <a:spLocks noGrp="1"/>
+          </p:cNvSpPr>
+          <p:nvPr>
+            <p:ph type="subTitle" sz="quarter" idx="11"/>
+          </p:nvPr>
+        </p:nvSpPr>
+        <p:spPr/>
+        <p:txBody>
+          <a:bodyPr/>
+          <a:lstStyle/>
+          <a:p>
+            <a:r>
+              <a:rPr lang="ru-RU" dirty="0"/>
+              <a:t>Общи данни и методи се изнасят в базовия клас</a:t>
+            </a:r>
+            <a:endParaRPr lang="bg-BG" dirty="0"/>
+          </a:p>
+        </p:txBody>
+      </p:sp>
+      <p:sp>
+        <p:nvSpPr>
+          <p:cNvPr id="8" name="Заглавие 7">
+            <a:extLst>
+              <a:ext uri="{FF2B5EF4-FFF2-40B4-BE49-F238E27FC236}">
+                <a16:creationId xmlns:a16="http://schemas.microsoft.com/office/drawing/2014/main" id="{C4ADE10E-B43E-4C6D-1CDC-172D666FC70A}"/>
+              </a:ext>
+            </a:extLst>
+          </p:cNvPr>
+          <p:cNvSpPr>
+            <a:spLocks noGrp="1"/>
+          </p:cNvSpPr>
+          <p:nvPr>
+            <p:ph type="title" sz="quarter" idx="10"/>
+          </p:nvPr>
+        </p:nvSpPr>
+        <p:spPr/>
+        <p:txBody>
+          <a:bodyPr/>
+          <a:lstStyle/>
+          <a:p>
+            <a:r>
+              <a:rPr lang="bg-BG" dirty="0"/>
+              <a:t>Преизползване на код на ниво клас</a:t>
+            </a:r>
+          </a:p>
+        </p:txBody>
+      </p:sp>
+    </p:spTree>
+    <p:extLst>
+      <p:ext uri="{BB962C8B-B14F-4D97-AF65-F5344CB8AC3E}">
+        <p14:creationId xmlns:p14="http://schemas.microsoft.com/office/powerpoint/2010/main" val="4229441303"/>
+      </p:ext>
+    </p:extLst>
+  </p:cSld>
+  <p:clrMapOvr>
+    <a:masterClrMapping/>
+  </p:clrMapOvr>
+  <mc:AlternateContent xmlns:mc="http://schemas.openxmlformats.org/markup-compatibility/2006" xmlns:p14="http://schemas.microsoft.com/office/powerpoint/2010/main">
+    <mc:Choice Requires="p14">
+      <p:transition p14:dur="0" advClick="0" advTm="5000"/>
+    </mc:Choice>
+    <mc:Fallback xmlns="">
+      <p:transition advClick="0" advTm="5000"/>
+    </mc:Fallback>
+  </mc:AlternateContent>
+</p:sld>
+</file>
+
+<file path=ppt/slides/slide21.xml><?xml version="1.0" encoding="utf-8"?>
+<p:sld xmlns:a="http://schemas.openxmlformats.org/drawingml/2006/main" xmlns:r="http://schemas.openxmlformats.org/officeDocument/2006/relationships" xmlns:p="http://schemas.openxmlformats.org/presentationml/2006/main">
+  <p:cSld>
+    <p:spTree>
+      <p:nvGrpSpPr>
+        <p:cNvPr id="1" name=""/>
+        <p:cNvGrpSpPr/>
+        <p:nvPr/>
+      </p:nvGrpSpPr>
+      <p:grpSpPr>
+        <a:xfrm>
+          <a:off x="0" y="0"/>
+          <a:ext cx="0" cy="0"/>
+          <a:chOff x="0" y="0"/>
+          <a:chExt cx="0" cy="0"/>
+        </a:xfrm>
+      </p:grpSpPr>
+      <p:sp>
+        <p:nvSpPr>
+          <p:cNvPr id="3" name="Content Placeholder 2"/>
+          <p:cNvSpPr>
+            <a:spLocks noGrp="1"/>
+          </p:cNvSpPr>
+          <p:nvPr>
+            <p:ph type="body" sz="quarter" idx="10"/>
+          </p:nvPr>
+        </p:nvSpPr>
+        <p:spPr>
+          <a:prstGeom prst="rect">
+            <a:avLst/>
+          </a:prstGeom>
+        </p:spPr>
+        <p:txBody>
+          <a:bodyPr>
+            <a:normAutofit/>
+          </a:bodyPr>
+          <a:lstStyle/>
+          <a:p>
+            <a:pPr>
+              <a:lnSpc>
+                <a:spcPct val="100000"/>
+              </a:lnSpc>
+              <a:spcBef>
+                <a:spcPts val="200"/>
+              </a:spcBef>
+              <a:spcAft>
+                <a:spcPts val="200"/>
+              </a:spcAft>
+            </a:pPr>
+            <a:r>
+              <a:rPr lang="bg-BG" noProof="1"/>
+              <a:t>Производните класове </a:t>
+            </a:r>
+            <a:r>
+              <a:rPr lang="bg-BG" b="1" noProof="1">
+                <a:solidFill>
+                  <a:schemeClr val="bg1"/>
+                </a:solidFill>
+              </a:rPr>
+              <a:t>имат достъп до всички публични </a:t>
+            </a:r>
+            <a:r>
+              <a:rPr lang="bg-BG" noProof="1"/>
+              <a:t>и</a:t>
+            </a:r>
+            <a:r>
+              <a:rPr lang="en-US" noProof="1"/>
+              <a:t> </a:t>
+            </a:r>
+            <a:r>
+              <a:rPr lang="bg-BG" b="1" noProof="1">
+                <a:solidFill>
+                  <a:schemeClr val="bg1"/>
+                </a:solidFill>
+                <a:latin typeface="Calibri" panose="020F0502020204030204" pitchFamily="34" charset="0"/>
+                <a:cs typeface="Calibri" panose="020F0502020204030204" pitchFamily="34" charset="0"/>
+              </a:rPr>
+              <a:t>защитени</a:t>
+            </a:r>
+            <a:r>
+              <a:rPr lang="en-US" noProof="1"/>
+              <a:t> </a:t>
+            </a:r>
+            <a:r>
+              <a:rPr lang="bg-BG" noProof="1"/>
+              <a:t>членове</a:t>
+            </a:r>
+            <a:endParaRPr lang="en-US" noProof="1"/>
+          </a:p>
+          <a:p>
+            <a:pPr>
+              <a:lnSpc>
+                <a:spcPct val="100000"/>
+              </a:lnSpc>
+              <a:spcBef>
+                <a:spcPts val="200"/>
+              </a:spcBef>
+              <a:spcAft>
+                <a:spcPts val="200"/>
+              </a:spcAft>
+              <a:buClr>
+                <a:schemeClr val="tx1"/>
+              </a:buClr>
+            </a:pPr>
+            <a:r>
+              <a:rPr lang="bg-BG" b="1" noProof="1">
+                <a:solidFill>
+                  <a:schemeClr val="bg1"/>
+                </a:solidFill>
+                <a:latin typeface="Calibri" panose="020F0502020204030204" pitchFamily="34" charset="0"/>
+                <a:cs typeface="Calibri" panose="020F0502020204030204" pitchFamily="34" charset="0"/>
+              </a:rPr>
+              <a:t>Частните</a:t>
+            </a:r>
+            <a:r>
+              <a:rPr lang="en-US" noProof="1"/>
+              <a:t> </a:t>
+            </a:r>
+            <a:r>
+              <a:rPr lang="bg-BG" noProof="1"/>
+              <a:t>полета </a:t>
+            </a:r>
+            <a:r>
+              <a:rPr lang="bg-BG" b="1" noProof="1">
+                <a:solidFill>
+                  <a:schemeClr val="bg1"/>
+                </a:solidFill>
+              </a:rPr>
+              <a:t>не се наследяват </a:t>
+            </a:r>
+            <a:r>
+              <a:rPr lang="bg-BG" noProof="1"/>
+              <a:t>от подкласовете</a:t>
+            </a:r>
+            <a:endParaRPr lang="en-US" noProof="1"/>
+          </a:p>
+          <a:p>
+            <a:pPr>
+              <a:lnSpc>
+                <a:spcPct val="100000"/>
+              </a:lnSpc>
+              <a:spcBef>
+                <a:spcPts val="200"/>
+              </a:spcBef>
+              <a:spcAft>
+                <a:spcPts val="200"/>
+              </a:spcAft>
+              <a:buClr>
+                <a:schemeClr val="tx1"/>
+              </a:buClr>
+            </a:pPr>
+            <a:r>
+              <a:rPr lang="bg-BG" b="1" noProof="1">
+                <a:solidFill>
+                  <a:schemeClr val="bg1"/>
+                </a:solidFill>
+                <a:latin typeface="Calibri" panose="020F0502020204030204" pitchFamily="34" charset="0"/>
+                <a:cs typeface="Calibri" panose="020F0502020204030204" pitchFamily="34" charset="0"/>
+              </a:rPr>
+              <a:t>Вътрешните</a:t>
+            </a:r>
+            <a:r>
+              <a:rPr lang="en-US" noProof="1"/>
+              <a:t> </a:t>
+            </a:r>
+            <a:r>
+              <a:rPr lang="bg-BG" noProof="1"/>
+              <a:t>членове</a:t>
+            </a:r>
+            <a:r>
+              <a:rPr lang="en-US" noProof="1"/>
+              <a:t> </a:t>
+            </a:r>
+            <a:r>
+              <a:rPr lang="bg-BG" b="1" noProof="1">
+                <a:solidFill>
+                  <a:schemeClr val="bg1"/>
+                </a:solidFill>
+              </a:rPr>
+              <a:t>могат да се достъпят в същия проект </a:t>
+            </a:r>
+          </a:p>
+        </p:txBody>
+      </p:sp>
+      <p:sp>
+        <p:nvSpPr>
+          <p:cNvPr id="2" name="Title 1"/>
+          <p:cNvSpPr>
+            <a:spLocks noGrp="1"/>
+          </p:cNvSpPr>
+          <p:nvPr>
+            <p:ph type="title"/>
+          </p:nvPr>
+        </p:nvSpPr>
+        <p:spPr>
+          <a:prstGeom prst="rect">
+            <a:avLst/>
+          </a:prstGeom>
+        </p:spPr>
+        <p:txBody>
+          <a:bodyPr anchor="ctr" anchorCtr="0"/>
+          <a:lstStyle/>
+          <a:p>
+            <a:pPr>
+              <a:lnSpc>
+                <a:spcPts val="4000"/>
+              </a:lnSpc>
+              <a:defRPr/>
+            </a:pPr>
+            <a:r>
+              <a:rPr lang="bg-BG" sz="4000" dirty="0"/>
+              <a:t>Наследяване и модификатори за достъп</a:t>
+            </a:r>
+          </a:p>
+        </p:txBody>
+      </p:sp>
+      <p:sp>
+        <p:nvSpPr>
+          <p:cNvPr id="6" name="Text Placeholder 5"/>
+          <p:cNvSpPr txBox="1">
+            <a:spLocks/>
+          </p:cNvSpPr>
+          <p:nvPr/>
+        </p:nvSpPr>
+        <p:spPr>
+          <a:xfrm>
+            <a:off x="2968587" y="3496292"/>
+            <a:ext cx="6006259" cy="3172708"/>
+          </a:xfrm>
+          <a:prstGeom prst="rect">
+            <a:avLst/>
+          </a:prstGeom>
+          <a:solidFill>
+            <a:schemeClr val="accent6">
+              <a:lumMod val="75000"/>
+              <a:alpha val="15000"/>
+            </a:schemeClr>
+          </a:solidFill>
+          <a:ln w="12700">
+            <a:solidFill>
+              <a:schemeClr val="tx1">
+                <a:lumMod val="50000"/>
+              </a:schemeClr>
+            </a:solidFill>
+          </a:ln>
+        </p:spPr>
+        <p:txBody>
+          <a:bodyPr vert="horz" wrap="square" lIns="143963" tIns="107972" rIns="143963" bIns="107972" rtlCol="0">
+            <a:spAutoFit/>
+          </a:bodyPr>
+          <a:lstStyle>
+            <a:defPPr>
+              <a:defRPr lang="en-US"/>
+            </a:defPPr>
+            <a:lvl1pPr defTabSz="1218438" latinLnBrk="1">
+              <a:spcBef>
+                <a:spcPts val="600"/>
+              </a:spcBef>
+              <a:spcAft>
+                <a:spcPts val="600"/>
+              </a:spcAft>
+              <a:buFont typeface="Wingdings" panose="05000000000000000000" pitchFamily="2" charset="2"/>
+              <a:buNone/>
+              <a:defRPr sz="2397" b="1">
+                <a:solidFill>
+                  <a:schemeClr val="bg1"/>
+                </a:solidFill>
+                <a:latin typeface="Consolas" pitchFamily="49" charset="0"/>
+                <a:cs typeface="Consolas" pitchFamily="49" charset="0"/>
+              </a:defRPr>
+            </a:lvl1pPr>
+          </a:lstStyle>
+          <a:p>
+            <a:pPr>
+              <a:spcBef>
+                <a:spcPts val="100"/>
+              </a:spcBef>
+              <a:spcAft>
+                <a:spcPts val="100"/>
+              </a:spcAft>
+            </a:pPr>
+            <a:r>
+              <a:rPr lang="en-US" sz="2600" dirty="0">
+                <a:solidFill>
+                  <a:schemeClr val="tx1"/>
+                </a:solidFill>
+              </a:rPr>
+              <a:t>class Person </a:t>
+            </a:r>
+          </a:p>
+          <a:p>
+            <a:pPr>
+              <a:spcBef>
+                <a:spcPts val="100"/>
+              </a:spcBef>
+              <a:spcAft>
+                <a:spcPts val="100"/>
+              </a:spcAft>
+            </a:pPr>
+            <a:r>
+              <a:rPr lang="en-US" sz="2600" dirty="0">
+                <a:solidFill>
+                  <a:schemeClr val="tx1"/>
+                </a:solidFill>
+              </a:rPr>
+              <a:t>{</a:t>
+            </a:r>
+          </a:p>
+          <a:p>
+            <a:pPr>
+              <a:spcBef>
+                <a:spcPts val="100"/>
+              </a:spcBef>
+              <a:spcAft>
+                <a:spcPts val="100"/>
+              </a:spcAft>
+            </a:pPr>
+            <a:r>
+              <a:rPr lang="en-US" sz="2600" dirty="0">
+                <a:solidFill>
+                  <a:schemeClr val="tx1"/>
+                </a:solidFill>
+              </a:rPr>
+              <a:t>  </a:t>
+            </a:r>
+            <a:r>
+              <a:rPr lang="en-US" sz="2600" dirty="0"/>
+              <a:t>protected</a:t>
+            </a:r>
+            <a:r>
+              <a:rPr lang="en-US" sz="2600" dirty="0">
+                <a:solidFill>
+                  <a:schemeClr val="tx1"/>
+                </a:solidFill>
+              </a:rPr>
+              <a:t> string address;</a:t>
+            </a:r>
+          </a:p>
+          <a:p>
+            <a:pPr>
+              <a:spcBef>
+                <a:spcPts val="100"/>
+              </a:spcBef>
+              <a:spcAft>
+                <a:spcPts val="100"/>
+              </a:spcAft>
+            </a:pPr>
+            <a:r>
+              <a:rPr lang="en-US" sz="2600" dirty="0">
+                <a:solidFill>
+                  <a:schemeClr val="tx1"/>
+                </a:solidFill>
+              </a:rPr>
+              <a:t>  </a:t>
+            </a:r>
+            <a:r>
+              <a:rPr lang="en-US" sz="2600" dirty="0"/>
+              <a:t>public</a:t>
+            </a:r>
+            <a:r>
+              <a:rPr lang="en-US" sz="2600" dirty="0">
+                <a:solidFill>
+                  <a:schemeClr val="tx1"/>
+                </a:solidFill>
+              </a:rPr>
+              <a:t> void Sleep();</a:t>
+            </a:r>
+          </a:p>
+          <a:p>
+            <a:pPr>
+              <a:spcBef>
+                <a:spcPts val="100"/>
+              </a:spcBef>
+              <a:spcAft>
+                <a:spcPts val="100"/>
+              </a:spcAft>
+            </a:pPr>
+            <a:r>
+              <a:rPr lang="en-US" sz="2600" dirty="0">
+                <a:solidFill>
+                  <a:schemeClr val="tx1"/>
+                </a:solidFill>
+              </a:rPr>
+              <a:t>  </a:t>
+            </a:r>
+            <a:r>
+              <a:rPr lang="en-US" sz="2600" dirty="0"/>
+              <a:t>private</a:t>
+            </a:r>
+            <a:r>
+              <a:rPr lang="en-US" sz="2600" dirty="0">
+                <a:solidFill>
+                  <a:schemeClr val="tx1"/>
+                </a:solidFill>
+              </a:rPr>
+              <a:t> string id;</a:t>
+            </a:r>
+          </a:p>
+          <a:p>
+            <a:pPr>
+              <a:spcBef>
+                <a:spcPts val="100"/>
+              </a:spcBef>
+              <a:spcAft>
+                <a:spcPts val="100"/>
+              </a:spcAft>
+            </a:pPr>
+            <a:r>
+              <a:rPr lang="en-US" sz="2600" dirty="0">
+                <a:solidFill>
+                  <a:schemeClr val="tx1"/>
+                </a:solidFill>
+              </a:rPr>
+              <a:t>  </a:t>
+            </a:r>
+            <a:r>
+              <a:rPr lang="en-US" sz="2600" dirty="0"/>
+              <a:t>internal </a:t>
+            </a:r>
+            <a:r>
+              <a:rPr lang="en-US" sz="2600" dirty="0">
+                <a:solidFill>
+                  <a:schemeClr val="tx1"/>
+                </a:solidFill>
+              </a:rPr>
+              <a:t>string name;</a:t>
+            </a:r>
+          </a:p>
+          <a:p>
+            <a:pPr>
+              <a:spcBef>
+                <a:spcPts val="100"/>
+              </a:spcBef>
+              <a:spcAft>
+                <a:spcPts val="100"/>
+              </a:spcAft>
+            </a:pPr>
+            <a:r>
+              <a:rPr lang="en-US" sz="2600" dirty="0">
+                <a:solidFill>
+                  <a:schemeClr val="tx1"/>
+                </a:solidFill>
+              </a:rPr>
+              <a:t>}</a:t>
+            </a:r>
+          </a:p>
+        </p:txBody>
+      </p:sp>
+      <p:sp>
+        <p:nvSpPr>
+          <p:cNvPr id="4" name="Slide Number">
+            <a:extLst>
+              <a:ext uri="{FF2B5EF4-FFF2-40B4-BE49-F238E27FC236}">
+                <a16:creationId xmlns:a16="http://schemas.microsoft.com/office/drawing/2014/main" id="{5284FC8B-D4E0-ABA5-BF79-0B91010A704B}"/>
+              </a:ext>
+            </a:extLst>
+          </p:cNvPr>
+          <p:cNvSpPr>
+            <a:spLocks noGrp="1"/>
+          </p:cNvSpPr>
+          <p:nvPr>
+            <p:ph type="sldNum" sz="quarter" idx="5"/>
+          </p:nvPr>
+        </p:nvSpPr>
+        <p:spPr>
+          <a:xfrm>
+            <a:off x="11753030" y="6507000"/>
+            <a:ext cx="367414" cy="297000"/>
+          </a:xfrm>
+          <a:prstGeom prst="rect">
+            <a:avLst/>
+          </a:prstGeom>
+        </p:spPr>
+        <p:txBody>
+          <a:bodyPr vert="horz" lIns="91440" tIns="45720" rIns="91440" bIns="45720" rtlCol="0" anchor="b"/>
+          <a:lstStyle>
+            <a:lvl1pPr algn="r">
+              <a:defRPr sz="1000"/>
+            </a:lvl1pPr>
+          </a:lstStyle>
+          <a:p>
+            <a:fld id="{2BF067CD-8E6B-4360-9AA8-C5DF2A48A6D1}" type="slidenum">
+              <a:rPr lang="en-US" noProof="0" smtClean="0"/>
+              <a:pPr/>
+              <a:t>21</a:t>
+            </a:fld>
+            <a:endParaRPr lang="en-US" noProof="0" dirty="0"/>
+          </a:p>
+        </p:txBody>
+      </p:sp>
+    </p:spTree>
+    <p:extLst>
+      <p:ext uri="{BB962C8B-B14F-4D97-AF65-F5344CB8AC3E}">
+        <p14:creationId xmlns:p14="http://schemas.microsoft.com/office/powerpoint/2010/main" val="176115127"/>
+      </p:ext>
+    </p:extLst>
+  </p:cSld>
+  <p:clrMapOvr>
+    <a:masterClrMapping/>
+  </p:clrMapOvr>
+  <mc:AlternateContent xmlns:mc="http://schemas.openxmlformats.org/markup-compatibility/2006" xmlns:p14="http://schemas.microsoft.com/office/powerpoint/2010/main">
+    <mc:Choice Requires="p14">
+      <p:transition p14:dur="0"/>
+    </mc:Choice>
+    <mc:Fallback xmlns="">
+      <p:transition/>
+    </mc:Fallback>
+  </mc:AlternateContent>
+  <p:timing>
+    <p:tnLst>
+      <p:par>
+        <p:cTn id="1" dur="indefinite" restart="never" nodeType="tmRoot">
+          <p:childTnLst>
+            <p:seq concurrent="1" nextAc="seek">
+              <p:cTn id="2" dur="indefinite" nodeType="mainSeq">
+                <p:childTnLst>
+                  <p:par>
+                    <p:cTn id="3" fill="hold">
+                      <p:stCondLst>
+                        <p:cond delay="indefinite"/>
+                      </p:stCondLst>
+                      <p:childTnLst>
+                        <p:par>
+                          <p:cTn id="4" fill="hold">
+                            <p:stCondLst>
+                              <p:cond delay="0"/>
+                            </p:stCondLst>
+                            <p:childTnLst>
                               <p:par>
-                                <p:cTn id="27" presetID="1" presetClass="entr" presetSubtype="0" fill="hold" nodeType="withEffect">
+                                <p:cTn id="5" presetID="1" presetClass="entr" presetSubtype="0" fill="hold" nodeType="clickEffect">
                                   <p:stCondLst>
                                     <p:cond delay="0"/>
                                   </p:stCondLst>
                                   <p:childTnLst>
                                     <p:set>
                                       <p:cBhvr>
-                                        <p:cTn id="28" dur="1" fill="hold">
+                                        <p:cTn id="6" dur="1" fill="hold">
+                                          <p:stCondLst>
+                                            <p:cond delay="0"/>
+                                          </p:stCondLst>
+                                        </p:cTn>
+                                        <p:tgtEl>
+                                          <p:spTgt spid="3">
+                                            <p:txEl>
+                                              <p:pRg st="1" end="1"/>
+                                            </p:txEl>
+                                          </p:spTgt>
+                                        </p:tgtEl>
+                                        <p:attrNameLst>
+                                          <p:attrName>style.visibility</p:attrName>
+                                        </p:attrNameLst>
+                                      </p:cBhvr>
+                                      <p:to>
+                                        <p:strVal val="visible"/>
+                                      </p:to>
+                                    </p:set>
+                                  </p:childTnLst>
+                                </p:cTn>
+                              </p:par>
+                            </p:childTnLst>
+                          </p:cTn>
+                        </p:par>
+                      </p:childTnLst>
+                    </p:cTn>
+                  </p:par>
+                  <p:par>
+                    <p:cTn id="7" fill="hold">
+                      <p:stCondLst>
+                        <p:cond delay="indefinite"/>
+                      </p:stCondLst>
+                      <p:childTnLst>
+                        <p:par>
+                          <p:cTn id="8" fill="hold">
+                            <p:stCondLst>
+                              <p:cond delay="0"/>
+                            </p:stCondLst>
+                            <p:childTnLst>
+                              <p:par>
+                                <p:cTn id="9" presetID="1" presetClass="entr" presetSubtype="0" fill="hold" nodeType="clickEffect">
+                                  <p:stCondLst>
+                                    <p:cond delay="0"/>
+                                  </p:stCondLst>
+                                  <p:childTnLst>
+                                    <p:set>
+                                      <p:cBhvr>
+                                        <p:cTn id="10" dur="1" fill="hold">
                                           <p:stCondLst>
                                             <p:cond delay="0"/>
                                           </p:stCondLst>
@@ -20190,15 +20433,82 @@
                                   </p:childTnLst>
                                 </p:cTn>
                               </p:par>
+                            </p:childTnLst>
+                          </p:cTn>
+                        </p:par>
+                      </p:childTnLst>
+                    </p:cTn>
+                  </p:par>
+                  <p:par>
+                    <p:cTn id="11" fill="hold">
+                      <p:stCondLst>
+                        <p:cond delay="indefinite"/>
+                      </p:stCondLst>
+                      <p:childTnLst>
+                        <p:par>
+                          <p:cTn id="12" fill="hold">
+                            <p:stCondLst>
+                              <p:cond delay="0"/>
+                            </p:stCondLst>
+                            <p:childTnLst>
                               <p:par>
-                                <p:cTn id="29" presetID="1" presetClass="entr" presetSubtype="0" fill="hold" nodeType="withEffect">
+                                <p:cTn id="13" presetID="1" presetClass="entr" presetSubtype="0" fill="hold" nodeType="clickEffect">
                                   <p:stCondLst>
                                     <p:cond delay="0"/>
                                   </p:stCondLst>
                                   <p:childTnLst>
                                     <p:set>
                                       <p:cBhvr>
-                                        <p:cTn id="30" dur="1" fill="hold">
+                                        <p:cTn id="14" dur="1" fill="hold">
+                                          <p:stCondLst>
+                                            <p:cond delay="0"/>
+                                          </p:stCondLst>
+                                        </p:cTn>
+                                        <p:tgtEl>
+                                          <p:spTgt spid="3">
+                                            <p:txEl>
+                                              <p:pRg st="2" end="2"/>
+                                            </p:txEl>
+                                          </p:spTgt>
+                                        </p:tgtEl>
+                                        <p:attrNameLst>
+                                          <p:attrName>style.visibility</p:attrName>
+                                        </p:attrNameLst>
+                                      </p:cBhvr>
+                                      <p:to>
+                                        <p:strVal val="visible"/>
+                                      </p:to>
+                                    </p:set>
+                                  </p:childTnLst>
+                                </p:cTn>
+                              </p:par>
+                            </p:childTnLst>
+                          </p:cTn>
+                        </p:par>
+                      </p:childTnLst>
+                    </p:cTn>
+                  </p:par>
+                  <p:par>
+                    <p:cTn id="15" fill="hold">
+                      <p:stCondLst>
+                        <p:cond delay="indefinite"/>
+                      </p:stCondLst>
+                      <p:childTnLst>
+                        <p:par>
+                          <p:cTn id="16" fill="hold">
+                            <p:stCondLst>
+                              <p:cond delay="0"/>
+                            </p:stCondLst>
+                            <p:childTnLst>
+                              <p:par>
+                                <p:cTn id="17" presetID="1" presetClass="entr" presetSubtype="0" fill="hold" nodeType="clickEffect">
+                                  <p:stCondLst>
+                                    <p:cond delay="0"/>
+                                  </p:stCondLst>
+                                  <p:childTnLst>
+                                    <p:set>
+                                      <p:cBhvr>
+                                        <p:cTn id="18" dur="1" fill="hold">
                                           <p:stCondLst>
                                             <p:cond delay="0"/>
                                           </p:stCondLst>
@@ -20248,9 +20558,6 @@
         </p:cTn>
       </p:par>
     </p:tnLst>
-    <p:bldLst>
-      <p:bldP spid="6" grpId="0" animBg="1"/>
-    </p:bldLst>
   </p:timing>
 </p:sld>
 </file>
@@ -21653,7 +21960,7 @@
                                         <p:tgtEl>
                                           <p:spTgt spid="15">
                                             <p:txEl>
-                                              <p:pRg st="2" end="2"/>
+                                              <p:pRg st="1" end="1"/>
                                             </p:txEl>
                                           </p:spTgt>
                                         </p:tgtEl>
@@ -21695,6 +22002,55 @@
                                     <p:set>
                                       <p:cBhvr>
                                         <p:cTn id="10" dur="1" fill="hold">
+                                          <p:stCondLst>
+                                            <p:cond delay="0"/>
+                                          </p:stCondLst>
+                                        </p:cTn>
+                                        <p:tgtEl>
+                                          <p:spTgt spid="15">
+                                            <p:txEl>
+                                              <p:pRg st="2" end="2"/>
+                                            </p:txEl>
+                                          </p:spTgt>
+                                        </p:tgtEl>
+                                        <p:attrNameLst>
+                                          <p:attrName>style.visibility</p:attrName>
+                                        </p:attrNameLst>
+                                      </p:cBhvr>
+                                      <p:to>
+                                        <p:strVal val="visible"/>
+                                      </p:to>
+                                    </p:set>
+                                  </p:childTnLst>
+                                </p:cTn>
+                              </p:par>
+                            </p:childTnLst>
+                          </p:cTn>
+                        </p:par>
+                      </p:childTnLst>
+                    </p:cTn>
+                  </p:par>
+                  <p:par>
+                    <p:cTn id="11" fill="hold">
+                      <p:stCondLst>
+                        <p:cond delay="indefinite"/>
+                      </p:stCondLst>
+                      <p:childTnLst>
+                        <p:par>
+                          <p:cTn id="12" fill="hold">
+                            <p:stCondLst>
+                              <p:cond delay="0"/>
+                            </p:stCondLst>
+                            <p:childTnLst>
+                              <p:par>
+                                <p:cTn id="13" presetID="1" presetClass="entr" presetSubtype="0" fill="hold" nodeType="clickEffect">
+                                  <p:stCondLst>
+                                    <p:cond delay="0"/>
+                                  </p:stCondLst>
+                                  <p:childTnLst>
+                                    <p:set>
+                                      <p:cBhvr>
+                                        <p:cTn id="14" dur="1" fill="hold">
                                           <p:stCondLst>
                                             <p:cond delay="0"/>
                                           </p:stCondLst>
@@ -21939,7 +22295,7 @@
 </file>
 
 <file path=ppt/slides/slide25.xml><?xml version="1.0" encoding="utf-8"?>
-<p:sld xmlns:a="http://schemas.openxmlformats.org/drawingml/2006/main" xmlns:r="http://schemas.openxmlformats.org/officeDocument/2006/relationships" xmlns:p="http://schemas.openxmlformats.org/presentationml/2006/main">
+<p:sld xmlns:a="http://schemas.openxmlformats.org/drawingml/2006/main" xmlns:r="http://schemas.openxmlformats.org/officeDocument/2006/relationships" xmlns:p="http://schemas.openxmlformats.org/presentationml/2006/main" show="0">
   <p:cSld>
     <p:spTree>
       <p:nvGrpSpPr>
@@ -22310,11 +22666,11 @@
   <p:clrMapOvr>
     <a:masterClrMapping/>
   </p:clrMapOvr>
-  <mc:AlternateContent xmlns:mc="http://schemas.openxmlformats.org/markup-compatibility/2006" xmlns:p14="http://schemas.microsoft.com/office/powerpoint/2010/main">
-    <mc:Choice Requires="p14">
+  <mc:AlternateContent xmlns:mc="http://schemas.openxmlformats.org/markup-compatibility/2006">
+    <mc:Choice xmlns:p14="http://schemas.microsoft.com/office/powerpoint/2010/main" Requires="p14">
       <p:transition spd="slow" p14:dur="2000" advClick="0" advTm="5000"/>
     </mc:Choice>
-    <mc:Fallback xmlns="">
+    <mc:Fallback>
       <p:transition spd="slow" advClick="0" advTm="5000"/>
     </mc:Fallback>
   </mc:AlternateContent>
@@ -22667,11 +23023,11 @@
             </a:r>
             <a:r>
               <a:rPr lang="bg-BG" sz="3600" dirty="0"/>
-              <a:t> клас</a:t>
+              <a:t> клас /</a:t>
             </a:r>
             <a:r>
               <a:rPr lang="en-US" sz="3600" dirty="0"/>
-              <a:t>, </a:t>
+              <a:t> </a:t>
             </a:r>
             <a:r>
               <a:rPr lang="bg-BG" sz="3600" b="1" dirty="0"/>
@@ -23336,6 +23692,55 @@
                                         <p:tgtEl>
                                           <p:spTgt spid="1233923">
                                             <p:txEl>
+                                              <p:pRg st="1" end="1"/>
+                                            </p:txEl>
+                                          </p:spTgt>
+                                        </p:tgtEl>
+                                        <p:attrNameLst>
+                                          <p:attrName>style.visibility</p:attrName>
+                                        </p:attrNameLst>
+                                      </p:cBhvr>
+                                      <p:to>
+                                        <p:strVal val="visible"/>
+                                      </p:to>
+                                    </p:set>
+                                  </p:childTnLst>
+                                </p:cTn>
+                              </p:par>
+                            </p:childTnLst>
+                          </p:cTn>
+                        </p:par>
+                      </p:childTnLst>
+                    </p:cTn>
+                  </p:par>
+                  <p:par>
+                    <p:cTn id="7" fill="hold">
+                      <p:stCondLst>
+                        <p:cond delay="indefinite"/>
+                      </p:stCondLst>
+                      <p:childTnLst>
+                        <p:par>
+                          <p:cTn id="8" fill="hold">
+                            <p:stCondLst>
+                              <p:cond delay="0"/>
+                            </p:stCondLst>
+                            <p:childTnLst>
+                              <p:par>
+                                <p:cTn id="9" presetID="1" presetClass="entr" presetSubtype="0" fill="hold" nodeType="clickEffect">
+                                  <p:stCondLst>
+                                    <p:cond delay="0"/>
+                                  </p:stCondLst>
+                                  <p:childTnLst>
+                                    <p:set>
+                                      <p:cBhvr>
+                                        <p:cTn id="10" dur="1" fill="hold">
+                                          <p:stCondLst>
+                                            <p:cond delay="0"/>
+                                          </p:stCondLst>
+                                        </p:cTn>
+                                        <p:tgtEl>
+                                          <p:spTgt spid="1233923">
+                                            <p:txEl>
                                               <p:pRg st="2" end="2"/>
                                             </p:txEl>
                                           </p:spTgt>
@@ -23351,15 +23756,33 @@
                                   </p:childTnLst>
                                 </p:cTn>
                               </p:par>
+                            </p:childTnLst>
+                          </p:cTn>
+                        </p:par>
+                      </p:childTnLst>
+                    </p:cTn>
+                  </p:par>
+                  <p:par>
+                    <p:cTn id="11" fill="hold">
+                      <p:stCondLst>
+                        <p:cond delay="indefinite"/>
+                      </p:stCondLst>
+                      <p:childTnLst>
+                        <p:par>
+                          <p:cTn id="12" fill="hold">
+                            <p:stCondLst>
+                              <p:cond delay="0"/>
+                            </p:stCondLst>
+                            <p:childTnLst>
                               <p:par>
-                                <p:cTn id="7" presetID="1" presetClass="entr" presetSubtype="0" fill="hold" nodeType="withEffect">
+                                <p:cTn id="13" presetID="1" presetClass="entr" presetSubtype="0" fill="hold" nodeType="clickEffect">
                                   <p:stCondLst>
                                     <p:cond delay="0"/>
                                   </p:stCondLst>
                                   <p:childTnLst>
                                     <p:set>
                                       <p:cBhvr>
-                                        <p:cTn id="8" dur="1" fill="hold">
+                                        <p:cTn id="14" dur="1" fill="hold">
                                           <p:stCondLst>
                                             <p:cond delay="0"/>
                                           </p:stCondLst>
@@ -23389,26 +23812,26 @@
                     </p:cTn>
                   </p:par>
                   <p:par>
-                    <p:cTn id="9" fill="hold">
+                    <p:cTn id="15" fill="hold">
                       <p:stCondLst>
                         <p:cond delay="indefinite"/>
                       </p:stCondLst>
                       <p:childTnLst>
                         <p:par>
-                          <p:cTn id="10" fill="hold">
+                          <p:cTn id="16" fill="hold">
                             <p:stCondLst>
                               <p:cond delay="0"/>
                             </p:stCondLst>
                             <p:childTnLst>
                               <p:par>
-                                <p:cTn id="11" presetID="1" presetClass="entr" presetSubtype="0" fill="hold" grpId="0" nodeType="clickEffect">
+                                <p:cTn id="17" presetID="1" presetClass="entr" presetSubtype="0" fill="hold" grpId="0" nodeType="clickEffect">
                                   <p:stCondLst>
                                     <p:cond delay="0"/>
                                   </p:stCondLst>
                                   <p:childTnLst>
                                     <p:set>
                                       <p:cBhvr>
-                                        <p:cTn id="12" dur="1" fill="hold">
+                                        <p:cTn id="18" dur="1" fill="hold">
                                           <p:stCondLst>
                                             <p:cond delay="0"/>
                                           </p:stCondLst>
@@ -23427,15 +23850,33 @@
                                   </p:childTnLst>
                                 </p:cTn>
                               </p:par>
+                            </p:childTnLst>
+                          </p:cTn>
+                        </p:par>
+                      </p:childTnLst>
+                    </p:cTn>
+                  </p:par>
+                  <p:par>
+                    <p:cTn id="19" fill="hold">
+                      <p:stCondLst>
+                        <p:cond delay="indefinite"/>
+                      </p:stCondLst>
+                      <p:childTnLst>
+                        <p:par>
+                          <p:cTn id="20" fill="hold">
+                            <p:stCondLst>
+                              <p:cond delay="0"/>
+                            </p:stCondLst>
+                            <p:childTnLst>
                               <p:par>
-                                <p:cTn id="13" presetID="1" presetClass="entr" presetSubtype="0" fill="hold" grpId="0" nodeType="withEffect">
+                                <p:cTn id="21" presetID="1" presetClass="entr" presetSubtype="0" fill="hold" grpId="0" nodeType="clickEffect">
                                   <p:stCondLst>
                                     <p:cond delay="0"/>
                                   </p:stCondLst>
                                   <p:childTnLst>
                                     <p:set>
                                       <p:cBhvr>
-                                        <p:cTn id="14" dur="1" fill="hold">
+                                        <p:cTn id="22" dur="1" fill="hold">
                                           <p:stCondLst>
                                             <p:cond delay="0"/>
                                           </p:stCondLst>
@@ -23455,14 +23896,14 @@
                                 </p:cTn>
                               </p:par>
                               <p:par>
-                                <p:cTn id="15" presetID="1" presetClass="entr" presetSubtype="0" fill="hold" grpId="0" nodeType="withEffect">
+                                <p:cTn id="23" presetID="1" presetClass="entr" presetSubtype="0" fill="hold" grpId="0" nodeType="withEffect">
                                   <p:stCondLst>
                                     <p:cond delay="0"/>
                                   </p:stCondLst>
                                   <p:childTnLst>
                                     <p:set>
                                       <p:cBhvr>
-                                        <p:cTn id="16" dur="1" fill="hold">
+                                        <p:cTn id="24" dur="1" fill="hold">
                                           <p:stCondLst>
                                             <p:cond delay="0"/>
                                           </p:stCondLst>
@@ -23488,26 +23929,26 @@
                     </p:cTn>
                   </p:par>
                   <p:par>
-                    <p:cTn id="17" fill="hold">
+                    <p:cTn id="25" fill="hold">
                       <p:stCondLst>
                         <p:cond delay="indefinite"/>
                       </p:stCondLst>
                       <p:childTnLst>
                         <p:par>
-                          <p:cTn id="18" fill="hold">
+                          <p:cTn id="26" fill="hold">
                             <p:stCondLst>
                               <p:cond delay="0"/>
                             </p:stCondLst>
                             <p:childTnLst>
                               <p:par>
-                                <p:cTn id="19" presetID="1" presetClass="entr" presetSubtype="0" fill="hold" grpId="0" nodeType="clickEffect">
+                                <p:cTn id="27" presetID="1" presetClass="entr" presetSubtype="0" fill="hold" grpId="0" nodeType="clickEffect">
                                   <p:stCondLst>
                                     <p:cond delay="0"/>
                                   </p:stCondLst>
                                   <p:childTnLst>
                                     <p:set>
                                       <p:cBhvr>
-                                        <p:cTn id="20" dur="1" fill="hold">
+                                        <p:cTn id="28" dur="1" fill="hold">
                                           <p:stCondLst>
                                             <p:cond delay="0"/>
                                           </p:stCondLst>
@@ -23533,26 +23974,26 @@
                     </p:cTn>
                   </p:par>
                   <p:par>
-                    <p:cTn id="21" fill="hold">
+                    <p:cTn id="29" fill="hold">
                       <p:stCondLst>
                         <p:cond delay="indefinite"/>
                       </p:stCondLst>
                       <p:childTnLst>
                         <p:par>
-                          <p:cTn id="22" fill="hold">
+                          <p:cTn id="30" fill="hold">
                             <p:stCondLst>
                               <p:cond delay="0"/>
                             </p:stCondLst>
                             <p:childTnLst>
                               <p:par>
-                                <p:cTn id="23" presetID="1" presetClass="entr" presetSubtype="0" fill="hold" grpId="0" nodeType="clickEffect">
+                                <p:cTn id="31" presetID="1" presetClass="entr" presetSubtype="0" fill="hold" grpId="0" nodeType="clickEffect">
                                   <p:stCondLst>
                                     <p:cond delay="0"/>
                                   </p:stCondLst>
                                   <p:childTnLst>
                                     <p:set>
                                       <p:cBhvr>
-                                        <p:cTn id="24" dur="1" fill="hold">
+                                        <p:cTn id="32" dur="1" fill="hold">
                                           <p:stCondLst>
                                             <p:cond delay="0"/>
                                           </p:stCondLst>

--- a/Courses/Software-Sciences/Module-1-OOP/09.1-Inheritance-Basics/09.1-Inheritance-Basics.pptx
+++ b/Courses/Software-Sciences/Module-1-OOP/09.1-Inheritance-Basics/09.1-Inheritance-Basics.pptx
@@ -303,7 +303,7 @@
           <a:p>
             <a:fld id="{4E087215-0C8F-4762-A664-737A353EC9A4}" type="datetimeFigureOut">
               <a:rPr lang="bg-BG" smtClean="0"/>
-              <a:t>16.06.24 г.</a:t>
+              <a:t>17.06.24 г.</a:t>
             </a:fld>
             <a:endParaRPr lang="bg-BG"/>
           </a:p>
@@ -499,7 +499,7 @@
           <a:p>
             <a:fld id="{72D84649-876A-46C9-8472-14CB09C070D8}" type="datetimeFigureOut">
               <a:rPr lang="en-US" smtClean="0"/>
-              <a:t>6/16/24</a:t>
+              <a:t>6/17/24</a:t>
             </a:fld>
             <a:endParaRPr lang="en-US"/>
           </a:p>
@@ -14684,12 +14684,12 @@
               <a:t>($"{</a:t>
             </a:r>
             <a:r>
-              <a:rPr lang="en-US" dirty="0">
+              <a:rPr lang="en-US" dirty="0" err="1">
                 <a:solidFill>
                   <a:schemeClr val="bg1"/>
                 </a:solidFill>
               </a:rPr>
-              <a:t>base.name</a:t>
+              <a:t>base.Name</a:t>
             </a:r>
             <a:r>
               <a:rPr lang="en-US" dirty="0"/>
@@ -22666,11 +22666,11 @@
   <p:clrMapOvr>
     <a:masterClrMapping/>
   </p:clrMapOvr>
-  <mc:AlternateContent xmlns:mc="http://schemas.openxmlformats.org/markup-compatibility/2006">
-    <mc:Choice xmlns:p14="http://schemas.microsoft.com/office/powerpoint/2010/main" Requires="p14">
+  <mc:AlternateContent xmlns:mc="http://schemas.openxmlformats.org/markup-compatibility/2006" xmlns:p14="http://schemas.microsoft.com/office/powerpoint/2010/main">
+    <mc:Choice Requires="p14">
       <p:transition spd="slow" p14:dur="2000" advClick="0" advTm="5000"/>
     </mc:Choice>
-    <mc:Fallback>
+    <mc:Fallback xmlns="">
       <p:transition spd="slow" advClick="0" advTm="5000"/>
     </mc:Fallback>
   </mc:AlternateContent>
@@ -29761,7 +29761,7 @@
                 <a:latin typeface="Consolas" panose="020B0609020204030204" pitchFamily="49" charset="0"/>
                 <a:cs typeface="Consolas" panose="020B0609020204030204" pitchFamily="49" charset="0"/>
               </a:rPr>
-              <a:t>Person</a:t>
+              <a:t>Employee</a:t>
             </a:r>
             <a:endParaRPr lang="bg-BG" sz="2200" b="1" dirty="0">
               <a:solidFill>
